--- a/네트워크 게임 프로그래밍 레포트.pptx
+++ b/네트워크 게임 프로그래밍 레포트.pptx
@@ -228,7 +228,7 @@
               <a:pPr lvl="0">
                 <a:defRPr/>
               </a:pPr>
-              <a:t>2019-11-26</a:t>
+              <a:t>2019-11-28</a:t>
             </a:fld>
             <a:endParaRPr lang="ko-KR" altLang="en-US"/>
           </a:p>
@@ -660,7 +660,7 @@
           <a:p>
             <a:fld id="{733DF88E-EEC7-4590-8394-8F97695D91F0}" type="datetimeFigureOut">
               <a:rPr lang="ko-KR" altLang="en-US" smtClean="0"/>
-              <a:t>2019-11-26</a:t>
+              <a:t>2019-11-28</a:t>
             </a:fld>
             <a:endParaRPr lang="ko-KR" altLang="en-US"/>
           </a:p>
@@ -858,7 +858,7 @@
           <a:p>
             <a:fld id="{733DF88E-EEC7-4590-8394-8F97695D91F0}" type="datetimeFigureOut">
               <a:rPr lang="ko-KR" altLang="en-US" smtClean="0"/>
-              <a:t>2019-11-26</a:t>
+              <a:t>2019-11-28</a:t>
             </a:fld>
             <a:endParaRPr lang="ko-KR" altLang="en-US"/>
           </a:p>
@@ -1066,7 +1066,7 @@
           <a:p>
             <a:fld id="{733DF88E-EEC7-4590-8394-8F97695D91F0}" type="datetimeFigureOut">
               <a:rPr lang="ko-KR" altLang="en-US" smtClean="0"/>
-              <a:t>2019-11-26</a:t>
+              <a:t>2019-11-28</a:t>
             </a:fld>
             <a:endParaRPr lang="ko-KR" altLang="en-US"/>
           </a:p>
@@ -1264,7 +1264,7 @@
           <a:p>
             <a:fld id="{733DF88E-EEC7-4590-8394-8F97695D91F0}" type="datetimeFigureOut">
               <a:rPr lang="ko-KR" altLang="en-US" smtClean="0"/>
-              <a:t>2019-11-26</a:t>
+              <a:t>2019-11-28</a:t>
             </a:fld>
             <a:endParaRPr lang="ko-KR" altLang="en-US"/>
           </a:p>
@@ -1539,7 +1539,7 @@
           <a:p>
             <a:fld id="{733DF88E-EEC7-4590-8394-8F97695D91F0}" type="datetimeFigureOut">
               <a:rPr lang="ko-KR" altLang="en-US" smtClean="0"/>
-              <a:t>2019-11-26</a:t>
+              <a:t>2019-11-28</a:t>
             </a:fld>
             <a:endParaRPr lang="ko-KR" altLang="en-US"/>
           </a:p>
@@ -1804,7 +1804,7 @@
           <a:p>
             <a:fld id="{733DF88E-EEC7-4590-8394-8F97695D91F0}" type="datetimeFigureOut">
               <a:rPr lang="ko-KR" altLang="en-US" smtClean="0"/>
-              <a:t>2019-11-26</a:t>
+              <a:t>2019-11-28</a:t>
             </a:fld>
             <a:endParaRPr lang="ko-KR" altLang="en-US"/>
           </a:p>
@@ -2216,7 +2216,7 @@
           <a:p>
             <a:fld id="{733DF88E-EEC7-4590-8394-8F97695D91F0}" type="datetimeFigureOut">
               <a:rPr lang="ko-KR" altLang="en-US" smtClean="0"/>
-              <a:t>2019-11-26</a:t>
+              <a:t>2019-11-28</a:t>
             </a:fld>
             <a:endParaRPr lang="ko-KR" altLang="en-US"/>
           </a:p>
@@ -2357,7 +2357,7 @@
           <a:p>
             <a:fld id="{733DF88E-EEC7-4590-8394-8F97695D91F0}" type="datetimeFigureOut">
               <a:rPr lang="ko-KR" altLang="en-US" smtClean="0"/>
-              <a:t>2019-11-26</a:t>
+              <a:t>2019-11-28</a:t>
             </a:fld>
             <a:endParaRPr lang="ko-KR" altLang="en-US"/>
           </a:p>
@@ -2470,7 +2470,7 @@
           <a:p>
             <a:fld id="{733DF88E-EEC7-4590-8394-8F97695D91F0}" type="datetimeFigureOut">
               <a:rPr lang="ko-KR" altLang="en-US" smtClean="0"/>
-              <a:t>2019-11-26</a:t>
+              <a:t>2019-11-28</a:t>
             </a:fld>
             <a:endParaRPr lang="ko-KR" altLang="en-US"/>
           </a:p>
@@ -2781,7 +2781,7 @@
           <a:p>
             <a:fld id="{733DF88E-EEC7-4590-8394-8F97695D91F0}" type="datetimeFigureOut">
               <a:rPr lang="ko-KR" altLang="en-US" smtClean="0"/>
-              <a:t>2019-11-26</a:t>
+              <a:t>2019-11-28</a:t>
             </a:fld>
             <a:endParaRPr lang="ko-KR" altLang="en-US"/>
           </a:p>
@@ -3069,7 +3069,7 @@
           <a:p>
             <a:fld id="{733DF88E-EEC7-4590-8394-8F97695D91F0}" type="datetimeFigureOut">
               <a:rPr lang="ko-KR" altLang="en-US" smtClean="0"/>
-              <a:t>2019-11-26</a:t>
+              <a:t>2019-11-28</a:t>
             </a:fld>
             <a:endParaRPr lang="ko-KR" altLang="en-US"/>
           </a:p>
@@ -3310,7 +3310,7 @@
           <a:p>
             <a:fld id="{733DF88E-EEC7-4590-8394-8F97695D91F0}" type="datetimeFigureOut">
               <a:rPr lang="ko-KR" altLang="en-US" smtClean="0"/>
-              <a:t>2019-11-26</a:t>
+              <a:t>2019-11-28</a:t>
             </a:fld>
             <a:endParaRPr lang="ko-KR" altLang="en-US"/>
           </a:p>
@@ -7990,8 +7990,8 @@
         </p:nvSpPr>
         <p:spPr>
           <a:xfrm>
-            <a:off x="3416639" y="3051115"/>
-            <a:ext cx="2185214" cy="1477328"/>
+            <a:off x="2851390" y="2803830"/>
+            <a:ext cx="2675734" cy="2031325"/>
           </a:xfrm>
           <a:prstGeom prst="rect">
             <a:avLst/>
@@ -8066,49 +8066,6 @@
               <a:ea typeface="HY견고딕" panose="02030600000101010101" pitchFamily="18" charset="-127"/>
             </a:endParaRPr>
           </a:p>
-        </p:txBody>
-      </p:sp>
-      <p:sp>
-        <p:nvSpPr>
-          <p:cNvPr id="41" name="TextBox 40">
-            <a:extLst>
-              <a:ext uri="{FF2B5EF4-FFF2-40B4-BE49-F238E27FC236}">
-                <a16:creationId xmlns:a16="http://schemas.microsoft.com/office/drawing/2014/main" id="{1FA041E5-1338-4FA7-8567-0C33C0F83056}"/>
-              </a:ext>
-            </a:extLst>
-          </p:cNvPr>
-          <p:cNvSpPr txBox="1"/>
-          <p:nvPr/>
-        </p:nvSpPr>
-        <p:spPr>
-          <a:xfrm>
-            <a:off x="6613739" y="2705126"/>
-            <a:ext cx="2185214" cy="2031325"/>
-          </a:xfrm>
-          <a:prstGeom prst="rect">
-            <a:avLst/>
-          </a:prstGeom>
-          <a:noFill/>
-        </p:spPr>
-        <p:txBody>
-          <a:bodyPr wrap="none" rtlCol="0">
-            <a:spAutoFit/>
-          </a:bodyPr>
-          <a:lstStyle/>
-          <a:p>
-            <a:pPr algn="ctr"/>
-            <a:r>
-              <a:rPr lang="ko-KR" altLang="en-US" dirty="0">
-                <a:latin typeface="HY견고딕" panose="02030600000101010101" pitchFamily="18" charset="-127"/>
-                <a:ea typeface="HY견고딕" panose="02030600000101010101" pitchFamily="18" charset="-127"/>
-              </a:rPr>
-              <a:t>서버 담당</a:t>
-            </a:r>
-            <a:endParaRPr lang="en-US" altLang="ko-KR" dirty="0">
-              <a:latin typeface="HY견고딕" panose="02030600000101010101" pitchFamily="18" charset="-127"/>
-              <a:ea typeface="HY견고딕" panose="02030600000101010101" pitchFamily="18" charset="-127"/>
-            </a:endParaRPr>
-          </a:p>
           <a:p>
             <a:pPr algn="ctr"/>
             <a:endParaRPr lang="en-US" altLang="ko-KR" dirty="0">
@@ -8119,18 +8076,68 @@
           <a:p>
             <a:pPr algn="ctr"/>
             <a:r>
+              <a:rPr lang="ko-KR" altLang="en-US" dirty="0">
+                <a:latin typeface="HY견고딕" panose="02030600000101010101" pitchFamily="18" charset="-127"/>
+                <a:ea typeface="HY견고딕" panose="02030600000101010101" pitchFamily="18" charset="-127"/>
+              </a:rPr>
+              <a:t>플레이어 </a:t>
+            </a:r>
+            <a:r>
               <a:rPr lang="en-US" altLang="ko-KR" dirty="0">
                 <a:latin typeface="HY견고딕" panose="02030600000101010101" pitchFamily="18" charset="-127"/>
                 <a:ea typeface="HY견고딕" panose="02030600000101010101" pitchFamily="18" charset="-127"/>
               </a:rPr>
-              <a:t>TCP/IP </a:t>
+              <a:t>&amp; </a:t>
             </a:r>
             <a:r>
               <a:rPr lang="ko-KR" altLang="en-US" dirty="0">
                 <a:latin typeface="HY견고딕" panose="02030600000101010101" pitchFamily="18" charset="-127"/>
                 <a:ea typeface="HY견고딕" panose="02030600000101010101" pitchFamily="18" charset="-127"/>
               </a:rPr>
-              <a:t>서버 구현</a:t>
+              <a:t>총알 동기화</a:t>
+            </a:r>
+            <a:endParaRPr lang="en-US" altLang="ko-KR" dirty="0">
+              <a:latin typeface="HY견고딕" panose="02030600000101010101" pitchFamily="18" charset="-127"/>
+              <a:ea typeface="HY견고딕" panose="02030600000101010101" pitchFamily="18" charset="-127"/>
+            </a:endParaRPr>
+          </a:p>
+        </p:txBody>
+      </p:sp>
+      <p:sp>
+        <p:nvSpPr>
+          <p:cNvPr id="41" name="TextBox 40">
+            <a:extLst>
+              <a:ext uri="{FF2B5EF4-FFF2-40B4-BE49-F238E27FC236}">
+                <a16:creationId xmlns:a16="http://schemas.microsoft.com/office/drawing/2014/main" id="{1FA041E5-1338-4FA7-8567-0C33C0F83056}"/>
+              </a:ext>
+            </a:extLst>
+          </p:cNvPr>
+          <p:cNvSpPr txBox="1"/>
+          <p:nvPr/>
+        </p:nvSpPr>
+        <p:spPr>
+          <a:xfrm>
+            <a:off x="6848111" y="2497116"/>
+            <a:ext cx="2214068" cy="2585323"/>
+          </a:xfrm>
+          <a:prstGeom prst="rect">
+            <a:avLst/>
+          </a:prstGeom>
+          <a:noFill/>
+        </p:spPr>
+        <p:txBody>
+          <a:bodyPr wrap="none" rtlCol="0">
+            <a:spAutoFit/>
+          </a:bodyPr>
+          <a:lstStyle/>
+          <a:p>
+            <a:pPr algn="ctr"/>
+            <a:r>
+              <a:rPr lang="ko-KR" altLang="en-US" dirty="0">
+                <a:latin typeface="HY견고딕" panose="02030600000101010101" pitchFamily="18" charset="-127"/>
+                <a:ea typeface="HY견고딕" panose="02030600000101010101" pitchFamily="18" charset="-127"/>
+              </a:rPr>
+              <a:t>서버 담당</a:t>
             </a:r>
             <a:endParaRPr lang="en-US" altLang="ko-KR" dirty="0">
               <a:latin typeface="HY견고딕" panose="02030600000101010101" pitchFamily="18" charset="-127"/>
@@ -8147,11 +8154,18 @@
           <a:p>
             <a:pPr algn="ctr"/>
             <a:r>
+              <a:rPr lang="en-US" altLang="ko-KR" dirty="0">
+                <a:latin typeface="HY견고딕" panose="02030600000101010101" pitchFamily="18" charset="-127"/>
+                <a:ea typeface="HY견고딕" panose="02030600000101010101" pitchFamily="18" charset="-127"/>
+              </a:rPr>
+              <a:t>TCP/IP </a:t>
+            </a:r>
+            <a:r>
               <a:rPr lang="ko-KR" altLang="en-US" dirty="0">
                 <a:latin typeface="HY견고딕" panose="02030600000101010101" pitchFamily="18" charset="-127"/>
                 <a:ea typeface="HY견고딕" panose="02030600000101010101" pitchFamily="18" charset="-127"/>
               </a:rPr>
-              <a:t>멀티 쓰레드 구현</a:t>
+              <a:t>서버 구현</a:t>
             </a:r>
             <a:endParaRPr lang="en-US" altLang="ko-KR" dirty="0">
               <a:latin typeface="HY견고딕" panose="02030600000101010101" pitchFamily="18" charset="-127"/>
@@ -8172,13 +8186,69 @@
                 <a:latin typeface="HY견고딕" panose="02030600000101010101" pitchFamily="18" charset="-127"/>
                 <a:ea typeface="HY견고딕" panose="02030600000101010101" pitchFamily="18" charset="-127"/>
               </a:rPr>
-              <a:t>쓰레드 동기화 구현</a:t>
+              <a:t>멀티 쓰레드 구현</a:t>
             </a:r>
             <a:endParaRPr lang="en-US" altLang="ko-KR" dirty="0">
               <a:latin typeface="HY견고딕" panose="02030600000101010101" pitchFamily="18" charset="-127"/>
               <a:ea typeface="HY견고딕" panose="02030600000101010101" pitchFamily="18" charset="-127"/>
             </a:endParaRPr>
           </a:p>
+          <a:p>
+            <a:pPr algn="ctr"/>
+            <a:endParaRPr lang="en-US" altLang="ko-KR" dirty="0">
+              <a:latin typeface="HY견고딕" panose="02030600000101010101" pitchFamily="18" charset="-127"/>
+              <a:ea typeface="HY견고딕" panose="02030600000101010101" pitchFamily="18" charset="-127"/>
+            </a:endParaRPr>
+          </a:p>
+          <a:p>
+            <a:pPr algn="ctr"/>
+            <a:r>
+              <a:rPr lang="ko-KR" altLang="en-US" dirty="0">
+                <a:latin typeface="HY견고딕" panose="02030600000101010101" pitchFamily="18" charset="-127"/>
+                <a:ea typeface="HY견고딕" panose="02030600000101010101" pitchFamily="18" charset="-127"/>
+              </a:rPr>
+              <a:t>쓰레드 동기화 구현</a:t>
+            </a:r>
+            <a:endParaRPr lang="en-US" altLang="ko-KR" dirty="0">
+              <a:latin typeface="HY견고딕" panose="02030600000101010101" pitchFamily="18" charset="-127"/>
+              <a:ea typeface="HY견고딕" panose="02030600000101010101" pitchFamily="18" charset="-127"/>
+            </a:endParaRPr>
+          </a:p>
+          <a:p>
+            <a:pPr algn="ctr"/>
+            <a:endParaRPr lang="en-US" altLang="ko-KR" dirty="0">
+              <a:latin typeface="HY견고딕" panose="02030600000101010101" pitchFamily="18" charset="-127"/>
+              <a:ea typeface="HY견고딕" panose="02030600000101010101" pitchFamily="18" charset="-127"/>
+            </a:endParaRPr>
+          </a:p>
+          <a:p>
+            <a:pPr algn="ctr"/>
+            <a:r>
+              <a:rPr lang="ko-KR" altLang="en-US" dirty="0">
+                <a:latin typeface="HY견고딕" panose="02030600000101010101" pitchFamily="18" charset="-127"/>
+                <a:ea typeface="HY견고딕" panose="02030600000101010101" pitchFamily="18" charset="-127"/>
+              </a:rPr>
+              <a:t>장애물 </a:t>
+            </a:r>
+            <a:r>
+              <a:rPr lang="en-US" altLang="ko-KR" dirty="0">
+                <a:latin typeface="HY견고딕" panose="02030600000101010101" pitchFamily="18" charset="-127"/>
+                <a:ea typeface="HY견고딕" panose="02030600000101010101" pitchFamily="18" charset="-127"/>
+              </a:rPr>
+              <a:t>&amp; </a:t>
+            </a:r>
+            <a:r>
+              <a:rPr lang="ko-KR" altLang="en-US" dirty="0">
+                <a:latin typeface="HY견고딕" panose="02030600000101010101" pitchFamily="18" charset="-127"/>
+                <a:ea typeface="HY견고딕" panose="02030600000101010101" pitchFamily="18" charset="-127"/>
+              </a:rPr>
+              <a:t>공 동기화</a:t>
+            </a:r>
+            <a:endParaRPr lang="en-US" altLang="ko-KR" dirty="0">
+              <a:latin typeface="HY견고딕" panose="02030600000101010101" pitchFamily="18" charset="-127"/>
+              <a:ea typeface="HY견고딕" panose="02030600000101010101" pitchFamily="18" charset="-127"/>
+            </a:endParaRPr>
+          </a:p>
         </p:txBody>
       </p:sp>
       <p:sp>
@@ -8195,8 +8265,8 @@
         </p:nvSpPr>
         <p:spPr>
           <a:xfrm>
-            <a:off x="5553798" y="3429000"/>
-            <a:ext cx="1107996" cy="646331"/>
+            <a:off x="5503529" y="3189614"/>
+            <a:ext cx="1184940" cy="1200329"/>
           </a:xfrm>
           <a:prstGeom prst="rect">
             <a:avLst/>
@@ -8208,6 +8278,27 @@
             <a:spAutoFit/>
           </a:bodyPr>
           <a:lstStyle/>
+          <a:p>
+            <a:pPr algn="ctr"/>
+            <a:r>
+              <a:rPr lang="ko-KR" altLang="en-US" dirty="0">
+                <a:latin typeface="HY견고딕" panose="02030600000101010101" pitchFamily="18" charset="-127"/>
+                <a:ea typeface="HY견고딕" panose="02030600000101010101" pitchFamily="18" charset="-127"/>
+              </a:rPr>
+              <a:t>서버 연결</a:t>
+            </a:r>
+            <a:endParaRPr lang="en-US" altLang="ko-KR" dirty="0">
+              <a:latin typeface="HY견고딕" panose="02030600000101010101" pitchFamily="18" charset="-127"/>
+              <a:ea typeface="HY견고딕" panose="02030600000101010101" pitchFamily="18" charset="-127"/>
+            </a:endParaRPr>
+          </a:p>
+          <a:p>
+            <a:pPr algn="ctr"/>
+            <a:endParaRPr lang="en-US" altLang="ko-KR" dirty="0">
+              <a:latin typeface="HY견고딕" panose="02030600000101010101" pitchFamily="18" charset="-127"/>
+              <a:ea typeface="HY견고딕" panose="02030600000101010101" pitchFamily="18" charset="-127"/>
+            </a:endParaRPr>
+          </a:p>
           <a:p>
             <a:pPr algn="ctr"/>
             <a:r>

--- a/네트워크 게임 프로그래밍 레포트.pptx
+++ b/네트워크 게임 프로그래밍 레포트.pptx
@@ -5,7 +5,7 @@
     <p:sldMasterId id="2147483661" r:id="rId1"/>
   </p:sldMasterIdLst>
   <p:notesMasterIdLst>
-    <p:notesMasterId r:id="rId14"/>
+    <p:notesMasterId r:id="rId16"/>
   </p:notesMasterIdLst>
   <p:sldIdLst>
     <p:sldId id="256" r:id="rId2"/>
@@ -16,10 +16,12 @@
     <p:sldId id="277" r:id="rId7"/>
     <p:sldId id="278" r:id="rId8"/>
     <p:sldId id="279" r:id="rId9"/>
-    <p:sldId id="280" r:id="rId10"/>
-    <p:sldId id="281" r:id="rId11"/>
-    <p:sldId id="282" r:id="rId12"/>
-    <p:sldId id="274" r:id="rId13"/>
+    <p:sldId id="283" r:id="rId10"/>
+    <p:sldId id="280" r:id="rId11"/>
+    <p:sldId id="284" r:id="rId12"/>
+    <p:sldId id="281" r:id="rId13"/>
+    <p:sldId id="282" r:id="rId14"/>
+    <p:sldId id="274" r:id="rId15"/>
   </p:sldIdLst>
   <p:sldSz cx="12192000" cy="6858000"/>
   <p:notesSz cx="6858000" cy="9144000"/>
@@ -228,7 +230,7 @@
               <a:pPr lvl="0">
                 <a:defRPr/>
               </a:pPr>
-              <a:t>2019-11-28</a:t>
+              <a:t>2019-12-06</a:t>
             </a:fld>
             <a:endParaRPr lang="ko-KR" altLang="en-US"/>
           </a:p>
@@ -660,7 +662,7 @@
           <a:p>
             <a:fld id="{733DF88E-EEC7-4590-8394-8F97695D91F0}" type="datetimeFigureOut">
               <a:rPr lang="ko-KR" altLang="en-US" smtClean="0"/>
-              <a:t>2019-11-28</a:t>
+              <a:t>2019-12-06</a:t>
             </a:fld>
             <a:endParaRPr lang="ko-KR" altLang="en-US"/>
           </a:p>
@@ -858,7 +860,7 @@
           <a:p>
             <a:fld id="{733DF88E-EEC7-4590-8394-8F97695D91F0}" type="datetimeFigureOut">
               <a:rPr lang="ko-KR" altLang="en-US" smtClean="0"/>
-              <a:t>2019-11-28</a:t>
+              <a:t>2019-12-06</a:t>
             </a:fld>
             <a:endParaRPr lang="ko-KR" altLang="en-US"/>
           </a:p>
@@ -1066,7 +1068,7 @@
           <a:p>
             <a:fld id="{733DF88E-EEC7-4590-8394-8F97695D91F0}" type="datetimeFigureOut">
               <a:rPr lang="ko-KR" altLang="en-US" smtClean="0"/>
-              <a:t>2019-11-28</a:t>
+              <a:t>2019-12-06</a:t>
             </a:fld>
             <a:endParaRPr lang="ko-KR" altLang="en-US"/>
           </a:p>
@@ -1264,7 +1266,7 @@
           <a:p>
             <a:fld id="{733DF88E-EEC7-4590-8394-8F97695D91F0}" type="datetimeFigureOut">
               <a:rPr lang="ko-KR" altLang="en-US" smtClean="0"/>
-              <a:t>2019-11-28</a:t>
+              <a:t>2019-12-06</a:t>
             </a:fld>
             <a:endParaRPr lang="ko-KR" altLang="en-US"/>
           </a:p>
@@ -1539,7 +1541,7 @@
           <a:p>
             <a:fld id="{733DF88E-EEC7-4590-8394-8F97695D91F0}" type="datetimeFigureOut">
               <a:rPr lang="ko-KR" altLang="en-US" smtClean="0"/>
-              <a:t>2019-11-28</a:t>
+              <a:t>2019-12-06</a:t>
             </a:fld>
             <a:endParaRPr lang="ko-KR" altLang="en-US"/>
           </a:p>
@@ -1804,7 +1806,7 @@
           <a:p>
             <a:fld id="{733DF88E-EEC7-4590-8394-8F97695D91F0}" type="datetimeFigureOut">
               <a:rPr lang="ko-KR" altLang="en-US" smtClean="0"/>
-              <a:t>2019-11-28</a:t>
+              <a:t>2019-12-06</a:t>
             </a:fld>
             <a:endParaRPr lang="ko-KR" altLang="en-US"/>
           </a:p>
@@ -2216,7 +2218,7 @@
           <a:p>
             <a:fld id="{733DF88E-EEC7-4590-8394-8F97695D91F0}" type="datetimeFigureOut">
               <a:rPr lang="ko-KR" altLang="en-US" smtClean="0"/>
-              <a:t>2019-11-28</a:t>
+              <a:t>2019-12-06</a:t>
             </a:fld>
             <a:endParaRPr lang="ko-KR" altLang="en-US"/>
           </a:p>
@@ -2357,7 +2359,7 @@
           <a:p>
             <a:fld id="{733DF88E-EEC7-4590-8394-8F97695D91F0}" type="datetimeFigureOut">
               <a:rPr lang="ko-KR" altLang="en-US" smtClean="0"/>
-              <a:t>2019-11-28</a:t>
+              <a:t>2019-12-06</a:t>
             </a:fld>
             <a:endParaRPr lang="ko-KR" altLang="en-US"/>
           </a:p>
@@ -2470,7 +2472,7 @@
           <a:p>
             <a:fld id="{733DF88E-EEC7-4590-8394-8F97695D91F0}" type="datetimeFigureOut">
               <a:rPr lang="ko-KR" altLang="en-US" smtClean="0"/>
-              <a:t>2019-11-28</a:t>
+              <a:t>2019-12-06</a:t>
             </a:fld>
             <a:endParaRPr lang="ko-KR" altLang="en-US"/>
           </a:p>
@@ -2781,7 +2783,7 @@
           <a:p>
             <a:fld id="{733DF88E-EEC7-4590-8394-8F97695D91F0}" type="datetimeFigureOut">
               <a:rPr lang="ko-KR" altLang="en-US" smtClean="0"/>
-              <a:t>2019-11-28</a:t>
+              <a:t>2019-12-06</a:t>
             </a:fld>
             <a:endParaRPr lang="ko-KR" altLang="en-US"/>
           </a:p>
@@ -3069,7 +3071,7 @@
           <a:p>
             <a:fld id="{733DF88E-EEC7-4590-8394-8F97695D91F0}" type="datetimeFigureOut">
               <a:rPr lang="ko-KR" altLang="en-US" smtClean="0"/>
-              <a:t>2019-11-28</a:t>
+              <a:t>2019-12-06</a:t>
             </a:fld>
             <a:endParaRPr lang="ko-KR" altLang="en-US"/>
           </a:p>
@@ -3310,7 +3312,7 @@
           <a:p>
             <a:fld id="{733DF88E-EEC7-4590-8394-8F97695D91F0}" type="datetimeFigureOut">
               <a:rPr lang="ko-KR" altLang="en-US" smtClean="0"/>
-              <a:t>2019-11-28</a:t>
+              <a:t>2019-12-06</a:t>
             </a:fld>
             <a:endParaRPr lang="ko-KR" altLang="en-US"/>
           </a:p>
@@ -3971,7 +3973,7 @@
         <p:spPr>
           <a:xfrm>
             <a:off x="1347787" y="876597"/>
-            <a:ext cx="2749471" cy="707886"/>
+            <a:ext cx="2236510" cy="707886"/>
           </a:xfrm>
           <a:prstGeom prst="rect">
             <a:avLst/>
@@ -3985,16 +3987,12 @@
           <a:lstStyle/>
           <a:p>
             <a:r>
-              <a:rPr lang="ko-KR" altLang="en-US" sz="4000" dirty="0" err="1">
+              <a:rPr lang="ko-KR" altLang="en-US" sz="4000" dirty="0">
                 <a:latin typeface="HY헤드라인M" panose="02030600000101010101" pitchFamily="18" charset="-127"/>
                 <a:ea typeface="HY헤드라인M" panose="02030600000101010101" pitchFamily="18" charset="-127"/>
               </a:rPr>
-              <a:t>멀티쓰레드</a:t>
-            </a:r>
-            <a:endParaRPr lang="ko-KR" altLang="en-US" sz="4000" dirty="0">
-              <a:latin typeface="HY헤드라인M" panose="02030600000101010101" pitchFamily="18" charset="-127"/>
-              <a:ea typeface="HY헤드라인M" panose="02030600000101010101" pitchFamily="18" charset="-127"/>
-            </a:endParaRPr>
+              <a:t>프로토콜</a:t>
+            </a:r>
           </a:p>
         </p:txBody>
       </p:sp>
@@ -4180,8 +4178,8 @@
         </p:nvSpPr>
         <p:spPr>
           <a:xfrm>
-            <a:off x="4811032" y="3429000"/>
-            <a:ext cx="2569934" cy="646331"/>
+            <a:off x="6174621" y="2352088"/>
+            <a:ext cx="3416320" cy="2585323"/>
           </a:xfrm>
           <a:prstGeom prst="rect">
             <a:avLst/>
@@ -4200,7 +4198,7 @@
                 <a:latin typeface="HY견고딕" panose="02030600000101010101" pitchFamily="18" charset="-127"/>
                 <a:ea typeface="HY견고딕" panose="02030600000101010101" pitchFamily="18" charset="-127"/>
               </a:rPr>
-              <a:t>각각의 클라이언트마다</a:t>
+              <a:t>서버와 통신하는 프로토콜 정의</a:t>
             </a:r>
             <a:endParaRPr lang="en-US" altLang="ko-KR" dirty="0">
               <a:latin typeface="HY견고딕" panose="02030600000101010101" pitchFamily="18" charset="-127"/>
@@ -4210,23 +4208,244 @@
           <a:p>
             <a:pPr algn="ctr"/>
             <a:r>
-              <a:rPr lang="ko-KR" altLang="en-US" dirty="0">
-                <a:latin typeface="HY견고딕" panose="02030600000101010101" pitchFamily="18" charset="-127"/>
-                <a:ea typeface="HY견고딕" panose="02030600000101010101" pitchFamily="18" charset="-127"/>
-              </a:rPr>
-              <a:t>하나의 쓰레드 생성</a:t>
-            </a:r>
+              <a:rPr lang="en-US" altLang="ko-KR" dirty="0">
+                <a:latin typeface="HY견고딕" panose="02030600000101010101" pitchFamily="18" charset="-127"/>
+                <a:ea typeface="HY견고딕" panose="02030600000101010101" pitchFamily="18" charset="-127"/>
+              </a:rPr>
+              <a:t>(</a:t>
+            </a:r>
+            <a:r>
+              <a:rPr lang="en-US" altLang="ko-KR" dirty="0" err="1">
+                <a:latin typeface="HY견고딕" panose="02030600000101010101" pitchFamily="18" charset="-127"/>
+                <a:ea typeface="HY견고딕" panose="02030600000101010101" pitchFamily="18" charset="-127"/>
+              </a:rPr>
+              <a:t>Protocol.h</a:t>
+            </a:r>
+            <a:r>
+              <a:rPr lang="en-US" altLang="ko-KR" dirty="0">
+                <a:latin typeface="HY견고딕" panose="02030600000101010101" pitchFamily="18" charset="-127"/>
+                <a:ea typeface="HY견고딕" panose="02030600000101010101" pitchFamily="18" charset="-127"/>
+              </a:rPr>
+              <a:t>)</a:t>
+            </a:r>
+          </a:p>
+          <a:p>
+            <a:pPr algn="ctr"/>
             <a:endParaRPr lang="en-US" altLang="ko-KR" dirty="0">
               <a:latin typeface="HY견고딕" panose="02030600000101010101" pitchFamily="18" charset="-127"/>
               <a:ea typeface="HY견고딕" panose="02030600000101010101" pitchFamily="18" charset="-127"/>
             </a:endParaRPr>
           </a:p>
-        </p:txBody>
-      </p:sp>
+          <a:p>
+            <a:pPr algn="ctr"/>
+            <a:r>
+              <a:rPr lang="en-US" altLang="ko-KR" dirty="0">
+                <a:latin typeface="HY견고딕" panose="02030600000101010101" pitchFamily="18" charset="-127"/>
+                <a:ea typeface="HY견고딕" panose="02030600000101010101" pitchFamily="18" charset="-127"/>
+              </a:rPr>
+              <a:t>Player</a:t>
+            </a:r>
+          </a:p>
+          <a:p>
+            <a:pPr algn="ctr"/>
+            <a:r>
+              <a:rPr lang="en-US" altLang="ko-KR" dirty="0">
+                <a:latin typeface="HY견고딕" panose="02030600000101010101" pitchFamily="18" charset="-127"/>
+                <a:ea typeface="HY견고딕" panose="02030600000101010101" pitchFamily="18" charset="-127"/>
+              </a:rPr>
+              <a:t>Bullet</a:t>
+            </a:r>
+          </a:p>
+          <a:p>
+            <a:pPr algn="ctr"/>
+            <a:r>
+              <a:rPr lang="en-US" altLang="ko-KR" dirty="0">
+                <a:latin typeface="HY견고딕" panose="02030600000101010101" pitchFamily="18" charset="-127"/>
+                <a:ea typeface="HY견고딕" panose="02030600000101010101" pitchFamily="18" charset="-127"/>
+              </a:rPr>
+              <a:t>Ball</a:t>
+            </a:r>
+          </a:p>
+          <a:p>
+            <a:pPr algn="ctr"/>
+            <a:r>
+              <a:rPr lang="en-US" altLang="ko-KR" dirty="0">
+                <a:latin typeface="HY견고딕" panose="02030600000101010101" pitchFamily="18" charset="-127"/>
+                <a:ea typeface="HY견고딕" panose="02030600000101010101" pitchFamily="18" charset="-127"/>
+              </a:rPr>
+              <a:t>Tile(Block)</a:t>
+            </a:r>
+          </a:p>
+          <a:p>
+            <a:pPr algn="ctr"/>
+            <a:r>
+              <a:rPr lang="en-US" altLang="ko-KR" dirty="0">
+                <a:latin typeface="HY견고딕" panose="02030600000101010101" pitchFamily="18" charset="-127"/>
+                <a:ea typeface="HY견고딕" panose="02030600000101010101" pitchFamily="18" charset="-127"/>
+              </a:rPr>
+              <a:t>Item</a:t>
+            </a:r>
+          </a:p>
+          <a:p>
+            <a:pPr algn="ctr"/>
+            <a:r>
+              <a:rPr lang="en-US" altLang="ko-KR" dirty="0">
+                <a:latin typeface="HY견고딕" panose="02030600000101010101" pitchFamily="18" charset="-127"/>
+                <a:ea typeface="HY견고딕" panose="02030600000101010101" pitchFamily="18" charset="-127"/>
+              </a:rPr>
+              <a:t>…</a:t>
+            </a:r>
+          </a:p>
+        </p:txBody>
+      </p:sp>
+      <p:pic>
+        <p:nvPicPr>
+          <p:cNvPr id="9" name="그림 8" descr="검은색, 앉아있는, 화면, 전화이(가) 표시된 사진&#10;&#10;자동 생성된 설명">
+            <a:extLst>
+              <a:ext uri="{FF2B5EF4-FFF2-40B4-BE49-F238E27FC236}">
+                <a16:creationId xmlns:a16="http://schemas.microsoft.com/office/drawing/2014/main" id="{9A0AD1B4-EF17-46C6-8969-5339427D6452}"/>
+              </a:ext>
+            </a:extLst>
+          </p:cNvPr>
+          <p:cNvPicPr>
+            <a:picLocks noChangeAspect="1"/>
+          </p:cNvPicPr>
+          <p:nvPr/>
+        </p:nvPicPr>
+        <p:blipFill>
+          <a:blip r:embed="rId2">
+            <a:extLst>
+              <a:ext uri="{28A0092B-C50C-407E-A947-70E740481C1C}">
+                <a14:useLocalDpi xmlns:a14="http://schemas.microsoft.com/office/drawing/2010/main" val="0"/>
+              </a:ext>
+            </a:extLst>
+          </a:blip>
+          <a:stretch>
+            <a:fillRect/>
+          </a:stretch>
+        </p:blipFill>
+        <p:spPr>
+          <a:xfrm>
+            <a:off x="1523255" y="1630441"/>
+            <a:ext cx="1875536" cy="3383319"/>
+          </a:xfrm>
+          <a:prstGeom prst="rect">
+            <a:avLst/>
+          </a:prstGeom>
+        </p:spPr>
+      </p:pic>
+      <p:pic>
+        <p:nvPicPr>
+          <p:cNvPr id="12" name="그림 11" descr="테이블, 시계, 방이(가) 표시된 사진&#10;&#10;자동 생성된 설명">
+            <a:extLst>
+              <a:ext uri="{FF2B5EF4-FFF2-40B4-BE49-F238E27FC236}">
+                <a16:creationId xmlns:a16="http://schemas.microsoft.com/office/drawing/2014/main" id="{A00631F7-E620-47D5-A47D-487C98E137AD}"/>
+              </a:ext>
+            </a:extLst>
+          </p:cNvPr>
+          <p:cNvPicPr>
+            <a:picLocks noChangeAspect="1"/>
+          </p:cNvPicPr>
+          <p:nvPr/>
+        </p:nvPicPr>
+        <p:blipFill>
+          <a:blip r:embed="rId3">
+            <a:extLst>
+              <a:ext uri="{28A0092B-C50C-407E-A947-70E740481C1C}">
+                <a14:useLocalDpi xmlns:a14="http://schemas.microsoft.com/office/drawing/2010/main" val="0"/>
+              </a:ext>
+            </a:extLst>
+          </a:blip>
+          <a:stretch>
+            <a:fillRect/>
+          </a:stretch>
+        </p:blipFill>
+        <p:spPr>
+          <a:xfrm>
+            <a:off x="3618559" y="1630441"/>
+            <a:ext cx="2081188" cy="2071417"/>
+          </a:xfrm>
+          <a:prstGeom prst="rect">
+            <a:avLst/>
+          </a:prstGeom>
+        </p:spPr>
+      </p:pic>
+      <p:pic>
+        <p:nvPicPr>
+          <p:cNvPr id="17" name="그림 16">
+            <a:extLst>
+              <a:ext uri="{FF2B5EF4-FFF2-40B4-BE49-F238E27FC236}">
+                <a16:creationId xmlns:a16="http://schemas.microsoft.com/office/drawing/2014/main" id="{3FDF1DE3-2192-42B5-A2D7-FA81C48981E0}"/>
+              </a:ext>
+            </a:extLst>
+          </p:cNvPr>
+          <p:cNvPicPr>
+            <a:picLocks noChangeAspect="1"/>
+          </p:cNvPicPr>
+          <p:nvPr/>
+        </p:nvPicPr>
+        <p:blipFill>
+          <a:blip r:embed="rId4">
+            <a:extLst>
+              <a:ext uri="{28A0092B-C50C-407E-A947-70E740481C1C}">
+                <a14:useLocalDpi xmlns:a14="http://schemas.microsoft.com/office/drawing/2010/main" val="0"/>
+              </a:ext>
+            </a:extLst>
+          </a:blip>
+          <a:stretch>
+            <a:fillRect/>
+          </a:stretch>
+        </p:blipFill>
+        <p:spPr>
+          <a:xfrm>
+            <a:off x="1523256" y="5059719"/>
+            <a:ext cx="2028826" cy="1046256"/>
+          </a:xfrm>
+          <a:prstGeom prst="rect">
+            <a:avLst/>
+          </a:prstGeom>
+        </p:spPr>
+      </p:pic>
+      <p:pic>
+        <p:nvPicPr>
+          <p:cNvPr id="19" name="그림 18" descr="전화이(가) 표시된 사진&#10;&#10;자동 생성된 설명">
+            <a:extLst>
+              <a:ext uri="{FF2B5EF4-FFF2-40B4-BE49-F238E27FC236}">
+                <a16:creationId xmlns:a16="http://schemas.microsoft.com/office/drawing/2014/main" id="{313EEB5C-F5BB-4C9A-81F5-6E7442870BB2}"/>
+              </a:ext>
+            </a:extLst>
+          </p:cNvPr>
+          <p:cNvPicPr>
+            <a:picLocks noChangeAspect="1"/>
+          </p:cNvPicPr>
+          <p:nvPr/>
+        </p:nvPicPr>
+        <p:blipFill>
+          <a:blip r:embed="rId5">
+            <a:extLst>
+              <a:ext uri="{28A0092B-C50C-407E-A947-70E740481C1C}">
+                <a14:useLocalDpi xmlns:a14="http://schemas.microsoft.com/office/drawing/2010/main" val="0"/>
+              </a:ext>
+            </a:extLst>
+          </a:blip>
+          <a:stretch>
+            <a:fillRect/>
+          </a:stretch>
+        </p:blipFill>
+        <p:spPr>
+          <a:xfrm>
+            <a:off x="3618559" y="4153350"/>
+            <a:ext cx="2076450" cy="1952625"/>
+          </a:xfrm>
+          <a:prstGeom prst="rect">
+            <a:avLst/>
+          </a:prstGeom>
+        </p:spPr>
+      </p:pic>
     </p:spTree>
     <p:extLst>
       <p:ext uri="{BB962C8B-B14F-4D97-AF65-F5344CB8AC3E}">
-        <p14:creationId xmlns:p14="http://schemas.microsoft.com/office/powerpoint/2010/main" val="3559543908"/>
+        <p14:creationId xmlns:p14="http://schemas.microsoft.com/office/powerpoint/2010/main" val="453247125"/>
       </p:ext>
     </p:extLst>
   </p:cSld>
@@ -4311,7 +4530,7 @@
         <p:spPr>
           <a:xfrm>
             <a:off x="1347787" y="876597"/>
-            <a:ext cx="6126998" cy="707886"/>
+            <a:ext cx="2834430" cy="707886"/>
           </a:xfrm>
           <a:prstGeom prst="rect">
             <a:avLst/>
@@ -4325,37 +4544,19 @@
           <a:lstStyle/>
           <a:p>
             <a:r>
+              <a:rPr lang="en-US" altLang="ko-KR" sz="4000" dirty="0">
+                <a:latin typeface="HY헤드라인M" panose="02030600000101010101" pitchFamily="18" charset="-127"/>
+                <a:ea typeface="HY헤드라인M" panose="02030600000101010101" pitchFamily="18" charset="-127"/>
+              </a:rPr>
+              <a:t>TCP/IP </a:t>
+            </a:r>
+            <a:r>
               <a:rPr lang="ko-KR" altLang="en-US" sz="4000" dirty="0">
                 <a:latin typeface="HY헤드라인M" panose="02030600000101010101" pitchFamily="18" charset="-127"/>
                 <a:ea typeface="HY헤드라인M" panose="02030600000101010101" pitchFamily="18" charset="-127"/>
               </a:rPr>
-              <a:t>쓰레드 동기화 </a:t>
-            </a:r>
-            <a:r>
-              <a:rPr lang="en-US" altLang="ko-KR" sz="4000" dirty="0">
-                <a:latin typeface="HY헤드라인M" panose="02030600000101010101" pitchFamily="18" charset="-127"/>
-                <a:ea typeface="HY헤드라인M" panose="02030600000101010101" pitchFamily="18" charset="-127"/>
-              </a:rPr>
-              <a:t>(</a:t>
-            </a:r>
-            <a:r>
-              <a:rPr lang="ko-KR" altLang="en-US" sz="4000" dirty="0">
-                <a:latin typeface="HY헤드라인M" panose="02030600000101010101" pitchFamily="18" charset="-127"/>
-                <a:ea typeface="HY헤드라인M" panose="02030600000101010101" pitchFamily="18" charset="-127"/>
-              </a:rPr>
-              <a:t>임계 영역</a:t>
-            </a:r>
-            <a:r>
-              <a:rPr lang="en-US" altLang="ko-KR" sz="4000" dirty="0">
-                <a:latin typeface="HY헤드라인M" panose="02030600000101010101" pitchFamily="18" charset="-127"/>
-                <a:ea typeface="HY헤드라인M" panose="02030600000101010101" pitchFamily="18" charset="-127"/>
-              </a:rPr>
-              <a:t>)</a:t>
-            </a:r>
-            <a:endParaRPr lang="ko-KR" altLang="en-US" sz="4000" dirty="0">
-              <a:latin typeface="HY헤드라인M" panose="02030600000101010101" pitchFamily="18" charset="-127"/>
-              <a:ea typeface="HY헤드라인M" panose="02030600000101010101" pitchFamily="18" charset="-127"/>
-            </a:endParaRPr>
+              <a:t>서버</a:t>
+            </a:r>
           </a:p>
         </p:txBody>
       </p:sp>
@@ -4541,8 +4742,8 @@
         </p:nvSpPr>
         <p:spPr>
           <a:xfrm>
-            <a:off x="5234225" y="3429000"/>
-            <a:ext cx="1723550" cy="369332"/>
+            <a:off x="6312891" y="2347462"/>
+            <a:ext cx="3964547" cy="2862322"/>
           </a:xfrm>
           <a:prstGeom prst="rect">
             <a:avLst/>
@@ -4557,16 +4758,1530 @@
           <a:p>
             <a:pPr algn="ctr"/>
             <a:r>
+              <a:rPr lang="en-US" altLang="ko-KR" dirty="0">
+                <a:latin typeface="HY견고딕" panose="02030600000101010101" pitchFamily="18" charset="-127"/>
+                <a:ea typeface="HY견고딕" panose="02030600000101010101" pitchFamily="18" charset="-127"/>
+              </a:rPr>
+              <a:t>TCP/IP </a:t>
+            </a:r>
+            <a:r>
               <a:rPr lang="ko-KR" altLang="en-US" dirty="0">
                 <a:latin typeface="HY견고딕" panose="02030600000101010101" pitchFamily="18" charset="-127"/>
                 <a:ea typeface="HY견고딕" panose="02030600000101010101" pitchFamily="18" charset="-127"/>
               </a:rPr>
-              <a:t>임계 영역 사용</a:t>
+              <a:t>서버 사용</a:t>
             </a:r>
             <a:endParaRPr lang="en-US" altLang="ko-KR" dirty="0">
               <a:latin typeface="HY견고딕" panose="02030600000101010101" pitchFamily="18" charset="-127"/>
               <a:ea typeface="HY견고딕" panose="02030600000101010101" pitchFamily="18" charset="-127"/>
             </a:endParaRPr>
+          </a:p>
+          <a:p>
+            <a:pPr algn="ctr"/>
+            <a:r>
+              <a:rPr lang="en-US" altLang="ko-KR" dirty="0">
+                <a:latin typeface="HY견고딕" panose="02030600000101010101" pitchFamily="18" charset="-127"/>
+                <a:ea typeface="HY견고딕" panose="02030600000101010101" pitchFamily="18" charset="-127"/>
+              </a:rPr>
+              <a:t>Server/Main.cpp </a:t>
+            </a:r>
+          </a:p>
+          <a:p>
+            <a:pPr algn="ctr"/>
+            <a:r>
+              <a:rPr lang="en-US" altLang="ko-KR" dirty="0">
+                <a:latin typeface="HY견고딕" panose="02030600000101010101" pitchFamily="18" charset="-127"/>
+                <a:ea typeface="HY견고딕" panose="02030600000101010101" pitchFamily="18" charset="-127"/>
+              </a:rPr>
+              <a:t>91 Line ~</a:t>
+            </a:r>
+          </a:p>
+          <a:p>
+            <a:pPr algn="ctr"/>
+            <a:endParaRPr lang="en-US" altLang="ko-KR" dirty="0">
+              <a:latin typeface="HY견고딕" panose="02030600000101010101" pitchFamily="18" charset="-127"/>
+              <a:ea typeface="HY견고딕" panose="02030600000101010101" pitchFamily="18" charset="-127"/>
+            </a:endParaRPr>
+          </a:p>
+          <a:p>
+            <a:pPr algn="ctr"/>
+            <a:r>
+              <a:rPr lang="ko-KR" altLang="en-US" dirty="0">
+                <a:latin typeface="HY견고딕" panose="02030600000101010101" pitchFamily="18" charset="-127"/>
+                <a:ea typeface="HY견고딕" panose="02030600000101010101" pitchFamily="18" charset="-127"/>
+              </a:rPr>
+              <a:t>둘 이상의 클라이언트 서비스 불가</a:t>
+            </a:r>
+            <a:endParaRPr lang="en-US" altLang="ko-KR" dirty="0">
+              <a:latin typeface="HY견고딕" panose="02030600000101010101" pitchFamily="18" charset="-127"/>
+              <a:ea typeface="HY견고딕" panose="02030600000101010101" pitchFamily="18" charset="-127"/>
+            </a:endParaRPr>
+          </a:p>
+          <a:p>
+            <a:pPr algn="ctr"/>
+            <a:r>
+              <a:rPr lang="en-US" altLang="ko-KR" dirty="0">
+                <a:latin typeface="HY견고딕" panose="02030600000101010101" pitchFamily="18" charset="-127"/>
+                <a:ea typeface="HY견고딕" panose="02030600000101010101" pitchFamily="18" charset="-127"/>
+              </a:rPr>
+              <a:t>-&gt; </a:t>
+            </a:r>
+            <a:r>
+              <a:rPr lang="ko-KR" altLang="en-US" dirty="0">
+                <a:latin typeface="HY견고딕" panose="02030600000101010101" pitchFamily="18" charset="-127"/>
+                <a:ea typeface="HY견고딕" panose="02030600000101010101" pitchFamily="18" charset="-127"/>
+              </a:rPr>
+              <a:t>멀티 쓰레드 사용으로 해결</a:t>
+            </a:r>
+            <a:endParaRPr lang="en-US" altLang="ko-KR" dirty="0">
+              <a:latin typeface="HY견고딕" panose="02030600000101010101" pitchFamily="18" charset="-127"/>
+              <a:ea typeface="HY견고딕" panose="02030600000101010101" pitchFamily="18" charset="-127"/>
+            </a:endParaRPr>
+          </a:p>
+          <a:p>
+            <a:pPr algn="ctr"/>
+            <a:endParaRPr lang="en-US" altLang="ko-KR" dirty="0">
+              <a:latin typeface="HY견고딕" panose="02030600000101010101" pitchFamily="18" charset="-127"/>
+              <a:ea typeface="HY견고딕" panose="02030600000101010101" pitchFamily="18" charset="-127"/>
+            </a:endParaRPr>
+          </a:p>
+          <a:p>
+            <a:pPr algn="ctr"/>
+            <a:r>
+              <a:rPr lang="ko-KR" altLang="en-US" dirty="0">
+                <a:latin typeface="HY견고딕" panose="02030600000101010101" pitchFamily="18" charset="-127"/>
+                <a:ea typeface="HY견고딕" panose="02030600000101010101" pitchFamily="18" charset="-127"/>
+              </a:rPr>
+              <a:t>교착상태 발생 가능성</a:t>
+            </a:r>
+            <a:endParaRPr lang="en-US" altLang="ko-KR" dirty="0">
+              <a:latin typeface="HY견고딕" panose="02030600000101010101" pitchFamily="18" charset="-127"/>
+              <a:ea typeface="HY견고딕" panose="02030600000101010101" pitchFamily="18" charset="-127"/>
+            </a:endParaRPr>
+          </a:p>
+          <a:p>
+            <a:pPr algn="ctr"/>
+            <a:r>
+              <a:rPr lang="en-US" altLang="ko-KR" dirty="0">
+                <a:latin typeface="HY견고딕" panose="02030600000101010101" pitchFamily="18" charset="-127"/>
+                <a:ea typeface="HY견고딕" panose="02030600000101010101" pitchFamily="18" charset="-127"/>
+              </a:rPr>
+              <a:t>-&gt; </a:t>
+            </a:r>
+            <a:r>
+              <a:rPr lang="ko-KR" altLang="en-US" dirty="0">
+                <a:latin typeface="HY견고딕" panose="02030600000101010101" pitchFamily="18" charset="-127"/>
+                <a:ea typeface="HY견고딕" panose="02030600000101010101" pitchFamily="18" charset="-127"/>
+              </a:rPr>
+              <a:t>독립적인 </a:t>
+            </a:r>
+            <a:r>
+              <a:rPr lang="en-US" altLang="ko-KR" dirty="0">
+                <a:latin typeface="HY견고딕" panose="02030600000101010101" pitchFamily="18" charset="-127"/>
+                <a:ea typeface="HY견고딕" panose="02030600000101010101" pitchFamily="18" charset="-127"/>
+              </a:rPr>
+              <a:t>Update</a:t>
+            </a:r>
+            <a:r>
+              <a:rPr lang="ko-KR" altLang="en-US" dirty="0">
+                <a:latin typeface="HY견고딕" panose="02030600000101010101" pitchFamily="18" charset="-127"/>
+                <a:ea typeface="HY견고딕" panose="02030600000101010101" pitchFamily="18" charset="-127"/>
+              </a:rPr>
+              <a:t>용 쓰레드 사용</a:t>
+            </a:r>
+            <a:endParaRPr lang="en-US" altLang="ko-KR" dirty="0">
+              <a:latin typeface="HY견고딕" panose="02030600000101010101" pitchFamily="18" charset="-127"/>
+              <a:ea typeface="HY견고딕" panose="02030600000101010101" pitchFamily="18" charset="-127"/>
+            </a:endParaRPr>
+          </a:p>
+          <a:p>
+            <a:pPr algn="ctr"/>
+            <a:r>
+              <a:rPr lang="en-US" altLang="ko-KR" dirty="0">
+                <a:latin typeface="HY견고딕" panose="02030600000101010101" pitchFamily="18" charset="-127"/>
+                <a:ea typeface="HY견고딕" panose="02030600000101010101" pitchFamily="18" charset="-127"/>
+              </a:rPr>
+              <a:t>-&gt; </a:t>
+            </a:r>
+            <a:r>
+              <a:rPr lang="ko-KR" altLang="en-US" dirty="0">
+                <a:latin typeface="HY견고딕" panose="02030600000101010101" pitchFamily="18" charset="-127"/>
+                <a:ea typeface="HY견고딕" panose="02030600000101010101" pitchFamily="18" charset="-127"/>
+              </a:rPr>
+              <a:t>임계영역 사용</a:t>
+            </a:r>
+            <a:endParaRPr lang="en-US" altLang="ko-KR" dirty="0">
+              <a:latin typeface="HY견고딕" panose="02030600000101010101" pitchFamily="18" charset="-127"/>
+              <a:ea typeface="HY견고딕" panose="02030600000101010101" pitchFamily="18" charset="-127"/>
+            </a:endParaRPr>
+          </a:p>
+        </p:txBody>
+      </p:sp>
+      <p:pic>
+        <p:nvPicPr>
+          <p:cNvPr id="10" name="그림 9" descr="스크린샷, 노트북이(가) 표시된 사진&#10;&#10;자동 생성된 설명">
+            <a:extLst>
+              <a:ext uri="{FF2B5EF4-FFF2-40B4-BE49-F238E27FC236}">
+                <a16:creationId xmlns:a16="http://schemas.microsoft.com/office/drawing/2014/main" id="{84F678C7-A918-49D2-98D0-B8BCABCCAD8A}"/>
+              </a:ext>
+            </a:extLst>
+          </p:cNvPr>
+          <p:cNvPicPr>
+            <a:picLocks noChangeAspect="1"/>
+          </p:cNvPicPr>
+          <p:nvPr/>
+        </p:nvPicPr>
+        <p:blipFill>
+          <a:blip r:embed="rId2">
+            <a:extLst>
+              <a:ext uri="{28A0092B-C50C-407E-A947-70E740481C1C}">
+                <a14:useLocalDpi xmlns:a14="http://schemas.microsoft.com/office/drawing/2010/main" val="0"/>
+              </a:ext>
+            </a:extLst>
+          </a:blip>
+          <a:stretch>
+            <a:fillRect/>
+          </a:stretch>
+        </p:blipFill>
+        <p:spPr>
+          <a:xfrm>
+            <a:off x="1459746" y="1735511"/>
+            <a:ext cx="4714875" cy="4086225"/>
+          </a:xfrm>
+          <a:prstGeom prst="rect">
+            <a:avLst/>
+          </a:prstGeom>
+        </p:spPr>
+      </p:pic>
+    </p:spTree>
+    <p:extLst>
+      <p:ext uri="{BB962C8B-B14F-4D97-AF65-F5344CB8AC3E}">
+        <p14:creationId xmlns:p14="http://schemas.microsoft.com/office/powerpoint/2010/main" val="695693310"/>
+      </p:ext>
+    </p:extLst>
+  </p:cSld>
+  <p:clrMapOvr>
+    <a:masterClrMapping/>
+  </p:clrMapOvr>
+</p:sld>
+</file>
+
+<file path=ppt/slides/slide12.xml><?xml version="1.0" encoding="utf-8"?>
+<p:sld xmlns:a="http://schemas.openxmlformats.org/drawingml/2006/main" xmlns:r="http://schemas.openxmlformats.org/officeDocument/2006/relationships" xmlns:p="http://schemas.openxmlformats.org/presentationml/2006/main">
+  <p:cSld>
+    <p:spTree>
+      <p:nvGrpSpPr>
+        <p:cNvPr id="1" name=""/>
+        <p:cNvGrpSpPr/>
+        <p:nvPr/>
+      </p:nvGrpSpPr>
+      <p:grpSpPr>
+        <a:xfrm>
+          <a:off x="0" y="0"/>
+          <a:ext cx="0" cy="0"/>
+          <a:chOff x="0" y="0"/>
+          <a:chExt cx="0" cy="0"/>
+        </a:xfrm>
+      </p:grpSpPr>
+      <p:cxnSp>
+        <p:nvCxnSpPr>
+          <p:cNvPr id="2" name="직선 연결선 1">
+            <a:extLst>
+              <a:ext uri="{FF2B5EF4-FFF2-40B4-BE49-F238E27FC236}">
+                <a16:creationId xmlns:a16="http://schemas.microsoft.com/office/drawing/2014/main" id="{095D726E-41BE-4206-BF88-2363416CC29D}"/>
+              </a:ext>
+            </a:extLst>
+          </p:cNvPr>
+          <p:cNvCxnSpPr>
+            <a:cxnSpLocks/>
+          </p:cNvCxnSpPr>
+          <p:nvPr/>
+        </p:nvCxnSpPr>
+        <p:spPr>
+          <a:xfrm>
+            <a:off x="1347787" y="866775"/>
+            <a:ext cx="9496425" cy="19645"/>
+          </a:xfrm>
+          <a:prstGeom prst="line">
+            <a:avLst/>
+          </a:prstGeom>
+          <a:ln w="25400">
+            <a:solidFill>
+              <a:schemeClr val="tx1"/>
+            </a:solidFill>
+          </a:ln>
+        </p:spPr>
+        <p:style>
+          <a:lnRef idx="1">
+            <a:schemeClr val="accent1"/>
+          </a:lnRef>
+          <a:fillRef idx="0">
+            <a:schemeClr val="accent1"/>
+          </a:fillRef>
+          <a:effectRef idx="0">
+            <a:schemeClr val="accent1"/>
+          </a:effectRef>
+          <a:fontRef idx="minor">
+            <a:schemeClr val="tx1"/>
+          </a:fontRef>
+        </p:style>
+      </p:cxnSp>
+      <p:sp>
+        <p:nvSpPr>
+          <p:cNvPr id="3" name="TextBox 2">
+            <a:extLst>
+              <a:ext uri="{FF2B5EF4-FFF2-40B4-BE49-F238E27FC236}">
+                <a16:creationId xmlns:a16="http://schemas.microsoft.com/office/drawing/2014/main" id="{89A39AC4-E421-4058-BBAD-406F3B554DE7}"/>
+              </a:ext>
+            </a:extLst>
+          </p:cNvPr>
+          <p:cNvSpPr txBox="1"/>
+          <p:nvPr/>
+        </p:nvSpPr>
+        <p:spPr>
+          <a:xfrm>
+            <a:off x="1347787" y="876597"/>
+            <a:ext cx="2749471" cy="707886"/>
+          </a:xfrm>
+          <a:prstGeom prst="rect">
+            <a:avLst/>
+          </a:prstGeom>
+          <a:noFill/>
+        </p:spPr>
+        <p:txBody>
+          <a:bodyPr wrap="none" rtlCol="0">
+            <a:spAutoFit/>
+          </a:bodyPr>
+          <a:lstStyle/>
+          <a:p>
+            <a:r>
+              <a:rPr lang="ko-KR" altLang="en-US" sz="4000" dirty="0" err="1">
+                <a:latin typeface="HY헤드라인M" panose="02030600000101010101" pitchFamily="18" charset="-127"/>
+                <a:ea typeface="HY헤드라인M" panose="02030600000101010101" pitchFamily="18" charset="-127"/>
+              </a:rPr>
+              <a:t>멀티쓰레드</a:t>
+            </a:r>
+            <a:endParaRPr lang="ko-KR" altLang="en-US" sz="4000" dirty="0">
+              <a:latin typeface="HY헤드라인M" panose="02030600000101010101" pitchFamily="18" charset="-127"/>
+              <a:ea typeface="HY헤드라인M" panose="02030600000101010101" pitchFamily="18" charset="-127"/>
+            </a:endParaRPr>
+          </a:p>
+        </p:txBody>
+      </p:sp>
+      <p:sp>
+        <p:nvSpPr>
+          <p:cNvPr id="4" name="TextBox 3">
+            <a:extLst>
+              <a:ext uri="{FF2B5EF4-FFF2-40B4-BE49-F238E27FC236}">
+                <a16:creationId xmlns:a16="http://schemas.microsoft.com/office/drawing/2014/main" id="{299E6DC8-D07D-4275-885E-ABE4DA659C34}"/>
+              </a:ext>
+            </a:extLst>
+          </p:cNvPr>
+          <p:cNvSpPr txBox="1"/>
+          <p:nvPr/>
+        </p:nvSpPr>
+        <p:spPr>
+          <a:xfrm>
+            <a:off x="8671112" y="443788"/>
+            <a:ext cx="2146742" cy="523220"/>
+          </a:xfrm>
+          <a:prstGeom prst="rect">
+            <a:avLst/>
+          </a:prstGeom>
+          <a:noFill/>
+        </p:spPr>
+        <p:txBody>
+          <a:bodyPr wrap="none" rtlCol="0">
+            <a:spAutoFit/>
+          </a:bodyPr>
+          <a:lstStyle/>
+          <a:p>
+            <a:r>
+              <a:rPr lang="en-US" altLang="ko-KR" sz="2800" dirty="0">
+                <a:latin typeface="HY헤드라인M" panose="02030600000101010101" pitchFamily="18" charset="-127"/>
+                <a:ea typeface="HY헤드라인M" panose="02030600000101010101" pitchFamily="18" charset="-127"/>
+              </a:rPr>
+              <a:t>SUPER PANG</a:t>
+            </a:r>
+            <a:endParaRPr lang="ko-KR" altLang="en-US" sz="2800" dirty="0">
+              <a:latin typeface="HY헤드라인M" panose="02030600000101010101" pitchFamily="18" charset="-127"/>
+              <a:ea typeface="HY헤드라인M" panose="02030600000101010101" pitchFamily="18" charset="-127"/>
+            </a:endParaRPr>
+          </a:p>
+        </p:txBody>
+      </p:sp>
+      <p:sp>
+        <p:nvSpPr>
+          <p:cNvPr id="6" name="TextBox 5">
+            <a:extLst>
+              <a:ext uri="{FF2B5EF4-FFF2-40B4-BE49-F238E27FC236}">
+                <a16:creationId xmlns:a16="http://schemas.microsoft.com/office/drawing/2014/main" id="{F63CBCA1-3C03-4CC6-9651-80900F80BEC7}"/>
+              </a:ext>
+            </a:extLst>
+          </p:cNvPr>
+          <p:cNvSpPr txBox="1"/>
+          <p:nvPr/>
+        </p:nvSpPr>
+        <p:spPr>
+          <a:xfrm>
+            <a:off x="1347787" y="59067"/>
+            <a:ext cx="2629246" cy="769441"/>
+          </a:xfrm>
+          <a:prstGeom prst="rect">
+            <a:avLst/>
+          </a:prstGeom>
+          <a:noFill/>
+        </p:spPr>
+        <p:txBody>
+          <a:bodyPr wrap="none" rtlCol="0">
+            <a:spAutoFit/>
+          </a:bodyPr>
+          <a:lstStyle/>
+          <a:p>
+            <a:r>
+              <a:rPr lang="ko-KR" altLang="en-US" sz="4400" dirty="0">
+                <a:solidFill>
+                  <a:schemeClr val="accent1"/>
+                </a:solidFill>
+                <a:latin typeface="HY헤드라인M" panose="02030600000101010101" pitchFamily="18" charset="-127"/>
+                <a:ea typeface="HY헤드라인M" panose="02030600000101010101" pitchFamily="18" charset="-127"/>
+              </a:rPr>
+              <a:t>세부 내용</a:t>
+            </a:r>
+          </a:p>
+        </p:txBody>
+      </p:sp>
+      <p:cxnSp>
+        <p:nvCxnSpPr>
+          <p:cNvPr id="7" name="직선 연결선 6">
+            <a:extLst>
+              <a:ext uri="{FF2B5EF4-FFF2-40B4-BE49-F238E27FC236}">
+                <a16:creationId xmlns:a16="http://schemas.microsoft.com/office/drawing/2014/main" id="{3905285F-43E8-446B-832F-35A947015046}"/>
+              </a:ext>
+            </a:extLst>
+          </p:cNvPr>
+          <p:cNvCxnSpPr>
+            <a:cxnSpLocks/>
+          </p:cNvCxnSpPr>
+          <p:nvPr/>
+        </p:nvCxnSpPr>
+        <p:spPr>
+          <a:xfrm>
+            <a:off x="1347787" y="6263528"/>
+            <a:ext cx="9496425" cy="19645"/>
+          </a:xfrm>
+          <a:prstGeom prst="line">
+            <a:avLst/>
+          </a:prstGeom>
+          <a:ln w="25400">
+            <a:solidFill>
+              <a:schemeClr val="tx1"/>
+            </a:solidFill>
+          </a:ln>
+        </p:spPr>
+        <p:style>
+          <a:lnRef idx="1">
+            <a:schemeClr val="accent1"/>
+          </a:lnRef>
+          <a:fillRef idx="0">
+            <a:schemeClr val="accent1"/>
+          </a:fillRef>
+          <a:effectRef idx="0">
+            <a:schemeClr val="accent1"/>
+          </a:effectRef>
+          <a:fontRef idx="minor">
+            <a:schemeClr val="tx1"/>
+          </a:fontRef>
+        </p:style>
+      </p:cxnSp>
+      <p:sp>
+        <p:nvSpPr>
+          <p:cNvPr id="8" name="TextBox 7">
+            <a:extLst>
+              <a:ext uri="{FF2B5EF4-FFF2-40B4-BE49-F238E27FC236}">
+                <a16:creationId xmlns:a16="http://schemas.microsoft.com/office/drawing/2014/main" id="{A5E45EE4-FEC5-4DD5-9164-6B867734C712}"/>
+              </a:ext>
+            </a:extLst>
+          </p:cNvPr>
+          <p:cNvSpPr txBox="1"/>
+          <p:nvPr/>
+        </p:nvSpPr>
+        <p:spPr>
+          <a:xfrm>
+            <a:off x="10207499" y="6283173"/>
+            <a:ext cx="636713" cy="369332"/>
+          </a:xfrm>
+          <a:prstGeom prst="rect">
+            <a:avLst/>
+          </a:prstGeom>
+          <a:noFill/>
+        </p:spPr>
+        <p:txBody>
+          <a:bodyPr wrap="none" rtlCol="0">
+            <a:spAutoFit/>
+          </a:bodyPr>
+          <a:lstStyle/>
+          <a:p>
+            <a:r>
+              <a:rPr lang="en-US" altLang="ko-KR" dirty="0">
+                <a:latin typeface="HY헤드라인M" panose="02030600000101010101" pitchFamily="18" charset="-127"/>
+                <a:ea typeface="HY헤드라인M" panose="02030600000101010101" pitchFamily="18" charset="-127"/>
+              </a:rPr>
+              <a:t>03/..</a:t>
+            </a:r>
+            <a:endParaRPr lang="ko-KR" altLang="en-US" dirty="0">
+              <a:latin typeface="HY헤드라인M" panose="02030600000101010101" pitchFamily="18" charset="-127"/>
+              <a:ea typeface="HY헤드라인M" panose="02030600000101010101" pitchFamily="18" charset="-127"/>
+            </a:endParaRPr>
+          </a:p>
+        </p:txBody>
+      </p:sp>
+      <p:sp>
+        <p:nvSpPr>
+          <p:cNvPr id="16" name="TextBox 15">
+            <a:extLst>
+              <a:ext uri="{FF2B5EF4-FFF2-40B4-BE49-F238E27FC236}">
+                <a16:creationId xmlns:a16="http://schemas.microsoft.com/office/drawing/2014/main" id="{A90047D1-BD4E-4F3E-A570-94E0D342A435}"/>
+              </a:ext>
+            </a:extLst>
+          </p:cNvPr>
+          <p:cNvSpPr txBox="1"/>
+          <p:nvPr/>
+        </p:nvSpPr>
+        <p:spPr>
+          <a:xfrm>
+            <a:off x="4472442" y="4415243"/>
+            <a:ext cx="2569934" cy="1754326"/>
+          </a:xfrm>
+          <a:prstGeom prst="rect">
+            <a:avLst/>
+          </a:prstGeom>
+          <a:noFill/>
+        </p:spPr>
+        <p:txBody>
+          <a:bodyPr wrap="none" rtlCol="0">
+            <a:spAutoFit/>
+          </a:bodyPr>
+          <a:lstStyle/>
+          <a:p>
+            <a:pPr algn="ctr"/>
+            <a:r>
+              <a:rPr lang="ko-KR" altLang="en-US" dirty="0">
+                <a:latin typeface="HY견고딕" panose="02030600000101010101" pitchFamily="18" charset="-127"/>
+                <a:ea typeface="HY견고딕" panose="02030600000101010101" pitchFamily="18" charset="-127"/>
+              </a:rPr>
+              <a:t>각각의 클라이언트마다</a:t>
+            </a:r>
+            <a:endParaRPr lang="en-US" altLang="ko-KR" dirty="0">
+              <a:latin typeface="HY견고딕" panose="02030600000101010101" pitchFamily="18" charset="-127"/>
+              <a:ea typeface="HY견고딕" panose="02030600000101010101" pitchFamily="18" charset="-127"/>
+            </a:endParaRPr>
+          </a:p>
+          <a:p>
+            <a:pPr algn="ctr"/>
+            <a:r>
+              <a:rPr lang="ko-KR" altLang="en-US" dirty="0">
+                <a:latin typeface="HY견고딕" panose="02030600000101010101" pitchFamily="18" charset="-127"/>
+                <a:ea typeface="HY견고딕" panose="02030600000101010101" pitchFamily="18" charset="-127"/>
+              </a:rPr>
+              <a:t>하나의 쓰레드 생성</a:t>
+            </a:r>
+            <a:endParaRPr lang="en-US" altLang="ko-KR" dirty="0">
+              <a:latin typeface="HY견고딕" panose="02030600000101010101" pitchFamily="18" charset="-127"/>
+              <a:ea typeface="HY견고딕" panose="02030600000101010101" pitchFamily="18" charset="-127"/>
+            </a:endParaRPr>
+          </a:p>
+          <a:p>
+            <a:pPr algn="ctr"/>
+            <a:endParaRPr lang="en-US" altLang="ko-KR" dirty="0">
+              <a:latin typeface="HY견고딕" panose="02030600000101010101" pitchFamily="18" charset="-127"/>
+              <a:ea typeface="HY견고딕" panose="02030600000101010101" pitchFamily="18" charset="-127"/>
+            </a:endParaRPr>
+          </a:p>
+          <a:p>
+            <a:pPr algn="ctr"/>
+            <a:r>
+              <a:rPr lang="en-US" altLang="ko-KR" dirty="0">
+                <a:latin typeface="HY견고딕" panose="02030600000101010101" pitchFamily="18" charset="-127"/>
+                <a:ea typeface="HY견고딕" panose="02030600000101010101" pitchFamily="18" charset="-127"/>
+              </a:rPr>
+              <a:t>Server/Main.cpp</a:t>
+            </a:r>
+          </a:p>
+          <a:p>
+            <a:pPr algn="ctr"/>
+            <a:r>
+              <a:rPr lang="en-US" altLang="ko-KR" dirty="0">
+                <a:latin typeface="HY견고딕" panose="02030600000101010101" pitchFamily="18" charset="-127"/>
+                <a:ea typeface="HY견고딕" panose="02030600000101010101" pitchFamily="18" charset="-127"/>
+              </a:rPr>
+              <a:t>265 Line,</a:t>
+            </a:r>
+          </a:p>
+          <a:p>
+            <a:pPr algn="ctr"/>
+            <a:r>
+              <a:rPr lang="en-US" altLang="ko-KR" dirty="0">
+                <a:latin typeface="HY견고딕" panose="02030600000101010101" pitchFamily="18" charset="-127"/>
+                <a:ea typeface="HY견고딕" panose="02030600000101010101" pitchFamily="18" charset="-127"/>
+              </a:rPr>
+              <a:t>201 Line</a:t>
+            </a:r>
+          </a:p>
+        </p:txBody>
+      </p:sp>
+      <p:pic>
+        <p:nvPicPr>
+          <p:cNvPr id="9" name="그림 8" descr="앉아있는, 검은색, 테이블, 전화이(가) 표시된 사진&#10;&#10;자동 생성된 설명">
+            <a:extLst>
+              <a:ext uri="{FF2B5EF4-FFF2-40B4-BE49-F238E27FC236}">
+                <a16:creationId xmlns:a16="http://schemas.microsoft.com/office/drawing/2014/main" id="{D4E10B19-9167-4860-8DAA-AC710C4281B3}"/>
+              </a:ext>
+            </a:extLst>
+          </p:cNvPr>
+          <p:cNvPicPr>
+            <a:picLocks noChangeAspect="1"/>
+          </p:cNvPicPr>
+          <p:nvPr/>
+        </p:nvPicPr>
+        <p:blipFill>
+          <a:blip r:embed="rId2">
+            <a:extLst>
+              <a:ext uri="{28A0092B-C50C-407E-A947-70E740481C1C}">
+                <a14:useLocalDpi xmlns:a14="http://schemas.microsoft.com/office/drawing/2010/main" val="0"/>
+              </a:ext>
+            </a:extLst>
+          </a:blip>
+          <a:stretch>
+            <a:fillRect/>
+          </a:stretch>
+        </p:blipFill>
+        <p:spPr>
+          <a:xfrm>
+            <a:off x="1365327" y="2026810"/>
+            <a:ext cx="2629246" cy="3615213"/>
+          </a:xfrm>
+          <a:prstGeom prst="rect">
+            <a:avLst/>
+          </a:prstGeom>
+        </p:spPr>
+      </p:pic>
+      <p:pic>
+        <p:nvPicPr>
+          <p:cNvPr id="11" name="그림 10" descr="스크린샷, 화면, 노트북이(가) 표시된 사진&#10;&#10;자동 생성된 설명">
+            <a:extLst>
+              <a:ext uri="{FF2B5EF4-FFF2-40B4-BE49-F238E27FC236}">
+                <a16:creationId xmlns:a16="http://schemas.microsoft.com/office/drawing/2014/main" id="{FC28E158-AA78-4921-93A0-1265CB90D1C0}"/>
+              </a:ext>
+            </a:extLst>
+          </p:cNvPr>
+          <p:cNvPicPr>
+            <a:picLocks noChangeAspect="1"/>
+          </p:cNvPicPr>
+          <p:nvPr/>
+        </p:nvPicPr>
+        <p:blipFill>
+          <a:blip r:embed="rId3">
+            <a:extLst>
+              <a:ext uri="{28A0092B-C50C-407E-A947-70E740481C1C}">
+                <a14:useLocalDpi xmlns:a14="http://schemas.microsoft.com/office/drawing/2010/main" val="0"/>
+              </a:ext>
+            </a:extLst>
+          </a:blip>
+          <a:stretch>
+            <a:fillRect/>
+          </a:stretch>
+        </p:blipFill>
+        <p:spPr>
+          <a:xfrm>
+            <a:off x="4097258" y="2026810"/>
+            <a:ext cx="3320303" cy="2269272"/>
+          </a:xfrm>
+          <a:prstGeom prst="rect">
+            <a:avLst/>
+          </a:prstGeom>
+        </p:spPr>
+      </p:pic>
+      <p:sp>
+        <p:nvSpPr>
+          <p:cNvPr id="13" name="TextBox 12">
+            <a:extLst>
+              <a:ext uri="{FF2B5EF4-FFF2-40B4-BE49-F238E27FC236}">
+                <a16:creationId xmlns:a16="http://schemas.microsoft.com/office/drawing/2014/main" id="{58EABF18-5C5A-433D-B229-CAFC867294C6}"/>
+              </a:ext>
+            </a:extLst>
+          </p:cNvPr>
+          <p:cNvSpPr txBox="1"/>
+          <p:nvPr/>
+        </p:nvSpPr>
+        <p:spPr>
+          <a:xfrm>
+            <a:off x="1723691" y="5709530"/>
+            <a:ext cx="1877438" cy="369332"/>
+          </a:xfrm>
+          <a:prstGeom prst="rect">
+            <a:avLst/>
+          </a:prstGeom>
+          <a:noFill/>
+        </p:spPr>
+        <p:txBody>
+          <a:bodyPr wrap="none" rtlCol="0">
+            <a:spAutoFit/>
+          </a:bodyPr>
+          <a:lstStyle/>
+          <a:p>
+            <a:pPr algn="ctr"/>
+            <a:r>
+              <a:rPr lang="ko-KR" altLang="en-US">
+                <a:latin typeface="HY견고딕" panose="02030600000101010101" pitchFamily="18" charset="-127"/>
+                <a:ea typeface="HY견고딕" panose="02030600000101010101" pitchFamily="18" charset="-127"/>
+              </a:rPr>
+              <a:t>업데이트 쓰레드</a:t>
+            </a:r>
+            <a:endParaRPr lang="en-US" altLang="ko-KR" dirty="0">
+              <a:latin typeface="HY견고딕" panose="02030600000101010101" pitchFamily="18" charset="-127"/>
+              <a:ea typeface="HY견고딕" panose="02030600000101010101" pitchFamily="18" charset="-127"/>
+            </a:endParaRPr>
+          </a:p>
+        </p:txBody>
+      </p:sp>
+      <p:sp>
+        <p:nvSpPr>
+          <p:cNvPr id="14" name="TextBox 13">
+            <a:extLst>
+              <a:ext uri="{FF2B5EF4-FFF2-40B4-BE49-F238E27FC236}">
+                <a16:creationId xmlns:a16="http://schemas.microsoft.com/office/drawing/2014/main" id="{F1D8C020-979C-4421-9EC1-DA5C9A5AEC98}"/>
+              </a:ext>
+            </a:extLst>
+          </p:cNvPr>
+          <p:cNvSpPr txBox="1"/>
+          <p:nvPr/>
+        </p:nvSpPr>
+        <p:spPr>
+          <a:xfrm>
+            <a:off x="7417563" y="2026810"/>
+            <a:ext cx="3329758" cy="3693319"/>
+          </a:xfrm>
+          <a:prstGeom prst="rect">
+            <a:avLst/>
+          </a:prstGeom>
+          <a:noFill/>
+        </p:spPr>
+        <p:txBody>
+          <a:bodyPr wrap="none" rtlCol="0">
+            <a:spAutoFit/>
+          </a:bodyPr>
+          <a:lstStyle/>
+          <a:p>
+            <a:pPr algn="ctr"/>
+            <a:r>
+              <a:rPr lang="ko-KR" altLang="en-US" dirty="0">
+                <a:latin typeface="HY견고딕" panose="02030600000101010101" pitchFamily="18" charset="-127"/>
+                <a:ea typeface="HY견고딕" panose="02030600000101010101" pitchFamily="18" charset="-127"/>
+              </a:rPr>
+              <a:t>클라이언트 통신용 쓰레드 </a:t>
+            </a:r>
+            <a:r>
+              <a:rPr lang="en-US" altLang="ko-KR" dirty="0">
+                <a:latin typeface="HY견고딕" panose="02030600000101010101" pitchFamily="18" charset="-127"/>
+                <a:ea typeface="HY견고딕" panose="02030600000101010101" pitchFamily="18" charset="-127"/>
+              </a:rPr>
+              <a:t>2</a:t>
+            </a:r>
+            <a:r>
+              <a:rPr lang="ko-KR" altLang="en-US" dirty="0">
+                <a:latin typeface="HY견고딕" panose="02030600000101010101" pitchFamily="18" charset="-127"/>
+                <a:ea typeface="HY견고딕" panose="02030600000101010101" pitchFamily="18" charset="-127"/>
+              </a:rPr>
+              <a:t>개</a:t>
+            </a:r>
+            <a:endParaRPr lang="en-US" altLang="ko-KR" dirty="0">
+              <a:latin typeface="HY견고딕" panose="02030600000101010101" pitchFamily="18" charset="-127"/>
+              <a:ea typeface="HY견고딕" panose="02030600000101010101" pitchFamily="18" charset="-127"/>
+            </a:endParaRPr>
+          </a:p>
+          <a:p>
+            <a:pPr algn="ctr"/>
+            <a:r>
+              <a:rPr lang="ko-KR" altLang="en-US" dirty="0">
+                <a:latin typeface="HY견고딕" panose="02030600000101010101" pitchFamily="18" charset="-127"/>
+                <a:ea typeface="HY견고딕" panose="02030600000101010101" pitchFamily="18" charset="-127"/>
+              </a:rPr>
+              <a:t>게임 업데이트용 쓰레드 </a:t>
+            </a:r>
+            <a:r>
+              <a:rPr lang="en-US" altLang="ko-KR" dirty="0">
+                <a:latin typeface="HY견고딕" panose="02030600000101010101" pitchFamily="18" charset="-127"/>
+                <a:ea typeface="HY견고딕" panose="02030600000101010101" pitchFamily="18" charset="-127"/>
+              </a:rPr>
+              <a:t>1</a:t>
+            </a:r>
+            <a:r>
+              <a:rPr lang="ko-KR" altLang="en-US" dirty="0">
+                <a:latin typeface="HY견고딕" panose="02030600000101010101" pitchFamily="18" charset="-127"/>
+                <a:ea typeface="HY견고딕" panose="02030600000101010101" pitchFamily="18" charset="-127"/>
+              </a:rPr>
+              <a:t>개</a:t>
+            </a:r>
+            <a:endParaRPr lang="en-US" altLang="ko-KR" dirty="0">
+              <a:latin typeface="HY견고딕" panose="02030600000101010101" pitchFamily="18" charset="-127"/>
+              <a:ea typeface="HY견고딕" panose="02030600000101010101" pitchFamily="18" charset="-127"/>
+            </a:endParaRPr>
+          </a:p>
+          <a:p>
+            <a:pPr algn="ctr"/>
+            <a:endParaRPr lang="en-US" altLang="ko-KR" dirty="0">
+              <a:latin typeface="HY견고딕" panose="02030600000101010101" pitchFamily="18" charset="-127"/>
+              <a:ea typeface="HY견고딕" panose="02030600000101010101" pitchFamily="18" charset="-127"/>
+            </a:endParaRPr>
+          </a:p>
+          <a:p>
+            <a:pPr algn="ctr"/>
+            <a:r>
+              <a:rPr lang="ko-KR" altLang="en-US" dirty="0">
+                <a:latin typeface="HY견고딕" panose="02030600000101010101" pitchFamily="18" charset="-127"/>
+                <a:ea typeface="HY견고딕" panose="02030600000101010101" pitchFamily="18" charset="-127"/>
+              </a:rPr>
+              <a:t>총 </a:t>
+            </a:r>
+            <a:r>
+              <a:rPr lang="en-US" altLang="ko-KR" dirty="0">
+                <a:latin typeface="HY견고딕" panose="02030600000101010101" pitchFamily="18" charset="-127"/>
+                <a:ea typeface="HY견고딕" panose="02030600000101010101" pitchFamily="18" charset="-127"/>
+              </a:rPr>
+              <a:t>3</a:t>
+            </a:r>
+            <a:r>
+              <a:rPr lang="ko-KR" altLang="en-US" dirty="0">
+                <a:latin typeface="HY견고딕" panose="02030600000101010101" pitchFamily="18" charset="-127"/>
+                <a:ea typeface="HY견고딕" panose="02030600000101010101" pitchFamily="18" charset="-127"/>
+              </a:rPr>
+              <a:t>개의 쓰레드를 사용하여</a:t>
+            </a:r>
+            <a:endParaRPr lang="en-US" altLang="ko-KR" dirty="0">
+              <a:latin typeface="HY견고딕" panose="02030600000101010101" pitchFamily="18" charset="-127"/>
+              <a:ea typeface="HY견고딕" panose="02030600000101010101" pitchFamily="18" charset="-127"/>
+            </a:endParaRPr>
+          </a:p>
+          <a:p>
+            <a:pPr algn="ctr"/>
+            <a:r>
+              <a:rPr lang="ko-KR" altLang="en-US" dirty="0">
+                <a:latin typeface="HY견고딕" panose="02030600000101010101" pitchFamily="18" charset="-127"/>
+                <a:ea typeface="HY견고딕" panose="02030600000101010101" pitchFamily="18" charset="-127"/>
+              </a:rPr>
+              <a:t>게임 진행</a:t>
+            </a:r>
+            <a:endParaRPr lang="en-US" altLang="ko-KR" dirty="0">
+              <a:latin typeface="HY견고딕" panose="02030600000101010101" pitchFamily="18" charset="-127"/>
+              <a:ea typeface="HY견고딕" panose="02030600000101010101" pitchFamily="18" charset="-127"/>
+            </a:endParaRPr>
+          </a:p>
+          <a:p>
+            <a:pPr algn="ctr"/>
+            <a:endParaRPr lang="en-US" altLang="ko-KR" dirty="0">
+              <a:latin typeface="HY견고딕" panose="02030600000101010101" pitchFamily="18" charset="-127"/>
+              <a:ea typeface="HY견고딕" panose="02030600000101010101" pitchFamily="18" charset="-127"/>
+            </a:endParaRPr>
+          </a:p>
+          <a:p>
+            <a:pPr algn="ctr"/>
+            <a:r>
+              <a:rPr lang="ko-KR" altLang="en-US" dirty="0">
+                <a:latin typeface="HY견고딕" panose="02030600000101010101" pitchFamily="18" charset="-127"/>
+                <a:ea typeface="HY견고딕" panose="02030600000101010101" pitchFamily="18" charset="-127"/>
+              </a:rPr>
+              <a:t>업데이트 쓰레드를 통해 게임</a:t>
+            </a:r>
+            <a:endParaRPr lang="en-US" altLang="ko-KR" dirty="0">
+              <a:latin typeface="HY견고딕" panose="02030600000101010101" pitchFamily="18" charset="-127"/>
+              <a:ea typeface="HY견고딕" panose="02030600000101010101" pitchFamily="18" charset="-127"/>
+            </a:endParaRPr>
+          </a:p>
+          <a:p>
+            <a:pPr algn="ctr"/>
+            <a:r>
+              <a:rPr lang="ko-KR" altLang="en-US" dirty="0">
+                <a:latin typeface="HY견고딕" panose="02030600000101010101" pitchFamily="18" charset="-127"/>
+                <a:ea typeface="HY견고딕" panose="02030600000101010101" pitchFamily="18" charset="-127"/>
+              </a:rPr>
+              <a:t>로직을 수행하기 때문에</a:t>
+            </a:r>
+            <a:endParaRPr lang="en-US" altLang="ko-KR" dirty="0">
+              <a:latin typeface="HY견고딕" panose="02030600000101010101" pitchFamily="18" charset="-127"/>
+              <a:ea typeface="HY견고딕" panose="02030600000101010101" pitchFamily="18" charset="-127"/>
+            </a:endParaRPr>
+          </a:p>
+          <a:p>
+            <a:pPr algn="ctr"/>
+            <a:r>
+              <a:rPr lang="ko-KR" altLang="en-US" dirty="0">
+                <a:latin typeface="HY견고딕" panose="02030600000101010101" pitchFamily="18" charset="-127"/>
+                <a:ea typeface="HY견고딕" panose="02030600000101010101" pitchFamily="18" charset="-127"/>
+              </a:rPr>
+              <a:t>클라이언트에서 좌표 값만</a:t>
+            </a:r>
+            <a:endParaRPr lang="en-US" altLang="ko-KR" dirty="0">
+              <a:latin typeface="HY견고딕" panose="02030600000101010101" pitchFamily="18" charset="-127"/>
+              <a:ea typeface="HY견고딕" panose="02030600000101010101" pitchFamily="18" charset="-127"/>
+            </a:endParaRPr>
+          </a:p>
+          <a:p>
+            <a:pPr algn="ctr"/>
+            <a:r>
+              <a:rPr lang="ko-KR" altLang="en-US" dirty="0">
+                <a:latin typeface="HY견고딕" panose="02030600000101010101" pitchFamily="18" charset="-127"/>
+                <a:ea typeface="HY견고딕" panose="02030600000101010101" pitchFamily="18" charset="-127"/>
+              </a:rPr>
+              <a:t>받아 렌더링을 수행함</a:t>
+            </a:r>
+            <a:endParaRPr lang="en-US" altLang="ko-KR" dirty="0">
+              <a:latin typeface="HY견고딕" panose="02030600000101010101" pitchFamily="18" charset="-127"/>
+              <a:ea typeface="HY견고딕" panose="02030600000101010101" pitchFamily="18" charset="-127"/>
+            </a:endParaRPr>
+          </a:p>
+          <a:p>
+            <a:pPr algn="ctr"/>
+            <a:endParaRPr lang="en-US" altLang="ko-KR" dirty="0">
+              <a:latin typeface="HY견고딕" panose="02030600000101010101" pitchFamily="18" charset="-127"/>
+              <a:ea typeface="HY견고딕" panose="02030600000101010101" pitchFamily="18" charset="-127"/>
+            </a:endParaRPr>
+          </a:p>
+          <a:p>
+            <a:pPr algn="ctr"/>
+            <a:endParaRPr lang="en-US" altLang="ko-KR" dirty="0">
+              <a:latin typeface="HY견고딕" panose="02030600000101010101" pitchFamily="18" charset="-127"/>
+              <a:ea typeface="HY견고딕" panose="02030600000101010101" pitchFamily="18" charset="-127"/>
+            </a:endParaRPr>
+          </a:p>
+          <a:p>
+            <a:pPr algn="ctr"/>
+            <a:r>
+              <a:rPr lang="ko-KR" altLang="en-US" dirty="0">
+                <a:latin typeface="HY견고딕" panose="02030600000101010101" pitchFamily="18" charset="-127"/>
+                <a:ea typeface="HY견고딕" panose="02030600000101010101" pitchFamily="18" charset="-127"/>
+              </a:rPr>
+              <a:t>클라이언트의 부담이 적음</a:t>
+            </a:r>
+            <a:endParaRPr lang="en-US" altLang="ko-KR" dirty="0">
+              <a:latin typeface="HY견고딕" panose="02030600000101010101" pitchFamily="18" charset="-127"/>
+              <a:ea typeface="HY견고딕" panose="02030600000101010101" pitchFamily="18" charset="-127"/>
+            </a:endParaRPr>
+          </a:p>
+        </p:txBody>
+      </p:sp>
+    </p:spTree>
+    <p:extLst>
+      <p:ext uri="{BB962C8B-B14F-4D97-AF65-F5344CB8AC3E}">
+        <p14:creationId xmlns:p14="http://schemas.microsoft.com/office/powerpoint/2010/main" val="3559543908"/>
+      </p:ext>
+    </p:extLst>
+  </p:cSld>
+  <p:clrMapOvr>
+    <a:masterClrMapping/>
+  </p:clrMapOvr>
+</p:sld>
+</file>
+
+<file path=ppt/slides/slide13.xml><?xml version="1.0" encoding="utf-8"?>
+<p:sld xmlns:a="http://schemas.openxmlformats.org/drawingml/2006/main" xmlns:r="http://schemas.openxmlformats.org/officeDocument/2006/relationships" xmlns:p="http://schemas.openxmlformats.org/presentationml/2006/main">
+  <p:cSld>
+    <p:spTree>
+      <p:nvGrpSpPr>
+        <p:cNvPr id="1" name=""/>
+        <p:cNvGrpSpPr/>
+        <p:nvPr/>
+      </p:nvGrpSpPr>
+      <p:grpSpPr>
+        <a:xfrm>
+          <a:off x="0" y="0"/>
+          <a:ext cx="0" cy="0"/>
+          <a:chOff x="0" y="0"/>
+          <a:chExt cx="0" cy="0"/>
+        </a:xfrm>
+      </p:grpSpPr>
+      <p:cxnSp>
+        <p:nvCxnSpPr>
+          <p:cNvPr id="2" name="직선 연결선 1">
+            <a:extLst>
+              <a:ext uri="{FF2B5EF4-FFF2-40B4-BE49-F238E27FC236}">
+                <a16:creationId xmlns:a16="http://schemas.microsoft.com/office/drawing/2014/main" id="{095D726E-41BE-4206-BF88-2363416CC29D}"/>
+              </a:ext>
+            </a:extLst>
+          </p:cNvPr>
+          <p:cNvCxnSpPr>
+            <a:cxnSpLocks/>
+          </p:cNvCxnSpPr>
+          <p:nvPr/>
+        </p:nvCxnSpPr>
+        <p:spPr>
+          <a:xfrm>
+            <a:off x="1347787" y="866775"/>
+            <a:ext cx="9496425" cy="19645"/>
+          </a:xfrm>
+          <a:prstGeom prst="line">
+            <a:avLst/>
+          </a:prstGeom>
+          <a:ln w="25400">
+            <a:solidFill>
+              <a:schemeClr val="tx1"/>
+            </a:solidFill>
+          </a:ln>
+        </p:spPr>
+        <p:style>
+          <a:lnRef idx="1">
+            <a:schemeClr val="accent1"/>
+          </a:lnRef>
+          <a:fillRef idx="0">
+            <a:schemeClr val="accent1"/>
+          </a:fillRef>
+          <a:effectRef idx="0">
+            <a:schemeClr val="accent1"/>
+          </a:effectRef>
+          <a:fontRef idx="minor">
+            <a:schemeClr val="tx1"/>
+          </a:fontRef>
+        </p:style>
+      </p:cxnSp>
+      <p:sp>
+        <p:nvSpPr>
+          <p:cNvPr id="3" name="TextBox 2">
+            <a:extLst>
+              <a:ext uri="{FF2B5EF4-FFF2-40B4-BE49-F238E27FC236}">
+                <a16:creationId xmlns:a16="http://schemas.microsoft.com/office/drawing/2014/main" id="{89A39AC4-E421-4058-BBAD-406F3B554DE7}"/>
+              </a:ext>
+            </a:extLst>
+          </p:cNvPr>
+          <p:cNvSpPr txBox="1"/>
+          <p:nvPr/>
+        </p:nvSpPr>
+        <p:spPr>
+          <a:xfrm>
+            <a:off x="1347787" y="876597"/>
+            <a:ext cx="6126998" cy="707886"/>
+          </a:xfrm>
+          <a:prstGeom prst="rect">
+            <a:avLst/>
+          </a:prstGeom>
+          <a:noFill/>
+        </p:spPr>
+        <p:txBody>
+          <a:bodyPr wrap="none" rtlCol="0">
+            <a:spAutoFit/>
+          </a:bodyPr>
+          <a:lstStyle/>
+          <a:p>
+            <a:r>
+              <a:rPr lang="ko-KR" altLang="en-US" sz="4000" dirty="0">
+                <a:latin typeface="HY헤드라인M" panose="02030600000101010101" pitchFamily="18" charset="-127"/>
+                <a:ea typeface="HY헤드라인M" panose="02030600000101010101" pitchFamily="18" charset="-127"/>
+              </a:rPr>
+              <a:t>쓰레드 동기화 </a:t>
+            </a:r>
+            <a:r>
+              <a:rPr lang="en-US" altLang="ko-KR" sz="4000" dirty="0">
+                <a:latin typeface="HY헤드라인M" panose="02030600000101010101" pitchFamily="18" charset="-127"/>
+                <a:ea typeface="HY헤드라인M" panose="02030600000101010101" pitchFamily="18" charset="-127"/>
+              </a:rPr>
+              <a:t>(</a:t>
+            </a:r>
+            <a:r>
+              <a:rPr lang="ko-KR" altLang="en-US" sz="4000" dirty="0">
+                <a:latin typeface="HY헤드라인M" panose="02030600000101010101" pitchFamily="18" charset="-127"/>
+                <a:ea typeface="HY헤드라인M" panose="02030600000101010101" pitchFamily="18" charset="-127"/>
+              </a:rPr>
+              <a:t>임계 영역</a:t>
+            </a:r>
+            <a:r>
+              <a:rPr lang="en-US" altLang="ko-KR" sz="4000" dirty="0">
+                <a:latin typeface="HY헤드라인M" panose="02030600000101010101" pitchFamily="18" charset="-127"/>
+                <a:ea typeface="HY헤드라인M" panose="02030600000101010101" pitchFamily="18" charset="-127"/>
+              </a:rPr>
+              <a:t>)</a:t>
+            </a:r>
+            <a:endParaRPr lang="ko-KR" altLang="en-US" sz="4000" dirty="0">
+              <a:latin typeface="HY헤드라인M" panose="02030600000101010101" pitchFamily="18" charset="-127"/>
+              <a:ea typeface="HY헤드라인M" panose="02030600000101010101" pitchFamily="18" charset="-127"/>
+            </a:endParaRPr>
+          </a:p>
+        </p:txBody>
+      </p:sp>
+      <p:sp>
+        <p:nvSpPr>
+          <p:cNvPr id="4" name="TextBox 3">
+            <a:extLst>
+              <a:ext uri="{FF2B5EF4-FFF2-40B4-BE49-F238E27FC236}">
+                <a16:creationId xmlns:a16="http://schemas.microsoft.com/office/drawing/2014/main" id="{299E6DC8-D07D-4275-885E-ABE4DA659C34}"/>
+              </a:ext>
+            </a:extLst>
+          </p:cNvPr>
+          <p:cNvSpPr txBox="1"/>
+          <p:nvPr/>
+        </p:nvSpPr>
+        <p:spPr>
+          <a:xfrm>
+            <a:off x="8671112" y="443788"/>
+            <a:ext cx="2146742" cy="523220"/>
+          </a:xfrm>
+          <a:prstGeom prst="rect">
+            <a:avLst/>
+          </a:prstGeom>
+          <a:noFill/>
+        </p:spPr>
+        <p:txBody>
+          <a:bodyPr wrap="none" rtlCol="0">
+            <a:spAutoFit/>
+          </a:bodyPr>
+          <a:lstStyle/>
+          <a:p>
+            <a:r>
+              <a:rPr lang="en-US" altLang="ko-KR" sz="2800" dirty="0">
+                <a:latin typeface="HY헤드라인M" panose="02030600000101010101" pitchFamily="18" charset="-127"/>
+                <a:ea typeface="HY헤드라인M" panose="02030600000101010101" pitchFamily="18" charset="-127"/>
+              </a:rPr>
+              <a:t>SUPER PANG</a:t>
+            </a:r>
+            <a:endParaRPr lang="ko-KR" altLang="en-US" sz="2800" dirty="0">
+              <a:latin typeface="HY헤드라인M" panose="02030600000101010101" pitchFamily="18" charset="-127"/>
+              <a:ea typeface="HY헤드라인M" panose="02030600000101010101" pitchFamily="18" charset="-127"/>
+            </a:endParaRPr>
+          </a:p>
+        </p:txBody>
+      </p:sp>
+      <p:sp>
+        <p:nvSpPr>
+          <p:cNvPr id="6" name="TextBox 5">
+            <a:extLst>
+              <a:ext uri="{FF2B5EF4-FFF2-40B4-BE49-F238E27FC236}">
+                <a16:creationId xmlns:a16="http://schemas.microsoft.com/office/drawing/2014/main" id="{F63CBCA1-3C03-4CC6-9651-80900F80BEC7}"/>
+              </a:ext>
+            </a:extLst>
+          </p:cNvPr>
+          <p:cNvSpPr txBox="1"/>
+          <p:nvPr/>
+        </p:nvSpPr>
+        <p:spPr>
+          <a:xfrm>
+            <a:off x="1347787" y="59067"/>
+            <a:ext cx="2629246" cy="769441"/>
+          </a:xfrm>
+          <a:prstGeom prst="rect">
+            <a:avLst/>
+          </a:prstGeom>
+          <a:noFill/>
+        </p:spPr>
+        <p:txBody>
+          <a:bodyPr wrap="none" rtlCol="0">
+            <a:spAutoFit/>
+          </a:bodyPr>
+          <a:lstStyle/>
+          <a:p>
+            <a:r>
+              <a:rPr lang="ko-KR" altLang="en-US" sz="4400" dirty="0">
+                <a:solidFill>
+                  <a:schemeClr val="accent1"/>
+                </a:solidFill>
+                <a:latin typeface="HY헤드라인M" panose="02030600000101010101" pitchFamily="18" charset="-127"/>
+                <a:ea typeface="HY헤드라인M" panose="02030600000101010101" pitchFamily="18" charset="-127"/>
+              </a:rPr>
+              <a:t>세부 내용</a:t>
+            </a:r>
+          </a:p>
+        </p:txBody>
+      </p:sp>
+      <p:cxnSp>
+        <p:nvCxnSpPr>
+          <p:cNvPr id="7" name="직선 연결선 6">
+            <a:extLst>
+              <a:ext uri="{FF2B5EF4-FFF2-40B4-BE49-F238E27FC236}">
+                <a16:creationId xmlns:a16="http://schemas.microsoft.com/office/drawing/2014/main" id="{3905285F-43E8-446B-832F-35A947015046}"/>
+              </a:ext>
+            </a:extLst>
+          </p:cNvPr>
+          <p:cNvCxnSpPr>
+            <a:cxnSpLocks/>
+          </p:cNvCxnSpPr>
+          <p:nvPr/>
+        </p:nvCxnSpPr>
+        <p:spPr>
+          <a:xfrm>
+            <a:off x="1347787" y="6263528"/>
+            <a:ext cx="9496425" cy="19645"/>
+          </a:xfrm>
+          <a:prstGeom prst="line">
+            <a:avLst/>
+          </a:prstGeom>
+          <a:ln w="25400">
+            <a:solidFill>
+              <a:schemeClr val="tx1"/>
+            </a:solidFill>
+          </a:ln>
+        </p:spPr>
+        <p:style>
+          <a:lnRef idx="1">
+            <a:schemeClr val="accent1"/>
+          </a:lnRef>
+          <a:fillRef idx="0">
+            <a:schemeClr val="accent1"/>
+          </a:fillRef>
+          <a:effectRef idx="0">
+            <a:schemeClr val="accent1"/>
+          </a:effectRef>
+          <a:fontRef idx="minor">
+            <a:schemeClr val="tx1"/>
+          </a:fontRef>
+        </p:style>
+      </p:cxnSp>
+      <p:sp>
+        <p:nvSpPr>
+          <p:cNvPr id="8" name="TextBox 7">
+            <a:extLst>
+              <a:ext uri="{FF2B5EF4-FFF2-40B4-BE49-F238E27FC236}">
+                <a16:creationId xmlns:a16="http://schemas.microsoft.com/office/drawing/2014/main" id="{A5E45EE4-FEC5-4DD5-9164-6B867734C712}"/>
+              </a:ext>
+            </a:extLst>
+          </p:cNvPr>
+          <p:cNvSpPr txBox="1"/>
+          <p:nvPr/>
+        </p:nvSpPr>
+        <p:spPr>
+          <a:xfrm>
+            <a:off x="10207499" y="6283173"/>
+            <a:ext cx="636713" cy="369332"/>
+          </a:xfrm>
+          <a:prstGeom prst="rect">
+            <a:avLst/>
+          </a:prstGeom>
+          <a:noFill/>
+        </p:spPr>
+        <p:txBody>
+          <a:bodyPr wrap="none" rtlCol="0">
+            <a:spAutoFit/>
+          </a:bodyPr>
+          <a:lstStyle/>
+          <a:p>
+            <a:r>
+              <a:rPr lang="en-US" altLang="ko-KR" dirty="0">
+                <a:latin typeface="HY헤드라인M" panose="02030600000101010101" pitchFamily="18" charset="-127"/>
+                <a:ea typeface="HY헤드라인M" panose="02030600000101010101" pitchFamily="18" charset="-127"/>
+              </a:rPr>
+              <a:t>03/..</a:t>
+            </a:r>
+            <a:endParaRPr lang="ko-KR" altLang="en-US" dirty="0">
+              <a:latin typeface="HY헤드라인M" panose="02030600000101010101" pitchFamily="18" charset="-127"/>
+              <a:ea typeface="HY헤드라인M" panose="02030600000101010101" pitchFamily="18" charset="-127"/>
+            </a:endParaRPr>
+          </a:p>
+        </p:txBody>
+      </p:sp>
+      <p:sp>
+        <p:nvSpPr>
+          <p:cNvPr id="16" name="TextBox 15">
+            <a:extLst>
+              <a:ext uri="{FF2B5EF4-FFF2-40B4-BE49-F238E27FC236}">
+                <a16:creationId xmlns:a16="http://schemas.microsoft.com/office/drawing/2014/main" id="{A90047D1-BD4E-4F3E-A570-94E0D342A435}"/>
+              </a:ext>
+            </a:extLst>
+          </p:cNvPr>
+          <p:cNvSpPr txBox="1"/>
+          <p:nvPr/>
+        </p:nvSpPr>
+        <p:spPr>
+          <a:xfrm>
+            <a:off x="4588833" y="4493360"/>
+            <a:ext cx="2723823" cy="646331"/>
+          </a:xfrm>
+          <a:prstGeom prst="rect">
+            <a:avLst/>
+          </a:prstGeom>
+          <a:noFill/>
+        </p:spPr>
+        <p:txBody>
+          <a:bodyPr wrap="none" rtlCol="0">
+            <a:spAutoFit/>
+          </a:bodyPr>
+          <a:lstStyle/>
+          <a:p>
+            <a:pPr algn="ctr"/>
+            <a:r>
+              <a:rPr lang="ko-KR" altLang="en-US" dirty="0">
+                <a:latin typeface="HY견고딕" panose="02030600000101010101" pitchFamily="18" charset="-127"/>
+                <a:ea typeface="HY견고딕" panose="02030600000101010101" pitchFamily="18" charset="-127"/>
+              </a:rPr>
+              <a:t>쓰레드 동기화 방식으로 </a:t>
+            </a:r>
+            <a:endParaRPr lang="en-US" altLang="ko-KR" dirty="0">
+              <a:latin typeface="HY견고딕" panose="02030600000101010101" pitchFamily="18" charset="-127"/>
+              <a:ea typeface="HY견고딕" panose="02030600000101010101" pitchFamily="18" charset="-127"/>
+            </a:endParaRPr>
+          </a:p>
+          <a:p>
+            <a:pPr algn="ctr"/>
+            <a:r>
+              <a:rPr lang="ko-KR" altLang="en-US" dirty="0">
+                <a:latin typeface="HY견고딕" panose="02030600000101010101" pitchFamily="18" charset="-127"/>
+                <a:ea typeface="HY견고딕" panose="02030600000101010101" pitchFamily="18" charset="-127"/>
+              </a:rPr>
+              <a:t>임계영역 사용</a:t>
+            </a:r>
+            <a:endParaRPr lang="en-US" altLang="ko-KR" dirty="0">
+              <a:latin typeface="HY견고딕" panose="02030600000101010101" pitchFamily="18" charset="-127"/>
+              <a:ea typeface="HY견고딕" panose="02030600000101010101" pitchFamily="18" charset="-127"/>
+            </a:endParaRPr>
+          </a:p>
+        </p:txBody>
+      </p:sp>
+      <p:pic>
+        <p:nvPicPr>
+          <p:cNvPr id="9" name="그림 8" descr="키보드이(가) 표시된 사진&#10;&#10;자동 생성된 설명">
+            <a:extLst>
+              <a:ext uri="{FF2B5EF4-FFF2-40B4-BE49-F238E27FC236}">
+                <a16:creationId xmlns:a16="http://schemas.microsoft.com/office/drawing/2014/main" id="{FA4F0D05-3B44-4601-96BB-3ACC5E98C9E1}"/>
+              </a:ext>
+            </a:extLst>
+          </p:cNvPr>
+          <p:cNvPicPr>
+            <a:picLocks noChangeAspect="1"/>
+          </p:cNvPicPr>
+          <p:nvPr/>
+        </p:nvPicPr>
+        <p:blipFill>
+          <a:blip r:embed="rId2">
+            <a:extLst>
+              <a:ext uri="{28A0092B-C50C-407E-A947-70E740481C1C}">
+                <a14:useLocalDpi xmlns:a14="http://schemas.microsoft.com/office/drawing/2010/main" val="0"/>
+              </a:ext>
+            </a:extLst>
+          </a:blip>
+          <a:stretch>
+            <a:fillRect/>
+          </a:stretch>
+        </p:blipFill>
+        <p:spPr>
+          <a:xfrm>
+            <a:off x="1473831" y="4208494"/>
+            <a:ext cx="3045457" cy="1330384"/>
+          </a:xfrm>
+          <a:prstGeom prst="rect">
+            <a:avLst/>
+          </a:prstGeom>
+        </p:spPr>
+      </p:pic>
+      <p:pic>
+        <p:nvPicPr>
+          <p:cNvPr id="11" name="그림 10" descr="검은색, 화면, 테이블, 전화이(가) 표시된 사진&#10;&#10;자동 생성된 설명">
+            <a:extLst>
+              <a:ext uri="{FF2B5EF4-FFF2-40B4-BE49-F238E27FC236}">
+                <a16:creationId xmlns:a16="http://schemas.microsoft.com/office/drawing/2014/main" id="{F5033E2A-4E75-425A-917D-4A59A196B38D}"/>
+              </a:ext>
+            </a:extLst>
+          </p:cNvPr>
+          <p:cNvPicPr>
+            <a:picLocks noChangeAspect="1"/>
+          </p:cNvPicPr>
+          <p:nvPr/>
+        </p:nvPicPr>
+        <p:blipFill>
+          <a:blip r:embed="rId3">
+            <a:extLst>
+              <a:ext uri="{28A0092B-C50C-407E-A947-70E740481C1C}">
+                <a14:useLocalDpi xmlns:a14="http://schemas.microsoft.com/office/drawing/2010/main" val="0"/>
+              </a:ext>
+            </a:extLst>
+          </a:blip>
+          <a:stretch>
+            <a:fillRect/>
+          </a:stretch>
+        </p:blipFill>
+        <p:spPr>
+          <a:xfrm>
+            <a:off x="1473831" y="1701101"/>
+            <a:ext cx="5838825" cy="2390775"/>
+          </a:xfrm>
+          <a:prstGeom prst="rect">
+            <a:avLst/>
+          </a:prstGeom>
+        </p:spPr>
+      </p:pic>
+      <p:sp>
+        <p:nvSpPr>
+          <p:cNvPr id="13" name="TextBox 12">
+            <a:extLst>
+              <a:ext uri="{FF2B5EF4-FFF2-40B4-BE49-F238E27FC236}">
+                <a16:creationId xmlns:a16="http://schemas.microsoft.com/office/drawing/2014/main" id="{133E5E0E-6910-47F1-884D-D36FB86E62D8}"/>
+              </a:ext>
+            </a:extLst>
+          </p:cNvPr>
+          <p:cNvSpPr txBox="1"/>
+          <p:nvPr/>
+        </p:nvSpPr>
+        <p:spPr>
+          <a:xfrm>
+            <a:off x="7307847" y="1691658"/>
+            <a:ext cx="3733714" cy="3416320"/>
+          </a:xfrm>
+          <a:prstGeom prst="rect">
+            <a:avLst/>
+          </a:prstGeom>
+          <a:noFill/>
+        </p:spPr>
+        <p:txBody>
+          <a:bodyPr wrap="none" rtlCol="0">
+            <a:spAutoFit/>
+          </a:bodyPr>
+          <a:lstStyle/>
+          <a:p>
+            <a:pPr algn="ctr"/>
+            <a:r>
+              <a:rPr lang="ko-KR" altLang="en-US" dirty="0">
+                <a:latin typeface="HY견고딕" panose="02030600000101010101" pitchFamily="18" charset="-127"/>
+                <a:ea typeface="HY견고딕" panose="02030600000101010101" pitchFamily="18" charset="-127"/>
+              </a:rPr>
+              <a:t>임계영역 변수를 여러 개를 사용</a:t>
+            </a:r>
+            <a:endParaRPr lang="en-US" altLang="ko-KR" dirty="0">
+              <a:latin typeface="HY견고딕" panose="02030600000101010101" pitchFamily="18" charset="-127"/>
+              <a:ea typeface="HY견고딕" panose="02030600000101010101" pitchFamily="18" charset="-127"/>
+            </a:endParaRPr>
+          </a:p>
+          <a:p>
+            <a:pPr algn="ctr"/>
+            <a:endParaRPr lang="en-US" altLang="ko-KR" dirty="0">
+              <a:latin typeface="HY견고딕" panose="02030600000101010101" pitchFamily="18" charset="-127"/>
+              <a:ea typeface="HY견고딕" panose="02030600000101010101" pitchFamily="18" charset="-127"/>
+            </a:endParaRPr>
+          </a:p>
+          <a:p>
+            <a:pPr algn="ctr"/>
+            <a:r>
+              <a:rPr lang="ko-KR" altLang="en-US" dirty="0">
+                <a:latin typeface="HY견고딕" panose="02030600000101010101" pitchFamily="18" charset="-127"/>
+                <a:ea typeface="HY견고딕" panose="02030600000101010101" pitchFamily="18" charset="-127"/>
+              </a:rPr>
+              <a:t>연산의 종류마다 다른 변수를</a:t>
+            </a:r>
+            <a:endParaRPr lang="en-US" altLang="ko-KR" dirty="0">
+              <a:latin typeface="HY견고딕" panose="02030600000101010101" pitchFamily="18" charset="-127"/>
+              <a:ea typeface="HY견고딕" panose="02030600000101010101" pitchFamily="18" charset="-127"/>
+            </a:endParaRPr>
+          </a:p>
+          <a:p>
+            <a:pPr algn="ctr"/>
+            <a:r>
+              <a:rPr lang="ko-KR" altLang="en-US" dirty="0">
+                <a:latin typeface="HY견고딕" panose="02030600000101010101" pitchFamily="18" charset="-127"/>
+                <a:ea typeface="HY견고딕" panose="02030600000101010101" pitchFamily="18" charset="-127"/>
+              </a:rPr>
+              <a:t>사용하기 때문에 대기시간 최소화</a:t>
+            </a:r>
+            <a:endParaRPr lang="en-US" altLang="ko-KR" dirty="0">
+              <a:latin typeface="HY견고딕" panose="02030600000101010101" pitchFamily="18" charset="-127"/>
+              <a:ea typeface="HY견고딕" panose="02030600000101010101" pitchFamily="18" charset="-127"/>
+            </a:endParaRPr>
+          </a:p>
+          <a:p>
+            <a:pPr algn="ctr"/>
+            <a:endParaRPr lang="en-US" altLang="ko-KR" dirty="0">
+              <a:latin typeface="HY견고딕" panose="02030600000101010101" pitchFamily="18" charset="-127"/>
+              <a:ea typeface="HY견고딕" panose="02030600000101010101" pitchFamily="18" charset="-127"/>
+            </a:endParaRPr>
+          </a:p>
+          <a:p>
+            <a:pPr algn="ctr"/>
+            <a:r>
+              <a:rPr lang="ko-KR" altLang="en-US" dirty="0">
+                <a:latin typeface="HY견고딕" panose="02030600000101010101" pitchFamily="18" charset="-127"/>
+                <a:ea typeface="HY견고딕" panose="02030600000101010101" pitchFamily="18" charset="-127"/>
+              </a:rPr>
+              <a:t>공유자원만 접근</a:t>
+            </a:r>
+            <a:r>
+              <a:rPr lang="en-US" altLang="ko-KR" dirty="0">
+                <a:latin typeface="HY견고딕" panose="02030600000101010101" pitchFamily="18" charset="-127"/>
+                <a:ea typeface="HY견고딕" panose="02030600000101010101" pitchFamily="18" charset="-127"/>
+              </a:rPr>
+              <a:t>, </a:t>
+            </a:r>
+            <a:r>
+              <a:rPr lang="ko-KR" altLang="en-US" dirty="0">
+                <a:latin typeface="HY견고딕" panose="02030600000101010101" pitchFamily="18" charset="-127"/>
+                <a:ea typeface="HY견고딕" panose="02030600000101010101" pitchFamily="18" charset="-127"/>
+              </a:rPr>
+              <a:t>수정하는 쓰레드</a:t>
+            </a:r>
+            <a:endParaRPr lang="en-US" altLang="ko-KR" dirty="0">
+              <a:latin typeface="HY견고딕" panose="02030600000101010101" pitchFamily="18" charset="-127"/>
+              <a:ea typeface="HY견고딕" panose="02030600000101010101" pitchFamily="18" charset="-127"/>
+            </a:endParaRPr>
+          </a:p>
+          <a:p>
+            <a:pPr algn="ctr"/>
+            <a:r>
+              <a:rPr lang="ko-KR" altLang="en-US" dirty="0">
+                <a:latin typeface="HY견고딕" panose="02030600000101010101" pitchFamily="18" charset="-127"/>
+                <a:ea typeface="HY견고딕" panose="02030600000101010101" pitchFamily="18" charset="-127"/>
+              </a:rPr>
+              <a:t>뿐만 아니라 임계영역 사용으로</a:t>
+            </a:r>
+            <a:endParaRPr lang="en-US" altLang="ko-KR" dirty="0">
+              <a:latin typeface="HY견고딕" panose="02030600000101010101" pitchFamily="18" charset="-127"/>
+              <a:ea typeface="HY견고딕" panose="02030600000101010101" pitchFamily="18" charset="-127"/>
+            </a:endParaRPr>
+          </a:p>
+          <a:p>
+            <a:pPr algn="ctr"/>
+            <a:r>
+              <a:rPr lang="ko-KR" altLang="en-US" dirty="0">
+                <a:latin typeface="HY견고딕" panose="02030600000101010101" pitchFamily="18" charset="-127"/>
+                <a:ea typeface="HY견고딕" panose="02030600000101010101" pitchFamily="18" charset="-127"/>
+              </a:rPr>
+              <a:t>공유자원의 문제 발생 가능성 차단</a:t>
+            </a:r>
+            <a:endParaRPr lang="en-US" altLang="ko-KR" dirty="0">
+              <a:latin typeface="HY견고딕" panose="02030600000101010101" pitchFamily="18" charset="-127"/>
+              <a:ea typeface="HY견고딕" panose="02030600000101010101" pitchFamily="18" charset="-127"/>
+            </a:endParaRPr>
+          </a:p>
+          <a:p>
+            <a:pPr algn="ctr"/>
+            <a:endParaRPr lang="en-US" altLang="ko-KR" dirty="0">
+              <a:latin typeface="HY견고딕" panose="02030600000101010101" pitchFamily="18" charset="-127"/>
+              <a:ea typeface="HY견고딕" panose="02030600000101010101" pitchFamily="18" charset="-127"/>
+            </a:endParaRPr>
+          </a:p>
+          <a:p>
+            <a:pPr algn="ctr"/>
+            <a:r>
+              <a:rPr lang="ko-KR" altLang="en-US" dirty="0">
+                <a:latin typeface="HY견고딕" panose="02030600000101010101" pitchFamily="18" charset="-127"/>
+                <a:ea typeface="HY견고딕" panose="02030600000101010101" pitchFamily="18" charset="-127"/>
+              </a:rPr>
+              <a:t>변수 선언</a:t>
+            </a:r>
+            <a:endParaRPr lang="en-US" altLang="ko-KR" dirty="0">
+              <a:latin typeface="HY견고딕" panose="02030600000101010101" pitchFamily="18" charset="-127"/>
+              <a:ea typeface="HY견고딕" panose="02030600000101010101" pitchFamily="18" charset="-127"/>
+            </a:endParaRPr>
+          </a:p>
+          <a:p>
+            <a:pPr algn="ctr"/>
+            <a:r>
+              <a:rPr lang="en-US" altLang="ko-KR" dirty="0">
+                <a:latin typeface="HY견고딕" panose="02030600000101010101" pitchFamily="18" charset="-127"/>
+                <a:ea typeface="HY견고딕" panose="02030600000101010101" pitchFamily="18" charset="-127"/>
+              </a:rPr>
+              <a:t>Server/Main.cpp</a:t>
+            </a:r>
+          </a:p>
+          <a:p>
+            <a:pPr algn="ctr"/>
+            <a:r>
+              <a:rPr lang="en-US" altLang="ko-KR" dirty="0">
+                <a:latin typeface="HY견고딕" panose="02030600000101010101" pitchFamily="18" charset="-127"/>
+                <a:ea typeface="HY견고딕" panose="02030600000101010101" pitchFamily="18" charset="-127"/>
+              </a:rPr>
+              <a:t>27~31 Line</a:t>
+            </a:r>
           </a:p>
         </p:txBody>
       </p:sp>
@@ -4583,7 +6298,7 @@
 </p:sld>
 </file>
 
-<file path=ppt/slides/slide12.xml><?xml version="1.0" encoding="utf-8"?>
+<file path=ppt/slides/slide14.xml><?xml version="1.0" encoding="utf-8"?>
 <p:sld xmlns:a="http://schemas.openxmlformats.org/drawingml/2006/main" xmlns:r="http://schemas.openxmlformats.org/officeDocument/2006/relationships" xmlns:p="http://schemas.openxmlformats.org/presentationml/2006/main">
   <p:cSld>
     <p:spTree>
@@ -5349,7 +7064,7 @@
         <p:spPr>
           <a:xfrm>
             <a:off x="7054653" y="4774646"/>
-            <a:ext cx="3281668" cy="1200329"/>
+            <a:ext cx="3281668" cy="1477328"/>
           </a:xfrm>
           <a:prstGeom prst="rect">
             <a:avLst/>
@@ -5387,6 +7102,29 @@
                 <a:ea typeface="HY견고딕" panose="02030600000101010101" pitchFamily="18" charset="-127"/>
               </a:rPr>
               <a:t>프로토콜</a:t>
+            </a:r>
+            <a:endParaRPr lang="en-US" altLang="ko-KR" dirty="0">
+              <a:latin typeface="HY견고딕" panose="02030600000101010101" pitchFamily="18" charset="-127"/>
+              <a:ea typeface="HY견고딕" panose="02030600000101010101" pitchFamily="18" charset="-127"/>
+            </a:endParaRPr>
+          </a:p>
+          <a:p>
+            <a:pPr marL="342900" indent="-342900">
+              <a:buAutoNum type="arabicPeriod"/>
+            </a:pPr>
+            <a:r>
+              <a:rPr lang="en-US" altLang="ko-KR" dirty="0">
+                <a:latin typeface="HY견고딕" panose="02030600000101010101" pitchFamily="18" charset="-127"/>
+                <a:ea typeface="HY견고딕" panose="02030600000101010101" pitchFamily="18" charset="-127"/>
+              </a:rPr>
+              <a:t>TCP/IP </a:t>
+            </a:r>
+            <a:r>
+              <a:rPr lang="ko-KR" altLang="en-US" dirty="0">
+                <a:latin typeface="HY견고딕" panose="02030600000101010101" pitchFamily="18" charset="-127"/>
+                <a:ea typeface="HY견고딕" panose="02030600000101010101" pitchFamily="18" charset="-127"/>
+              </a:rPr>
+              <a:t>서버</a:t>
             </a:r>
             <a:endParaRPr lang="en-US" altLang="ko-KR" dirty="0">
               <a:latin typeface="HY견고딕" panose="02030600000101010101" pitchFamily="18" charset="-127"/>
@@ -6370,8 +8108,8 @@
         </p:nvSpPr>
         <p:spPr>
           <a:xfrm>
-            <a:off x="7257975" y="4527378"/>
-            <a:ext cx="3801041" cy="1200329"/>
+            <a:off x="6887654" y="4258471"/>
+            <a:ext cx="3801041" cy="1754326"/>
           </a:xfrm>
           <a:prstGeom prst="rect">
             <a:avLst/>
@@ -6411,7 +8149,7 @@
                 <a:latin typeface="HY견고딕" panose="02030600000101010101" pitchFamily="18" charset="-127"/>
                 <a:ea typeface="HY견고딕" panose="02030600000101010101" pitchFamily="18" charset="-127"/>
               </a:rPr>
-              <a:t>게임의 충돌처리 및 기타 연산 수행</a:t>
+              <a:t>업데이트 쓰레드를 통해</a:t>
             </a:r>
             <a:endParaRPr lang="en-US" altLang="ko-KR" dirty="0">
               <a:latin typeface="HY견고딕" panose="02030600000101010101" pitchFamily="18" charset="-127"/>
@@ -6420,6 +8158,34 @@
           </a:p>
           <a:p>
             <a:pPr algn="ctr"/>
+            <a:r>
+              <a:rPr lang="ko-KR" altLang="en-US" dirty="0">
+                <a:latin typeface="HY견고딕" panose="02030600000101010101" pitchFamily="18" charset="-127"/>
+                <a:ea typeface="HY견고딕" panose="02030600000101010101" pitchFamily="18" charset="-127"/>
+              </a:rPr>
+              <a:t>게임의 충돌처리 및 기타 연산 수행</a:t>
+            </a:r>
+            <a:endParaRPr lang="en-US" altLang="ko-KR" dirty="0">
+              <a:latin typeface="HY견고딕" panose="02030600000101010101" pitchFamily="18" charset="-127"/>
+              <a:ea typeface="HY견고딕" panose="02030600000101010101" pitchFamily="18" charset="-127"/>
+            </a:endParaRPr>
+          </a:p>
+          <a:p>
+            <a:pPr algn="ctr"/>
+            <a:endParaRPr lang="en-US" altLang="ko-KR" dirty="0">
+              <a:latin typeface="HY견고딕" panose="02030600000101010101" pitchFamily="18" charset="-127"/>
+              <a:ea typeface="HY견고딕" panose="02030600000101010101" pitchFamily="18" charset="-127"/>
+            </a:endParaRPr>
+          </a:p>
+          <a:p>
+            <a:pPr algn="ctr"/>
+            <a:r>
+              <a:rPr lang="ko-KR" altLang="en-US" dirty="0">
+                <a:latin typeface="HY견고딕" panose="02030600000101010101" pitchFamily="18" charset="-127"/>
+                <a:ea typeface="HY견고딕" panose="02030600000101010101" pitchFamily="18" charset="-127"/>
+              </a:rPr>
+              <a:t>플레이어의 키 입력만 전송</a:t>
+            </a:r>
             <a:endParaRPr lang="en-US" altLang="ko-KR" dirty="0">
               <a:latin typeface="HY견고딕" panose="02030600000101010101" pitchFamily="18" charset="-127"/>
               <a:ea typeface="HY견고딕" panose="02030600000101010101" pitchFamily="18" charset="-127"/>
@@ -7131,7 +8897,7 @@
             <a:pPr algn="ctr"/>
             <a:r>
               <a:rPr lang="en-US" altLang="ko-KR" dirty="0"/>
-              <a:t>Receive</a:t>
+              <a:t>Send</a:t>
             </a:r>
             <a:endParaRPr lang="ko-KR" altLang="en-US" dirty="0"/>
           </a:p>
@@ -7173,7 +8939,7 @@
             <a:pPr algn="ctr"/>
             <a:r>
               <a:rPr lang="en-US" altLang="ko-KR" dirty="0"/>
-              <a:t>Send</a:t>
+              <a:t>Receive</a:t>
             </a:r>
             <a:endParaRPr lang="ko-KR" altLang="en-US" dirty="0"/>
           </a:p>
@@ -7283,7 +9049,7 @@
         </p:nvSpPr>
         <p:spPr>
           <a:xfrm>
-            <a:off x="7127078" y="3862101"/>
+            <a:off x="7123562" y="3402620"/>
             <a:ext cx="807831" cy="234074"/>
           </a:xfrm>
           <a:prstGeom prst="rightArrow">
@@ -7463,7 +9229,7 @@
         </p:nvSpPr>
         <p:spPr>
           <a:xfrm rot="10800000">
-            <a:off x="7116750" y="3375732"/>
+            <a:off x="7116027" y="3860027"/>
             <a:ext cx="807831" cy="234074"/>
           </a:xfrm>
           <a:prstGeom prst="rightArrow">
@@ -7492,6 +9258,95 @@
           <a:p>
             <a:pPr algn="ctr"/>
             <a:endParaRPr lang="ko-KR" altLang="en-US"/>
+          </a:p>
+        </p:txBody>
+      </p:sp>
+      <p:sp>
+        <p:nvSpPr>
+          <p:cNvPr id="36" name="화살표: 아래쪽 35">
+            <a:extLst>
+              <a:ext uri="{FF2B5EF4-FFF2-40B4-BE49-F238E27FC236}">
+                <a16:creationId xmlns:a16="http://schemas.microsoft.com/office/drawing/2014/main" id="{A6D3124E-B2E5-4389-A370-7F3C4BCC583E}"/>
+              </a:ext>
+            </a:extLst>
+          </p:cNvPr>
+          <p:cNvSpPr/>
+          <p:nvPr/>
+        </p:nvSpPr>
+        <p:spPr>
+          <a:xfrm>
+            <a:off x="6064760" y="2598674"/>
+            <a:ext cx="197224" cy="640019"/>
+          </a:xfrm>
+          <a:prstGeom prst="downArrow">
+            <a:avLst/>
+          </a:prstGeom>
+        </p:spPr>
+        <p:style>
+          <a:lnRef idx="2">
+            <a:schemeClr val="accent1">
+              <a:shade val="50000"/>
+            </a:schemeClr>
+          </a:lnRef>
+          <a:fillRef idx="1">
+            <a:schemeClr val="accent1"/>
+          </a:fillRef>
+          <a:effectRef idx="0">
+            <a:schemeClr val="accent1"/>
+          </a:effectRef>
+          <a:fontRef idx="minor">
+            <a:schemeClr val="lt1"/>
+          </a:fontRef>
+        </p:style>
+        <p:txBody>
+          <a:bodyPr rtlCol="0" anchor="ctr"/>
+          <a:lstStyle/>
+          <a:p>
+            <a:pPr algn="ctr"/>
+            <a:endParaRPr lang="ko-KR" altLang="en-US"/>
+          </a:p>
+        </p:txBody>
+      </p:sp>
+      <p:sp>
+        <p:nvSpPr>
+          <p:cNvPr id="37" name="TextBox 36">
+            <a:extLst>
+              <a:ext uri="{FF2B5EF4-FFF2-40B4-BE49-F238E27FC236}">
+                <a16:creationId xmlns:a16="http://schemas.microsoft.com/office/drawing/2014/main" id="{32E0532D-B876-4047-A158-A76CC23AB2EE}"/>
+              </a:ext>
+            </a:extLst>
+          </p:cNvPr>
+          <p:cNvSpPr txBox="1"/>
+          <p:nvPr/>
+        </p:nvSpPr>
+        <p:spPr>
+          <a:xfrm>
+            <a:off x="5150990" y="2701828"/>
+            <a:ext cx="954107" cy="369332"/>
+          </a:xfrm>
+          <a:prstGeom prst="rect">
+            <a:avLst/>
+          </a:prstGeom>
+          <a:noFill/>
+        </p:spPr>
+        <p:txBody>
+          <a:bodyPr wrap="none" rtlCol="0">
+            <a:spAutoFit/>
+          </a:bodyPr>
+          <a:lstStyle/>
+          <a:p>
+            <a:pPr algn="ctr"/>
+            <a:r>
+              <a:rPr lang="ko-KR" altLang="en-US">
+                <a:latin typeface="HY견고딕" panose="02030600000101010101" pitchFamily="18" charset="-127"/>
+                <a:ea typeface="HY견고딕" panose="02030600000101010101" pitchFamily="18" charset="-127"/>
+              </a:rPr>
+              <a:t>키 입력</a:t>
+            </a:r>
+            <a:endParaRPr lang="en-US" altLang="ko-KR" dirty="0">
+              <a:latin typeface="HY견고딕" panose="02030600000101010101" pitchFamily="18" charset="-127"/>
+              <a:ea typeface="HY견고딕" panose="02030600000101010101" pitchFamily="18" charset="-127"/>
+            </a:endParaRPr>
           </a:p>
         </p:txBody>
       </p:sp>
@@ -7792,7 +9647,7 @@
         </p:nvSpPr>
         <p:spPr>
           <a:xfrm>
-            <a:off x="2330823" y="1685365"/>
+            <a:off x="2872445" y="1721223"/>
             <a:ext cx="4356847" cy="4208831"/>
           </a:xfrm>
           <a:prstGeom prst="ellipse">
@@ -7848,7 +9703,7 @@
         </p:nvSpPr>
         <p:spPr>
           <a:xfrm>
-            <a:off x="4032192" y="1685364"/>
+            <a:off x="4573814" y="1721222"/>
             <a:ext cx="954108" cy="400110"/>
           </a:xfrm>
           <a:prstGeom prst="rect">
@@ -7990,8 +9845,8 @@
         </p:nvSpPr>
         <p:spPr>
           <a:xfrm>
-            <a:off x="2851390" y="2803830"/>
-            <a:ext cx="2675734" cy="2031325"/>
+            <a:off x="3596516" y="2188723"/>
+            <a:ext cx="2319866" cy="3139321"/>
           </a:xfrm>
           <a:prstGeom prst="rect">
             <a:avLst/>
@@ -8010,7 +9865,14 @@
                 <a:latin typeface="HY견고딕" panose="02030600000101010101" pitchFamily="18" charset="-127"/>
                 <a:ea typeface="HY견고딕" panose="02030600000101010101" pitchFamily="18" charset="-127"/>
               </a:rPr>
-              <a:t>클라이언트 담당</a:t>
+              <a:t>기존 코드 </a:t>
+            </a:r>
+            <a:r>
+              <a:rPr lang="ko-KR" altLang="en-US" dirty="0" err="1">
+                <a:latin typeface="HY견고딕" panose="02030600000101010101" pitchFamily="18" charset="-127"/>
+                <a:ea typeface="HY견고딕" panose="02030600000101010101" pitchFamily="18" charset="-127"/>
+              </a:rPr>
+              <a:t>리팩토링</a:t>
             </a:r>
             <a:endParaRPr lang="en-US" altLang="ko-KR" dirty="0">
               <a:latin typeface="HY견고딕" panose="02030600000101010101" pitchFamily="18" charset="-127"/>
@@ -8031,14 +9893,7 @@
                 <a:latin typeface="HY견고딕" panose="02030600000101010101" pitchFamily="18" charset="-127"/>
                 <a:ea typeface="HY견고딕" panose="02030600000101010101" pitchFamily="18" charset="-127"/>
               </a:rPr>
-              <a:t>기존 코드 </a:t>
-            </a:r>
-            <a:r>
-              <a:rPr lang="ko-KR" altLang="en-US" dirty="0" err="1">
-                <a:latin typeface="HY견고딕" panose="02030600000101010101" pitchFamily="18" charset="-127"/>
-                <a:ea typeface="HY견고딕" panose="02030600000101010101" pitchFamily="18" charset="-127"/>
-              </a:rPr>
-              <a:t>리팩토링</a:t>
+              <a:t>애니메이션 구현</a:t>
             </a:r>
             <a:endParaRPr lang="en-US" altLang="ko-KR" dirty="0">
               <a:latin typeface="HY견고딕" panose="02030600000101010101" pitchFamily="18" charset="-127"/>
@@ -8047,6 +9902,13 @@
           </a:p>
           <a:p>
             <a:pPr algn="ctr"/>
+            <a:r>
+              <a:rPr lang="ko-KR" altLang="en-US" dirty="0">
+                <a:latin typeface="HY견고딕" panose="02030600000101010101" pitchFamily="18" charset="-127"/>
+                <a:ea typeface="HY견고딕" panose="02030600000101010101" pitchFamily="18" charset="-127"/>
+              </a:rPr>
+              <a:t>아이템 구현</a:t>
+            </a:r>
             <a:endParaRPr lang="en-US" altLang="ko-KR" dirty="0">
               <a:latin typeface="HY견고딕" panose="02030600000101010101" pitchFamily="18" charset="-127"/>
               <a:ea typeface="HY견고딕" panose="02030600000101010101" pitchFamily="18" charset="-127"/>
@@ -8054,13 +9916,6 @@
           </a:p>
           <a:p>
             <a:pPr algn="ctr"/>
-            <a:r>
-              <a:rPr lang="ko-KR" altLang="en-US" dirty="0">
-                <a:latin typeface="HY견고딕" panose="02030600000101010101" pitchFamily="18" charset="-127"/>
-                <a:ea typeface="HY견고딕" panose="02030600000101010101" pitchFamily="18" charset="-127"/>
-              </a:rPr>
-              <a:t>메인 컨텐츠 구현</a:t>
-            </a:r>
             <a:endParaRPr lang="en-US" altLang="ko-KR" dirty="0">
               <a:latin typeface="HY견고딕" panose="02030600000101010101" pitchFamily="18" charset="-127"/>
               <a:ea typeface="HY견고딕" panose="02030600000101010101" pitchFamily="18" charset="-127"/>
@@ -8068,6 +9923,27 @@
           </a:p>
           <a:p>
             <a:pPr algn="ctr"/>
+            <a:r>
+              <a:rPr lang="ko-KR" altLang="en-US" dirty="0">
+                <a:latin typeface="HY견고딕" panose="02030600000101010101" pitchFamily="18" charset="-127"/>
+                <a:ea typeface="HY견고딕" panose="02030600000101010101" pitchFamily="18" charset="-127"/>
+              </a:rPr>
+              <a:t>플레이어 </a:t>
+            </a:r>
+            <a:r>
+              <a:rPr lang="en-US" altLang="ko-KR" dirty="0">
+                <a:latin typeface="HY견고딕" panose="02030600000101010101" pitchFamily="18" charset="-127"/>
+                <a:ea typeface="HY견고딕" panose="02030600000101010101" pitchFamily="18" charset="-127"/>
+              </a:rPr>
+              <a:t>&amp; </a:t>
+            </a:r>
+            <a:r>
+              <a:rPr lang="ko-KR" altLang="en-US" dirty="0">
+                <a:latin typeface="HY견고딕" panose="02030600000101010101" pitchFamily="18" charset="-127"/>
+                <a:ea typeface="HY견고딕" panose="02030600000101010101" pitchFamily="18" charset="-127"/>
+              </a:rPr>
+              <a:t>총알 </a:t>
+            </a:r>
             <a:endParaRPr lang="en-US" altLang="ko-KR" dirty="0">
               <a:latin typeface="HY견고딕" panose="02030600000101010101" pitchFamily="18" charset="-127"/>
               <a:ea typeface="HY견고딕" panose="02030600000101010101" pitchFamily="18" charset="-127"/>
@@ -8080,27 +9956,110 @@
                 <a:latin typeface="HY견고딕" panose="02030600000101010101" pitchFamily="18" charset="-127"/>
                 <a:ea typeface="HY견고딕" panose="02030600000101010101" pitchFamily="18" charset="-127"/>
               </a:rPr>
-              <a:t>플레이어 </a:t>
-            </a:r>
-            <a:r>
-              <a:rPr lang="en-US" altLang="ko-KR" dirty="0">
-                <a:latin typeface="HY견고딕" panose="02030600000101010101" pitchFamily="18" charset="-127"/>
-                <a:ea typeface="HY견고딕" panose="02030600000101010101" pitchFamily="18" charset="-127"/>
-              </a:rPr>
-              <a:t>&amp; </a:t>
-            </a:r>
-            <a:r>
-              <a:rPr lang="ko-KR" altLang="en-US" dirty="0">
-                <a:latin typeface="HY견고딕" panose="02030600000101010101" pitchFamily="18" charset="-127"/>
-                <a:ea typeface="HY견고딕" panose="02030600000101010101" pitchFamily="18" charset="-127"/>
-              </a:rPr>
-              <a:t>총알 동기화</a:t>
+              <a:t>동기화</a:t>
             </a:r>
             <a:endParaRPr lang="en-US" altLang="ko-KR" dirty="0">
               <a:latin typeface="HY견고딕" panose="02030600000101010101" pitchFamily="18" charset="-127"/>
               <a:ea typeface="HY견고딕" panose="02030600000101010101" pitchFamily="18" charset="-127"/>
             </a:endParaRPr>
           </a:p>
+          <a:p>
+            <a:pPr algn="ctr"/>
+            <a:endParaRPr lang="en-US" altLang="ko-KR" dirty="0">
+              <a:latin typeface="HY견고딕" panose="02030600000101010101" pitchFamily="18" charset="-127"/>
+              <a:ea typeface="HY견고딕" panose="02030600000101010101" pitchFamily="18" charset="-127"/>
+            </a:endParaRPr>
+          </a:p>
+          <a:p>
+            <a:pPr algn="ctr"/>
+            <a:r>
+              <a:rPr lang="ko-KR" altLang="en-US" dirty="0">
+                <a:latin typeface="HY견고딕" panose="02030600000101010101" pitchFamily="18" charset="-127"/>
+                <a:ea typeface="HY견고딕" panose="02030600000101010101" pitchFamily="18" charset="-127"/>
+              </a:rPr>
+              <a:t>충돌체크</a:t>
+            </a:r>
+            <a:endParaRPr lang="en-US" altLang="ko-KR" dirty="0">
+              <a:latin typeface="HY견고딕" panose="02030600000101010101" pitchFamily="18" charset="-127"/>
+              <a:ea typeface="HY견고딕" panose="02030600000101010101" pitchFamily="18" charset="-127"/>
+            </a:endParaRPr>
+          </a:p>
+          <a:p>
+            <a:pPr algn="ctr"/>
+            <a:r>
+              <a:rPr lang="en-US" altLang="ko-KR" dirty="0">
+                <a:latin typeface="HY견고딕" panose="02030600000101010101" pitchFamily="18" charset="-127"/>
+                <a:ea typeface="HY견고딕" panose="02030600000101010101" pitchFamily="18" charset="-127"/>
+              </a:rPr>
+              <a:t>(</a:t>
+            </a:r>
+            <a:r>
+              <a:rPr lang="ko-KR" altLang="en-US" dirty="0">
+                <a:latin typeface="HY견고딕" panose="02030600000101010101" pitchFamily="18" charset="-127"/>
+                <a:ea typeface="HY견고딕" panose="02030600000101010101" pitchFamily="18" charset="-127"/>
+              </a:rPr>
+              <a:t>볼 </a:t>
+            </a:r>
+            <a:r>
+              <a:rPr lang="en-US" altLang="ko-KR" dirty="0">
+                <a:latin typeface="HY견고딕" panose="02030600000101010101" pitchFamily="18" charset="-127"/>
+                <a:ea typeface="HY견고딕" panose="02030600000101010101" pitchFamily="18" charset="-127"/>
+              </a:rPr>
+              <a:t>+ </a:t>
+            </a:r>
+            <a:r>
+              <a:rPr lang="ko-KR" altLang="en-US" dirty="0">
+                <a:latin typeface="HY견고딕" panose="02030600000101010101" pitchFamily="18" charset="-127"/>
+                <a:ea typeface="HY견고딕" panose="02030600000101010101" pitchFamily="18" charset="-127"/>
+              </a:rPr>
+              <a:t>블록</a:t>
+            </a:r>
+            <a:r>
+              <a:rPr lang="en-US" altLang="ko-KR" dirty="0">
+                <a:latin typeface="HY견고딕" panose="02030600000101010101" pitchFamily="18" charset="-127"/>
+                <a:ea typeface="HY견고딕" panose="02030600000101010101" pitchFamily="18" charset="-127"/>
+              </a:rPr>
+              <a:t>)</a:t>
+            </a:r>
+          </a:p>
+          <a:p>
+            <a:pPr algn="ctr"/>
+            <a:r>
+              <a:rPr lang="en-US" altLang="ko-KR" dirty="0">
+                <a:latin typeface="HY견고딕" panose="02030600000101010101" pitchFamily="18" charset="-127"/>
+                <a:ea typeface="HY견고딕" panose="02030600000101010101" pitchFamily="18" charset="-127"/>
+              </a:rPr>
+              <a:t>(</a:t>
+            </a:r>
+            <a:r>
+              <a:rPr lang="ko-KR" altLang="en-US" dirty="0">
+                <a:latin typeface="HY견고딕" panose="02030600000101010101" pitchFamily="18" charset="-127"/>
+                <a:ea typeface="HY견고딕" panose="02030600000101010101" pitchFamily="18" charset="-127"/>
+              </a:rPr>
+              <a:t>아이템 </a:t>
+            </a:r>
+            <a:r>
+              <a:rPr lang="en-US" altLang="ko-KR" dirty="0">
+                <a:latin typeface="HY견고딕" panose="02030600000101010101" pitchFamily="18" charset="-127"/>
+                <a:ea typeface="HY견고딕" panose="02030600000101010101" pitchFamily="18" charset="-127"/>
+              </a:rPr>
+              <a:t>+ </a:t>
+            </a:r>
+            <a:r>
+              <a:rPr lang="ko-KR" altLang="en-US" dirty="0">
+                <a:latin typeface="HY견고딕" panose="02030600000101010101" pitchFamily="18" charset="-127"/>
+                <a:ea typeface="HY견고딕" panose="02030600000101010101" pitchFamily="18" charset="-127"/>
+              </a:rPr>
+              <a:t>플레이어</a:t>
+            </a:r>
+            <a:r>
+              <a:rPr lang="en-US" altLang="ko-KR" dirty="0">
+                <a:latin typeface="HY견고딕" panose="02030600000101010101" pitchFamily="18" charset="-127"/>
+                <a:ea typeface="HY견고딕" panose="02030600000101010101" pitchFamily="18" charset="-127"/>
+              </a:rPr>
+              <a:t>)</a:t>
+            </a:r>
+          </a:p>
         </p:txBody>
       </p:sp>
       <p:sp>
@@ -8117,8 +10076,8 @@
         </p:nvSpPr>
         <p:spPr>
           <a:xfrm>
-            <a:off x="6848111" y="2497116"/>
-            <a:ext cx="2214068" cy="2585323"/>
+            <a:off x="7023216" y="2224401"/>
+            <a:ext cx="2117887" cy="3139321"/>
           </a:xfrm>
           <a:prstGeom prst="rect">
             <a:avLst/>
@@ -8133,11 +10092,18 @@
           <a:p>
             <a:pPr algn="ctr"/>
             <a:r>
+              <a:rPr lang="en-US" altLang="ko-KR" dirty="0">
+                <a:latin typeface="HY견고딕" panose="02030600000101010101" pitchFamily="18" charset="-127"/>
+                <a:ea typeface="HY견고딕" panose="02030600000101010101" pitchFamily="18" charset="-127"/>
+              </a:rPr>
+              <a:t>TCP/IP </a:t>
+            </a:r>
+            <a:r>
               <a:rPr lang="ko-KR" altLang="en-US" dirty="0">
                 <a:latin typeface="HY견고딕" panose="02030600000101010101" pitchFamily="18" charset="-127"/>
                 <a:ea typeface="HY견고딕" panose="02030600000101010101" pitchFamily="18" charset="-127"/>
               </a:rPr>
-              <a:t>서버 담당</a:t>
+              <a:t>서버 구현</a:t>
             </a:r>
             <a:endParaRPr lang="en-US" altLang="ko-KR" dirty="0">
               <a:latin typeface="HY견고딕" panose="02030600000101010101" pitchFamily="18" charset="-127"/>
@@ -8154,18 +10120,25 @@
           <a:p>
             <a:pPr algn="ctr"/>
             <a:r>
+              <a:rPr lang="ko-KR" altLang="en-US" dirty="0">
+                <a:latin typeface="HY견고딕" panose="02030600000101010101" pitchFamily="18" charset="-127"/>
+                <a:ea typeface="HY견고딕" panose="02030600000101010101" pitchFamily="18" charset="-127"/>
+              </a:rPr>
+              <a:t>블록 </a:t>
+            </a:r>
+            <a:r>
               <a:rPr lang="en-US" altLang="ko-KR" dirty="0">
                 <a:latin typeface="HY견고딕" panose="02030600000101010101" pitchFamily="18" charset="-127"/>
                 <a:ea typeface="HY견고딕" panose="02030600000101010101" pitchFamily="18" charset="-127"/>
               </a:rPr>
-              <a:t>TCP/IP </a:t>
+              <a:t>&amp; </a:t>
             </a:r>
             <a:r>
               <a:rPr lang="ko-KR" altLang="en-US" dirty="0">
                 <a:latin typeface="HY견고딕" panose="02030600000101010101" pitchFamily="18" charset="-127"/>
                 <a:ea typeface="HY견고딕" panose="02030600000101010101" pitchFamily="18" charset="-127"/>
               </a:rPr>
-              <a:t>서버 구현</a:t>
+              <a:t>볼 동기화</a:t>
             </a:r>
             <a:endParaRPr lang="en-US" altLang="ko-KR" dirty="0">
               <a:latin typeface="HY견고딕" panose="02030600000101010101" pitchFamily="18" charset="-127"/>
@@ -8186,7 +10159,7 @@
                 <a:latin typeface="HY견고딕" panose="02030600000101010101" pitchFamily="18" charset="-127"/>
                 <a:ea typeface="HY견고딕" panose="02030600000101010101" pitchFamily="18" charset="-127"/>
               </a:rPr>
-              <a:t>멀티 쓰레드 구현</a:t>
+              <a:t>클라이언트 </a:t>
             </a:r>
             <a:endParaRPr lang="en-US" altLang="ko-KR" dirty="0">
               <a:latin typeface="HY견고딕" panose="02030600000101010101" pitchFamily="18" charset="-127"/>
@@ -8195,6 +10168,13 @@
           </a:p>
           <a:p>
             <a:pPr algn="ctr"/>
+            <a:r>
+              <a:rPr lang="ko-KR" altLang="en-US" dirty="0">
+                <a:latin typeface="HY견고딕" panose="02030600000101010101" pitchFamily="18" charset="-127"/>
+                <a:ea typeface="HY견고딕" panose="02030600000101010101" pitchFamily="18" charset="-127"/>
+              </a:rPr>
+              <a:t>프레임워크 구현</a:t>
+            </a:r>
             <a:endParaRPr lang="en-US" altLang="ko-KR" dirty="0">
               <a:latin typeface="HY견고딕" panose="02030600000101010101" pitchFamily="18" charset="-127"/>
               <a:ea typeface="HY견고딕" panose="02030600000101010101" pitchFamily="18" charset="-127"/>
@@ -8202,13 +10182,6 @@
           </a:p>
           <a:p>
             <a:pPr algn="ctr"/>
-            <a:r>
-              <a:rPr lang="ko-KR" altLang="en-US" dirty="0">
-                <a:latin typeface="HY견고딕" panose="02030600000101010101" pitchFamily="18" charset="-127"/>
-                <a:ea typeface="HY견고딕" panose="02030600000101010101" pitchFamily="18" charset="-127"/>
-              </a:rPr>
-              <a:t>쓰레드 동기화 구현</a:t>
-            </a:r>
             <a:endParaRPr lang="en-US" altLang="ko-KR" dirty="0">
               <a:latin typeface="HY견고딕" panose="02030600000101010101" pitchFamily="18" charset="-127"/>
               <a:ea typeface="HY견고딕" panose="02030600000101010101" pitchFamily="18" charset="-127"/>
@@ -8216,6 +10189,13 @@
           </a:p>
           <a:p>
             <a:pPr algn="ctr"/>
+            <a:r>
+              <a:rPr lang="ko-KR" altLang="en-US" dirty="0">
+                <a:latin typeface="HY견고딕" panose="02030600000101010101" pitchFamily="18" charset="-127"/>
+                <a:ea typeface="HY견고딕" panose="02030600000101010101" pitchFamily="18" charset="-127"/>
+              </a:rPr>
+              <a:t>충돌체크</a:t>
+            </a:r>
             <a:endParaRPr lang="en-US" altLang="ko-KR" dirty="0">
               <a:latin typeface="HY견고딕" panose="02030600000101010101" pitchFamily="18" charset="-127"/>
               <a:ea typeface="HY견고딕" panose="02030600000101010101" pitchFamily="18" charset="-127"/>
@@ -8224,25 +10204,87 @@
           <a:p>
             <a:pPr algn="ctr"/>
             <a:r>
+              <a:rPr lang="en-US" altLang="ko-KR" dirty="0">
+                <a:latin typeface="HY견고딕" panose="02030600000101010101" pitchFamily="18" charset="-127"/>
+                <a:ea typeface="HY견고딕" panose="02030600000101010101" pitchFamily="18" charset="-127"/>
+              </a:rPr>
+              <a:t>(</a:t>
+            </a:r>
+            <a:r>
               <a:rPr lang="ko-KR" altLang="en-US" dirty="0">
                 <a:latin typeface="HY견고딕" panose="02030600000101010101" pitchFamily="18" charset="-127"/>
                 <a:ea typeface="HY견고딕" panose="02030600000101010101" pitchFamily="18" charset="-127"/>
               </a:rPr>
-              <a:t>장애물 </a:t>
+              <a:t>볼 </a:t>
             </a:r>
             <a:r>
               <a:rPr lang="en-US" altLang="ko-KR" dirty="0">
                 <a:latin typeface="HY견고딕" panose="02030600000101010101" pitchFamily="18" charset="-127"/>
                 <a:ea typeface="HY견고딕" panose="02030600000101010101" pitchFamily="18" charset="-127"/>
               </a:rPr>
-              <a:t>&amp; </a:t>
+              <a:t>+ </a:t>
             </a:r>
             <a:r>
               <a:rPr lang="ko-KR" altLang="en-US" dirty="0">
                 <a:latin typeface="HY견고딕" panose="02030600000101010101" pitchFamily="18" charset="-127"/>
                 <a:ea typeface="HY견고딕" panose="02030600000101010101" pitchFamily="18" charset="-127"/>
               </a:rPr>
-              <a:t>공 동기화</a:t>
+              <a:t>작살</a:t>
+            </a:r>
+            <a:r>
+              <a:rPr lang="en-US" altLang="ko-KR" dirty="0">
+                <a:latin typeface="HY견고딕" panose="02030600000101010101" pitchFamily="18" charset="-127"/>
+                <a:ea typeface="HY견고딕" panose="02030600000101010101" pitchFamily="18" charset="-127"/>
+              </a:rPr>
+              <a:t>)</a:t>
+            </a:r>
+          </a:p>
+          <a:p>
+            <a:pPr algn="ctr"/>
+            <a:r>
+              <a:rPr lang="en-US" altLang="ko-KR" dirty="0">
+                <a:latin typeface="HY견고딕" panose="02030600000101010101" pitchFamily="18" charset="-127"/>
+                <a:ea typeface="HY견고딕" panose="02030600000101010101" pitchFamily="18" charset="-127"/>
+              </a:rPr>
+              <a:t>(</a:t>
+            </a:r>
+            <a:r>
+              <a:rPr lang="ko-KR" altLang="en-US" dirty="0">
+                <a:latin typeface="HY견고딕" panose="02030600000101010101" pitchFamily="18" charset="-127"/>
+                <a:ea typeface="HY견고딕" panose="02030600000101010101" pitchFamily="18" charset="-127"/>
+              </a:rPr>
+              <a:t>볼 </a:t>
+            </a:r>
+            <a:r>
+              <a:rPr lang="en-US" altLang="ko-KR" dirty="0">
+                <a:latin typeface="HY견고딕" panose="02030600000101010101" pitchFamily="18" charset="-127"/>
+                <a:ea typeface="HY견고딕" panose="02030600000101010101" pitchFamily="18" charset="-127"/>
+              </a:rPr>
+              <a:t>+ </a:t>
+            </a:r>
+            <a:r>
+              <a:rPr lang="ko-KR" altLang="en-US" dirty="0">
+                <a:latin typeface="HY견고딕" panose="02030600000101010101" pitchFamily="18" charset="-127"/>
+                <a:ea typeface="HY견고딕" panose="02030600000101010101" pitchFamily="18" charset="-127"/>
+              </a:rPr>
+              <a:t>플레이어</a:t>
+            </a:r>
+            <a:r>
+              <a:rPr lang="en-US" altLang="ko-KR" dirty="0">
+                <a:latin typeface="HY견고딕" panose="02030600000101010101" pitchFamily="18" charset="-127"/>
+                <a:ea typeface="HY견고딕" panose="02030600000101010101" pitchFamily="18" charset="-127"/>
+              </a:rPr>
+              <a:t>)</a:t>
+            </a:r>
+          </a:p>
+          <a:p>
+            <a:pPr algn="ctr"/>
+            <a:r>
+              <a:rPr lang="ko-KR" altLang="en-US" dirty="0">
+                <a:latin typeface="HY견고딕" panose="02030600000101010101" pitchFamily="18" charset="-127"/>
+                <a:ea typeface="HY견고딕" panose="02030600000101010101" pitchFamily="18" charset="-127"/>
+              </a:rPr>
+              <a:t>디버깅 및 최적화</a:t>
             </a:r>
             <a:endParaRPr lang="en-US" altLang="ko-KR" dirty="0">
               <a:latin typeface="HY견고딕" panose="02030600000101010101" pitchFamily="18" charset="-127"/>
@@ -8265,8 +10307,8 @@
         </p:nvSpPr>
         <p:spPr>
           <a:xfrm>
-            <a:off x="5503529" y="3189614"/>
-            <a:ext cx="1184940" cy="1200329"/>
+            <a:off x="5582687" y="2735981"/>
+            <a:ext cx="1646605" cy="2031325"/>
           </a:xfrm>
           <a:prstGeom prst="rect">
             <a:avLst/>
@@ -8285,7 +10327,7 @@
                 <a:latin typeface="HY견고딕" panose="02030600000101010101" pitchFamily="18" charset="-127"/>
                 <a:ea typeface="HY견고딕" panose="02030600000101010101" pitchFamily="18" charset="-127"/>
               </a:rPr>
-              <a:t>서버 연결</a:t>
+              <a:t>서버 통신</a:t>
             </a:r>
             <a:endParaRPr lang="en-US" altLang="ko-KR" dirty="0">
               <a:latin typeface="HY견고딕" panose="02030600000101010101" pitchFamily="18" charset="-127"/>
@@ -8294,6 +10336,13 @@
           </a:p>
           <a:p>
             <a:pPr algn="ctr"/>
+            <a:r>
+              <a:rPr lang="ko-KR" altLang="en-US" dirty="0">
+                <a:latin typeface="HY견고딕" panose="02030600000101010101" pitchFamily="18" charset="-127"/>
+                <a:ea typeface="HY견고딕" panose="02030600000101010101" pitchFamily="18" charset="-127"/>
+              </a:rPr>
+              <a:t>프로토콜</a:t>
+            </a:r>
             <a:endParaRPr lang="en-US" altLang="ko-KR" dirty="0">
               <a:latin typeface="HY견고딕" panose="02030600000101010101" pitchFamily="18" charset="-127"/>
               <a:ea typeface="HY견고딕" panose="02030600000101010101" pitchFamily="18" charset="-127"/>
@@ -8301,13 +10350,6 @@
           </a:p>
           <a:p>
             <a:pPr algn="ctr"/>
-            <a:r>
-              <a:rPr lang="ko-KR" altLang="en-US" dirty="0">
-                <a:latin typeface="HY견고딕" panose="02030600000101010101" pitchFamily="18" charset="-127"/>
-                <a:ea typeface="HY견고딕" panose="02030600000101010101" pitchFamily="18" charset="-127"/>
-              </a:rPr>
-              <a:t>프로토콜</a:t>
-            </a:r>
             <a:endParaRPr lang="en-US" altLang="ko-KR" dirty="0">
               <a:latin typeface="HY견고딕" panose="02030600000101010101" pitchFamily="18" charset="-127"/>
               <a:ea typeface="HY견고딕" panose="02030600000101010101" pitchFamily="18" charset="-127"/>
@@ -8316,11 +10358,46 @@
           <a:p>
             <a:pPr algn="ctr"/>
             <a:r>
+              <a:rPr lang="ko-KR" altLang="en-US" dirty="0" err="1">
+                <a:latin typeface="HY견고딕" panose="02030600000101010101" pitchFamily="18" charset="-127"/>
+                <a:ea typeface="HY견고딕" panose="02030600000101010101" pitchFamily="18" charset="-127"/>
+              </a:rPr>
+              <a:t>멀티쓰레드</a:t>
+            </a:r>
+            <a:endParaRPr lang="en-US" altLang="ko-KR" dirty="0">
+              <a:latin typeface="HY견고딕" panose="02030600000101010101" pitchFamily="18" charset="-127"/>
+              <a:ea typeface="HY견고딕" panose="02030600000101010101" pitchFamily="18" charset="-127"/>
+            </a:endParaRPr>
+          </a:p>
+          <a:p>
+            <a:pPr algn="ctr"/>
+            <a:r>
               <a:rPr lang="ko-KR" altLang="en-US" dirty="0">
                 <a:latin typeface="HY견고딕" panose="02030600000101010101" pitchFamily="18" charset="-127"/>
                 <a:ea typeface="HY견고딕" panose="02030600000101010101" pitchFamily="18" charset="-127"/>
               </a:rPr>
-              <a:t>정의</a:t>
+              <a:t>쓰레드 동기화</a:t>
+            </a:r>
+            <a:endParaRPr lang="en-US" altLang="ko-KR" dirty="0">
+              <a:latin typeface="HY견고딕" panose="02030600000101010101" pitchFamily="18" charset="-127"/>
+              <a:ea typeface="HY견고딕" panose="02030600000101010101" pitchFamily="18" charset="-127"/>
+            </a:endParaRPr>
+          </a:p>
+          <a:p>
+            <a:pPr algn="ctr"/>
+            <a:endParaRPr lang="en-US" altLang="ko-KR" dirty="0">
+              <a:latin typeface="HY견고딕" panose="02030600000101010101" pitchFamily="18" charset="-127"/>
+              <a:ea typeface="HY견고딕" panose="02030600000101010101" pitchFamily="18" charset="-127"/>
+            </a:endParaRPr>
+          </a:p>
+          <a:p>
+            <a:pPr algn="ctr"/>
+            <a:r>
+              <a:rPr lang="ko-KR" altLang="en-US" dirty="0">
+                <a:latin typeface="HY견고딕" panose="02030600000101010101" pitchFamily="18" charset="-127"/>
+                <a:ea typeface="HY견고딕" panose="02030600000101010101" pitchFamily="18" charset="-127"/>
+              </a:rPr>
+              <a:t>볼 구현</a:t>
             </a:r>
             <a:endParaRPr lang="en-US" altLang="ko-KR" dirty="0">
               <a:latin typeface="HY견고딕" panose="02030600000101010101" pitchFamily="18" charset="-127"/>
@@ -10205,12 +12282,16 @@
           <a:lstStyle/>
           <a:p>
             <a:r>
-              <a:rPr lang="ko-KR" altLang="en-US" sz="4000" dirty="0">
+              <a:rPr lang="ko-KR" altLang="en-US" sz="4000" dirty="0" err="1">
                 <a:latin typeface="HY헤드라인M" panose="02030600000101010101" pitchFamily="18" charset="-127"/>
                 <a:ea typeface="HY헤드라인M" panose="02030600000101010101" pitchFamily="18" charset="-127"/>
               </a:rPr>
-              <a:t>프로토콜</a:t>
-            </a:r>
+              <a:t>리팩토링</a:t>
+            </a:r>
+            <a:endParaRPr lang="ko-KR" altLang="en-US" sz="4000" dirty="0">
+              <a:latin typeface="HY헤드라인M" panose="02030600000101010101" pitchFamily="18" charset="-127"/>
+              <a:ea typeface="HY헤드라인M" panose="02030600000101010101" pitchFamily="18" charset="-127"/>
+            </a:endParaRPr>
           </a:p>
         </p:txBody>
       </p:sp>
@@ -10396,8 +12477,8 @@
         </p:nvSpPr>
         <p:spPr>
           <a:xfrm>
-            <a:off x="6685609" y="2439240"/>
-            <a:ext cx="3416320" cy="2585323"/>
+            <a:off x="4914785" y="1740759"/>
+            <a:ext cx="4955203" cy="3970318"/>
           </a:xfrm>
           <a:prstGeom prst="rect">
             <a:avLst/>
@@ -10412,11 +12493,25 @@
           <a:p>
             <a:pPr algn="ctr"/>
             <a:r>
+              <a:rPr lang="en-US" altLang="ko-KR" dirty="0">
+                <a:latin typeface="HY견고딕" panose="02030600000101010101" pitchFamily="18" charset="-127"/>
+                <a:ea typeface="HY견고딕" panose="02030600000101010101" pitchFamily="18" charset="-127"/>
+              </a:rPr>
+              <a:t>3</a:t>
+            </a:r>
+            <a:r>
               <a:rPr lang="ko-KR" altLang="en-US" dirty="0">
                 <a:latin typeface="HY견고딕" panose="02030600000101010101" pitchFamily="18" charset="-127"/>
                 <a:ea typeface="HY견고딕" panose="02030600000101010101" pitchFamily="18" charset="-127"/>
               </a:rPr>
-              <a:t>서버와 통신하는 프로토콜 정의</a:t>
+              <a:t>차 </a:t>
+            </a:r>
+            <a:r>
+              <a:rPr lang="ko-KR" altLang="en-US" dirty="0" err="1">
+                <a:latin typeface="HY견고딕" panose="02030600000101010101" pitchFamily="18" charset="-127"/>
+                <a:ea typeface="HY견고딕" panose="02030600000101010101" pitchFamily="18" charset="-127"/>
+              </a:rPr>
+              <a:t>리팩토링</a:t>
             </a:r>
             <a:endParaRPr lang="en-US" altLang="ko-KR" dirty="0">
               <a:latin typeface="HY견고딕" panose="02030600000101010101" pitchFamily="18" charset="-127"/>
@@ -10425,30 +12520,6 @@
           </a:p>
           <a:p>
             <a:pPr algn="ctr"/>
-            <a:r>
-              <a:rPr lang="en-US" altLang="ko-KR" dirty="0">
-                <a:latin typeface="HY견고딕" panose="02030600000101010101" pitchFamily="18" charset="-127"/>
-                <a:ea typeface="HY견고딕" panose="02030600000101010101" pitchFamily="18" charset="-127"/>
-              </a:rPr>
-              <a:t>(</a:t>
-            </a:r>
-            <a:r>
-              <a:rPr lang="en-US" altLang="ko-KR" dirty="0" err="1">
-                <a:latin typeface="HY견고딕" panose="02030600000101010101" pitchFamily="18" charset="-127"/>
-                <a:ea typeface="HY견고딕" panose="02030600000101010101" pitchFamily="18" charset="-127"/>
-              </a:rPr>
-              <a:t>Protocol.h</a:t>
-            </a:r>
-            <a:r>
-              <a:rPr lang="en-US" altLang="ko-KR" dirty="0">
-                <a:latin typeface="HY견고딕" panose="02030600000101010101" pitchFamily="18" charset="-127"/>
-                <a:ea typeface="HY견고딕" panose="02030600000101010101" pitchFamily="18" charset="-127"/>
-              </a:rPr>
-              <a:t>)</a:t>
-            </a:r>
-          </a:p>
-          <a:p>
-            <a:pPr algn="ctr"/>
             <a:endParaRPr lang="en-US" altLang="ko-KR" dirty="0">
               <a:latin typeface="HY견고딕" panose="02030600000101010101" pitchFamily="18" charset="-127"/>
               <a:ea typeface="HY견고딕" panose="02030600000101010101" pitchFamily="18" charset="-127"/>
@@ -10457,12 +12528,177 @@
           <a:p>
             <a:pPr algn="ctr"/>
             <a:r>
+              <a:rPr lang="ko-KR" altLang="en-US" dirty="0">
+                <a:latin typeface="HY견고딕" panose="02030600000101010101" pitchFamily="18" charset="-127"/>
+                <a:ea typeface="HY견고딕" panose="02030600000101010101" pitchFamily="18" charset="-127"/>
+              </a:rPr>
+              <a:t>서버에서 충돌체크 및 게임 진행에 필요한</a:t>
+            </a:r>
+            <a:endParaRPr lang="en-US" altLang="ko-KR" dirty="0">
+              <a:latin typeface="HY견고딕" panose="02030600000101010101" pitchFamily="18" charset="-127"/>
+              <a:ea typeface="HY견고딕" panose="02030600000101010101" pitchFamily="18" charset="-127"/>
+            </a:endParaRPr>
+          </a:p>
+          <a:p>
+            <a:pPr algn="ctr"/>
+            <a:r>
+              <a:rPr lang="ko-KR" altLang="en-US" dirty="0">
+                <a:latin typeface="HY견고딕" panose="02030600000101010101" pitchFamily="18" charset="-127"/>
+                <a:ea typeface="HY견고딕" panose="02030600000101010101" pitchFamily="18" charset="-127"/>
+              </a:rPr>
+              <a:t>로직을 수행하는 전용 쓰레드를 생성</a:t>
+            </a:r>
+            <a:endParaRPr lang="en-US" altLang="ko-KR" dirty="0">
+              <a:latin typeface="HY견고딕" panose="02030600000101010101" pitchFamily="18" charset="-127"/>
+              <a:ea typeface="HY견고딕" panose="02030600000101010101" pitchFamily="18" charset="-127"/>
+            </a:endParaRPr>
+          </a:p>
+          <a:p>
+            <a:pPr algn="ctr"/>
+            <a:endParaRPr lang="en-US" altLang="ko-KR" dirty="0">
+              <a:latin typeface="HY견고딕" panose="02030600000101010101" pitchFamily="18" charset="-127"/>
+              <a:ea typeface="HY견고딕" panose="02030600000101010101" pitchFamily="18" charset="-127"/>
+            </a:endParaRPr>
+          </a:p>
+          <a:p>
+            <a:pPr algn="ctr"/>
+            <a:r>
+              <a:rPr lang="en-US" altLang="ko-KR" dirty="0" err="1">
+                <a:latin typeface="HY견고딕" panose="02030600000101010101" pitchFamily="18" charset="-127"/>
+                <a:ea typeface="HY견고딕" panose="02030600000101010101" pitchFamily="18" charset="-127"/>
+              </a:rPr>
+              <a:t>GetTickCount</a:t>
+            </a:r>
+            <a:r>
               <a:rPr lang="en-US" altLang="ko-KR" dirty="0">
                 <a:latin typeface="HY견고딕" panose="02030600000101010101" pitchFamily="18" charset="-127"/>
                 <a:ea typeface="HY견고딕" panose="02030600000101010101" pitchFamily="18" charset="-127"/>
               </a:rPr>
-              <a:t>Player</a:t>
-            </a:r>
+              <a:t>() </a:t>
+            </a:r>
+            <a:r>
+              <a:rPr lang="ko-KR" altLang="en-US" dirty="0">
+                <a:latin typeface="HY견고딕" panose="02030600000101010101" pitchFamily="18" charset="-127"/>
+                <a:ea typeface="HY견고딕" panose="02030600000101010101" pitchFamily="18" charset="-127"/>
+              </a:rPr>
+              <a:t>사용</a:t>
+            </a:r>
+            <a:endParaRPr lang="en-US" altLang="ko-KR" dirty="0">
+              <a:latin typeface="HY견고딕" panose="02030600000101010101" pitchFamily="18" charset="-127"/>
+              <a:ea typeface="HY견고딕" panose="02030600000101010101" pitchFamily="18" charset="-127"/>
+            </a:endParaRPr>
+          </a:p>
+          <a:p>
+            <a:pPr algn="ctr"/>
+            <a:r>
+              <a:rPr lang="en-US" altLang="ko-KR" dirty="0" err="1">
+                <a:latin typeface="HY견고딕" panose="02030600000101010101" pitchFamily="18" charset="-127"/>
+                <a:ea typeface="HY견고딕" panose="02030600000101010101" pitchFamily="18" charset="-127"/>
+              </a:rPr>
+              <a:t>DeltaTime</a:t>
+            </a:r>
+            <a:r>
+              <a:rPr lang="ko-KR" altLang="en-US" dirty="0">
+                <a:latin typeface="HY견고딕" panose="02030600000101010101" pitchFamily="18" charset="-127"/>
+                <a:ea typeface="HY견고딕" panose="02030600000101010101" pitchFamily="18" charset="-127"/>
+              </a:rPr>
+              <a:t>값을 각 클라이언트에 전송</a:t>
+            </a:r>
+            <a:endParaRPr lang="en-US" altLang="ko-KR" dirty="0">
+              <a:latin typeface="HY견고딕" panose="02030600000101010101" pitchFamily="18" charset="-127"/>
+              <a:ea typeface="HY견고딕" panose="02030600000101010101" pitchFamily="18" charset="-127"/>
+            </a:endParaRPr>
+          </a:p>
+          <a:p>
+            <a:pPr algn="ctr"/>
+            <a:endParaRPr lang="en-US" altLang="ko-KR" dirty="0">
+              <a:latin typeface="HY견고딕" panose="02030600000101010101" pitchFamily="18" charset="-127"/>
+              <a:ea typeface="HY견고딕" panose="02030600000101010101" pitchFamily="18" charset="-127"/>
+            </a:endParaRPr>
+          </a:p>
+          <a:p>
+            <a:pPr algn="ctr"/>
+            <a:r>
+              <a:rPr lang="ko-KR" altLang="en-US" dirty="0">
+                <a:latin typeface="HY견고딕" panose="02030600000101010101" pitchFamily="18" charset="-127"/>
+                <a:ea typeface="HY견고딕" panose="02030600000101010101" pitchFamily="18" charset="-127"/>
+              </a:rPr>
+              <a:t>이 과정에서 클라이언트는 서버로 </a:t>
+            </a:r>
+            <a:r>
+              <a:rPr lang="ko-KR" altLang="en-US" dirty="0" err="1">
+                <a:latin typeface="HY견고딕" panose="02030600000101010101" pitchFamily="18" charset="-127"/>
+                <a:ea typeface="HY견고딕" panose="02030600000101010101" pitchFamily="18" charset="-127"/>
+              </a:rPr>
+              <a:t>부터</a:t>
+            </a:r>
+            <a:r>
+              <a:rPr lang="ko-KR" altLang="en-US" dirty="0">
+                <a:latin typeface="HY견고딕" panose="02030600000101010101" pitchFamily="18" charset="-127"/>
+                <a:ea typeface="HY견고딕" panose="02030600000101010101" pitchFamily="18" charset="-127"/>
+              </a:rPr>
+              <a:t> </a:t>
+            </a:r>
+            <a:r>
+              <a:rPr lang="ko-KR" altLang="en-US" dirty="0" err="1">
+                <a:latin typeface="HY견고딕" panose="02030600000101010101" pitchFamily="18" charset="-127"/>
+                <a:ea typeface="HY견고딕" panose="02030600000101010101" pitchFamily="18" charset="-127"/>
+              </a:rPr>
+              <a:t>좌표값</a:t>
+            </a:r>
+            <a:endParaRPr lang="en-US" altLang="ko-KR" dirty="0">
+              <a:latin typeface="HY견고딕" panose="02030600000101010101" pitchFamily="18" charset="-127"/>
+              <a:ea typeface="HY견고딕" panose="02030600000101010101" pitchFamily="18" charset="-127"/>
+            </a:endParaRPr>
+          </a:p>
+          <a:p>
+            <a:pPr algn="ctr"/>
+            <a:r>
+              <a:rPr lang="ko-KR" altLang="en-US" dirty="0">
+                <a:latin typeface="HY견고딕" panose="02030600000101010101" pitchFamily="18" charset="-127"/>
+                <a:ea typeface="HY견고딕" panose="02030600000101010101" pitchFamily="18" charset="-127"/>
+              </a:rPr>
+              <a:t>및 기타 변수만 받고 </a:t>
+            </a:r>
+            <a:r>
+              <a:rPr lang="ko-KR" altLang="en-US" dirty="0" err="1">
+                <a:latin typeface="HY견고딕" panose="02030600000101010101" pitchFamily="18" charset="-127"/>
+                <a:ea typeface="HY견고딕" panose="02030600000101010101" pitchFamily="18" charset="-127"/>
+              </a:rPr>
+              <a:t>랜더링</a:t>
+            </a:r>
+            <a:r>
+              <a:rPr lang="ko-KR" altLang="en-US" dirty="0">
+                <a:latin typeface="HY견고딕" panose="02030600000101010101" pitchFamily="18" charset="-127"/>
+                <a:ea typeface="HY견고딕" panose="02030600000101010101" pitchFamily="18" charset="-127"/>
+              </a:rPr>
+              <a:t> 과정만 수행하기</a:t>
+            </a:r>
+            <a:endParaRPr lang="en-US" altLang="ko-KR" dirty="0">
+              <a:latin typeface="HY견고딕" panose="02030600000101010101" pitchFamily="18" charset="-127"/>
+              <a:ea typeface="HY견고딕" panose="02030600000101010101" pitchFamily="18" charset="-127"/>
+            </a:endParaRPr>
+          </a:p>
+          <a:p>
+            <a:pPr algn="ctr"/>
+            <a:r>
+              <a:rPr lang="ko-KR" altLang="en-US" dirty="0">
+                <a:latin typeface="HY견고딕" panose="02030600000101010101" pitchFamily="18" charset="-127"/>
+                <a:ea typeface="HY견고딕" panose="02030600000101010101" pitchFamily="18" charset="-127"/>
+              </a:rPr>
+              <a:t>때문에 프로토콜 구조체의 변수 최소화</a:t>
+            </a:r>
+            <a:endParaRPr lang="en-US" altLang="ko-KR" dirty="0">
+              <a:latin typeface="HY견고딕" panose="02030600000101010101" pitchFamily="18" charset="-127"/>
+              <a:ea typeface="HY견고딕" panose="02030600000101010101" pitchFamily="18" charset="-127"/>
+            </a:endParaRPr>
+          </a:p>
+          <a:p>
+            <a:pPr algn="ctr"/>
+            <a:endParaRPr lang="en-US" altLang="ko-KR" dirty="0">
+              <a:latin typeface="HY견고딕" panose="02030600000101010101" pitchFamily="18" charset="-127"/>
+              <a:ea typeface="HY견고딕" panose="02030600000101010101" pitchFamily="18" charset="-127"/>
+            </a:endParaRPr>
           </a:p>
           <a:p>
             <a:pPr algn="ctr"/>
@@ -10471,7 +12707,7 @@
                 <a:latin typeface="HY견고딕" panose="02030600000101010101" pitchFamily="18" charset="-127"/>
                 <a:ea typeface="HY견고딕" panose="02030600000101010101" pitchFamily="18" charset="-127"/>
               </a:rPr>
-              <a:t>Bullet</a:t>
+              <a:t>Server/Main.cpp</a:t>
             </a:r>
           </a:p>
           <a:p>
@@ -10481,47 +12717,17 @@
                 <a:latin typeface="HY견고딕" panose="02030600000101010101" pitchFamily="18" charset="-127"/>
                 <a:ea typeface="HY견고딕" panose="02030600000101010101" pitchFamily="18" charset="-127"/>
               </a:rPr>
-              <a:t>Ball</a:t>
-            </a:r>
-          </a:p>
-          <a:p>
-            <a:pPr algn="ctr"/>
-            <a:r>
-              <a:rPr lang="en-US" altLang="ko-KR" dirty="0">
-                <a:latin typeface="HY견고딕" panose="02030600000101010101" pitchFamily="18" charset="-127"/>
-                <a:ea typeface="HY견고딕" panose="02030600000101010101" pitchFamily="18" charset="-127"/>
-              </a:rPr>
-              <a:t>Tile(Block)</a:t>
-            </a:r>
-          </a:p>
-          <a:p>
-            <a:pPr algn="ctr"/>
-            <a:r>
-              <a:rPr lang="en-US" altLang="ko-KR" dirty="0">
-                <a:latin typeface="HY견고딕" panose="02030600000101010101" pitchFamily="18" charset="-127"/>
-                <a:ea typeface="HY견고딕" panose="02030600000101010101" pitchFamily="18" charset="-127"/>
-              </a:rPr>
-              <a:t>Item</a:t>
-            </a:r>
-          </a:p>
-          <a:p>
-            <a:pPr algn="ctr"/>
-            <a:r>
-              <a:rPr lang="en-US" altLang="ko-KR" dirty="0">
-                <a:latin typeface="HY견고딕" panose="02030600000101010101" pitchFamily="18" charset="-127"/>
-                <a:ea typeface="HY견고딕" panose="02030600000101010101" pitchFamily="18" charset="-127"/>
-              </a:rPr>
-              <a:t>…</a:t>
+              <a:t>265 Line</a:t>
             </a:r>
           </a:p>
         </p:txBody>
       </p:sp>
       <p:pic>
         <p:nvPicPr>
-          <p:cNvPr id="13" name="그림 12" descr="검은색, 화면이(가) 표시된 사진&#10;&#10;자동 생성된 설명">
-            <a:extLst>
-              <a:ext uri="{FF2B5EF4-FFF2-40B4-BE49-F238E27FC236}">
-                <a16:creationId xmlns:a16="http://schemas.microsoft.com/office/drawing/2014/main" id="{581DB118-8C4B-4696-B4F8-318591438DDF}"/>
+          <p:cNvPr id="10" name="그림 9" descr="앉아있는, 검은색, 테이블, 전화이(가) 표시된 사진&#10;&#10;자동 생성된 설명">
+            <a:extLst>
+              <a:ext uri="{FF2B5EF4-FFF2-40B4-BE49-F238E27FC236}">
+                <a16:creationId xmlns:a16="http://schemas.microsoft.com/office/drawing/2014/main" id="{EC0EE62B-A4D8-4124-A43F-A4131A1FBF74}"/>
               </a:ext>
             </a:extLst>
           </p:cNvPr>
@@ -10544,80 +12750,8 @@
         </p:blipFill>
         <p:spPr>
           <a:xfrm>
-            <a:off x="1694889" y="1898340"/>
-            <a:ext cx="2114550" cy="3667125"/>
-          </a:xfrm>
-          <a:prstGeom prst="rect">
-            <a:avLst/>
-          </a:prstGeom>
-        </p:spPr>
-      </p:pic>
-      <p:pic>
-        <p:nvPicPr>
-          <p:cNvPr id="15" name="그림 14" descr="모니터, 화면, 비디오, 텔레비전이(가) 표시된 사진&#10;&#10;자동 생성된 설명">
-            <a:extLst>
-              <a:ext uri="{FF2B5EF4-FFF2-40B4-BE49-F238E27FC236}">
-                <a16:creationId xmlns:a16="http://schemas.microsoft.com/office/drawing/2014/main" id="{309843C5-9D26-4478-B3B8-AAD683C1D5CC}"/>
-              </a:ext>
-            </a:extLst>
-          </p:cNvPr>
-          <p:cNvPicPr>
-            <a:picLocks noChangeAspect="1"/>
-          </p:cNvPicPr>
-          <p:nvPr/>
-        </p:nvPicPr>
-        <p:blipFill>
-          <a:blip r:embed="rId3">
-            <a:extLst>
-              <a:ext uri="{28A0092B-C50C-407E-A947-70E740481C1C}">
-                <a14:useLocalDpi xmlns:a14="http://schemas.microsoft.com/office/drawing/2010/main" val="0"/>
-              </a:ext>
-            </a:extLst>
-          </a:blip>
-          <a:stretch>
-            <a:fillRect/>
-          </a:stretch>
-        </p:blipFill>
-        <p:spPr>
-          <a:xfrm>
-            <a:off x="3943418" y="1898340"/>
-            <a:ext cx="2114550" cy="3667125"/>
-          </a:xfrm>
-          <a:prstGeom prst="rect">
-            <a:avLst/>
-          </a:prstGeom>
-        </p:spPr>
-      </p:pic>
-      <p:pic>
-        <p:nvPicPr>
-          <p:cNvPr id="10" name="그림 9" descr="시계이(가) 표시된 사진&#10;&#10;자동 생성된 설명">
-            <a:extLst>
-              <a:ext uri="{FF2B5EF4-FFF2-40B4-BE49-F238E27FC236}">
-                <a16:creationId xmlns:a16="http://schemas.microsoft.com/office/drawing/2014/main" id="{666B32D9-72B0-48DB-842C-9CB0C2CA820C}"/>
-              </a:ext>
-            </a:extLst>
-          </p:cNvPr>
-          <p:cNvPicPr>
-            <a:picLocks noChangeAspect="1"/>
-          </p:cNvPicPr>
-          <p:nvPr/>
-        </p:nvPicPr>
-        <p:blipFill>
-          <a:blip r:embed="rId4">
-            <a:extLst>
-              <a:ext uri="{28A0092B-C50C-407E-A947-70E740481C1C}">
-                <a14:useLocalDpi xmlns:a14="http://schemas.microsoft.com/office/drawing/2010/main" val="0"/>
-              </a:ext>
-            </a:extLst>
-          </a:blip>
-          <a:stretch>
-            <a:fillRect/>
-          </a:stretch>
-        </p:blipFill>
-        <p:spPr>
-          <a:xfrm>
-            <a:off x="5931453" y="3222315"/>
-            <a:ext cx="1485900" cy="2343150"/>
+            <a:off x="1632001" y="1740759"/>
+            <a:ext cx="3020682" cy="4153437"/>
           </a:xfrm>
           <a:prstGeom prst="rect">
             <a:avLst/>
@@ -10627,7 +12761,7 @@
     </p:spTree>
     <p:extLst>
       <p:ext uri="{BB962C8B-B14F-4D97-AF65-F5344CB8AC3E}">
-        <p14:creationId xmlns:p14="http://schemas.microsoft.com/office/powerpoint/2010/main" val="453247125"/>
+        <p14:creationId xmlns:p14="http://schemas.microsoft.com/office/powerpoint/2010/main" val="3837703111"/>
       </p:ext>
     </p:extLst>
   </p:cSld>

--- a/네트워크 게임 프로그래밍 레포트.pptx
+++ b/네트워크 게임 프로그래밍 레포트.pptx
@@ -5,7 +5,7 @@
     <p:sldMasterId id="2147483661" r:id="rId1"/>
   </p:sldMasterIdLst>
   <p:notesMasterIdLst>
-    <p:notesMasterId r:id="rId16"/>
+    <p:notesMasterId r:id="rId17"/>
   </p:notesMasterIdLst>
   <p:sldIdLst>
     <p:sldId id="256" r:id="rId2"/>
@@ -19,9 +19,10 @@
     <p:sldId id="283" r:id="rId10"/>
     <p:sldId id="280" r:id="rId11"/>
     <p:sldId id="284" r:id="rId12"/>
-    <p:sldId id="281" r:id="rId13"/>
-    <p:sldId id="282" r:id="rId14"/>
-    <p:sldId id="274" r:id="rId15"/>
+    <p:sldId id="285" r:id="rId13"/>
+    <p:sldId id="281" r:id="rId14"/>
+    <p:sldId id="282" r:id="rId15"/>
+    <p:sldId id="274" r:id="rId16"/>
   </p:sldIdLst>
   <p:sldSz cx="12192000" cy="6858000"/>
   <p:notesSz cx="6858000" cy="9144000"/>
@@ -4137,7 +4138,7 @@
         <p:spPr>
           <a:xfrm>
             <a:off x="10207499" y="6283173"/>
-            <a:ext cx="636713" cy="369332"/>
+            <a:ext cx="809837" cy="369332"/>
           </a:xfrm>
           <a:prstGeom prst="rect">
             <a:avLst/>
@@ -4155,7 +4156,7 @@
                 <a:latin typeface="HY헤드라인M" panose="02030600000101010101" pitchFamily="18" charset="-127"/>
                 <a:ea typeface="HY헤드라인M" panose="02030600000101010101" pitchFamily="18" charset="-127"/>
               </a:rPr>
-              <a:t>03/..</a:t>
+              <a:t>10/14</a:t>
             </a:r>
             <a:endParaRPr lang="ko-KR" altLang="en-US" dirty="0">
               <a:latin typeface="HY헤드라인M" panose="02030600000101010101" pitchFamily="18" charset="-127"/>
@@ -4701,7 +4702,7 @@
         <p:spPr>
           <a:xfrm>
             <a:off x="10207499" y="6283173"/>
-            <a:ext cx="636713" cy="369332"/>
+            <a:ext cx="809837" cy="369332"/>
           </a:xfrm>
           <a:prstGeom prst="rect">
             <a:avLst/>
@@ -4719,7 +4720,7 @@
                 <a:latin typeface="HY헤드라인M" panose="02030600000101010101" pitchFamily="18" charset="-127"/>
                 <a:ea typeface="HY헤드라인M" panose="02030600000101010101" pitchFamily="18" charset="-127"/>
               </a:rPr>
-              <a:t>03/..</a:t>
+              <a:t>11/14</a:t>
             </a:r>
             <a:endParaRPr lang="ko-KR" altLang="en-US" dirty="0">
               <a:latin typeface="HY헤드라인M" panose="02030600000101010101" pitchFamily="18" charset="-127"/>
@@ -4742,7 +4743,7 @@
         </p:nvSpPr>
         <p:spPr>
           <a:xfrm>
-            <a:off x="6312891" y="2347462"/>
+            <a:off x="6312889" y="2849486"/>
             <a:ext cx="3964547" cy="2862322"/>
           </a:xfrm>
           <a:prstGeom prst="rect">
@@ -4947,6 +4948,42 @@
           <a:xfrm>
             <a:off x="1459746" y="1735511"/>
             <a:ext cx="4714875" cy="4086225"/>
+          </a:xfrm>
+          <a:prstGeom prst="rect">
+            <a:avLst/>
+          </a:prstGeom>
+        </p:spPr>
+      </p:pic>
+      <p:pic>
+        <p:nvPicPr>
+          <p:cNvPr id="9" name="그림 8" descr="화면, 텔레비전, 모니터, 검은색이(가) 표시된 사진&#10;&#10;자동 생성된 설명">
+            <a:extLst>
+              <a:ext uri="{FF2B5EF4-FFF2-40B4-BE49-F238E27FC236}">
+                <a16:creationId xmlns:a16="http://schemas.microsoft.com/office/drawing/2014/main" id="{C5F6CEFC-8AF7-482E-ADB2-5610B8C9DD8A}"/>
+              </a:ext>
+            </a:extLst>
+          </p:cNvPr>
+          <p:cNvPicPr>
+            <a:picLocks noChangeAspect="1"/>
+          </p:cNvPicPr>
+          <p:nvPr/>
+        </p:nvPicPr>
+        <p:blipFill>
+          <a:blip r:embed="rId3">
+            <a:extLst>
+              <a:ext uri="{28A0092B-C50C-407E-A947-70E740481C1C}">
+                <a14:useLocalDpi xmlns:a14="http://schemas.microsoft.com/office/drawing/2010/main" val="0"/>
+              </a:ext>
+            </a:extLst>
+          </a:blip>
+          <a:stretch>
+            <a:fillRect/>
+          </a:stretch>
+        </p:blipFill>
+        <p:spPr>
+          <a:xfrm>
+            <a:off x="6366351" y="1735511"/>
+            <a:ext cx="3857625" cy="1009650"/>
           </a:xfrm>
           <a:prstGeom prst="rect">
             <a:avLst/>
@@ -5041,7 +5078,7 @@
         <p:spPr>
           <a:xfrm>
             <a:off x="1347787" y="876597"/>
-            <a:ext cx="2749471" cy="707886"/>
+            <a:ext cx="2834430" cy="707886"/>
           </a:xfrm>
           <a:prstGeom prst="rect">
             <a:avLst/>
@@ -5055,16 +5092,19 @@
           <a:lstStyle/>
           <a:p>
             <a:r>
-              <a:rPr lang="ko-KR" altLang="en-US" sz="4000" dirty="0" err="1">
+              <a:rPr lang="en-US" altLang="ko-KR" sz="4000" dirty="0">
                 <a:latin typeface="HY헤드라인M" panose="02030600000101010101" pitchFamily="18" charset="-127"/>
                 <a:ea typeface="HY헤드라인M" panose="02030600000101010101" pitchFamily="18" charset="-127"/>
               </a:rPr>
-              <a:t>멀티쓰레드</a:t>
-            </a:r>
-            <a:endParaRPr lang="ko-KR" altLang="en-US" sz="4000" dirty="0">
-              <a:latin typeface="HY헤드라인M" panose="02030600000101010101" pitchFamily="18" charset="-127"/>
-              <a:ea typeface="HY헤드라인M" panose="02030600000101010101" pitchFamily="18" charset="-127"/>
-            </a:endParaRPr>
+              <a:t>TCP/IP </a:t>
+            </a:r>
+            <a:r>
+              <a:rPr lang="ko-KR" altLang="en-US" sz="4000" dirty="0">
+                <a:latin typeface="HY헤드라인M" panose="02030600000101010101" pitchFamily="18" charset="-127"/>
+                <a:ea typeface="HY헤드라인M" panose="02030600000101010101" pitchFamily="18" charset="-127"/>
+              </a:rPr>
+              <a:t>서버</a:t>
+            </a:r>
           </a:p>
         </p:txBody>
       </p:sp>
@@ -5209,7 +5249,7 @@
         <p:spPr>
           <a:xfrm>
             <a:off x="10207499" y="6283173"/>
-            <a:ext cx="636713" cy="369332"/>
+            <a:ext cx="809837" cy="369332"/>
           </a:xfrm>
           <a:prstGeom prst="rect">
             <a:avLst/>
@@ -5227,7 +5267,7 @@
                 <a:latin typeface="HY헤드라인M" panose="02030600000101010101" pitchFamily="18" charset="-127"/>
                 <a:ea typeface="HY헤드라인M" panose="02030600000101010101" pitchFamily="18" charset="-127"/>
               </a:rPr>
-              <a:t>03/..</a:t>
+              <a:t>12/14</a:t>
             </a:r>
             <a:endParaRPr lang="ko-KR" altLang="en-US" dirty="0">
               <a:latin typeface="HY헤드라인M" panose="02030600000101010101" pitchFamily="18" charset="-127"/>
@@ -5250,8 +5290,8 @@
         </p:nvSpPr>
         <p:spPr>
           <a:xfrm>
-            <a:off x="4472442" y="4415243"/>
-            <a:ext cx="2569934" cy="1754326"/>
+            <a:off x="2243011" y="1849404"/>
+            <a:ext cx="7792518" cy="2308324"/>
           </a:xfrm>
           <a:prstGeom prst="rect">
             <a:avLst/>
@@ -5266,12 +5306,25 @@
           <a:p>
             <a:pPr algn="ctr"/>
             <a:r>
-              <a:rPr lang="ko-KR" altLang="en-US" dirty="0">
-                <a:latin typeface="HY견고딕" panose="02030600000101010101" pitchFamily="18" charset="-127"/>
-                <a:ea typeface="HY견고딕" panose="02030600000101010101" pitchFamily="18" charset="-127"/>
-              </a:rPr>
-              <a:t>각각의 클라이언트마다</a:t>
-            </a:r>
+              <a:rPr lang="en-US" altLang="ko-KR" dirty="0">
+                <a:latin typeface="HY견고딕" panose="02030600000101010101" pitchFamily="18" charset="-127"/>
+                <a:ea typeface="HY견고딕" panose="02030600000101010101" pitchFamily="18" charset="-127"/>
+              </a:rPr>
+              <a:t>Server/Main.cpp </a:t>
+            </a:r>
+          </a:p>
+          <a:p>
+            <a:pPr algn="ctr"/>
+            <a:r>
+              <a:rPr lang="en-US" altLang="ko-KR" dirty="0">
+                <a:latin typeface="HY견고딕" panose="02030600000101010101" pitchFamily="18" charset="-127"/>
+                <a:ea typeface="HY견고딕" panose="02030600000101010101" pitchFamily="18" charset="-127"/>
+              </a:rPr>
+              <a:t>181 Line ~</a:t>
+            </a:r>
+          </a:p>
+          <a:p>
+            <a:pPr algn="ctr"/>
             <a:endParaRPr lang="en-US" altLang="ko-KR" dirty="0">
               <a:latin typeface="HY견고딕" panose="02030600000101010101" pitchFamily="18" charset="-127"/>
               <a:ea typeface="HY견고딕" panose="02030600000101010101" pitchFamily="18" charset="-127"/>
@@ -5284,7 +5337,7 @@
                 <a:latin typeface="HY견고딕" panose="02030600000101010101" pitchFamily="18" charset="-127"/>
                 <a:ea typeface="HY견고딕" panose="02030600000101010101" pitchFamily="18" charset="-127"/>
               </a:rPr>
-              <a:t>하나의 쓰레드 생성</a:t>
+              <a:t>각 클라이언트 송신 소켓에 각각 소켓 옵션을 적용</a:t>
             </a:r>
             <a:endParaRPr lang="en-US" altLang="ko-KR" dirty="0">
               <a:latin typeface="HY견고딕" panose="02030600000101010101" pitchFamily="18" charset="-127"/>
@@ -5293,6 +5346,41 @@
           </a:p>
           <a:p>
             <a:pPr algn="ctr"/>
+            <a:r>
+              <a:rPr lang="ko-KR" altLang="en-US" dirty="0">
+                <a:latin typeface="HY견고딕" panose="02030600000101010101" pitchFamily="18" charset="-127"/>
+                <a:ea typeface="HY견고딕" panose="02030600000101010101" pitchFamily="18" charset="-127"/>
+              </a:rPr>
+              <a:t>장기간 데이터 </a:t>
+            </a:r>
+            <a:r>
+              <a:rPr lang="ko-KR" altLang="en-US" dirty="0" err="1">
+                <a:latin typeface="HY견고딕" panose="02030600000101010101" pitchFamily="18" charset="-127"/>
+                <a:ea typeface="HY견고딕" panose="02030600000101010101" pitchFamily="18" charset="-127"/>
+              </a:rPr>
+              <a:t>미전송</a:t>
+            </a:r>
+            <a:r>
+              <a:rPr lang="ko-KR" altLang="en-US" dirty="0">
+                <a:latin typeface="HY견고딕" panose="02030600000101010101" pitchFamily="18" charset="-127"/>
+                <a:ea typeface="HY견고딕" panose="02030600000101010101" pitchFamily="18" charset="-127"/>
+              </a:rPr>
+              <a:t> 시 연결 여부를 재확인하는 </a:t>
+            </a:r>
+            <a:r>
+              <a:rPr lang="en-US" altLang="ko-KR" dirty="0">
+                <a:latin typeface="HY견고딕" panose="02030600000101010101" pitchFamily="18" charset="-127"/>
+                <a:ea typeface="HY견고딕" panose="02030600000101010101" pitchFamily="18" charset="-127"/>
+              </a:rPr>
+              <a:t>SO_KEEPALIVE </a:t>
+            </a:r>
+            <a:r>
+              <a:rPr lang="ko-KR" altLang="en-US" dirty="0">
+                <a:latin typeface="HY견고딕" panose="02030600000101010101" pitchFamily="18" charset="-127"/>
+                <a:ea typeface="HY견고딕" panose="02030600000101010101" pitchFamily="18" charset="-127"/>
+              </a:rPr>
+              <a:t>옵션</a:t>
+            </a:r>
             <a:endParaRPr lang="en-US" altLang="ko-KR" dirty="0">
               <a:latin typeface="HY견고딕" panose="02030600000101010101" pitchFamily="18" charset="-127"/>
               <a:ea typeface="HY견고딕" panose="02030600000101010101" pitchFamily="18" charset="-127"/>
@@ -5300,42 +5388,75 @@
           </a:p>
           <a:p>
             <a:pPr algn="ctr"/>
+            <a:endParaRPr lang="en-US" altLang="ko-KR" dirty="0">
+              <a:latin typeface="HY견고딕" panose="02030600000101010101" pitchFamily="18" charset="-127"/>
+              <a:ea typeface="HY견고딕" panose="02030600000101010101" pitchFamily="18" charset="-127"/>
+            </a:endParaRPr>
+          </a:p>
+          <a:p>
+            <a:pPr algn="ctr"/>
+            <a:r>
+              <a:rPr lang="ko-KR" altLang="en-US" dirty="0">
+                <a:latin typeface="HY견고딕" panose="02030600000101010101" pitchFamily="18" charset="-127"/>
+                <a:ea typeface="HY견고딕" panose="02030600000101010101" pitchFamily="18" charset="-127"/>
+              </a:rPr>
+              <a:t>송신 소켓의 송신 버퍼에 </a:t>
+            </a:r>
+            <a:r>
+              <a:rPr lang="ko-KR" altLang="en-US" dirty="0" err="1">
+                <a:latin typeface="HY견고딕" panose="02030600000101010101" pitchFamily="18" charset="-127"/>
+                <a:ea typeface="HY견고딕" panose="02030600000101010101" pitchFamily="18" charset="-127"/>
+              </a:rPr>
+              <a:t>미전송</a:t>
+            </a:r>
+            <a:r>
+              <a:rPr lang="ko-KR" altLang="en-US" dirty="0">
+                <a:latin typeface="HY견고딕" panose="02030600000101010101" pitchFamily="18" charset="-127"/>
+                <a:ea typeface="HY견고딕" panose="02030600000101010101" pitchFamily="18" charset="-127"/>
+              </a:rPr>
+              <a:t> 데이터가 오래 남아있는 경우</a:t>
+            </a:r>
+            <a:endParaRPr lang="en-US" altLang="ko-KR" dirty="0">
+              <a:latin typeface="HY견고딕" panose="02030600000101010101" pitchFamily="18" charset="-127"/>
+              <a:ea typeface="HY견고딕" panose="02030600000101010101" pitchFamily="18" charset="-127"/>
+            </a:endParaRPr>
+          </a:p>
+          <a:p>
+            <a:pPr algn="ctr"/>
+            <a:r>
+              <a:rPr lang="ko-KR" altLang="en-US" dirty="0">
+                <a:latin typeface="HY견고딕" panose="02030600000101010101" pitchFamily="18" charset="-127"/>
+                <a:ea typeface="HY견고딕" panose="02030600000101010101" pitchFamily="18" charset="-127"/>
+              </a:rPr>
+              <a:t>연결을 강제 종료하는 </a:t>
+            </a:r>
             <a:r>
               <a:rPr lang="en-US" altLang="ko-KR" dirty="0">
                 <a:latin typeface="HY견고딕" panose="02030600000101010101" pitchFamily="18" charset="-127"/>
                 <a:ea typeface="HY견고딕" panose="02030600000101010101" pitchFamily="18" charset="-127"/>
               </a:rPr>
-              <a:t>Server/Main.cpp</a:t>
-            </a:r>
-          </a:p>
-          <a:p>
-            <a:pPr algn="ctr"/>
-            <a:r>
-              <a:rPr lang="en-US" altLang="ko-KR" dirty="0">
-                <a:latin typeface="HY견고딕" panose="02030600000101010101" pitchFamily="18" charset="-127"/>
-                <a:ea typeface="HY견고딕" panose="02030600000101010101" pitchFamily="18" charset="-127"/>
-              </a:rPr>
-              <a:t>265 Line,</a:t>
-            </a:r>
-          </a:p>
-          <a:p>
-            <a:pPr algn="ctr"/>
-            <a:r>
-              <a:rPr lang="en-US" altLang="ko-KR" dirty="0">
-                <a:latin typeface="HY견고딕" panose="02030600000101010101" pitchFamily="18" charset="-127"/>
-                <a:ea typeface="HY견고딕" panose="02030600000101010101" pitchFamily="18" charset="-127"/>
-              </a:rPr>
-              <a:t>201 Line</a:t>
-            </a:r>
+              <a:t>SO_LINGER </a:t>
+            </a:r>
+            <a:r>
+              <a:rPr lang="ko-KR" altLang="en-US" dirty="0">
+                <a:latin typeface="HY견고딕" panose="02030600000101010101" pitchFamily="18" charset="-127"/>
+                <a:ea typeface="HY견고딕" panose="02030600000101010101" pitchFamily="18" charset="-127"/>
+              </a:rPr>
+              <a:t>옵션</a:t>
+            </a:r>
+            <a:endParaRPr lang="en-US" altLang="ko-KR" dirty="0">
+              <a:latin typeface="HY견고딕" panose="02030600000101010101" pitchFamily="18" charset="-127"/>
+              <a:ea typeface="HY견고딕" panose="02030600000101010101" pitchFamily="18" charset="-127"/>
+            </a:endParaRPr>
           </a:p>
         </p:txBody>
       </p:sp>
       <p:pic>
         <p:nvPicPr>
-          <p:cNvPr id="9" name="그림 8" descr="앉아있는, 검은색, 테이블, 전화이(가) 표시된 사진&#10;&#10;자동 생성된 설명">
-            <a:extLst>
-              <a:ext uri="{FF2B5EF4-FFF2-40B4-BE49-F238E27FC236}">
-                <a16:creationId xmlns:a16="http://schemas.microsoft.com/office/drawing/2014/main" id="{D4E10B19-9167-4860-8DAA-AC710C4281B3}"/>
+          <p:cNvPr id="9" name="그림 8" descr="방이(가) 표시된 사진&#10;&#10;자동 생성된 설명">
+            <a:extLst>
+              <a:ext uri="{FF2B5EF4-FFF2-40B4-BE49-F238E27FC236}">
+                <a16:creationId xmlns:a16="http://schemas.microsoft.com/office/drawing/2014/main" id="{9D2BDE8A-C06C-458B-BE24-14D092FE0D88}"/>
               </a:ext>
             </a:extLst>
           </p:cNvPr>
@@ -5358,322 +5479,18 @@
         </p:blipFill>
         <p:spPr>
           <a:xfrm>
-            <a:off x="1365327" y="2026810"/>
-            <a:ext cx="2629246" cy="3615213"/>
+            <a:off x="2534058" y="4422650"/>
+            <a:ext cx="7210425" cy="1047750"/>
           </a:xfrm>
           <a:prstGeom prst="rect">
             <a:avLst/>
           </a:prstGeom>
         </p:spPr>
       </p:pic>
-      <p:pic>
-        <p:nvPicPr>
-          <p:cNvPr id="11" name="그림 10" descr="스크린샷, 화면, 노트북이(가) 표시된 사진&#10;&#10;자동 생성된 설명">
-            <a:extLst>
-              <a:ext uri="{FF2B5EF4-FFF2-40B4-BE49-F238E27FC236}">
-                <a16:creationId xmlns:a16="http://schemas.microsoft.com/office/drawing/2014/main" id="{FC28E158-AA78-4921-93A0-1265CB90D1C0}"/>
-              </a:ext>
-            </a:extLst>
-          </p:cNvPr>
-          <p:cNvPicPr>
-            <a:picLocks noChangeAspect="1"/>
-          </p:cNvPicPr>
-          <p:nvPr/>
-        </p:nvPicPr>
-        <p:blipFill>
-          <a:blip r:embed="rId3">
-            <a:extLst>
-              <a:ext uri="{28A0092B-C50C-407E-A947-70E740481C1C}">
-                <a14:useLocalDpi xmlns:a14="http://schemas.microsoft.com/office/drawing/2010/main" val="0"/>
-              </a:ext>
-            </a:extLst>
-          </a:blip>
-          <a:stretch>
-            <a:fillRect/>
-          </a:stretch>
-        </p:blipFill>
-        <p:spPr>
-          <a:xfrm>
-            <a:off x="4097258" y="2026810"/>
-            <a:ext cx="3320303" cy="2269272"/>
-          </a:xfrm>
-          <a:prstGeom prst="rect">
-            <a:avLst/>
-          </a:prstGeom>
-        </p:spPr>
-      </p:pic>
-      <p:sp>
-        <p:nvSpPr>
-          <p:cNvPr id="13" name="TextBox 12">
-            <a:extLst>
-              <a:ext uri="{FF2B5EF4-FFF2-40B4-BE49-F238E27FC236}">
-                <a16:creationId xmlns:a16="http://schemas.microsoft.com/office/drawing/2014/main" id="{58EABF18-5C5A-433D-B229-CAFC867294C6}"/>
-              </a:ext>
-            </a:extLst>
-          </p:cNvPr>
-          <p:cNvSpPr txBox="1"/>
-          <p:nvPr/>
-        </p:nvSpPr>
-        <p:spPr>
-          <a:xfrm>
-            <a:off x="1723691" y="5709530"/>
-            <a:ext cx="1877438" cy="369332"/>
-          </a:xfrm>
-          <a:prstGeom prst="rect">
-            <a:avLst/>
-          </a:prstGeom>
-          <a:noFill/>
-        </p:spPr>
-        <p:txBody>
-          <a:bodyPr wrap="none" rtlCol="0">
-            <a:spAutoFit/>
-          </a:bodyPr>
-          <a:lstStyle/>
-          <a:p>
-            <a:pPr algn="ctr"/>
-            <a:r>
-              <a:rPr lang="ko-KR" altLang="en-US">
-                <a:latin typeface="HY견고딕" panose="02030600000101010101" pitchFamily="18" charset="-127"/>
-                <a:ea typeface="HY견고딕" panose="02030600000101010101" pitchFamily="18" charset="-127"/>
-              </a:rPr>
-              <a:t>업데이트 쓰레드</a:t>
-            </a:r>
-            <a:endParaRPr lang="en-US" altLang="ko-KR" dirty="0">
-              <a:latin typeface="HY견고딕" panose="02030600000101010101" pitchFamily="18" charset="-127"/>
-              <a:ea typeface="HY견고딕" panose="02030600000101010101" pitchFamily="18" charset="-127"/>
-            </a:endParaRPr>
-          </a:p>
-        </p:txBody>
-      </p:sp>
-      <p:sp>
-        <p:nvSpPr>
-          <p:cNvPr id="14" name="TextBox 13">
-            <a:extLst>
-              <a:ext uri="{FF2B5EF4-FFF2-40B4-BE49-F238E27FC236}">
-                <a16:creationId xmlns:a16="http://schemas.microsoft.com/office/drawing/2014/main" id="{F1D8C020-979C-4421-9EC1-DA5C9A5AEC98}"/>
-              </a:ext>
-            </a:extLst>
-          </p:cNvPr>
-          <p:cNvSpPr txBox="1"/>
-          <p:nvPr/>
-        </p:nvSpPr>
-        <p:spPr>
-          <a:xfrm>
-            <a:off x="7417563" y="2026810"/>
-            <a:ext cx="3329758" cy="3693319"/>
-          </a:xfrm>
-          <a:prstGeom prst="rect">
-            <a:avLst/>
-          </a:prstGeom>
-          <a:noFill/>
-        </p:spPr>
-        <p:txBody>
-          <a:bodyPr wrap="none" rtlCol="0">
-            <a:spAutoFit/>
-          </a:bodyPr>
-          <a:lstStyle/>
-          <a:p>
-            <a:pPr algn="ctr"/>
-            <a:r>
-              <a:rPr lang="ko-KR" altLang="en-US" dirty="0">
-                <a:latin typeface="HY견고딕" panose="02030600000101010101" pitchFamily="18" charset="-127"/>
-                <a:ea typeface="HY견고딕" panose="02030600000101010101" pitchFamily="18" charset="-127"/>
-              </a:rPr>
-              <a:t>클라이언트 통신용 쓰레드 </a:t>
-            </a:r>
-            <a:r>
-              <a:rPr lang="en-US" altLang="ko-KR" dirty="0">
-                <a:latin typeface="HY견고딕" panose="02030600000101010101" pitchFamily="18" charset="-127"/>
-                <a:ea typeface="HY견고딕" panose="02030600000101010101" pitchFamily="18" charset="-127"/>
-              </a:rPr>
-              <a:t>2</a:t>
-            </a:r>
-            <a:r>
-              <a:rPr lang="ko-KR" altLang="en-US" dirty="0">
-                <a:latin typeface="HY견고딕" panose="02030600000101010101" pitchFamily="18" charset="-127"/>
-                <a:ea typeface="HY견고딕" panose="02030600000101010101" pitchFamily="18" charset="-127"/>
-              </a:rPr>
-              <a:t>개</a:t>
-            </a:r>
-            <a:endParaRPr lang="en-US" altLang="ko-KR" dirty="0">
-              <a:latin typeface="HY견고딕" panose="02030600000101010101" pitchFamily="18" charset="-127"/>
-              <a:ea typeface="HY견고딕" panose="02030600000101010101" pitchFamily="18" charset="-127"/>
-            </a:endParaRPr>
-          </a:p>
-          <a:p>
-            <a:pPr algn="ctr"/>
-            <a:r>
-              <a:rPr lang="ko-KR" altLang="en-US" dirty="0">
-                <a:latin typeface="HY견고딕" panose="02030600000101010101" pitchFamily="18" charset="-127"/>
-                <a:ea typeface="HY견고딕" panose="02030600000101010101" pitchFamily="18" charset="-127"/>
-              </a:rPr>
-              <a:t>게임 업데이트용 쓰레드 </a:t>
-            </a:r>
-            <a:r>
-              <a:rPr lang="en-US" altLang="ko-KR" dirty="0">
-                <a:latin typeface="HY견고딕" panose="02030600000101010101" pitchFamily="18" charset="-127"/>
-                <a:ea typeface="HY견고딕" panose="02030600000101010101" pitchFamily="18" charset="-127"/>
-              </a:rPr>
-              <a:t>1</a:t>
-            </a:r>
-            <a:r>
-              <a:rPr lang="ko-KR" altLang="en-US" dirty="0">
-                <a:latin typeface="HY견고딕" panose="02030600000101010101" pitchFamily="18" charset="-127"/>
-                <a:ea typeface="HY견고딕" panose="02030600000101010101" pitchFamily="18" charset="-127"/>
-              </a:rPr>
-              <a:t>개</a:t>
-            </a:r>
-            <a:endParaRPr lang="en-US" altLang="ko-KR" dirty="0">
-              <a:latin typeface="HY견고딕" panose="02030600000101010101" pitchFamily="18" charset="-127"/>
-              <a:ea typeface="HY견고딕" panose="02030600000101010101" pitchFamily="18" charset="-127"/>
-            </a:endParaRPr>
-          </a:p>
-          <a:p>
-            <a:pPr algn="ctr"/>
-            <a:endParaRPr lang="en-US" altLang="ko-KR" dirty="0">
-              <a:latin typeface="HY견고딕" panose="02030600000101010101" pitchFamily="18" charset="-127"/>
-              <a:ea typeface="HY견고딕" panose="02030600000101010101" pitchFamily="18" charset="-127"/>
-            </a:endParaRPr>
-          </a:p>
-          <a:p>
-            <a:pPr algn="ctr"/>
-            <a:r>
-              <a:rPr lang="ko-KR" altLang="en-US" dirty="0">
-                <a:latin typeface="HY견고딕" panose="02030600000101010101" pitchFamily="18" charset="-127"/>
-                <a:ea typeface="HY견고딕" panose="02030600000101010101" pitchFamily="18" charset="-127"/>
-              </a:rPr>
-              <a:t>총 </a:t>
-            </a:r>
-            <a:r>
-              <a:rPr lang="en-US" altLang="ko-KR" dirty="0">
-                <a:latin typeface="HY견고딕" panose="02030600000101010101" pitchFamily="18" charset="-127"/>
-                <a:ea typeface="HY견고딕" panose="02030600000101010101" pitchFamily="18" charset="-127"/>
-              </a:rPr>
-              <a:t>3</a:t>
-            </a:r>
-            <a:r>
-              <a:rPr lang="ko-KR" altLang="en-US" dirty="0">
-                <a:latin typeface="HY견고딕" panose="02030600000101010101" pitchFamily="18" charset="-127"/>
-                <a:ea typeface="HY견고딕" panose="02030600000101010101" pitchFamily="18" charset="-127"/>
-              </a:rPr>
-              <a:t>개의 쓰레드를 사용하여</a:t>
-            </a:r>
-            <a:endParaRPr lang="en-US" altLang="ko-KR" dirty="0">
-              <a:latin typeface="HY견고딕" panose="02030600000101010101" pitchFamily="18" charset="-127"/>
-              <a:ea typeface="HY견고딕" panose="02030600000101010101" pitchFamily="18" charset="-127"/>
-            </a:endParaRPr>
-          </a:p>
-          <a:p>
-            <a:pPr algn="ctr"/>
-            <a:r>
-              <a:rPr lang="ko-KR" altLang="en-US" dirty="0">
-                <a:latin typeface="HY견고딕" panose="02030600000101010101" pitchFamily="18" charset="-127"/>
-                <a:ea typeface="HY견고딕" panose="02030600000101010101" pitchFamily="18" charset="-127"/>
-              </a:rPr>
-              <a:t>게임 진행</a:t>
-            </a:r>
-            <a:endParaRPr lang="en-US" altLang="ko-KR" dirty="0">
-              <a:latin typeface="HY견고딕" panose="02030600000101010101" pitchFamily="18" charset="-127"/>
-              <a:ea typeface="HY견고딕" panose="02030600000101010101" pitchFamily="18" charset="-127"/>
-            </a:endParaRPr>
-          </a:p>
-          <a:p>
-            <a:pPr algn="ctr"/>
-            <a:endParaRPr lang="en-US" altLang="ko-KR" dirty="0">
-              <a:latin typeface="HY견고딕" panose="02030600000101010101" pitchFamily="18" charset="-127"/>
-              <a:ea typeface="HY견고딕" panose="02030600000101010101" pitchFamily="18" charset="-127"/>
-            </a:endParaRPr>
-          </a:p>
-          <a:p>
-            <a:pPr algn="ctr"/>
-            <a:r>
-              <a:rPr lang="ko-KR" altLang="en-US" dirty="0">
-                <a:latin typeface="HY견고딕" panose="02030600000101010101" pitchFamily="18" charset="-127"/>
-                <a:ea typeface="HY견고딕" panose="02030600000101010101" pitchFamily="18" charset="-127"/>
-              </a:rPr>
-              <a:t>업데이트 쓰레드를 통해 게임</a:t>
-            </a:r>
-            <a:endParaRPr lang="en-US" altLang="ko-KR" dirty="0">
-              <a:latin typeface="HY견고딕" panose="02030600000101010101" pitchFamily="18" charset="-127"/>
-              <a:ea typeface="HY견고딕" panose="02030600000101010101" pitchFamily="18" charset="-127"/>
-            </a:endParaRPr>
-          </a:p>
-          <a:p>
-            <a:pPr algn="ctr"/>
-            <a:r>
-              <a:rPr lang="ko-KR" altLang="en-US" dirty="0">
-                <a:latin typeface="HY견고딕" panose="02030600000101010101" pitchFamily="18" charset="-127"/>
-                <a:ea typeface="HY견고딕" panose="02030600000101010101" pitchFamily="18" charset="-127"/>
-              </a:rPr>
-              <a:t>로직을 수행하기 때문에</a:t>
-            </a:r>
-            <a:endParaRPr lang="en-US" altLang="ko-KR" dirty="0">
-              <a:latin typeface="HY견고딕" panose="02030600000101010101" pitchFamily="18" charset="-127"/>
-              <a:ea typeface="HY견고딕" panose="02030600000101010101" pitchFamily="18" charset="-127"/>
-            </a:endParaRPr>
-          </a:p>
-          <a:p>
-            <a:pPr algn="ctr"/>
-            <a:r>
-              <a:rPr lang="ko-KR" altLang="en-US" dirty="0">
-                <a:latin typeface="HY견고딕" panose="02030600000101010101" pitchFamily="18" charset="-127"/>
-                <a:ea typeface="HY견고딕" panose="02030600000101010101" pitchFamily="18" charset="-127"/>
-              </a:rPr>
-              <a:t>클라이언트에서 좌표 값만</a:t>
-            </a:r>
-            <a:endParaRPr lang="en-US" altLang="ko-KR" dirty="0">
-              <a:latin typeface="HY견고딕" panose="02030600000101010101" pitchFamily="18" charset="-127"/>
-              <a:ea typeface="HY견고딕" panose="02030600000101010101" pitchFamily="18" charset="-127"/>
-            </a:endParaRPr>
-          </a:p>
-          <a:p>
-            <a:pPr algn="ctr"/>
-            <a:r>
-              <a:rPr lang="ko-KR" altLang="en-US" dirty="0">
-                <a:latin typeface="HY견고딕" panose="02030600000101010101" pitchFamily="18" charset="-127"/>
-                <a:ea typeface="HY견고딕" panose="02030600000101010101" pitchFamily="18" charset="-127"/>
-              </a:rPr>
-              <a:t>받아 렌더링을 수행함</a:t>
-            </a:r>
-            <a:endParaRPr lang="en-US" altLang="ko-KR" dirty="0">
-              <a:latin typeface="HY견고딕" panose="02030600000101010101" pitchFamily="18" charset="-127"/>
-              <a:ea typeface="HY견고딕" panose="02030600000101010101" pitchFamily="18" charset="-127"/>
-            </a:endParaRPr>
-          </a:p>
-          <a:p>
-            <a:pPr algn="ctr"/>
-            <a:endParaRPr lang="en-US" altLang="ko-KR" dirty="0">
-              <a:latin typeface="HY견고딕" panose="02030600000101010101" pitchFamily="18" charset="-127"/>
-              <a:ea typeface="HY견고딕" panose="02030600000101010101" pitchFamily="18" charset="-127"/>
-            </a:endParaRPr>
-          </a:p>
-          <a:p>
-            <a:pPr algn="ctr"/>
-            <a:endParaRPr lang="en-US" altLang="ko-KR" dirty="0">
-              <a:latin typeface="HY견고딕" panose="02030600000101010101" pitchFamily="18" charset="-127"/>
-              <a:ea typeface="HY견고딕" panose="02030600000101010101" pitchFamily="18" charset="-127"/>
-            </a:endParaRPr>
-          </a:p>
-          <a:p>
-            <a:pPr algn="ctr"/>
-            <a:r>
-              <a:rPr lang="ko-KR" altLang="en-US" dirty="0">
-                <a:latin typeface="HY견고딕" panose="02030600000101010101" pitchFamily="18" charset="-127"/>
-                <a:ea typeface="HY견고딕" panose="02030600000101010101" pitchFamily="18" charset="-127"/>
-              </a:rPr>
-              <a:t>클라이언트의 부담이 적음</a:t>
-            </a:r>
-            <a:endParaRPr lang="en-US" altLang="ko-KR" dirty="0">
-              <a:latin typeface="HY견고딕" panose="02030600000101010101" pitchFamily="18" charset="-127"/>
-              <a:ea typeface="HY견고딕" panose="02030600000101010101" pitchFamily="18" charset="-127"/>
-            </a:endParaRPr>
-          </a:p>
-        </p:txBody>
-      </p:sp>
     </p:spTree>
     <p:extLst>
       <p:ext uri="{BB962C8B-B14F-4D97-AF65-F5344CB8AC3E}">
-        <p14:creationId xmlns:p14="http://schemas.microsoft.com/office/powerpoint/2010/main" val="3559543908"/>
+        <p14:creationId xmlns:p14="http://schemas.microsoft.com/office/powerpoint/2010/main" val="4161596518"/>
       </p:ext>
     </p:extLst>
   </p:cSld>
@@ -5758,7 +5575,7 @@
         <p:spPr>
           <a:xfrm>
             <a:off x="1347787" y="876597"/>
-            <a:ext cx="6126998" cy="707886"/>
+            <a:ext cx="2749471" cy="707886"/>
           </a:xfrm>
           <a:prstGeom prst="rect">
             <a:avLst/>
@@ -5772,32 +5589,11 @@
           <a:lstStyle/>
           <a:p>
             <a:r>
-              <a:rPr lang="ko-KR" altLang="en-US" sz="4000" dirty="0">
+              <a:rPr lang="ko-KR" altLang="en-US" sz="4000" dirty="0" err="1">
                 <a:latin typeface="HY헤드라인M" panose="02030600000101010101" pitchFamily="18" charset="-127"/>
                 <a:ea typeface="HY헤드라인M" panose="02030600000101010101" pitchFamily="18" charset="-127"/>
               </a:rPr>
-              <a:t>쓰레드 동기화 </a:t>
-            </a:r>
-            <a:r>
-              <a:rPr lang="en-US" altLang="ko-KR" sz="4000" dirty="0">
-                <a:latin typeface="HY헤드라인M" panose="02030600000101010101" pitchFamily="18" charset="-127"/>
-                <a:ea typeface="HY헤드라인M" panose="02030600000101010101" pitchFamily="18" charset="-127"/>
-              </a:rPr>
-              <a:t>(</a:t>
-            </a:r>
-            <a:r>
-              <a:rPr lang="ko-KR" altLang="en-US" sz="4000" dirty="0">
-                <a:latin typeface="HY헤드라인M" panose="02030600000101010101" pitchFamily="18" charset="-127"/>
-                <a:ea typeface="HY헤드라인M" panose="02030600000101010101" pitchFamily="18" charset="-127"/>
-              </a:rPr>
-              <a:t>임계 영역</a:t>
-            </a:r>
-            <a:r>
-              <a:rPr lang="en-US" altLang="ko-KR" sz="4000" dirty="0">
-                <a:latin typeface="HY헤드라인M" panose="02030600000101010101" pitchFamily="18" charset="-127"/>
-                <a:ea typeface="HY헤드라인M" panose="02030600000101010101" pitchFamily="18" charset="-127"/>
-              </a:rPr>
-              <a:t>)</a:t>
+              <a:t>멀티쓰레드</a:t>
             </a:r>
             <a:endParaRPr lang="ko-KR" altLang="en-US" sz="4000" dirty="0">
               <a:latin typeface="HY헤드라인M" panose="02030600000101010101" pitchFamily="18" charset="-127"/>
@@ -5947,7 +5743,7 @@
         <p:spPr>
           <a:xfrm>
             <a:off x="10207499" y="6283173"/>
-            <a:ext cx="636713" cy="369332"/>
+            <a:ext cx="809837" cy="369332"/>
           </a:xfrm>
           <a:prstGeom prst="rect">
             <a:avLst/>
@@ -5965,7 +5761,745 @@
                 <a:latin typeface="HY헤드라인M" panose="02030600000101010101" pitchFamily="18" charset="-127"/>
                 <a:ea typeface="HY헤드라인M" panose="02030600000101010101" pitchFamily="18" charset="-127"/>
               </a:rPr>
-              <a:t>03/..</a:t>
+              <a:t>13/14</a:t>
+            </a:r>
+            <a:endParaRPr lang="ko-KR" altLang="en-US" dirty="0">
+              <a:latin typeface="HY헤드라인M" panose="02030600000101010101" pitchFamily="18" charset="-127"/>
+              <a:ea typeface="HY헤드라인M" panose="02030600000101010101" pitchFamily="18" charset="-127"/>
+            </a:endParaRPr>
+          </a:p>
+        </p:txBody>
+      </p:sp>
+      <p:sp>
+        <p:nvSpPr>
+          <p:cNvPr id="16" name="TextBox 15">
+            <a:extLst>
+              <a:ext uri="{FF2B5EF4-FFF2-40B4-BE49-F238E27FC236}">
+                <a16:creationId xmlns:a16="http://schemas.microsoft.com/office/drawing/2014/main" id="{A90047D1-BD4E-4F3E-A570-94E0D342A435}"/>
+              </a:ext>
+            </a:extLst>
+          </p:cNvPr>
+          <p:cNvSpPr txBox="1"/>
+          <p:nvPr/>
+        </p:nvSpPr>
+        <p:spPr>
+          <a:xfrm>
+            <a:off x="4472442" y="4415243"/>
+            <a:ext cx="2569934" cy="1754326"/>
+          </a:xfrm>
+          <a:prstGeom prst="rect">
+            <a:avLst/>
+          </a:prstGeom>
+          <a:noFill/>
+        </p:spPr>
+        <p:txBody>
+          <a:bodyPr wrap="none" rtlCol="0">
+            <a:spAutoFit/>
+          </a:bodyPr>
+          <a:lstStyle/>
+          <a:p>
+            <a:pPr algn="ctr"/>
+            <a:r>
+              <a:rPr lang="ko-KR" altLang="en-US" dirty="0">
+                <a:latin typeface="HY견고딕" panose="02030600000101010101" pitchFamily="18" charset="-127"/>
+                <a:ea typeface="HY견고딕" panose="02030600000101010101" pitchFamily="18" charset="-127"/>
+              </a:rPr>
+              <a:t>각각의 클라이언트마다</a:t>
+            </a:r>
+            <a:endParaRPr lang="en-US" altLang="ko-KR" dirty="0">
+              <a:latin typeface="HY견고딕" panose="02030600000101010101" pitchFamily="18" charset="-127"/>
+              <a:ea typeface="HY견고딕" panose="02030600000101010101" pitchFamily="18" charset="-127"/>
+            </a:endParaRPr>
+          </a:p>
+          <a:p>
+            <a:pPr algn="ctr"/>
+            <a:r>
+              <a:rPr lang="ko-KR" altLang="en-US" dirty="0">
+                <a:latin typeface="HY견고딕" panose="02030600000101010101" pitchFamily="18" charset="-127"/>
+                <a:ea typeface="HY견고딕" panose="02030600000101010101" pitchFamily="18" charset="-127"/>
+              </a:rPr>
+              <a:t>하나의 쓰레드 생성</a:t>
+            </a:r>
+            <a:endParaRPr lang="en-US" altLang="ko-KR" dirty="0">
+              <a:latin typeface="HY견고딕" panose="02030600000101010101" pitchFamily="18" charset="-127"/>
+              <a:ea typeface="HY견고딕" panose="02030600000101010101" pitchFamily="18" charset="-127"/>
+            </a:endParaRPr>
+          </a:p>
+          <a:p>
+            <a:pPr algn="ctr"/>
+            <a:endParaRPr lang="en-US" altLang="ko-KR" dirty="0">
+              <a:latin typeface="HY견고딕" panose="02030600000101010101" pitchFamily="18" charset="-127"/>
+              <a:ea typeface="HY견고딕" panose="02030600000101010101" pitchFamily="18" charset="-127"/>
+            </a:endParaRPr>
+          </a:p>
+          <a:p>
+            <a:pPr algn="ctr"/>
+            <a:r>
+              <a:rPr lang="en-US" altLang="ko-KR" dirty="0">
+                <a:latin typeface="HY견고딕" panose="02030600000101010101" pitchFamily="18" charset="-127"/>
+                <a:ea typeface="HY견고딕" panose="02030600000101010101" pitchFamily="18" charset="-127"/>
+              </a:rPr>
+              <a:t>Server/Main.cpp</a:t>
+            </a:r>
+          </a:p>
+          <a:p>
+            <a:pPr algn="ctr"/>
+            <a:r>
+              <a:rPr lang="en-US" altLang="ko-KR" dirty="0">
+                <a:latin typeface="HY견고딕" panose="02030600000101010101" pitchFamily="18" charset="-127"/>
+                <a:ea typeface="HY견고딕" panose="02030600000101010101" pitchFamily="18" charset="-127"/>
+              </a:rPr>
+              <a:t>265 Line,</a:t>
+            </a:r>
+          </a:p>
+          <a:p>
+            <a:pPr algn="ctr"/>
+            <a:r>
+              <a:rPr lang="en-US" altLang="ko-KR" dirty="0">
+                <a:latin typeface="HY견고딕" panose="02030600000101010101" pitchFamily="18" charset="-127"/>
+                <a:ea typeface="HY견고딕" panose="02030600000101010101" pitchFamily="18" charset="-127"/>
+              </a:rPr>
+              <a:t>201 Line</a:t>
+            </a:r>
+          </a:p>
+        </p:txBody>
+      </p:sp>
+      <p:pic>
+        <p:nvPicPr>
+          <p:cNvPr id="9" name="그림 8" descr="앉아있는, 검은색, 테이블, 전화이(가) 표시된 사진&#10;&#10;자동 생성된 설명">
+            <a:extLst>
+              <a:ext uri="{FF2B5EF4-FFF2-40B4-BE49-F238E27FC236}">
+                <a16:creationId xmlns:a16="http://schemas.microsoft.com/office/drawing/2014/main" id="{D4E10B19-9167-4860-8DAA-AC710C4281B3}"/>
+              </a:ext>
+            </a:extLst>
+          </p:cNvPr>
+          <p:cNvPicPr>
+            <a:picLocks noChangeAspect="1"/>
+          </p:cNvPicPr>
+          <p:nvPr/>
+        </p:nvPicPr>
+        <p:blipFill>
+          <a:blip r:embed="rId2">
+            <a:extLst>
+              <a:ext uri="{28A0092B-C50C-407E-A947-70E740481C1C}">
+                <a14:useLocalDpi xmlns:a14="http://schemas.microsoft.com/office/drawing/2010/main" val="0"/>
+              </a:ext>
+            </a:extLst>
+          </a:blip>
+          <a:stretch>
+            <a:fillRect/>
+          </a:stretch>
+        </p:blipFill>
+        <p:spPr>
+          <a:xfrm>
+            <a:off x="1365327" y="2026810"/>
+            <a:ext cx="2629246" cy="3615213"/>
+          </a:xfrm>
+          <a:prstGeom prst="rect">
+            <a:avLst/>
+          </a:prstGeom>
+        </p:spPr>
+      </p:pic>
+      <p:pic>
+        <p:nvPicPr>
+          <p:cNvPr id="11" name="그림 10" descr="스크린샷, 화면, 노트북이(가) 표시된 사진&#10;&#10;자동 생성된 설명">
+            <a:extLst>
+              <a:ext uri="{FF2B5EF4-FFF2-40B4-BE49-F238E27FC236}">
+                <a16:creationId xmlns:a16="http://schemas.microsoft.com/office/drawing/2014/main" id="{FC28E158-AA78-4921-93A0-1265CB90D1C0}"/>
+              </a:ext>
+            </a:extLst>
+          </p:cNvPr>
+          <p:cNvPicPr>
+            <a:picLocks noChangeAspect="1"/>
+          </p:cNvPicPr>
+          <p:nvPr/>
+        </p:nvPicPr>
+        <p:blipFill>
+          <a:blip r:embed="rId3">
+            <a:extLst>
+              <a:ext uri="{28A0092B-C50C-407E-A947-70E740481C1C}">
+                <a14:useLocalDpi xmlns:a14="http://schemas.microsoft.com/office/drawing/2010/main" val="0"/>
+              </a:ext>
+            </a:extLst>
+          </a:blip>
+          <a:stretch>
+            <a:fillRect/>
+          </a:stretch>
+        </p:blipFill>
+        <p:spPr>
+          <a:xfrm>
+            <a:off x="4097258" y="2026810"/>
+            <a:ext cx="3320303" cy="2269272"/>
+          </a:xfrm>
+          <a:prstGeom prst="rect">
+            <a:avLst/>
+          </a:prstGeom>
+        </p:spPr>
+      </p:pic>
+      <p:sp>
+        <p:nvSpPr>
+          <p:cNvPr id="13" name="TextBox 12">
+            <a:extLst>
+              <a:ext uri="{FF2B5EF4-FFF2-40B4-BE49-F238E27FC236}">
+                <a16:creationId xmlns:a16="http://schemas.microsoft.com/office/drawing/2014/main" id="{58EABF18-5C5A-433D-B229-CAFC867294C6}"/>
+              </a:ext>
+            </a:extLst>
+          </p:cNvPr>
+          <p:cNvSpPr txBox="1"/>
+          <p:nvPr/>
+        </p:nvSpPr>
+        <p:spPr>
+          <a:xfrm>
+            <a:off x="1723691" y="5709530"/>
+            <a:ext cx="1877438" cy="369332"/>
+          </a:xfrm>
+          <a:prstGeom prst="rect">
+            <a:avLst/>
+          </a:prstGeom>
+          <a:noFill/>
+        </p:spPr>
+        <p:txBody>
+          <a:bodyPr wrap="none" rtlCol="0">
+            <a:spAutoFit/>
+          </a:bodyPr>
+          <a:lstStyle/>
+          <a:p>
+            <a:pPr algn="ctr"/>
+            <a:r>
+              <a:rPr lang="ko-KR" altLang="en-US">
+                <a:latin typeface="HY견고딕" panose="02030600000101010101" pitchFamily="18" charset="-127"/>
+                <a:ea typeface="HY견고딕" panose="02030600000101010101" pitchFamily="18" charset="-127"/>
+              </a:rPr>
+              <a:t>업데이트 쓰레드</a:t>
+            </a:r>
+            <a:endParaRPr lang="en-US" altLang="ko-KR" dirty="0">
+              <a:latin typeface="HY견고딕" panose="02030600000101010101" pitchFamily="18" charset="-127"/>
+              <a:ea typeface="HY견고딕" panose="02030600000101010101" pitchFamily="18" charset="-127"/>
+            </a:endParaRPr>
+          </a:p>
+        </p:txBody>
+      </p:sp>
+      <p:sp>
+        <p:nvSpPr>
+          <p:cNvPr id="14" name="TextBox 13">
+            <a:extLst>
+              <a:ext uri="{FF2B5EF4-FFF2-40B4-BE49-F238E27FC236}">
+                <a16:creationId xmlns:a16="http://schemas.microsoft.com/office/drawing/2014/main" id="{F1D8C020-979C-4421-9EC1-DA5C9A5AEC98}"/>
+              </a:ext>
+            </a:extLst>
+          </p:cNvPr>
+          <p:cNvSpPr txBox="1"/>
+          <p:nvPr/>
+        </p:nvSpPr>
+        <p:spPr>
+          <a:xfrm>
+            <a:off x="7417563" y="2026810"/>
+            <a:ext cx="3329758" cy="3693319"/>
+          </a:xfrm>
+          <a:prstGeom prst="rect">
+            <a:avLst/>
+          </a:prstGeom>
+          <a:noFill/>
+        </p:spPr>
+        <p:txBody>
+          <a:bodyPr wrap="none" rtlCol="0">
+            <a:spAutoFit/>
+          </a:bodyPr>
+          <a:lstStyle/>
+          <a:p>
+            <a:pPr algn="ctr"/>
+            <a:r>
+              <a:rPr lang="ko-KR" altLang="en-US" dirty="0">
+                <a:latin typeface="HY견고딕" panose="02030600000101010101" pitchFamily="18" charset="-127"/>
+                <a:ea typeface="HY견고딕" panose="02030600000101010101" pitchFamily="18" charset="-127"/>
+              </a:rPr>
+              <a:t>클라이언트 통신용 쓰레드 </a:t>
+            </a:r>
+            <a:r>
+              <a:rPr lang="en-US" altLang="ko-KR" dirty="0">
+                <a:latin typeface="HY견고딕" panose="02030600000101010101" pitchFamily="18" charset="-127"/>
+                <a:ea typeface="HY견고딕" panose="02030600000101010101" pitchFamily="18" charset="-127"/>
+              </a:rPr>
+              <a:t>2</a:t>
+            </a:r>
+            <a:r>
+              <a:rPr lang="ko-KR" altLang="en-US" dirty="0">
+                <a:latin typeface="HY견고딕" panose="02030600000101010101" pitchFamily="18" charset="-127"/>
+                <a:ea typeface="HY견고딕" panose="02030600000101010101" pitchFamily="18" charset="-127"/>
+              </a:rPr>
+              <a:t>개</a:t>
+            </a:r>
+            <a:endParaRPr lang="en-US" altLang="ko-KR" dirty="0">
+              <a:latin typeface="HY견고딕" panose="02030600000101010101" pitchFamily="18" charset="-127"/>
+              <a:ea typeface="HY견고딕" panose="02030600000101010101" pitchFamily="18" charset="-127"/>
+            </a:endParaRPr>
+          </a:p>
+          <a:p>
+            <a:pPr algn="ctr"/>
+            <a:r>
+              <a:rPr lang="ko-KR" altLang="en-US" dirty="0">
+                <a:latin typeface="HY견고딕" panose="02030600000101010101" pitchFamily="18" charset="-127"/>
+                <a:ea typeface="HY견고딕" panose="02030600000101010101" pitchFamily="18" charset="-127"/>
+              </a:rPr>
+              <a:t>게임 업데이트용 쓰레드 </a:t>
+            </a:r>
+            <a:r>
+              <a:rPr lang="en-US" altLang="ko-KR" dirty="0">
+                <a:latin typeface="HY견고딕" panose="02030600000101010101" pitchFamily="18" charset="-127"/>
+                <a:ea typeface="HY견고딕" panose="02030600000101010101" pitchFamily="18" charset="-127"/>
+              </a:rPr>
+              <a:t>1</a:t>
+            </a:r>
+            <a:r>
+              <a:rPr lang="ko-KR" altLang="en-US" dirty="0">
+                <a:latin typeface="HY견고딕" panose="02030600000101010101" pitchFamily="18" charset="-127"/>
+                <a:ea typeface="HY견고딕" panose="02030600000101010101" pitchFamily="18" charset="-127"/>
+              </a:rPr>
+              <a:t>개</a:t>
+            </a:r>
+            <a:endParaRPr lang="en-US" altLang="ko-KR" dirty="0">
+              <a:latin typeface="HY견고딕" panose="02030600000101010101" pitchFamily="18" charset="-127"/>
+              <a:ea typeface="HY견고딕" panose="02030600000101010101" pitchFamily="18" charset="-127"/>
+            </a:endParaRPr>
+          </a:p>
+          <a:p>
+            <a:pPr algn="ctr"/>
+            <a:endParaRPr lang="en-US" altLang="ko-KR" dirty="0">
+              <a:latin typeface="HY견고딕" panose="02030600000101010101" pitchFamily="18" charset="-127"/>
+              <a:ea typeface="HY견고딕" panose="02030600000101010101" pitchFamily="18" charset="-127"/>
+            </a:endParaRPr>
+          </a:p>
+          <a:p>
+            <a:pPr algn="ctr"/>
+            <a:r>
+              <a:rPr lang="ko-KR" altLang="en-US" dirty="0">
+                <a:latin typeface="HY견고딕" panose="02030600000101010101" pitchFamily="18" charset="-127"/>
+                <a:ea typeface="HY견고딕" panose="02030600000101010101" pitchFamily="18" charset="-127"/>
+              </a:rPr>
+              <a:t>총 </a:t>
+            </a:r>
+            <a:r>
+              <a:rPr lang="en-US" altLang="ko-KR" dirty="0">
+                <a:latin typeface="HY견고딕" panose="02030600000101010101" pitchFamily="18" charset="-127"/>
+                <a:ea typeface="HY견고딕" panose="02030600000101010101" pitchFamily="18" charset="-127"/>
+              </a:rPr>
+              <a:t>3</a:t>
+            </a:r>
+            <a:r>
+              <a:rPr lang="ko-KR" altLang="en-US" dirty="0">
+                <a:latin typeface="HY견고딕" panose="02030600000101010101" pitchFamily="18" charset="-127"/>
+                <a:ea typeface="HY견고딕" panose="02030600000101010101" pitchFamily="18" charset="-127"/>
+              </a:rPr>
+              <a:t>개의 쓰레드를 사용하여</a:t>
+            </a:r>
+            <a:endParaRPr lang="en-US" altLang="ko-KR" dirty="0">
+              <a:latin typeface="HY견고딕" panose="02030600000101010101" pitchFamily="18" charset="-127"/>
+              <a:ea typeface="HY견고딕" panose="02030600000101010101" pitchFamily="18" charset="-127"/>
+            </a:endParaRPr>
+          </a:p>
+          <a:p>
+            <a:pPr algn="ctr"/>
+            <a:r>
+              <a:rPr lang="ko-KR" altLang="en-US" dirty="0">
+                <a:latin typeface="HY견고딕" panose="02030600000101010101" pitchFamily="18" charset="-127"/>
+                <a:ea typeface="HY견고딕" panose="02030600000101010101" pitchFamily="18" charset="-127"/>
+              </a:rPr>
+              <a:t>게임 진행</a:t>
+            </a:r>
+            <a:endParaRPr lang="en-US" altLang="ko-KR" dirty="0">
+              <a:latin typeface="HY견고딕" panose="02030600000101010101" pitchFamily="18" charset="-127"/>
+              <a:ea typeface="HY견고딕" panose="02030600000101010101" pitchFamily="18" charset="-127"/>
+            </a:endParaRPr>
+          </a:p>
+          <a:p>
+            <a:pPr algn="ctr"/>
+            <a:endParaRPr lang="en-US" altLang="ko-KR" dirty="0">
+              <a:latin typeface="HY견고딕" panose="02030600000101010101" pitchFamily="18" charset="-127"/>
+              <a:ea typeface="HY견고딕" panose="02030600000101010101" pitchFamily="18" charset="-127"/>
+            </a:endParaRPr>
+          </a:p>
+          <a:p>
+            <a:pPr algn="ctr"/>
+            <a:r>
+              <a:rPr lang="ko-KR" altLang="en-US" dirty="0">
+                <a:latin typeface="HY견고딕" panose="02030600000101010101" pitchFamily="18" charset="-127"/>
+                <a:ea typeface="HY견고딕" panose="02030600000101010101" pitchFamily="18" charset="-127"/>
+              </a:rPr>
+              <a:t>업데이트 쓰레드를 통해 게임</a:t>
+            </a:r>
+            <a:endParaRPr lang="en-US" altLang="ko-KR" dirty="0">
+              <a:latin typeface="HY견고딕" panose="02030600000101010101" pitchFamily="18" charset="-127"/>
+              <a:ea typeface="HY견고딕" panose="02030600000101010101" pitchFamily="18" charset="-127"/>
+            </a:endParaRPr>
+          </a:p>
+          <a:p>
+            <a:pPr algn="ctr"/>
+            <a:r>
+              <a:rPr lang="ko-KR" altLang="en-US" dirty="0">
+                <a:latin typeface="HY견고딕" panose="02030600000101010101" pitchFamily="18" charset="-127"/>
+                <a:ea typeface="HY견고딕" panose="02030600000101010101" pitchFamily="18" charset="-127"/>
+              </a:rPr>
+              <a:t>로직을 수행하기 때문에</a:t>
+            </a:r>
+            <a:endParaRPr lang="en-US" altLang="ko-KR" dirty="0">
+              <a:latin typeface="HY견고딕" panose="02030600000101010101" pitchFamily="18" charset="-127"/>
+              <a:ea typeface="HY견고딕" panose="02030600000101010101" pitchFamily="18" charset="-127"/>
+            </a:endParaRPr>
+          </a:p>
+          <a:p>
+            <a:pPr algn="ctr"/>
+            <a:r>
+              <a:rPr lang="ko-KR" altLang="en-US" dirty="0">
+                <a:latin typeface="HY견고딕" panose="02030600000101010101" pitchFamily="18" charset="-127"/>
+                <a:ea typeface="HY견고딕" panose="02030600000101010101" pitchFamily="18" charset="-127"/>
+              </a:rPr>
+              <a:t>클라이언트에서 좌표 값만</a:t>
+            </a:r>
+            <a:endParaRPr lang="en-US" altLang="ko-KR" dirty="0">
+              <a:latin typeface="HY견고딕" panose="02030600000101010101" pitchFamily="18" charset="-127"/>
+              <a:ea typeface="HY견고딕" panose="02030600000101010101" pitchFamily="18" charset="-127"/>
+            </a:endParaRPr>
+          </a:p>
+          <a:p>
+            <a:pPr algn="ctr"/>
+            <a:r>
+              <a:rPr lang="ko-KR" altLang="en-US" dirty="0">
+                <a:latin typeface="HY견고딕" panose="02030600000101010101" pitchFamily="18" charset="-127"/>
+                <a:ea typeface="HY견고딕" panose="02030600000101010101" pitchFamily="18" charset="-127"/>
+              </a:rPr>
+              <a:t>받아 렌더링을 수행함</a:t>
+            </a:r>
+            <a:endParaRPr lang="en-US" altLang="ko-KR" dirty="0">
+              <a:latin typeface="HY견고딕" panose="02030600000101010101" pitchFamily="18" charset="-127"/>
+              <a:ea typeface="HY견고딕" panose="02030600000101010101" pitchFamily="18" charset="-127"/>
+            </a:endParaRPr>
+          </a:p>
+          <a:p>
+            <a:pPr algn="ctr"/>
+            <a:endParaRPr lang="en-US" altLang="ko-KR" dirty="0">
+              <a:latin typeface="HY견고딕" panose="02030600000101010101" pitchFamily="18" charset="-127"/>
+              <a:ea typeface="HY견고딕" panose="02030600000101010101" pitchFamily="18" charset="-127"/>
+            </a:endParaRPr>
+          </a:p>
+          <a:p>
+            <a:pPr algn="ctr"/>
+            <a:endParaRPr lang="en-US" altLang="ko-KR" dirty="0">
+              <a:latin typeface="HY견고딕" panose="02030600000101010101" pitchFamily="18" charset="-127"/>
+              <a:ea typeface="HY견고딕" panose="02030600000101010101" pitchFamily="18" charset="-127"/>
+            </a:endParaRPr>
+          </a:p>
+          <a:p>
+            <a:pPr algn="ctr"/>
+            <a:r>
+              <a:rPr lang="ko-KR" altLang="en-US" dirty="0">
+                <a:latin typeface="HY견고딕" panose="02030600000101010101" pitchFamily="18" charset="-127"/>
+                <a:ea typeface="HY견고딕" panose="02030600000101010101" pitchFamily="18" charset="-127"/>
+              </a:rPr>
+              <a:t>클라이언트의 부담이 적음</a:t>
+            </a:r>
+            <a:endParaRPr lang="en-US" altLang="ko-KR" dirty="0">
+              <a:latin typeface="HY견고딕" panose="02030600000101010101" pitchFamily="18" charset="-127"/>
+              <a:ea typeface="HY견고딕" panose="02030600000101010101" pitchFamily="18" charset="-127"/>
+            </a:endParaRPr>
+          </a:p>
+        </p:txBody>
+      </p:sp>
+    </p:spTree>
+    <p:extLst>
+      <p:ext uri="{BB962C8B-B14F-4D97-AF65-F5344CB8AC3E}">
+        <p14:creationId xmlns:p14="http://schemas.microsoft.com/office/powerpoint/2010/main" val="3559543908"/>
+      </p:ext>
+    </p:extLst>
+  </p:cSld>
+  <p:clrMapOvr>
+    <a:masterClrMapping/>
+  </p:clrMapOvr>
+</p:sld>
+</file>
+
+<file path=ppt/slides/slide14.xml><?xml version="1.0" encoding="utf-8"?>
+<p:sld xmlns:a="http://schemas.openxmlformats.org/drawingml/2006/main" xmlns:r="http://schemas.openxmlformats.org/officeDocument/2006/relationships" xmlns:p="http://schemas.openxmlformats.org/presentationml/2006/main">
+  <p:cSld>
+    <p:spTree>
+      <p:nvGrpSpPr>
+        <p:cNvPr id="1" name=""/>
+        <p:cNvGrpSpPr/>
+        <p:nvPr/>
+      </p:nvGrpSpPr>
+      <p:grpSpPr>
+        <a:xfrm>
+          <a:off x="0" y="0"/>
+          <a:ext cx="0" cy="0"/>
+          <a:chOff x="0" y="0"/>
+          <a:chExt cx="0" cy="0"/>
+        </a:xfrm>
+      </p:grpSpPr>
+      <p:cxnSp>
+        <p:nvCxnSpPr>
+          <p:cNvPr id="2" name="직선 연결선 1">
+            <a:extLst>
+              <a:ext uri="{FF2B5EF4-FFF2-40B4-BE49-F238E27FC236}">
+                <a16:creationId xmlns:a16="http://schemas.microsoft.com/office/drawing/2014/main" id="{095D726E-41BE-4206-BF88-2363416CC29D}"/>
+              </a:ext>
+            </a:extLst>
+          </p:cNvPr>
+          <p:cNvCxnSpPr>
+            <a:cxnSpLocks/>
+          </p:cNvCxnSpPr>
+          <p:nvPr/>
+        </p:nvCxnSpPr>
+        <p:spPr>
+          <a:xfrm>
+            <a:off x="1347787" y="866775"/>
+            <a:ext cx="9496425" cy="19645"/>
+          </a:xfrm>
+          <a:prstGeom prst="line">
+            <a:avLst/>
+          </a:prstGeom>
+          <a:ln w="25400">
+            <a:solidFill>
+              <a:schemeClr val="tx1"/>
+            </a:solidFill>
+          </a:ln>
+        </p:spPr>
+        <p:style>
+          <a:lnRef idx="1">
+            <a:schemeClr val="accent1"/>
+          </a:lnRef>
+          <a:fillRef idx="0">
+            <a:schemeClr val="accent1"/>
+          </a:fillRef>
+          <a:effectRef idx="0">
+            <a:schemeClr val="accent1"/>
+          </a:effectRef>
+          <a:fontRef idx="minor">
+            <a:schemeClr val="tx1"/>
+          </a:fontRef>
+        </p:style>
+      </p:cxnSp>
+      <p:sp>
+        <p:nvSpPr>
+          <p:cNvPr id="3" name="TextBox 2">
+            <a:extLst>
+              <a:ext uri="{FF2B5EF4-FFF2-40B4-BE49-F238E27FC236}">
+                <a16:creationId xmlns:a16="http://schemas.microsoft.com/office/drawing/2014/main" id="{89A39AC4-E421-4058-BBAD-406F3B554DE7}"/>
+              </a:ext>
+            </a:extLst>
+          </p:cNvPr>
+          <p:cNvSpPr txBox="1"/>
+          <p:nvPr/>
+        </p:nvSpPr>
+        <p:spPr>
+          <a:xfrm>
+            <a:off x="1347787" y="876597"/>
+            <a:ext cx="6126998" cy="707886"/>
+          </a:xfrm>
+          <a:prstGeom prst="rect">
+            <a:avLst/>
+          </a:prstGeom>
+          <a:noFill/>
+        </p:spPr>
+        <p:txBody>
+          <a:bodyPr wrap="none" rtlCol="0">
+            <a:spAutoFit/>
+          </a:bodyPr>
+          <a:lstStyle/>
+          <a:p>
+            <a:r>
+              <a:rPr lang="ko-KR" altLang="en-US" sz="4000" dirty="0">
+                <a:latin typeface="HY헤드라인M" panose="02030600000101010101" pitchFamily="18" charset="-127"/>
+                <a:ea typeface="HY헤드라인M" panose="02030600000101010101" pitchFamily="18" charset="-127"/>
+              </a:rPr>
+              <a:t>쓰레드 동기화 </a:t>
+            </a:r>
+            <a:r>
+              <a:rPr lang="en-US" altLang="ko-KR" sz="4000" dirty="0">
+                <a:latin typeface="HY헤드라인M" panose="02030600000101010101" pitchFamily="18" charset="-127"/>
+                <a:ea typeface="HY헤드라인M" panose="02030600000101010101" pitchFamily="18" charset="-127"/>
+              </a:rPr>
+              <a:t>(</a:t>
+            </a:r>
+            <a:r>
+              <a:rPr lang="ko-KR" altLang="en-US" sz="4000" dirty="0">
+                <a:latin typeface="HY헤드라인M" panose="02030600000101010101" pitchFamily="18" charset="-127"/>
+                <a:ea typeface="HY헤드라인M" panose="02030600000101010101" pitchFamily="18" charset="-127"/>
+              </a:rPr>
+              <a:t>임계 영역</a:t>
+            </a:r>
+            <a:r>
+              <a:rPr lang="en-US" altLang="ko-KR" sz="4000" dirty="0">
+                <a:latin typeface="HY헤드라인M" panose="02030600000101010101" pitchFamily="18" charset="-127"/>
+                <a:ea typeface="HY헤드라인M" panose="02030600000101010101" pitchFamily="18" charset="-127"/>
+              </a:rPr>
+              <a:t>)</a:t>
+            </a:r>
+            <a:endParaRPr lang="ko-KR" altLang="en-US" sz="4000" dirty="0">
+              <a:latin typeface="HY헤드라인M" panose="02030600000101010101" pitchFamily="18" charset="-127"/>
+              <a:ea typeface="HY헤드라인M" panose="02030600000101010101" pitchFamily="18" charset="-127"/>
+            </a:endParaRPr>
+          </a:p>
+        </p:txBody>
+      </p:sp>
+      <p:sp>
+        <p:nvSpPr>
+          <p:cNvPr id="4" name="TextBox 3">
+            <a:extLst>
+              <a:ext uri="{FF2B5EF4-FFF2-40B4-BE49-F238E27FC236}">
+                <a16:creationId xmlns:a16="http://schemas.microsoft.com/office/drawing/2014/main" id="{299E6DC8-D07D-4275-885E-ABE4DA659C34}"/>
+              </a:ext>
+            </a:extLst>
+          </p:cNvPr>
+          <p:cNvSpPr txBox="1"/>
+          <p:nvPr/>
+        </p:nvSpPr>
+        <p:spPr>
+          <a:xfrm>
+            <a:off x="8671112" y="443788"/>
+            <a:ext cx="2146742" cy="523220"/>
+          </a:xfrm>
+          <a:prstGeom prst="rect">
+            <a:avLst/>
+          </a:prstGeom>
+          <a:noFill/>
+        </p:spPr>
+        <p:txBody>
+          <a:bodyPr wrap="none" rtlCol="0">
+            <a:spAutoFit/>
+          </a:bodyPr>
+          <a:lstStyle/>
+          <a:p>
+            <a:r>
+              <a:rPr lang="en-US" altLang="ko-KR" sz="2800" dirty="0">
+                <a:latin typeface="HY헤드라인M" panose="02030600000101010101" pitchFamily="18" charset="-127"/>
+                <a:ea typeface="HY헤드라인M" panose="02030600000101010101" pitchFamily="18" charset="-127"/>
+              </a:rPr>
+              <a:t>SUPER PANG</a:t>
+            </a:r>
+            <a:endParaRPr lang="ko-KR" altLang="en-US" sz="2800" dirty="0">
+              <a:latin typeface="HY헤드라인M" panose="02030600000101010101" pitchFamily="18" charset="-127"/>
+              <a:ea typeface="HY헤드라인M" panose="02030600000101010101" pitchFamily="18" charset="-127"/>
+            </a:endParaRPr>
+          </a:p>
+        </p:txBody>
+      </p:sp>
+      <p:sp>
+        <p:nvSpPr>
+          <p:cNvPr id="6" name="TextBox 5">
+            <a:extLst>
+              <a:ext uri="{FF2B5EF4-FFF2-40B4-BE49-F238E27FC236}">
+                <a16:creationId xmlns:a16="http://schemas.microsoft.com/office/drawing/2014/main" id="{F63CBCA1-3C03-4CC6-9651-80900F80BEC7}"/>
+              </a:ext>
+            </a:extLst>
+          </p:cNvPr>
+          <p:cNvSpPr txBox="1"/>
+          <p:nvPr/>
+        </p:nvSpPr>
+        <p:spPr>
+          <a:xfrm>
+            <a:off x="1347787" y="59067"/>
+            <a:ext cx="2629246" cy="769441"/>
+          </a:xfrm>
+          <a:prstGeom prst="rect">
+            <a:avLst/>
+          </a:prstGeom>
+          <a:noFill/>
+        </p:spPr>
+        <p:txBody>
+          <a:bodyPr wrap="none" rtlCol="0">
+            <a:spAutoFit/>
+          </a:bodyPr>
+          <a:lstStyle/>
+          <a:p>
+            <a:r>
+              <a:rPr lang="ko-KR" altLang="en-US" sz="4400" dirty="0">
+                <a:solidFill>
+                  <a:schemeClr val="accent1"/>
+                </a:solidFill>
+                <a:latin typeface="HY헤드라인M" panose="02030600000101010101" pitchFamily="18" charset="-127"/>
+                <a:ea typeface="HY헤드라인M" panose="02030600000101010101" pitchFamily="18" charset="-127"/>
+              </a:rPr>
+              <a:t>세부 내용</a:t>
+            </a:r>
+          </a:p>
+        </p:txBody>
+      </p:sp>
+      <p:cxnSp>
+        <p:nvCxnSpPr>
+          <p:cNvPr id="7" name="직선 연결선 6">
+            <a:extLst>
+              <a:ext uri="{FF2B5EF4-FFF2-40B4-BE49-F238E27FC236}">
+                <a16:creationId xmlns:a16="http://schemas.microsoft.com/office/drawing/2014/main" id="{3905285F-43E8-446B-832F-35A947015046}"/>
+              </a:ext>
+            </a:extLst>
+          </p:cNvPr>
+          <p:cNvCxnSpPr>
+            <a:cxnSpLocks/>
+          </p:cNvCxnSpPr>
+          <p:nvPr/>
+        </p:nvCxnSpPr>
+        <p:spPr>
+          <a:xfrm>
+            <a:off x="1347787" y="6263528"/>
+            <a:ext cx="9496425" cy="19645"/>
+          </a:xfrm>
+          <a:prstGeom prst="line">
+            <a:avLst/>
+          </a:prstGeom>
+          <a:ln w="25400">
+            <a:solidFill>
+              <a:schemeClr val="tx1"/>
+            </a:solidFill>
+          </a:ln>
+        </p:spPr>
+        <p:style>
+          <a:lnRef idx="1">
+            <a:schemeClr val="accent1"/>
+          </a:lnRef>
+          <a:fillRef idx="0">
+            <a:schemeClr val="accent1"/>
+          </a:fillRef>
+          <a:effectRef idx="0">
+            <a:schemeClr val="accent1"/>
+          </a:effectRef>
+          <a:fontRef idx="minor">
+            <a:schemeClr val="tx1"/>
+          </a:fontRef>
+        </p:style>
+      </p:cxnSp>
+      <p:sp>
+        <p:nvSpPr>
+          <p:cNvPr id="8" name="TextBox 7">
+            <a:extLst>
+              <a:ext uri="{FF2B5EF4-FFF2-40B4-BE49-F238E27FC236}">
+                <a16:creationId xmlns:a16="http://schemas.microsoft.com/office/drawing/2014/main" id="{A5E45EE4-FEC5-4DD5-9164-6B867734C712}"/>
+              </a:ext>
+            </a:extLst>
+          </p:cNvPr>
+          <p:cNvSpPr txBox="1"/>
+          <p:nvPr/>
+        </p:nvSpPr>
+        <p:spPr>
+          <a:xfrm>
+            <a:off x="10207499" y="6283173"/>
+            <a:ext cx="809837" cy="369332"/>
+          </a:xfrm>
+          <a:prstGeom prst="rect">
+            <a:avLst/>
+          </a:prstGeom>
+          <a:noFill/>
+        </p:spPr>
+        <p:txBody>
+          <a:bodyPr wrap="none" rtlCol="0">
+            <a:spAutoFit/>
+          </a:bodyPr>
+          <a:lstStyle/>
+          <a:p>
+            <a:r>
+              <a:rPr lang="en-US" altLang="ko-KR" dirty="0">
+                <a:latin typeface="HY헤드라인M" panose="02030600000101010101" pitchFamily="18" charset="-127"/>
+                <a:ea typeface="HY헤드라인M" panose="02030600000101010101" pitchFamily="18" charset="-127"/>
+              </a:rPr>
+              <a:t>14/14</a:t>
             </a:r>
             <a:endParaRPr lang="ko-KR" altLang="en-US" dirty="0">
               <a:latin typeface="HY헤드라인M" panose="02030600000101010101" pitchFamily="18" charset="-127"/>
@@ -6298,7 +6832,7 @@
 </p:sld>
 </file>
 
-<file path=ppt/slides/slide14.xml><?xml version="1.0" encoding="utf-8"?>
+<file path=ppt/slides/slide15.xml><?xml version="1.0" encoding="utf-8"?>
 <p:sld xmlns:a="http://schemas.openxmlformats.org/drawingml/2006/main" xmlns:r="http://schemas.openxmlformats.org/officeDocument/2006/relationships" xmlns:p="http://schemas.openxmlformats.org/presentationml/2006/main">
   <p:cSld>
     <p:spTree>
@@ -6745,7 +7279,7 @@
         </p:nvSpPr>
         <p:spPr>
           <a:xfrm>
-            <a:off x="2894331" y="2759385"/>
+            <a:off x="2894331" y="2536894"/>
             <a:ext cx="1550424" cy="369332"/>
           </a:xfrm>
           <a:prstGeom prst="rect">
@@ -6790,7 +7324,7 @@
         </p:nvSpPr>
         <p:spPr>
           <a:xfrm>
-            <a:off x="7054653" y="2789250"/>
+            <a:off x="7054653" y="2566759"/>
             <a:ext cx="2464136" cy="369332"/>
           </a:xfrm>
           <a:prstGeom prst="rect">
@@ -6844,7 +7378,7 @@
         </p:nvCxnSpPr>
         <p:spPr>
           <a:xfrm>
-            <a:off x="1347787" y="3585358"/>
+            <a:off x="1347787" y="3113081"/>
             <a:ext cx="9496425" cy="19645"/>
           </a:xfrm>
           <a:prstGeom prst="line">
@@ -6885,7 +7419,7 @@
         </p:nvSpPr>
         <p:spPr>
           <a:xfrm>
-            <a:off x="2894331" y="3979565"/>
+            <a:off x="2894331" y="3412292"/>
             <a:ext cx="1550424" cy="369332"/>
           </a:xfrm>
           <a:prstGeom prst="rect">
@@ -6930,7 +7464,7 @@
         </p:nvSpPr>
         <p:spPr>
           <a:xfrm>
-            <a:off x="7054653" y="3966839"/>
+            <a:off x="7054653" y="3438935"/>
             <a:ext cx="992579" cy="369332"/>
           </a:xfrm>
           <a:prstGeom prst="rect">
@@ -6977,7 +7511,7 @@
         </p:nvCxnSpPr>
         <p:spPr>
           <a:xfrm>
-            <a:off x="1356828" y="4749506"/>
+            <a:off x="1356828" y="4096001"/>
             <a:ext cx="9496425" cy="19645"/>
           </a:xfrm>
           <a:prstGeom prst="line">
@@ -7018,7 +7552,7 @@
         </p:nvSpPr>
         <p:spPr>
           <a:xfrm>
-            <a:off x="2894331" y="5139180"/>
+            <a:off x="2894331" y="4781584"/>
             <a:ext cx="1550424" cy="369332"/>
           </a:xfrm>
           <a:prstGeom prst="rect">
@@ -7063,8 +7597,8 @@
         </p:nvSpPr>
         <p:spPr>
           <a:xfrm>
-            <a:off x="7054653" y="4774646"/>
-            <a:ext cx="3281668" cy="1477328"/>
+            <a:off x="7054653" y="4164231"/>
+            <a:ext cx="3281668" cy="1754326"/>
           </a:xfrm>
           <a:prstGeom prst="rect">
             <a:avLst/>
@@ -7125,6 +7659,22 @@
                 <a:ea typeface="HY견고딕" panose="02030600000101010101" pitchFamily="18" charset="-127"/>
               </a:rPr>
               <a:t>서버</a:t>
+            </a:r>
+            <a:endParaRPr lang="en-US" altLang="ko-KR" dirty="0">
+              <a:latin typeface="HY견고딕" panose="02030600000101010101" pitchFamily="18" charset="-127"/>
+              <a:ea typeface="HY견고딕" panose="02030600000101010101" pitchFamily="18" charset="-127"/>
+            </a:endParaRPr>
+          </a:p>
+          <a:p>
+            <a:pPr marL="342900" indent="-342900">
+              <a:buAutoNum type="arabicPeriod"/>
+            </a:pPr>
+            <a:r>
+              <a:rPr lang="ko-KR" altLang="en-US" dirty="0">
+                <a:latin typeface="HY견고딕" panose="02030600000101010101" pitchFamily="18" charset="-127"/>
+                <a:ea typeface="HY견고딕" panose="02030600000101010101" pitchFamily="18" charset="-127"/>
+              </a:rPr>
+              <a:t>소켓옵션</a:t>
             </a:r>
             <a:endParaRPr lang="en-US" altLang="ko-KR" dirty="0">
               <a:latin typeface="HY견고딕" panose="02030600000101010101" pitchFamily="18" charset="-127"/>
@@ -7835,7 +8385,7 @@
         <p:spPr>
           <a:xfrm>
             <a:off x="10207499" y="6283173"/>
-            <a:ext cx="636713" cy="369332"/>
+            <a:ext cx="809837" cy="369332"/>
           </a:xfrm>
           <a:prstGeom prst="rect">
             <a:avLst/>
@@ -7853,7 +8403,7 @@
                 <a:latin typeface="HY헤드라인M" panose="02030600000101010101" pitchFamily="18" charset="-127"/>
                 <a:ea typeface="HY헤드라인M" panose="02030600000101010101" pitchFamily="18" charset="-127"/>
               </a:rPr>
-              <a:t>03/..</a:t>
+              <a:t>03/14</a:t>
             </a:r>
             <a:endParaRPr lang="ko-KR" altLang="en-US" dirty="0">
               <a:latin typeface="HY헤드라인M" panose="02030600000101010101" pitchFamily="18" charset="-127"/>
@@ -8306,7 +8856,7 @@
         <p:spPr>
           <a:xfrm>
             <a:off x="10207499" y="6283173"/>
-            <a:ext cx="636713" cy="369332"/>
+            <a:ext cx="809837" cy="369332"/>
           </a:xfrm>
           <a:prstGeom prst="rect">
             <a:avLst/>
@@ -8324,7 +8874,7 @@
                 <a:latin typeface="HY헤드라인M" panose="02030600000101010101" pitchFamily="18" charset="-127"/>
                 <a:ea typeface="HY헤드라인M" panose="02030600000101010101" pitchFamily="18" charset="-127"/>
               </a:rPr>
-              <a:t>03/..</a:t>
+              <a:t>04/14</a:t>
             </a:r>
             <a:endParaRPr lang="ko-KR" altLang="en-US" dirty="0">
               <a:latin typeface="HY헤드라인M" panose="02030600000101010101" pitchFamily="18" charset="-127"/>
@@ -9606,7 +10156,7 @@
         <p:spPr>
           <a:xfrm>
             <a:off x="10207499" y="6283173"/>
-            <a:ext cx="636713" cy="369332"/>
+            <a:ext cx="809837" cy="369332"/>
           </a:xfrm>
           <a:prstGeom prst="rect">
             <a:avLst/>
@@ -9624,7 +10174,7 @@
                 <a:latin typeface="HY헤드라인M" panose="02030600000101010101" pitchFamily="18" charset="-127"/>
                 <a:ea typeface="HY헤드라인M" panose="02030600000101010101" pitchFamily="18" charset="-127"/>
               </a:rPr>
-              <a:t>03/..</a:t>
+              <a:t>05/14</a:t>
             </a:r>
             <a:endParaRPr lang="ko-KR" altLang="en-US" dirty="0">
               <a:latin typeface="HY헤드라인M" panose="02030600000101010101" pitchFamily="18" charset="-127"/>
@@ -10662,7 +11212,7 @@
         <p:spPr>
           <a:xfrm>
             <a:off x="10207499" y="6283173"/>
-            <a:ext cx="636713" cy="369332"/>
+            <a:ext cx="809837" cy="369332"/>
           </a:xfrm>
           <a:prstGeom prst="rect">
             <a:avLst/>
@@ -10680,7 +11230,7 @@
                 <a:latin typeface="HY헤드라인M" panose="02030600000101010101" pitchFamily="18" charset="-127"/>
                 <a:ea typeface="HY헤드라인M" panose="02030600000101010101" pitchFamily="18" charset="-127"/>
               </a:rPr>
-              <a:t>03/..</a:t>
+              <a:t>06/14</a:t>
             </a:r>
             <a:endParaRPr lang="ko-KR" altLang="en-US" dirty="0">
               <a:latin typeface="HY헤드라인M" panose="02030600000101010101" pitchFamily="18" charset="-127"/>
@@ -11264,7 +11814,7 @@
         <p:spPr>
           <a:xfrm>
             <a:off x="10207499" y="6283173"/>
-            <a:ext cx="636713" cy="369332"/>
+            <a:ext cx="809837" cy="369332"/>
           </a:xfrm>
           <a:prstGeom prst="rect">
             <a:avLst/>
@@ -11282,7 +11832,7 @@
                 <a:latin typeface="HY헤드라인M" panose="02030600000101010101" pitchFamily="18" charset="-127"/>
                 <a:ea typeface="HY헤드라인M" panose="02030600000101010101" pitchFamily="18" charset="-127"/>
               </a:rPr>
-              <a:t>03/..</a:t>
+              <a:t>07/14</a:t>
             </a:r>
             <a:endParaRPr lang="ko-KR" altLang="en-US" dirty="0">
               <a:latin typeface="HY헤드라인M" panose="02030600000101010101" pitchFamily="18" charset="-127"/>
@@ -11854,7 +12404,7 @@
         <p:spPr>
           <a:xfrm>
             <a:off x="10207499" y="6283173"/>
-            <a:ext cx="636713" cy="369332"/>
+            <a:ext cx="809837" cy="369332"/>
           </a:xfrm>
           <a:prstGeom prst="rect">
             <a:avLst/>
@@ -11872,7 +12422,7 @@
                 <a:latin typeface="HY헤드라인M" panose="02030600000101010101" pitchFamily="18" charset="-127"/>
                 <a:ea typeface="HY헤드라인M" panose="02030600000101010101" pitchFamily="18" charset="-127"/>
               </a:rPr>
-              <a:t>03/..</a:t>
+              <a:t>08/14</a:t>
             </a:r>
             <a:endParaRPr lang="ko-KR" altLang="en-US" dirty="0">
               <a:latin typeface="HY헤드라인M" panose="02030600000101010101" pitchFamily="18" charset="-127"/>
@@ -12436,7 +12986,7 @@
         <p:spPr>
           <a:xfrm>
             <a:off x="10207499" y="6283173"/>
-            <a:ext cx="636713" cy="369332"/>
+            <a:ext cx="809837" cy="369332"/>
           </a:xfrm>
           <a:prstGeom prst="rect">
             <a:avLst/>
@@ -12454,7 +13004,7 @@
                 <a:latin typeface="HY헤드라인M" panose="02030600000101010101" pitchFamily="18" charset="-127"/>
                 <a:ea typeface="HY헤드라인M" panose="02030600000101010101" pitchFamily="18" charset="-127"/>
               </a:rPr>
-              <a:t>03/..</a:t>
+              <a:t>09/14</a:t>
             </a:r>
             <a:endParaRPr lang="ko-KR" altLang="en-US" dirty="0">
               <a:latin typeface="HY헤드라인M" panose="02030600000101010101" pitchFamily="18" charset="-127"/>

--- a/네트워크 게임 프로그래밍 레포트.pptx
+++ b/네트워크 게임 프로그래밍 레포트.pptx
@@ -5,24 +5,25 @@
     <p:sldMasterId id="2147483661" r:id="rId1"/>
   </p:sldMasterIdLst>
   <p:notesMasterIdLst>
-    <p:notesMasterId r:id="rId17"/>
+    <p:notesMasterId r:id="rId18"/>
   </p:notesMasterIdLst>
   <p:sldIdLst>
     <p:sldId id="256" r:id="rId2"/>
     <p:sldId id="257" r:id="rId3"/>
     <p:sldId id="258" r:id="rId4"/>
-    <p:sldId id="275" r:id="rId5"/>
-    <p:sldId id="276" r:id="rId6"/>
-    <p:sldId id="277" r:id="rId7"/>
-    <p:sldId id="278" r:id="rId8"/>
-    <p:sldId id="279" r:id="rId9"/>
-    <p:sldId id="283" r:id="rId10"/>
-    <p:sldId id="280" r:id="rId11"/>
-    <p:sldId id="284" r:id="rId12"/>
-    <p:sldId id="285" r:id="rId13"/>
-    <p:sldId id="281" r:id="rId14"/>
-    <p:sldId id="282" r:id="rId15"/>
-    <p:sldId id="274" r:id="rId16"/>
+    <p:sldId id="286" r:id="rId5"/>
+    <p:sldId id="275" r:id="rId6"/>
+    <p:sldId id="276" r:id="rId7"/>
+    <p:sldId id="277" r:id="rId8"/>
+    <p:sldId id="278" r:id="rId9"/>
+    <p:sldId id="279" r:id="rId10"/>
+    <p:sldId id="283" r:id="rId11"/>
+    <p:sldId id="280" r:id="rId12"/>
+    <p:sldId id="284" r:id="rId13"/>
+    <p:sldId id="285" r:id="rId14"/>
+    <p:sldId id="281" r:id="rId15"/>
+    <p:sldId id="282" r:id="rId16"/>
+    <p:sldId id="274" r:id="rId17"/>
   </p:sldIdLst>
   <p:sldSz cx="12192000" cy="6858000"/>
   <p:notesSz cx="6858000" cy="9144000"/>
@@ -3988,12 +3989,16 @@
           <a:lstStyle/>
           <a:p>
             <a:r>
-              <a:rPr lang="ko-KR" altLang="en-US" sz="4000" dirty="0">
+              <a:rPr lang="ko-KR" altLang="en-US" sz="4000" dirty="0" err="1">
                 <a:latin typeface="HY헤드라인M" panose="02030600000101010101" pitchFamily="18" charset="-127"/>
                 <a:ea typeface="HY헤드라인M" panose="02030600000101010101" pitchFamily="18" charset="-127"/>
               </a:rPr>
-              <a:t>프로토콜</a:t>
-            </a:r>
+              <a:t>리팩토링</a:t>
+            </a:r>
+            <a:endParaRPr lang="ko-KR" altLang="en-US" sz="4000" dirty="0">
+              <a:latin typeface="HY헤드라인M" panose="02030600000101010101" pitchFamily="18" charset="-127"/>
+              <a:ea typeface="HY헤드라인M" panose="02030600000101010101" pitchFamily="18" charset="-127"/>
+            </a:endParaRPr>
           </a:p>
         </p:txBody>
       </p:sp>
@@ -4156,7 +4161,7 @@
                 <a:latin typeface="HY헤드라인M" panose="02030600000101010101" pitchFamily="18" charset="-127"/>
                 <a:ea typeface="HY헤드라인M" panose="02030600000101010101" pitchFamily="18" charset="-127"/>
               </a:rPr>
-              <a:t>10/14</a:t>
+              <a:t>09/14</a:t>
             </a:r>
             <a:endParaRPr lang="ko-KR" altLang="en-US" dirty="0">
               <a:latin typeface="HY헤드라인M" panose="02030600000101010101" pitchFamily="18" charset="-127"/>
@@ -4179,8 +4184,8 @@
         </p:nvSpPr>
         <p:spPr>
           <a:xfrm>
-            <a:off x="6174621" y="2352088"/>
-            <a:ext cx="3416320" cy="2585323"/>
+            <a:off x="4914785" y="1740759"/>
+            <a:ext cx="4955203" cy="3970318"/>
           </a:xfrm>
           <a:prstGeom prst="rect">
             <a:avLst/>
@@ -4195,11 +4200,25 @@
           <a:p>
             <a:pPr algn="ctr"/>
             <a:r>
+              <a:rPr lang="en-US" altLang="ko-KR" dirty="0">
+                <a:latin typeface="HY견고딕" panose="02030600000101010101" pitchFamily="18" charset="-127"/>
+                <a:ea typeface="HY견고딕" panose="02030600000101010101" pitchFamily="18" charset="-127"/>
+              </a:rPr>
+              <a:t>3</a:t>
+            </a:r>
+            <a:r>
               <a:rPr lang="ko-KR" altLang="en-US" dirty="0">
                 <a:latin typeface="HY견고딕" panose="02030600000101010101" pitchFamily="18" charset="-127"/>
                 <a:ea typeface="HY견고딕" panose="02030600000101010101" pitchFamily="18" charset="-127"/>
               </a:rPr>
-              <a:t>서버와 통신하는 프로토콜 정의</a:t>
+              <a:t>차 </a:t>
+            </a:r>
+            <a:r>
+              <a:rPr lang="ko-KR" altLang="en-US" dirty="0" err="1">
+                <a:latin typeface="HY견고딕" panose="02030600000101010101" pitchFamily="18" charset="-127"/>
+                <a:ea typeface="HY견고딕" panose="02030600000101010101" pitchFamily="18" charset="-127"/>
+              </a:rPr>
+              <a:t>리팩토링</a:t>
             </a:r>
             <a:endParaRPr lang="en-US" altLang="ko-KR" dirty="0">
               <a:latin typeface="HY견고딕" panose="02030600000101010101" pitchFamily="18" charset="-127"/>
@@ -4208,34 +4227,195 @@
           </a:p>
           <a:p>
             <a:pPr algn="ctr"/>
+            <a:endParaRPr lang="en-US" altLang="ko-KR" dirty="0">
+              <a:latin typeface="HY견고딕" panose="02030600000101010101" pitchFamily="18" charset="-127"/>
+              <a:ea typeface="HY견고딕" panose="02030600000101010101" pitchFamily="18" charset="-127"/>
+            </a:endParaRPr>
+          </a:p>
+          <a:p>
+            <a:pPr algn="ctr"/>
+            <a:r>
+              <a:rPr lang="ko-KR" altLang="en-US" dirty="0">
+                <a:latin typeface="HY견고딕" panose="02030600000101010101" pitchFamily="18" charset="-127"/>
+                <a:ea typeface="HY견고딕" panose="02030600000101010101" pitchFamily="18" charset="-127"/>
+              </a:rPr>
+              <a:t>서버에서 충돌체크 및 게임 진행에 필요한</a:t>
+            </a:r>
+            <a:endParaRPr lang="en-US" altLang="ko-KR" dirty="0">
+              <a:latin typeface="HY견고딕" panose="02030600000101010101" pitchFamily="18" charset="-127"/>
+              <a:ea typeface="HY견고딕" panose="02030600000101010101" pitchFamily="18" charset="-127"/>
+            </a:endParaRPr>
+          </a:p>
+          <a:p>
+            <a:pPr algn="ctr"/>
+            <a:r>
+              <a:rPr lang="ko-KR" altLang="en-US" dirty="0">
+                <a:latin typeface="HY견고딕" panose="02030600000101010101" pitchFamily="18" charset="-127"/>
+                <a:ea typeface="HY견고딕" panose="02030600000101010101" pitchFamily="18" charset="-127"/>
+              </a:rPr>
+              <a:t>로직을 수행하는 전용 쓰레드를 생성</a:t>
+            </a:r>
+            <a:endParaRPr lang="en-US" altLang="ko-KR" dirty="0">
+              <a:latin typeface="HY견고딕" panose="02030600000101010101" pitchFamily="18" charset="-127"/>
+              <a:ea typeface="HY견고딕" panose="02030600000101010101" pitchFamily="18" charset="-127"/>
+            </a:endParaRPr>
+          </a:p>
+          <a:p>
+            <a:pPr algn="ctr"/>
+            <a:endParaRPr lang="en-US" altLang="ko-KR" dirty="0">
+              <a:latin typeface="HY견고딕" panose="02030600000101010101" pitchFamily="18" charset="-127"/>
+              <a:ea typeface="HY견고딕" panose="02030600000101010101" pitchFamily="18" charset="-127"/>
+            </a:endParaRPr>
+          </a:p>
+          <a:p>
+            <a:pPr algn="ctr"/>
+            <a:r>
+              <a:rPr lang="en-US" altLang="ko-KR" dirty="0" err="1">
+                <a:latin typeface="HY견고딕" panose="02030600000101010101" pitchFamily="18" charset="-127"/>
+                <a:ea typeface="HY견고딕" panose="02030600000101010101" pitchFamily="18" charset="-127"/>
+              </a:rPr>
+              <a:t>GetTickCount</a:t>
+            </a:r>
             <a:r>
               <a:rPr lang="en-US" altLang="ko-KR" dirty="0">
                 <a:latin typeface="HY견고딕" panose="02030600000101010101" pitchFamily="18" charset="-127"/>
                 <a:ea typeface="HY견고딕" panose="02030600000101010101" pitchFamily="18" charset="-127"/>
               </a:rPr>
-              <a:t>(</a:t>
-            </a:r>
+              <a:t>() </a:t>
+            </a:r>
+            <a:r>
+              <a:rPr lang="ko-KR" altLang="en-US" dirty="0">
+                <a:latin typeface="HY견고딕" panose="02030600000101010101" pitchFamily="18" charset="-127"/>
+                <a:ea typeface="HY견고딕" panose="02030600000101010101" pitchFamily="18" charset="-127"/>
+              </a:rPr>
+              <a:t>사용</a:t>
+            </a:r>
+            <a:endParaRPr lang="en-US" altLang="ko-KR" dirty="0">
+              <a:latin typeface="HY견고딕" panose="02030600000101010101" pitchFamily="18" charset="-127"/>
+              <a:ea typeface="HY견고딕" panose="02030600000101010101" pitchFamily="18" charset="-127"/>
+            </a:endParaRPr>
+          </a:p>
+          <a:p>
+            <a:pPr algn="ctr"/>
             <a:r>
               <a:rPr lang="en-US" altLang="ko-KR" dirty="0" err="1">
                 <a:latin typeface="HY견고딕" panose="02030600000101010101" pitchFamily="18" charset="-127"/>
                 <a:ea typeface="HY견고딕" panose="02030600000101010101" pitchFamily="18" charset="-127"/>
               </a:rPr>
-              <a:t>Protocol.h</a:t>
-            </a:r>
+              <a:t>DeltaTime</a:t>
+            </a:r>
+            <a:r>
+              <a:rPr lang="ko-KR" altLang="en-US" dirty="0">
+                <a:latin typeface="HY견고딕" panose="02030600000101010101" pitchFamily="18" charset="-127"/>
+                <a:ea typeface="HY견고딕" panose="02030600000101010101" pitchFamily="18" charset="-127"/>
+              </a:rPr>
+              <a:t>값을 각 클라이언트에 전송</a:t>
+            </a:r>
+            <a:endParaRPr lang="en-US" altLang="ko-KR" dirty="0">
+              <a:latin typeface="HY견고딕" panose="02030600000101010101" pitchFamily="18" charset="-127"/>
+              <a:ea typeface="HY견고딕" panose="02030600000101010101" pitchFamily="18" charset="-127"/>
+            </a:endParaRPr>
+          </a:p>
+          <a:p>
+            <a:pPr algn="ctr"/>
+            <a:endParaRPr lang="en-US" altLang="ko-KR" dirty="0">
+              <a:latin typeface="HY견고딕" panose="02030600000101010101" pitchFamily="18" charset="-127"/>
+              <a:ea typeface="HY견고딕" panose="02030600000101010101" pitchFamily="18" charset="-127"/>
+            </a:endParaRPr>
+          </a:p>
+          <a:p>
+            <a:pPr algn="ctr"/>
+            <a:r>
+              <a:rPr lang="ko-KR" altLang="en-US" dirty="0">
+                <a:latin typeface="HY견고딕" panose="02030600000101010101" pitchFamily="18" charset="-127"/>
+                <a:ea typeface="HY견고딕" panose="02030600000101010101" pitchFamily="18" charset="-127"/>
+              </a:rPr>
+              <a:t>이 과정에서 클라이언트는 서버로 </a:t>
+            </a:r>
+            <a:r>
+              <a:rPr lang="ko-KR" altLang="en-US" dirty="0" err="1">
+                <a:latin typeface="HY견고딕" panose="02030600000101010101" pitchFamily="18" charset="-127"/>
+                <a:ea typeface="HY견고딕" panose="02030600000101010101" pitchFamily="18" charset="-127"/>
+              </a:rPr>
+              <a:t>부터</a:t>
+            </a:r>
+            <a:r>
+              <a:rPr lang="ko-KR" altLang="en-US" dirty="0">
+                <a:latin typeface="HY견고딕" panose="02030600000101010101" pitchFamily="18" charset="-127"/>
+                <a:ea typeface="HY견고딕" panose="02030600000101010101" pitchFamily="18" charset="-127"/>
+              </a:rPr>
+              <a:t> </a:t>
+            </a:r>
+            <a:r>
+              <a:rPr lang="ko-KR" altLang="en-US" dirty="0" err="1">
+                <a:latin typeface="HY견고딕" panose="02030600000101010101" pitchFamily="18" charset="-127"/>
+                <a:ea typeface="HY견고딕" panose="02030600000101010101" pitchFamily="18" charset="-127"/>
+              </a:rPr>
+              <a:t>좌표값</a:t>
+            </a:r>
+            <a:endParaRPr lang="en-US" altLang="ko-KR" dirty="0">
+              <a:latin typeface="HY견고딕" panose="02030600000101010101" pitchFamily="18" charset="-127"/>
+              <a:ea typeface="HY견고딕" panose="02030600000101010101" pitchFamily="18" charset="-127"/>
+            </a:endParaRPr>
+          </a:p>
+          <a:p>
+            <a:pPr algn="ctr"/>
+            <a:r>
+              <a:rPr lang="ko-KR" altLang="en-US" dirty="0">
+                <a:latin typeface="HY견고딕" panose="02030600000101010101" pitchFamily="18" charset="-127"/>
+                <a:ea typeface="HY견고딕" panose="02030600000101010101" pitchFamily="18" charset="-127"/>
+              </a:rPr>
+              <a:t>및 기타 변수만 받고 </a:t>
+            </a:r>
+            <a:r>
+              <a:rPr lang="ko-KR" altLang="en-US" dirty="0" err="1">
+                <a:latin typeface="HY견고딕" panose="02030600000101010101" pitchFamily="18" charset="-127"/>
+                <a:ea typeface="HY견고딕" panose="02030600000101010101" pitchFamily="18" charset="-127"/>
+              </a:rPr>
+              <a:t>랜더링</a:t>
+            </a:r>
+            <a:r>
+              <a:rPr lang="ko-KR" altLang="en-US" dirty="0">
+                <a:latin typeface="HY견고딕" panose="02030600000101010101" pitchFamily="18" charset="-127"/>
+                <a:ea typeface="HY견고딕" panose="02030600000101010101" pitchFamily="18" charset="-127"/>
+              </a:rPr>
+              <a:t> 과정만 수행하기</a:t>
+            </a:r>
+            <a:endParaRPr lang="en-US" altLang="ko-KR" dirty="0">
+              <a:latin typeface="HY견고딕" panose="02030600000101010101" pitchFamily="18" charset="-127"/>
+              <a:ea typeface="HY견고딕" panose="02030600000101010101" pitchFamily="18" charset="-127"/>
+            </a:endParaRPr>
+          </a:p>
+          <a:p>
+            <a:pPr algn="ctr"/>
+            <a:r>
+              <a:rPr lang="ko-KR" altLang="en-US" dirty="0">
+                <a:latin typeface="HY견고딕" panose="02030600000101010101" pitchFamily="18" charset="-127"/>
+                <a:ea typeface="HY견고딕" panose="02030600000101010101" pitchFamily="18" charset="-127"/>
+              </a:rPr>
+              <a:t>때문에 프로토콜 구조체의 변수 최소화</a:t>
+            </a:r>
+            <a:endParaRPr lang="en-US" altLang="ko-KR" dirty="0">
+              <a:latin typeface="HY견고딕" panose="02030600000101010101" pitchFamily="18" charset="-127"/>
+              <a:ea typeface="HY견고딕" panose="02030600000101010101" pitchFamily="18" charset="-127"/>
+            </a:endParaRPr>
+          </a:p>
+          <a:p>
+            <a:pPr algn="ctr"/>
+            <a:endParaRPr lang="en-US" altLang="ko-KR" dirty="0">
+              <a:latin typeface="HY견고딕" panose="02030600000101010101" pitchFamily="18" charset="-127"/>
+              <a:ea typeface="HY견고딕" panose="02030600000101010101" pitchFamily="18" charset="-127"/>
+            </a:endParaRPr>
+          </a:p>
+          <a:p>
+            <a:pPr algn="ctr"/>
             <a:r>
               <a:rPr lang="en-US" altLang="ko-KR" dirty="0">
                 <a:latin typeface="HY견고딕" panose="02030600000101010101" pitchFamily="18" charset="-127"/>
                 <a:ea typeface="HY견고딕" panose="02030600000101010101" pitchFamily="18" charset="-127"/>
               </a:rPr>
-              <a:t>)</a:t>
-            </a:r>
-          </a:p>
-          <a:p>
-            <a:pPr algn="ctr"/>
-            <a:endParaRPr lang="en-US" altLang="ko-KR" dirty="0">
-              <a:latin typeface="HY견고딕" panose="02030600000101010101" pitchFamily="18" charset="-127"/>
-              <a:ea typeface="HY견고딕" panose="02030600000101010101" pitchFamily="18" charset="-127"/>
-            </a:endParaRPr>
+              <a:t>Server/Main.cpp</a:t>
+            </a:r>
           </a:p>
           <a:p>
             <a:pPr algn="ctr"/>
@@ -4244,67 +4424,17 @@
                 <a:latin typeface="HY견고딕" panose="02030600000101010101" pitchFamily="18" charset="-127"/>
                 <a:ea typeface="HY견고딕" panose="02030600000101010101" pitchFamily="18" charset="-127"/>
               </a:rPr>
-              <a:t>Player</a:t>
-            </a:r>
-          </a:p>
-          <a:p>
-            <a:pPr algn="ctr"/>
-            <a:r>
-              <a:rPr lang="en-US" altLang="ko-KR" dirty="0">
-                <a:latin typeface="HY견고딕" panose="02030600000101010101" pitchFamily="18" charset="-127"/>
-                <a:ea typeface="HY견고딕" panose="02030600000101010101" pitchFamily="18" charset="-127"/>
-              </a:rPr>
-              <a:t>Bullet</a:t>
-            </a:r>
-          </a:p>
-          <a:p>
-            <a:pPr algn="ctr"/>
-            <a:r>
-              <a:rPr lang="en-US" altLang="ko-KR" dirty="0">
-                <a:latin typeface="HY견고딕" panose="02030600000101010101" pitchFamily="18" charset="-127"/>
-                <a:ea typeface="HY견고딕" panose="02030600000101010101" pitchFamily="18" charset="-127"/>
-              </a:rPr>
-              <a:t>Ball</a:t>
-            </a:r>
-          </a:p>
-          <a:p>
-            <a:pPr algn="ctr"/>
-            <a:r>
-              <a:rPr lang="en-US" altLang="ko-KR" dirty="0">
-                <a:latin typeface="HY견고딕" panose="02030600000101010101" pitchFamily="18" charset="-127"/>
-                <a:ea typeface="HY견고딕" panose="02030600000101010101" pitchFamily="18" charset="-127"/>
-              </a:rPr>
-              <a:t>Tile(Block)</a:t>
-            </a:r>
-          </a:p>
-          <a:p>
-            <a:pPr algn="ctr"/>
-            <a:r>
-              <a:rPr lang="en-US" altLang="ko-KR" dirty="0">
-                <a:latin typeface="HY견고딕" panose="02030600000101010101" pitchFamily="18" charset="-127"/>
-                <a:ea typeface="HY견고딕" panose="02030600000101010101" pitchFamily="18" charset="-127"/>
-              </a:rPr>
-              <a:t>Item</a:t>
-            </a:r>
-          </a:p>
-          <a:p>
-            <a:pPr algn="ctr"/>
-            <a:r>
-              <a:rPr lang="en-US" altLang="ko-KR" dirty="0">
-                <a:latin typeface="HY견고딕" panose="02030600000101010101" pitchFamily="18" charset="-127"/>
-                <a:ea typeface="HY견고딕" panose="02030600000101010101" pitchFamily="18" charset="-127"/>
-              </a:rPr>
-              <a:t>…</a:t>
+              <a:t>284 Line ~</a:t>
             </a:r>
           </a:p>
         </p:txBody>
       </p:sp>
       <p:pic>
         <p:nvPicPr>
-          <p:cNvPr id="9" name="그림 8" descr="검은색, 앉아있는, 화면, 전화이(가) 표시된 사진&#10;&#10;자동 생성된 설명">
-            <a:extLst>
-              <a:ext uri="{FF2B5EF4-FFF2-40B4-BE49-F238E27FC236}">
-                <a16:creationId xmlns:a16="http://schemas.microsoft.com/office/drawing/2014/main" id="{9A0AD1B4-EF17-46C6-8969-5339427D6452}"/>
+          <p:cNvPr id="10" name="그림 9" descr="앉아있는, 검은색, 테이블, 전화이(가) 표시된 사진&#10;&#10;자동 생성된 설명">
+            <a:extLst>
+              <a:ext uri="{FF2B5EF4-FFF2-40B4-BE49-F238E27FC236}">
+                <a16:creationId xmlns:a16="http://schemas.microsoft.com/office/drawing/2014/main" id="{EC0EE62B-A4D8-4124-A43F-A4131A1FBF74}"/>
               </a:ext>
             </a:extLst>
           </p:cNvPr>
@@ -4327,116 +4457,8 @@
         </p:blipFill>
         <p:spPr>
           <a:xfrm>
-            <a:off x="1523255" y="1630441"/>
-            <a:ext cx="1875536" cy="3383319"/>
-          </a:xfrm>
-          <a:prstGeom prst="rect">
-            <a:avLst/>
-          </a:prstGeom>
-        </p:spPr>
-      </p:pic>
-      <p:pic>
-        <p:nvPicPr>
-          <p:cNvPr id="12" name="그림 11" descr="테이블, 시계, 방이(가) 표시된 사진&#10;&#10;자동 생성된 설명">
-            <a:extLst>
-              <a:ext uri="{FF2B5EF4-FFF2-40B4-BE49-F238E27FC236}">
-                <a16:creationId xmlns:a16="http://schemas.microsoft.com/office/drawing/2014/main" id="{A00631F7-E620-47D5-A47D-487C98E137AD}"/>
-              </a:ext>
-            </a:extLst>
-          </p:cNvPr>
-          <p:cNvPicPr>
-            <a:picLocks noChangeAspect="1"/>
-          </p:cNvPicPr>
-          <p:nvPr/>
-        </p:nvPicPr>
-        <p:blipFill>
-          <a:blip r:embed="rId3">
-            <a:extLst>
-              <a:ext uri="{28A0092B-C50C-407E-A947-70E740481C1C}">
-                <a14:useLocalDpi xmlns:a14="http://schemas.microsoft.com/office/drawing/2010/main" val="0"/>
-              </a:ext>
-            </a:extLst>
-          </a:blip>
-          <a:stretch>
-            <a:fillRect/>
-          </a:stretch>
-        </p:blipFill>
-        <p:spPr>
-          <a:xfrm>
-            <a:off x="3618559" y="1630441"/>
-            <a:ext cx="2081188" cy="2071417"/>
-          </a:xfrm>
-          <a:prstGeom prst="rect">
-            <a:avLst/>
-          </a:prstGeom>
-        </p:spPr>
-      </p:pic>
-      <p:pic>
-        <p:nvPicPr>
-          <p:cNvPr id="17" name="그림 16">
-            <a:extLst>
-              <a:ext uri="{FF2B5EF4-FFF2-40B4-BE49-F238E27FC236}">
-                <a16:creationId xmlns:a16="http://schemas.microsoft.com/office/drawing/2014/main" id="{3FDF1DE3-2192-42B5-A2D7-FA81C48981E0}"/>
-              </a:ext>
-            </a:extLst>
-          </p:cNvPr>
-          <p:cNvPicPr>
-            <a:picLocks noChangeAspect="1"/>
-          </p:cNvPicPr>
-          <p:nvPr/>
-        </p:nvPicPr>
-        <p:blipFill>
-          <a:blip r:embed="rId4">
-            <a:extLst>
-              <a:ext uri="{28A0092B-C50C-407E-A947-70E740481C1C}">
-                <a14:useLocalDpi xmlns:a14="http://schemas.microsoft.com/office/drawing/2010/main" val="0"/>
-              </a:ext>
-            </a:extLst>
-          </a:blip>
-          <a:stretch>
-            <a:fillRect/>
-          </a:stretch>
-        </p:blipFill>
-        <p:spPr>
-          <a:xfrm>
-            <a:off x="1523256" y="5059719"/>
-            <a:ext cx="2028826" cy="1046256"/>
-          </a:xfrm>
-          <a:prstGeom prst="rect">
-            <a:avLst/>
-          </a:prstGeom>
-        </p:spPr>
-      </p:pic>
-      <p:pic>
-        <p:nvPicPr>
-          <p:cNvPr id="19" name="그림 18" descr="전화이(가) 표시된 사진&#10;&#10;자동 생성된 설명">
-            <a:extLst>
-              <a:ext uri="{FF2B5EF4-FFF2-40B4-BE49-F238E27FC236}">
-                <a16:creationId xmlns:a16="http://schemas.microsoft.com/office/drawing/2014/main" id="{313EEB5C-F5BB-4C9A-81F5-6E7442870BB2}"/>
-              </a:ext>
-            </a:extLst>
-          </p:cNvPr>
-          <p:cNvPicPr>
-            <a:picLocks noChangeAspect="1"/>
-          </p:cNvPicPr>
-          <p:nvPr/>
-        </p:nvPicPr>
-        <p:blipFill>
-          <a:blip r:embed="rId5">
-            <a:extLst>
-              <a:ext uri="{28A0092B-C50C-407E-A947-70E740481C1C}">
-                <a14:useLocalDpi xmlns:a14="http://schemas.microsoft.com/office/drawing/2010/main" val="0"/>
-              </a:ext>
-            </a:extLst>
-          </a:blip>
-          <a:stretch>
-            <a:fillRect/>
-          </a:stretch>
-        </p:blipFill>
-        <p:spPr>
-          <a:xfrm>
-            <a:off x="3618559" y="4153350"/>
-            <a:ext cx="2076450" cy="1952625"/>
+            <a:off x="1632001" y="1740759"/>
+            <a:ext cx="3020682" cy="4153437"/>
           </a:xfrm>
           <a:prstGeom prst="rect">
             <a:avLst/>
@@ -4446,7 +4468,7 @@
     </p:spTree>
     <p:extLst>
       <p:ext uri="{BB962C8B-B14F-4D97-AF65-F5344CB8AC3E}">
-        <p14:creationId xmlns:p14="http://schemas.microsoft.com/office/powerpoint/2010/main" val="453247125"/>
+        <p14:creationId xmlns:p14="http://schemas.microsoft.com/office/powerpoint/2010/main" val="3837703111"/>
       </p:ext>
     </p:extLst>
   </p:cSld>
@@ -4531,7 +4553,7 @@
         <p:spPr>
           <a:xfrm>
             <a:off x="1347787" y="876597"/>
-            <a:ext cx="2834430" cy="707886"/>
+            <a:ext cx="2236510" cy="707886"/>
           </a:xfrm>
           <a:prstGeom prst="rect">
             <a:avLst/>
@@ -4545,18 +4567,11 @@
           <a:lstStyle/>
           <a:p>
             <a:r>
-              <a:rPr lang="en-US" altLang="ko-KR" sz="4000" dirty="0">
-                <a:latin typeface="HY헤드라인M" panose="02030600000101010101" pitchFamily="18" charset="-127"/>
-                <a:ea typeface="HY헤드라인M" panose="02030600000101010101" pitchFamily="18" charset="-127"/>
-              </a:rPr>
-              <a:t>TCP/IP </a:t>
-            </a:r>
-            <a:r>
               <a:rPr lang="ko-KR" altLang="en-US" sz="4000" dirty="0">
                 <a:latin typeface="HY헤드라인M" panose="02030600000101010101" pitchFamily="18" charset="-127"/>
                 <a:ea typeface="HY헤드라인M" panose="02030600000101010101" pitchFamily="18" charset="-127"/>
               </a:rPr>
-              <a:t>서버</a:t>
+              <a:t>프로토콜</a:t>
             </a:r>
           </a:p>
         </p:txBody>
@@ -4720,7 +4735,7 @@
                 <a:latin typeface="HY헤드라인M" panose="02030600000101010101" pitchFamily="18" charset="-127"/>
                 <a:ea typeface="HY헤드라인M" panose="02030600000101010101" pitchFamily="18" charset="-127"/>
               </a:rPr>
-              <a:t>11/14</a:t>
+              <a:t>10/14</a:t>
             </a:r>
             <a:endParaRPr lang="ko-KR" altLang="en-US" dirty="0">
               <a:latin typeface="HY헤드라인M" panose="02030600000101010101" pitchFamily="18" charset="-127"/>
@@ -4743,8 +4758,8 @@
         </p:nvSpPr>
         <p:spPr>
           <a:xfrm>
-            <a:off x="6312889" y="2849486"/>
-            <a:ext cx="3964547" cy="2862322"/>
+            <a:off x="6174621" y="2352088"/>
+            <a:ext cx="3416320" cy="2585323"/>
           </a:xfrm>
           <a:prstGeom prst="rect">
             <a:avLst/>
@@ -4759,19 +4774,43 @@
           <a:p>
             <a:pPr algn="ctr"/>
             <a:r>
+              <a:rPr lang="ko-KR" altLang="en-US" dirty="0">
+                <a:latin typeface="HY견고딕" panose="02030600000101010101" pitchFamily="18" charset="-127"/>
+                <a:ea typeface="HY견고딕" panose="02030600000101010101" pitchFamily="18" charset="-127"/>
+              </a:rPr>
+              <a:t>서버와 통신하는 프로토콜 정의</a:t>
+            </a:r>
+            <a:endParaRPr lang="en-US" altLang="ko-KR" dirty="0">
+              <a:latin typeface="HY견고딕" panose="02030600000101010101" pitchFamily="18" charset="-127"/>
+              <a:ea typeface="HY견고딕" panose="02030600000101010101" pitchFamily="18" charset="-127"/>
+            </a:endParaRPr>
+          </a:p>
+          <a:p>
+            <a:pPr algn="ctr"/>
+            <a:r>
               <a:rPr lang="en-US" altLang="ko-KR" dirty="0">
                 <a:latin typeface="HY견고딕" panose="02030600000101010101" pitchFamily="18" charset="-127"/>
                 <a:ea typeface="HY견고딕" panose="02030600000101010101" pitchFamily="18" charset="-127"/>
               </a:rPr>
-              <a:t>TCP/IP </a:t>
-            </a:r>
-            <a:r>
-              <a:rPr lang="ko-KR" altLang="en-US" dirty="0">
-                <a:latin typeface="HY견고딕" panose="02030600000101010101" pitchFamily="18" charset="-127"/>
-                <a:ea typeface="HY견고딕" panose="02030600000101010101" pitchFamily="18" charset="-127"/>
-              </a:rPr>
-              <a:t>서버 사용</a:t>
-            </a:r>
+              <a:t>(</a:t>
+            </a:r>
+            <a:r>
+              <a:rPr lang="en-US" altLang="ko-KR" dirty="0" err="1">
+                <a:latin typeface="HY견고딕" panose="02030600000101010101" pitchFamily="18" charset="-127"/>
+                <a:ea typeface="HY견고딕" panose="02030600000101010101" pitchFamily="18" charset="-127"/>
+              </a:rPr>
+              <a:t>Protocol.h</a:t>
+            </a:r>
+            <a:r>
+              <a:rPr lang="en-US" altLang="ko-KR" dirty="0">
+                <a:latin typeface="HY견고딕" panose="02030600000101010101" pitchFamily="18" charset="-127"/>
+                <a:ea typeface="HY견고딕" panose="02030600000101010101" pitchFamily="18" charset="-127"/>
+              </a:rPr>
+              <a:t>)</a:t>
+            </a:r>
+          </a:p>
+          <a:p>
+            <a:pPr algn="ctr"/>
             <a:endParaRPr lang="en-US" altLang="ko-KR" dirty="0">
               <a:latin typeface="HY견고딕" panose="02030600000101010101" pitchFamily="18" charset="-127"/>
               <a:ea typeface="HY견고딕" panose="02030600000101010101" pitchFamily="18" charset="-127"/>
@@ -4784,7 +4823,7 @@
                 <a:latin typeface="HY견고딕" panose="02030600000101010101" pitchFamily="18" charset="-127"/>
                 <a:ea typeface="HY견고딕" panose="02030600000101010101" pitchFamily="18" charset="-127"/>
               </a:rPr>
-              <a:t>Server/Main.cpp </a:t>
+              <a:t>Player</a:t>
             </a:r>
           </a:p>
           <a:p>
@@ -4794,29 +4833,8 @@
                 <a:latin typeface="HY견고딕" panose="02030600000101010101" pitchFamily="18" charset="-127"/>
                 <a:ea typeface="HY견고딕" panose="02030600000101010101" pitchFamily="18" charset="-127"/>
               </a:rPr>
-              <a:t>91 Line ~</a:t>
-            </a:r>
-          </a:p>
-          <a:p>
-            <a:pPr algn="ctr"/>
-            <a:endParaRPr lang="en-US" altLang="ko-KR" dirty="0">
-              <a:latin typeface="HY견고딕" panose="02030600000101010101" pitchFamily="18" charset="-127"/>
-              <a:ea typeface="HY견고딕" panose="02030600000101010101" pitchFamily="18" charset="-127"/>
-            </a:endParaRPr>
-          </a:p>
-          <a:p>
-            <a:pPr algn="ctr"/>
-            <a:r>
-              <a:rPr lang="ko-KR" altLang="en-US" dirty="0">
-                <a:latin typeface="HY견고딕" panose="02030600000101010101" pitchFamily="18" charset="-127"/>
-                <a:ea typeface="HY견고딕" panose="02030600000101010101" pitchFamily="18" charset="-127"/>
-              </a:rPr>
-              <a:t>둘 이상의 클라이언트 서비스 불가</a:t>
-            </a:r>
-            <a:endParaRPr lang="en-US" altLang="ko-KR" dirty="0">
-              <a:latin typeface="HY견고딕" panose="02030600000101010101" pitchFamily="18" charset="-127"/>
-              <a:ea typeface="HY견고딕" panose="02030600000101010101" pitchFamily="18" charset="-127"/>
-            </a:endParaRPr>
+              <a:t>Bullet</a:t>
+            </a:r>
           </a:p>
           <a:p>
             <a:pPr algn="ctr"/>
@@ -4825,40 +4843,8 @@
                 <a:latin typeface="HY견고딕" panose="02030600000101010101" pitchFamily="18" charset="-127"/>
                 <a:ea typeface="HY견고딕" panose="02030600000101010101" pitchFamily="18" charset="-127"/>
               </a:rPr>
-              <a:t>-&gt; </a:t>
-            </a:r>
-            <a:r>
-              <a:rPr lang="ko-KR" altLang="en-US" dirty="0">
-                <a:latin typeface="HY견고딕" panose="02030600000101010101" pitchFamily="18" charset="-127"/>
-                <a:ea typeface="HY견고딕" panose="02030600000101010101" pitchFamily="18" charset="-127"/>
-              </a:rPr>
-              <a:t>멀티 쓰레드 사용으로 해결</a:t>
-            </a:r>
-            <a:endParaRPr lang="en-US" altLang="ko-KR" dirty="0">
-              <a:latin typeface="HY견고딕" panose="02030600000101010101" pitchFamily="18" charset="-127"/>
-              <a:ea typeface="HY견고딕" panose="02030600000101010101" pitchFamily="18" charset="-127"/>
-            </a:endParaRPr>
-          </a:p>
-          <a:p>
-            <a:pPr algn="ctr"/>
-            <a:endParaRPr lang="en-US" altLang="ko-KR" dirty="0">
-              <a:latin typeface="HY견고딕" panose="02030600000101010101" pitchFamily="18" charset="-127"/>
-              <a:ea typeface="HY견고딕" panose="02030600000101010101" pitchFamily="18" charset="-127"/>
-            </a:endParaRPr>
-          </a:p>
-          <a:p>
-            <a:pPr algn="ctr"/>
-            <a:r>
-              <a:rPr lang="ko-KR" altLang="en-US" dirty="0">
-                <a:latin typeface="HY견고딕" panose="02030600000101010101" pitchFamily="18" charset="-127"/>
-                <a:ea typeface="HY견고딕" panose="02030600000101010101" pitchFamily="18" charset="-127"/>
-              </a:rPr>
-              <a:t>교착상태 발생 가능성</a:t>
-            </a:r>
-            <a:endParaRPr lang="en-US" altLang="ko-KR" dirty="0">
-              <a:latin typeface="HY견고딕" panose="02030600000101010101" pitchFamily="18" charset="-127"/>
-              <a:ea typeface="HY견고딕" panose="02030600000101010101" pitchFamily="18" charset="-127"/>
-            </a:endParaRPr>
+              <a:t>Ball</a:t>
+            </a:r>
           </a:p>
           <a:p>
             <a:pPr algn="ctr"/>
@@ -4867,33 +4853,18 @@
                 <a:latin typeface="HY견고딕" panose="02030600000101010101" pitchFamily="18" charset="-127"/>
                 <a:ea typeface="HY견고딕" panose="02030600000101010101" pitchFamily="18" charset="-127"/>
               </a:rPr>
-              <a:t>-&gt; </a:t>
-            </a:r>
-            <a:r>
-              <a:rPr lang="ko-KR" altLang="en-US" dirty="0">
-                <a:latin typeface="HY견고딕" panose="02030600000101010101" pitchFamily="18" charset="-127"/>
-                <a:ea typeface="HY견고딕" panose="02030600000101010101" pitchFamily="18" charset="-127"/>
-              </a:rPr>
-              <a:t>독립적인 </a:t>
-            </a:r>
+              <a:t>Tile(Block)</a:t>
+            </a:r>
+          </a:p>
+          <a:p>
+            <a:pPr algn="ctr"/>
             <a:r>
               <a:rPr lang="en-US" altLang="ko-KR" dirty="0">
                 <a:latin typeface="HY견고딕" panose="02030600000101010101" pitchFamily="18" charset="-127"/>
                 <a:ea typeface="HY견고딕" panose="02030600000101010101" pitchFamily="18" charset="-127"/>
               </a:rPr>
-              <a:t>Update</a:t>
-            </a:r>
-            <a:r>
-              <a:rPr lang="ko-KR" altLang="en-US" dirty="0">
-                <a:latin typeface="HY견고딕" panose="02030600000101010101" pitchFamily="18" charset="-127"/>
-                <a:ea typeface="HY견고딕" panose="02030600000101010101" pitchFamily="18" charset="-127"/>
-              </a:rPr>
-              <a:t>용 쓰레드 사용</a:t>
-            </a:r>
-            <a:endParaRPr lang="en-US" altLang="ko-KR" dirty="0">
-              <a:latin typeface="HY견고딕" panose="02030600000101010101" pitchFamily="18" charset="-127"/>
-              <a:ea typeface="HY견고딕" panose="02030600000101010101" pitchFamily="18" charset="-127"/>
-            </a:endParaRPr>
+              <a:t>Item</a:t>
+            </a:r>
           </a:p>
           <a:p>
             <a:pPr algn="ctr"/>
@@ -4902,28 +4873,17 @@
                 <a:latin typeface="HY견고딕" panose="02030600000101010101" pitchFamily="18" charset="-127"/>
                 <a:ea typeface="HY견고딕" panose="02030600000101010101" pitchFamily="18" charset="-127"/>
               </a:rPr>
-              <a:t>-&gt; </a:t>
-            </a:r>
-            <a:r>
-              <a:rPr lang="ko-KR" altLang="en-US" dirty="0">
-                <a:latin typeface="HY견고딕" panose="02030600000101010101" pitchFamily="18" charset="-127"/>
-                <a:ea typeface="HY견고딕" panose="02030600000101010101" pitchFamily="18" charset="-127"/>
-              </a:rPr>
-              <a:t>임계영역 사용</a:t>
-            </a:r>
-            <a:endParaRPr lang="en-US" altLang="ko-KR" dirty="0">
-              <a:latin typeface="HY견고딕" panose="02030600000101010101" pitchFamily="18" charset="-127"/>
-              <a:ea typeface="HY견고딕" panose="02030600000101010101" pitchFamily="18" charset="-127"/>
-            </a:endParaRPr>
+              <a:t>…</a:t>
+            </a:r>
           </a:p>
         </p:txBody>
       </p:sp>
       <p:pic>
         <p:nvPicPr>
-          <p:cNvPr id="10" name="그림 9" descr="스크린샷, 노트북이(가) 표시된 사진&#10;&#10;자동 생성된 설명">
-            <a:extLst>
-              <a:ext uri="{FF2B5EF4-FFF2-40B4-BE49-F238E27FC236}">
-                <a16:creationId xmlns:a16="http://schemas.microsoft.com/office/drawing/2014/main" id="{84F678C7-A918-49D2-98D0-B8BCABCCAD8A}"/>
+          <p:cNvPr id="9" name="그림 8" descr="검은색, 앉아있는, 화면, 전화이(가) 표시된 사진&#10;&#10;자동 생성된 설명">
+            <a:extLst>
+              <a:ext uri="{FF2B5EF4-FFF2-40B4-BE49-F238E27FC236}">
+                <a16:creationId xmlns:a16="http://schemas.microsoft.com/office/drawing/2014/main" id="{9A0AD1B4-EF17-46C6-8969-5339427D6452}"/>
               </a:ext>
             </a:extLst>
           </p:cNvPr>
@@ -4946,8 +4906,8 @@
         </p:blipFill>
         <p:spPr>
           <a:xfrm>
-            <a:off x="1459746" y="1735511"/>
-            <a:ext cx="4714875" cy="4086225"/>
+            <a:off x="1523255" y="1630441"/>
+            <a:ext cx="1875536" cy="3383319"/>
           </a:xfrm>
           <a:prstGeom prst="rect">
             <a:avLst/>
@@ -4956,10 +4916,10 @@
       </p:pic>
       <p:pic>
         <p:nvPicPr>
-          <p:cNvPr id="9" name="그림 8" descr="화면, 텔레비전, 모니터, 검은색이(가) 표시된 사진&#10;&#10;자동 생성된 설명">
-            <a:extLst>
-              <a:ext uri="{FF2B5EF4-FFF2-40B4-BE49-F238E27FC236}">
-                <a16:creationId xmlns:a16="http://schemas.microsoft.com/office/drawing/2014/main" id="{C5F6CEFC-8AF7-482E-ADB2-5610B8C9DD8A}"/>
+          <p:cNvPr id="12" name="그림 11" descr="테이블, 시계, 방이(가) 표시된 사진&#10;&#10;자동 생성된 설명">
+            <a:extLst>
+              <a:ext uri="{FF2B5EF4-FFF2-40B4-BE49-F238E27FC236}">
+                <a16:creationId xmlns:a16="http://schemas.microsoft.com/office/drawing/2014/main" id="{A00631F7-E620-47D5-A47D-487C98E137AD}"/>
               </a:ext>
             </a:extLst>
           </p:cNvPr>
@@ -4982,8 +4942,80 @@
         </p:blipFill>
         <p:spPr>
           <a:xfrm>
-            <a:off x="6366351" y="1735511"/>
-            <a:ext cx="3857625" cy="1009650"/>
+            <a:off x="3618559" y="1630441"/>
+            <a:ext cx="2081188" cy="2071417"/>
+          </a:xfrm>
+          <a:prstGeom prst="rect">
+            <a:avLst/>
+          </a:prstGeom>
+        </p:spPr>
+      </p:pic>
+      <p:pic>
+        <p:nvPicPr>
+          <p:cNvPr id="17" name="그림 16">
+            <a:extLst>
+              <a:ext uri="{FF2B5EF4-FFF2-40B4-BE49-F238E27FC236}">
+                <a16:creationId xmlns:a16="http://schemas.microsoft.com/office/drawing/2014/main" id="{3FDF1DE3-2192-42B5-A2D7-FA81C48981E0}"/>
+              </a:ext>
+            </a:extLst>
+          </p:cNvPr>
+          <p:cNvPicPr>
+            <a:picLocks noChangeAspect="1"/>
+          </p:cNvPicPr>
+          <p:nvPr/>
+        </p:nvPicPr>
+        <p:blipFill>
+          <a:blip r:embed="rId4">
+            <a:extLst>
+              <a:ext uri="{28A0092B-C50C-407E-A947-70E740481C1C}">
+                <a14:useLocalDpi xmlns:a14="http://schemas.microsoft.com/office/drawing/2010/main" val="0"/>
+              </a:ext>
+            </a:extLst>
+          </a:blip>
+          <a:stretch>
+            <a:fillRect/>
+          </a:stretch>
+        </p:blipFill>
+        <p:spPr>
+          <a:xfrm>
+            <a:off x="1523256" y="5059719"/>
+            <a:ext cx="2028826" cy="1046256"/>
+          </a:xfrm>
+          <a:prstGeom prst="rect">
+            <a:avLst/>
+          </a:prstGeom>
+        </p:spPr>
+      </p:pic>
+      <p:pic>
+        <p:nvPicPr>
+          <p:cNvPr id="19" name="그림 18" descr="전화이(가) 표시된 사진&#10;&#10;자동 생성된 설명">
+            <a:extLst>
+              <a:ext uri="{FF2B5EF4-FFF2-40B4-BE49-F238E27FC236}">
+                <a16:creationId xmlns:a16="http://schemas.microsoft.com/office/drawing/2014/main" id="{313EEB5C-F5BB-4C9A-81F5-6E7442870BB2}"/>
+              </a:ext>
+            </a:extLst>
+          </p:cNvPr>
+          <p:cNvPicPr>
+            <a:picLocks noChangeAspect="1"/>
+          </p:cNvPicPr>
+          <p:nvPr/>
+        </p:nvPicPr>
+        <p:blipFill>
+          <a:blip r:embed="rId5">
+            <a:extLst>
+              <a:ext uri="{28A0092B-C50C-407E-A947-70E740481C1C}">
+                <a14:useLocalDpi xmlns:a14="http://schemas.microsoft.com/office/drawing/2010/main" val="0"/>
+              </a:ext>
+            </a:extLst>
+          </a:blip>
+          <a:stretch>
+            <a:fillRect/>
+          </a:stretch>
+        </p:blipFill>
+        <p:spPr>
+          <a:xfrm>
+            <a:off x="3618559" y="4153350"/>
+            <a:ext cx="2076450" cy="1952625"/>
           </a:xfrm>
           <a:prstGeom prst="rect">
             <a:avLst/>
@@ -4993,7 +5025,7 @@
     </p:spTree>
     <p:extLst>
       <p:ext uri="{BB962C8B-B14F-4D97-AF65-F5344CB8AC3E}">
-        <p14:creationId xmlns:p14="http://schemas.microsoft.com/office/powerpoint/2010/main" val="695693310"/>
+        <p14:creationId xmlns:p14="http://schemas.microsoft.com/office/powerpoint/2010/main" val="453247125"/>
       </p:ext>
     </p:extLst>
   </p:cSld>
@@ -5267,7 +5299,7 @@
                 <a:latin typeface="HY헤드라인M" panose="02030600000101010101" pitchFamily="18" charset="-127"/>
                 <a:ea typeface="HY헤드라인M" panose="02030600000101010101" pitchFamily="18" charset="-127"/>
               </a:rPr>
-              <a:t>12/14</a:t>
+              <a:t>11/14</a:t>
             </a:r>
             <a:endParaRPr lang="ko-KR" altLang="en-US" dirty="0">
               <a:latin typeface="HY헤드라인M" panose="02030600000101010101" pitchFamily="18" charset="-127"/>
@@ -5290,8 +5322,8 @@
         </p:nvSpPr>
         <p:spPr>
           <a:xfrm>
-            <a:off x="2243011" y="1849404"/>
-            <a:ext cx="7792518" cy="2308324"/>
+            <a:off x="6312889" y="2849486"/>
+            <a:ext cx="3964547" cy="2862322"/>
           </a:xfrm>
           <a:prstGeom prst="rect">
             <a:avLst/>
@@ -5310,6 +5342,27 @@
                 <a:latin typeface="HY견고딕" panose="02030600000101010101" pitchFamily="18" charset="-127"/>
                 <a:ea typeface="HY견고딕" panose="02030600000101010101" pitchFamily="18" charset="-127"/>
               </a:rPr>
+              <a:t>TCP/IP </a:t>
+            </a:r>
+            <a:r>
+              <a:rPr lang="ko-KR" altLang="en-US" dirty="0">
+                <a:latin typeface="HY견고딕" panose="02030600000101010101" pitchFamily="18" charset="-127"/>
+                <a:ea typeface="HY견고딕" panose="02030600000101010101" pitchFamily="18" charset="-127"/>
+              </a:rPr>
+              <a:t>서버 사용</a:t>
+            </a:r>
+            <a:endParaRPr lang="en-US" altLang="ko-KR" dirty="0">
+              <a:latin typeface="HY견고딕" panose="02030600000101010101" pitchFamily="18" charset="-127"/>
+              <a:ea typeface="HY견고딕" panose="02030600000101010101" pitchFamily="18" charset="-127"/>
+            </a:endParaRPr>
+          </a:p>
+          <a:p>
+            <a:pPr algn="ctr"/>
+            <a:r>
+              <a:rPr lang="en-US" altLang="ko-KR" dirty="0">
+                <a:latin typeface="HY견고딕" panose="02030600000101010101" pitchFamily="18" charset="-127"/>
+                <a:ea typeface="HY견고딕" panose="02030600000101010101" pitchFamily="18" charset="-127"/>
+              </a:rPr>
               <a:t>Server/Main.cpp </a:t>
             </a:r>
           </a:p>
@@ -5320,7 +5373,7 @@
                 <a:latin typeface="HY견고딕" panose="02030600000101010101" pitchFamily="18" charset="-127"/>
                 <a:ea typeface="HY견고딕" panose="02030600000101010101" pitchFamily="18" charset="-127"/>
               </a:rPr>
-              <a:t>181 Line ~</a:t>
+              <a:t>120 Line ~</a:t>
             </a:r>
           </a:p>
           <a:p>
@@ -5337,7 +5390,7 @@
                 <a:latin typeface="HY견고딕" panose="02030600000101010101" pitchFamily="18" charset="-127"/>
                 <a:ea typeface="HY견고딕" panose="02030600000101010101" pitchFamily="18" charset="-127"/>
               </a:rPr>
-              <a:t>각 클라이언트 송신 소켓에 각각 소켓 옵션을 적용</a:t>
+              <a:t>둘 이상의 클라이언트 서비스 불가</a:t>
             </a:r>
             <a:endParaRPr lang="en-US" altLang="ko-KR" dirty="0">
               <a:latin typeface="HY견고딕" panose="02030600000101010101" pitchFamily="18" charset="-127"/>
@@ -5347,39 +5400,100 @@
           <a:p>
             <a:pPr algn="ctr"/>
             <a:r>
+              <a:rPr lang="en-US" altLang="ko-KR" dirty="0">
+                <a:latin typeface="HY견고딕" panose="02030600000101010101" pitchFamily="18" charset="-127"/>
+                <a:ea typeface="HY견고딕" panose="02030600000101010101" pitchFamily="18" charset="-127"/>
+              </a:rPr>
+              <a:t>-&gt; </a:t>
+            </a:r>
+            <a:r>
               <a:rPr lang="ko-KR" altLang="en-US" dirty="0">
-                <a:latin typeface="HY견고딕" panose="02030600000101010101" pitchFamily="18" charset="-127"/>
-                <a:ea typeface="HY견고딕" panose="02030600000101010101" pitchFamily="18" charset="-127"/>
-              </a:rPr>
-              <a:t>장기간 데이터 </a:t>
-            </a:r>
-            <a:r>
-              <a:rPr lang="ko-KR" altLang="en-US" dirty="0" err="1">
-                <a:latin typeface="HY견고딕" panose="02030600000101010101" pitchFamily="18" charset="-127"/>
-                <a:ea typeface="HY견고딕" panose="02030600000101010101" pitchFamily="18" charset="-127"/>
-              </a:rPr>
-              <a:t>미전송</a:t>
+                <a:solidFill>
+                  <a:schemeClr val="accent1"/>
+                </a:solidFill>
+                <a:latin typeface="HY견고딕" panose="02030600000101010101" pitchFamily="18" charset="-127"/>
+                <a:ea typeface="HY견고딕" panose="02030600000101010101" pitchFamily="18" charset="-127"/>
+              </a:rPr>
+              <a:t>멀티 쓰레드 </a:t>
             </a:r>
             <a:r>
               <a:rPr lang="ko-KR" altLang="en-US" dirty="0">
                 <a:latin typeface="HY견고딕" panose="02030600000101010101" pitchFamily="18" charset="-127"/>
                 <a:ea typeface="HY견고딕" panose="02030600000101010101" pitchFamily="18" charset="-127"/>
               </a:rPr>
-              <a:t> 시 연결 여부를 재확인하는 </a:t>
-            </a:r>
+              <a:t>사용으로 해결</a:t>
+            </a:r>
+            <a:endParaRPr lang="en-US" altLang="ko-KR" dirty="0">
+              <a:latin typeface="HY견고딕" panose="02030600000101010101" pitchFamily="18" charset="-127"/>
+              <a:ea typeface="HY견고딕" panose="02030600000101010101" pitchFamily="18" charset="-127"/>
+            </a:endParaRPr>
+          </a:p>
+          <a:p>
+            <a:pPr algn="ctr"/>
+            <a:endParaRPr lang="en-US" altLang="ko-KR" dirty="0">
+              <a:latin typeface="HY견고딕" panose="02030600000101010101" pitchFamily="18" charset="-127"/>
+              <a:ea typeface="HY견고딕" panose="02030600000101010101" pitchFamily="18" charset="-127"/>
+            </a:endParaRPr>
+          </a:p>
+          <a:p>
+            <a:pPr algn="ctr"/>
+            <a:r>
+              <a:rPr lang="ko-KR" altLang="en-US" dirty="0">
+                <a:latin typeface="HY견고딕" panose="02030600000101010101" pitchFamily="18" charset="-127"/>
+                <a:ea typeface="HY견고딕" panose="02030600000101010101" pitchFamily="18" charset="-127"/>
+              </a:rPr>
+              <a:t>교착상태 발생 가능성</a:t>
+            </a:r>
+            <a:endParaRPr lang="en-US" altLang="ko-KR" dirty="0">
+              <a:latin typeface="HY견고딕" panose="02030600000101010101" pitchFamily="18" charset="-127"/>
+              <a:ea typeface="HY견고딕" panose="02030600000101010101" pitchFamily="18" charset="-127"/>
+            </a:endParaRPr>
+          </a:p>
+          <a:p>
+            <a:pPr algn="ctr"/>
             <a:r>
               <a:rPr lang="en-US" altLang="ko-KR" dirty="0">
                 <a:latin typeface="HY견고딕" panose="02030600000101010101" pitchFamily="18" charset="-127"/>
                 <a:ea typeface="HY견고딕" panose="02030600000101010101" pitchFamily="18" charset="-127"/>
               </a:rPr>
-              <a:t>SO_KEEPALIVE </a:t>
+              <a:t>-&gt; </a:t>
             </a:r>
             <a:r>
               <a:rPr lang="ko-KR" altLang="en-US" dirty="0">
-                <a:latin typeface="HY견고딕" panose="02030600000101010101" pitchFamily="18" charset="-127"/>
-                <a:ea typeface="HY견고딕" panose="02030600000101010101" pitchFamily="18" charset="-127"/>
-              </a:rPr>
-              <a:t>옵션</a:t>
+                <a:solidFill>
+                  <a:schemeClr val="accent1"/>
+                </a:solidFill>
+                <a:latin typeface="HY견고딕" panose="02030600000101010101" pitchFamily="18" charset="-127"/>
+                <a:ea typeface="HY견고딕" panose="02030600000101010101" pitchFamily="18" charset="-127"/>
+              </a:rPr>
+              <a:t>독립적인 </a:t>
+            </a:r>
+            <a:r>
+              <a:rPr lang="en-US" altLang="ko-KR" dirty="0">
+                <a:solidFill>
+                  <a:schemeClr val="accent1"/>
+                </a:solidFill>
+                <a:latin typeface="HY견고딕" panose="02030600000101010101" pitchFamily="18" charset="-127"/>
+                <a:ea typeface="HY견고딕" panose="02030600000101010101" pitchFamily="18" charset="-127"/>
+              </a:rPr>
+              <a:t>Update</a:t>
+            </a:r>
+            <a:r>
+              <a:rPr lang="ko-KR" altLang="en-US" dirty="0">
+                <a:solidFill>
+                  <a:schemeClr val="accent1"/>
+                </a:solidFill>
+                <a:latin typeface="HY견고딕" panose="02030600000101010101" pitchFamily="18" charset="-127"/>
+                <a:ea typeface="HY견고딕" panose="02030600000101010101" pitchFamily="18" charset="-127"/>
+              </a:rPr>
+              <a:t>용 쓰레드 </a:t>
+            </a:r>
+            <a:r>
+              <a:rPr lang="ko-KR" altLang="en-US" dirty="0">
+                <a:latin typeface="HY견고딕" panose="02030600000101010101" pitchFamily="18" charset="-127"/>
+                <a:ea typeface="HY견고딕" panose="02030600000101010101" pitchFamily="18" charset="-127"/>
+              </a:rPr>
+              <a:t>사용</a:t>
             </a:r>
             <a:endParaRPr lang="en-US" altLang="ko-KR" dirty="0">
               <a:latin typeface="HY견고딕" panose="02030600000101010101" pitchFamily="18" charset="-127"/>
@@ -5388,61 +5502,29 @@
           </a:p>
           <a:p>
             <a:pPr algn="ctr"/>
-            <a:endParaRPr lang="en-US" altLang="ko-KR" dirty="0">
-              <a:latin typeface="HY견고딕" panose="02030600000101010101" pitchFamily="18" charset="-127"/>
-              <a:ea typeface="HY견고딕" panose="02030600000101010101" pitchFamily="18" charset="-127"/>
-            </a:endParaRPr>
-          </a:p>
-          <a:p>
-            <a:pPr algn="ctr"/>
+            <a:r>
+              <a:rPr lang="en-US" altLang="ko-KR" dirty="0">
+                <a:latin typeface="HY견고딕" panose="02030600000101010101" pitchFamily="18" charset="-127"/>
+                <a:ea typeface="HY견고딕" panose="02030600000101010101" pitchFamily="18" charset="-127"/>
+              </a:rPr>
+              <a:t>-&gt; </a:t>
+            </a:r>
             <a:r>
               <a:rPr lang="ko-KR" altLang="en-US" dirty="0">
-                <a:latin typeface="HY견고딕" panose="02030600000101010101" pitchFamily="18" charset="-127"/>
-                <a:ea typeface="HY견고딕" panose="02030600000101010101" pitchFamily="18" charset="-127"/>
-              </a:rPr>
-              <a:t>송신 소켓의 송신 버퍼에 </a:t>
-            </a:r>
-            <a:r>
-              <a:rPr lang="ko-KR" altLang="en-US" dirty="0" err="1">
-                <a:latin typeface="HY견고딕" panose="02030600000101010101" pitchFamily="18" charset="-127"/>
-                <a:ea typeface="HY견고딕" panose="02030600000101010101" pitchFamily="18" charset="-127"/>
-              </a:rPr>
-              <a:t>미전송</a:t>
+                <a:solidFill>
+                  <a:schemeClr val="accent1"/>
+                </a:solidFill>
+                <a:latin typeface="HY견고딕" panose="02030600000101010101" pitchFamily="18" charset="-127"/>
+                <a:ea typeface="HY견고딕" panose="02030600000101010101" pitchFamily="18" charset="-127"/>
+              </a:rPr>
+              <a:t>임계영역</a:t>
             </a:r>
             <a:r>
               <a:rPr lang="ko-KR" altLang="en-US" dirty="0">
                 <a:latin typeface="HY견고딕" panose="02030600000101010101" pitchFamily="18" charset="-127"/>
                 <a:ea typeface="HY견고딕" panose="02030600000101010101" pitchFamily="18" charset="-127"/>
               </a:rPr>
-              <a:t> 데이터가 오래 남아있는 경우</a:t>
-            </a:r>
-            <a:endParaRPr lang="en-US" altLang="ko-KR" dirty="0">
-              <a:latin typeface="HY견고딕" panose="02030600000101010101" pitchFamily="18" charset="-127"/>
-              <a:ea typeface="HY견고딕" panose="02030600000101010101" pitchFamily="18" charset="-127"/>
-            </a:endParaRPr>
-          </a:p>
-          <a:p>
-            <a:pPr algn="ctr"/>
-            <a:r>
-              <a:rPr lang="ko-KR" altLang="en-US" dirty="0">
-                <a:latin typeface="HY견고딕" panose="02030600000101010101" pitchFamily="18" charset="-127"/>
-                <a:ea typeface="HY견고딕" panose="02030600000101010101" pitchFamily="18" charset="-127"/>
-              </a:rPr>
-              <a:t>연결을 강제 종료하는 </a:t>
-            </a:r>
-            <a:r>
-              <a:rPr lang="en-US" altLang="ko-KR" dirty="0">
-                <a:latin typeface="HY견고딕" panose="02030600000101010101" pitchFamily="18" charset="-127"/>
-                <a:ea typeface="HY견고딕" panose="02030600000101010101" pitchFamily="18" charset="-127"/>
-              </a:rPr>
-              <a:t>SO_LINGER </a:t>
-            </a:r>
-            <a:r>
-              <a:rPr lang="ko-KR" altLang="en-US" dirty="0">
-                <a:latin typeface="HY견고딕" panose="02030600000101010101" pitchFamily="18" charset="-127"/>
-                <a:ea typeface="HY견고딕" panose="02030600000101010101" pitchFamily="18" charset="-127"/>
-              </a:rPr>
-              <a:t>옵션</a:t>
+              <a:t> 사용</a:t>
             </a:r>
             <a:endParaRPr lang="en-US" altLang="ko-KR" dirty="0">
               <a:latin typeface="HY견고딕" panose="02030600000101010101" pitchFamily="18" charset="-127"/>
@@ -5453,10 +5535,10 @@
       </p:sp>
       <p:pic>
         <p:nvPicPr>
-          <p:cNvPr id="9" name="그림 8" descr="방이(가) 표시된 사진&#10;&#10;자동 생성된 설명">
-            <a:extLst>
-              <a:ext uri="{FF2B5EF4-FFF2-40B4-BE49-F238E27FC236}">
-                <a16:creationId xmlns:a16="http://schemas.microsoft.com/office/drawing/2014/main" id="{9D2BDE8A-C06C-458B-BE24-14D092FE0D88}"/>
+          <p:cNvPr id="10" name="그림 9" descr="스크린샷, 노트북이(가) 표시된 사진&#10;&#10;자동 생성된 설명">
+            <a:extLst>
+              <a:ext uri="{FF2B5EF4-FFF2-40B4-BE49-F238E27FC236}">
+                <a16:creationId xmlns:a16="http://schemas.microsoft.com/office/drawing/2014/main" id="{84F678C7-A918-49D2-98D0-B8BCABCCAD8A}"/>
               </a:ext>
             </a:extLst>
           </p:cNvPr>
@@ -5479,8 +5561,44 @@
         </p:blipFill>
         <p:spPr>
           <a:xfrm>
-            <a:off x="2534058" y="4422650"/>
-            <a:ext cx="7210425" cy="1047750"/>
+            <a:off x="1459746" y="1735511"/>
+            <a:ext cx="4714875" cy="4086225"/>
+          </a:xfrm>
+          <a:prstGeom prst="rect">
+            <a:avLst/>
+          </a:prstGeom>
+        </p:spPr>
+      </p:pic>
+      <p:pic>
+        <p:nvPicPr>
+          <p:cNvPr id="9" name="그림 8" descr="화면, 텔레비전, 모니터, 검은색이(가) 표시된 사진&#10;&#10;자동 생성된 설명">
+            <a:extLst>
+              <a:ext uri="{FF2B5EF4-FFF2-40B4-BE49-F238E27FC236}">
+                <a16:creationId xmlns:a16="http://schemas.microsoft.com/office/drawing/2014/main" id="{C5F6CEFC-8AF7-482E-ADB2-5610B8C9DD8A}"/>
+              </a:ext>
+            </a:extLst>
+          </p:cNvPr>
+          <p:cNvPicPr>
+            <a:picLocks noChangeAspect="1"/>
+          </p:cNvPicPr>
+          <p:nvPr/>
+        </p:nvPicPr>
+        <p:blipFill>
+          <a:blip r:embed="rId3">
+            <a:extLst>
+              <a:ext uri="{28A0092B-C50C-407E-A947-70E740481C1C}">
+                <a14:useLocalDpi xmlns:a14="http://schemas.microsoft.com/office/drawing/2010/main" val="0"/>
+              </a:ext>
+            </a:extLst>
+          </a:blip>
+          <a:stretch>
+            <a:fillRect/>
+          </a:stretch>
+        </p:blipFill>
+        <p:spPr>
+          <a:xfrm>
+            <a:off x="6366351" y="1735511"/>
+            <a:ext cx="3857625" cy="1009650"/>
           </a:xfrm>
           <a:prstGeom prst="rect">
             <a:avLst/>
@@ -5490,7 +5608,7 @@
     </p:spTree>
     <p:extLst>
       <p:ext uri="{BB962C8B-B14F-4D97-AF65-F5344CB8AC3E}">
-        <p14:creationId xmlns:p14="http://schemas.microsoft.com/office/powerpoint/2010/main" val="4161596518"/>
+        <p14:creationId xmlns:p14="http://schemas.microsoft.com/office/powerpoint/2010/main" val="695693310"/>
       </p:ext>
     </p:extLst>
   </p:cSld>
@@ -5575,7 +5693,7 @@
         <p:spPr>
           <a:xfrm>
             <a:off x="1347787" y="876597"/>
-            <a:ext cx="2749471" cy="707886"/>
+            <a:ext cx="2834430" cy="707886"/>
           </a:xfrm>
           <a:prstGeom prst="rect">
             <a:avLst/>
@@ -5589,16 +5707,19 @@
           <a:lstStyle/>
           <a:p>
             <a:r>
-              <a:rPr lang="ko-KR" altLang="en-US" sz="4000" dirty="0" err="1">
+              <a:rPr lang="en-US" altLang="ko-KR" sz="4000" dirty="0">
                 <a:latin typeface="HY헤드라인M" panose="02030600000101010101" pitchFamily="18" charset="-127"/>
                 <a:ea typeface="HY헤드라인M" panose="02030600000101010101" pitchFamily="18" charset="-127"/>
               </a:rPr>
-              <a:t>멀티쓰레드</a:t>
-            </a:r>
-            <a:endParaRPr lang="ko-KR" altLang="en-US" sz="4000" dirty="0">
-              <a:latin typeface="HY헤드라인M" panose="02030600000101010101" pitchFamily="18" charset="-127"/>
-              <a:ea typeface="HY헤드라인M" panose="02030600000101010101" pitchFamily="18" charset="-127"/>
-            </a:endParaRPr>
+              <a:t>TCP/IP </a:t>
+            </a:r>
+            <a:r>
+              <a:rPr lang="ko-KR" altLang="en-US" sz="4000" dirty="0">
+                <a:latin typeface="HY헤드라인M" panose="02030600000101010101" pitchFamily="18" charset="-127"/>
+                <a:ea typeface="HY헤드라인M" panose="02030600000101010101" pitchFamily="18" charset="-127"/>
+              </a:rPr>
+              <a:t>서버</a:t>
+            </a:r>
           </a:p>
         </p:txBody>
       </p:sp>
@@ -5761,7 +5882,7 @@
                 <a:latin typeface="HY헤드라인M" panose="02030600000101010101" pitchFamily="18" charset="-127"/>
                 <a:ea typeface="HY헤드라인M" panose="02030600000101010101" pitchFamily="18" charset="-127"/>
               </a:rPr>
-              <a:t>13/14</a:t>
+              <a:t>12/14</a:t>
             </a:r>
             <a:endParaRPr lang="ko-KR" altLang="en-US" dirty="0">
               <a:latin typeface="HY헤드라인M" panose="02030600000101010101" pitchFamily="18" charset="-127"/>
@@ -5784,8 +5905,8 @@
         </p:nvSpPr>
         <p:spPr>
           <a:xfrm>
-            <a:off x="4472442" y="4415243"/>
-            <a:ext cx="2569934" cy="1754326"/>
+            <a:off x="2243011" y="1849404"/>
+            <a:ext cx="7792518" cy="2308324"/>
           </a:xfrm>
           <a:prstGeom prst="rect">
             <a:avLst/>
@@ -5800,11 +5921,38 @@
           <a:p>
             <a:pPr algn="ctr"/>
             <a:r>
+              <a:rPr lang="en-US" altLang="ko-KR" dirty="0">
+                <a:latin typeface="HY견고딕" panose="02030600000101010101" pitchFamily="18" charset="-127"/>
+                <a:ea typeface="HY견고딕" panose="02030600000101010101" pitchFamily="18" charset="-127"/>
+              </a:rPr>
+              <a:t>Server/Main.cpp </a:t>
+            </a:r>
+          </a:p>
+          <a:p>
+            <a:pPr algn="ctr"/>
+            <a:r>
+              <a:rPr lang="en-US" altLang="ko-KR" dirty="0">
+                <a:latin typeface="HY견고딕" panose="02030600000101010101" pitchFamily="18" charset="-127"/>
+                <a:ea typeface="HY견고딕" panose="02030600000101010101" pitchFamily="18" charset="-127"/>
+              </a:rPr>
+              <a:t>181 Line ~</a:t>
+            </a:r>
+          </a:p>
+          <a:p>
+            <a:pPr algn="ctr"/>
+            <a:endParaRPr lang="en-US" altLang="ko-KR" dirty="0">
+              <a:latin typeface="HY견고딕" panose="02030600000101010101" pitchFamily="18" charset="-127"/>
+              <a:ea typeface="HY견고딕" panose="02030600000101010101" pitchFamily="18" charset="-127"/>
+            </a:endParaRPr>
+          </a:p>
+          <a:p>
+            <a:pPr algn="ctr"/>
+            <a:r>
               <a:rPr lang="ko-KR" altLang="en-US" dirty="0">
                 <a:latin typeface="HY견고딕" panose="02030600000101010101" pitchFamily="18" charset="-127"/>
                 <a:ea typeface="HY견고딕" panose="02030600000101010101" pitchFamily="18" charset="-127"/>
               </a:rPr>
-              <a:t>각각의 클라이언트마다</a:t>
+              <a:t>각 클라이언트 송신 소켓에 각각 소켓 옵션을 적용</a:t>
             </a:r>
             <a:endParaRPr lang="en-US" altLang="ko-KR" dirty="0">
               <a:latin typeface="HY견고딕" panose="02030600000101010101" pitchFamily="18" charset="-127"/>
@@ -5818,7 +5966,35 @@
                 <a:latin typeface="HY견고딕" panose="02030600000101010101" pitchFamily="18" charset="-127"/>
                 <a:ea typeface="HY견고딕" panose="02030600000101010101" pitchFamily="18" charset="-127"/>
               </a:rPr>
-              <a:t>하나의 쓰레드 생성</a:t>
+              <a:t>장기간 데이터 </a:t>
+            </a:r>
+            <a:r>
+              <a:rPr lang="ko-KR" altLang="en-US" dirty="0" err="1">
+                <a:latin typeface="HY견고딕" panose="02030600000101010101" pitchFamily="18" charset="-127"/>
+                <a:ea typeface="HY견고딕" panose="02030600000101010101" pitchFamily="18" charset="-127"/>
+              </a:rPr>
+              <a:t>미전송</a:t>
+            </a:r>
+            <a:r>
+              <a:rPr lang="ko-KR" altLang="en-US" dirty="0">
+                <a:latin typeface="HY견고딕" panose="02030600000101010101" pitchFamily="18" charset="-127"/>
+                <a:ea typeface="HY견고딕" panose="02030600000101010101" pitchFamily="18" charset="-127"/>
+              </a:rPr>
+              <a:t> 시 연결 여부를 재확인하는 </a:t>
+            </a:r>
+            <a:r>
+              <a:rPr lang="en-US" altLang="ko-KR" dirty="0">
+                <a:latin typeface="HY견고딕" panose="02030600000101010101" pitchFamily="18" charset="-127"/>
+                <a:ea typeface="HY견고딕" panose="02030600000101010101" pitchFamily="18" charset="-127"/>
+              </a:rPr>
+              <a:t>SO_KEEPALIVE </a:t>
+            </a:r>
+            <a:r>
+              <a:rPr lang="ko-KR" altLang="en-US" dirty="0">
+                <a:latin typeface="HY견고딕" panose="02030600000101010101" pitchFamily="18" charset="-127"/>
+                <a:ea typeface="HY견고딕" panose="02030600000101010101" pitchFamily="18" charset="-127"/>
+              </a:rPr>
+              <a:t>옵션</a:t>
             </a:r>
             <a:endParaRPr lang="en-US" altLang="ko-KR" dirty="0">
               <a:latin typeface="HY견고딕" panose="02030600000101010101" pitchFamily="18" charset="-127"/>
@@ -5835,41 +6011,67 @@
           <a:p>
             <a:pPr algn="ctr"/>
             <a:r>
+              <a:rPr lang="ko-KR" altLang="en-US" dirty="0">
+                <a:latin typeface="HY견고딕" panose="02030600000101010101" pitchFamily="18" charset="-127"/>
+                <a:ea typeface="HY견고딕" panose="02030600000101010101" pitchFamily="18" charset="-127"/>
+              </a:rPr>
+              <a:t>송신 소켓의 송신 버퍼에 </a:t>
+            </a:r>
+            <a:r>
+              <a:rPr lang="ko-KR" altLang="en-US" dirty="0" err="1">
+                <a:latin typeface="HY견고딕" panose="02030600000101010101" pitchFamily="18" charset="-127"/>
+                <a:ea typeface="HY견고딕" panose="02030600000101010101" pitchFamily="18" charset="-127"/>
+              </a:rPr>
+              <a:t>미전송</a:t>
+            </a:r>
+            <a:r>
+              <a:rPr lang="ko-KR" altLang="en-US" dirty="0">
+                <a:latin typeface="HY견고딕" panose="02030600000101010101" pitchFamily="18" charset="-127"/>
+                <a:ea typeface="HY견고딕" panose="02030600000101010101" pitchFamily="18" charset="-127"/>
+              </a:rPr>
+              <a:t> 데이터가 오래 남아있는 경우</a:t>
+            </a:r>
+            <a:endParaRPr lang="en-US" altLang="ko-KR" dirty="0">
+              <a:latin typeface="HY견고딕" panose="02030600000101010101" pitchFamily="18" charset="-127"/>
+              <a:ea typeface="HY견고딕" panose="02030600000101010101" pitchFamily="18" charset="-127"/>
+            </a:endParaRPr>
+          </a:p>
+          <a:p>
+            <a:pPr algn="ctr"/>
+            <a:r>
+              <a:rPr lang="ko-KR" altLang="en-US" dirty="0">
+                <a:latin typeface="HY견고딕" panose="02030600000101010101" pitchFamily="18" charset="-127"/>
+                <a:ea typeface="HY견고딕" panose="02030600000101010101" pitchFamily="18" charset="-127"/>
+              </a:rPr>
+              <a:t>연결을 강제 종료하는 </a:t>
+            </a:r>
+            <a:r>
               <a:rPr lang="en-US" altLang="ko-KR" dirty="0">
                 <a:latin typeface="HY견고딕" panose="02030600000101010101" pitchFamily="18" charset="-127"/>
                 <a:ea typeface="HY견고딕" panose="02030600000101010101" pitchFamily="18" charset="-127"/>
               </a:rPr>
-              <a:t>Server/Main.cpp</a:t>
-            </a:r>
-          </a:p>
-          <a:p>
-            <a:pPr algn="ctr"/>
-            <a:r>
-              <a:rPr lang="en-US" altLang="ko-KR" dirty="0">
-                <a:latin typeface="HY견고딕" panose="02030600000101010101" pitchFamily="18" charset="-127"/>
-                <a:ea typeface="HY견고딕" panose="02030600000101010101" pitchFamily="18" charset="-127"/>
-              </a:rPr>
-              <a:t>265 Line,</a:t>
-            </a:r>
-          </a:p>
-          <a:p>
-            <a:pPr algn="ctr"/>
-            <a:r>
-              <a:rPr lang="en-US" altLang="ko-KR" dirty="0">
-                <a:latin typeface="HY견고딕" panose="02030600000101010101" pitchFamily="18" charset="-127"/>
-                <a:ea typeface="HY견고딕" panose="02030600000101010101" pitchFamily="18" charset="-127"/>
-              </a:rPr>
-              <a:t>201 Line</a:t>
-            </a:r>
+              <a:t>SO_LINGER </a:t>
+            </a:r>
+            <a:r>
+              <a:rPr lang="ko-KR" altLang="en-US" dirty="0">
+                <a:latin typeface="HY견고딕" panose="02030600000101010101" pitchFamily="18" charset="-127"/>
+                <a:ea typeface="HY견고딕" panose="02030600000101010101" pitchFamily="18" charset="-127"/>
+              </a:rPr>
+              <a:t>옵션</a:t>
+            </a:r>
+            <a:endParaRPr lang="en-US" altLang="ko-KR" dirty="0">
+              <a:latin typeface="HY견고딕" panose="02030600000101010101" pitchFamily="18" charset="-127"/>
+              <a:ea typeface="HY견고딕" panose="02030600000101010101" pitchFamily="18" charset="-127"/>
+            </a:endParaRPr>
           </a:p>
         </p:txBody>
       </p:sp>
       <p:pic>
         <p:nvPicPr>
-          <p:cNvPr id="9" name="그림 8" descr="앉아있는, 검은색, 테이블, 전화이(가) 표시된 사진&#10;&#10;자동 생성된 설명">
-            <a:extLst>
-              <a:ext uri="{FF2B5EF4-FFF2-40B4-BE49-F238E27FC236}">
-                <a16:creationId xmlns:a16="http://schemas.microsoft.com/office/drawing/2014/main" id="{D4E10B19-9167-4860-8DAA-AC710C4281B3}"/>
+          <p:cNvPr id="9" name="그림 8" descr="방이(가) 표시된 사진&#10;&#10;자동 생성된 설명">
+            <a:extLst>
+              <a:ext uri="{FF2B5EF4-FFF2-40B4-BE49-F238E27FC236}">
+                <a16:creationId xmlns:a16="http://schemas.microsoft.com/office/drawing/2014/main" id="{9D2BDE8A-C06C-458B-BE24-14D092FE0D88}"/>
               </a:ext>
             </a:extLst>
           </p:cNvPr>
@@ -5892,322 +6094,18 @@
         </p:blipFill>
         <p:spPr>
           <a:xfrm>
-            <a:off x="1365327" y="2026810"/>
-            <a:ext cx="2629246" cy="3615213"/>
+            <a:off x="2534058" y="4422650"/>
+            <a:ext cx="7210425" cy="1047750"/>
           </a:xfrm>
           <a:prstGeom prst="rect">
             <a:avLst/>
           </a:prstGeom>
         </p:spPr>
       </p:pic>
-      <p:pic>
-        <p:nvPicPr>
-          <p:cNvPr id="11" name="그림 10" descr="스크린샷, 화면, 노트북이(가) 표시된 사진&#10;&#10;자동 생성된 설명">
-            <a:extLst>
-              <a:ext uri="{FF2B5EF4-FFF2-40B4-BE49-F238E27FC236}">
-                <a16:creationId xmlns:a16="http://schemas.microsoft.com/office/drawing/2014/main" id="{FC28E158-AA78-4921-93A0-1265CB90D1C0}"/>
-              </a:ext>
-            </a:extLst>
-          </p:cNvPr>
-          <p:cNvPicPr>
-            <a:picLocks noChangeAspect="1"/>
-          </p:cNvPicPr>
-          <p:nvPr/>
-        </p:nvPicPr>
-        <p:blipFill>
-          <a:blip r:embed="rId3">
-            <a:extLst>
-              <a:ext uri="{28A0092B-C50C-407E-A947-70E740481C1C}">
-                <a14:useLocalDpi xmlns:a14="http://schemas.microsoft.com/office/drawing/2010/main" val="0"/>
-              </a:ext>
-            </a:extLst>
-          </a:blip>
-          <a:stretch>
-            <a:fillRect/>
-          </a:stretch>
-        </p:blipFill>
-        <p:spPr>
-          <a:xfrm>
-            <a:off x="4097258" y="2026810"/>
-            <a:ext cx="3320303" cy="2269272"/>
-          </a:xfrm>
-          <a:prstGeom prst="rect">
-            <a:avLst/>
-          </a:prstGeom>
-        </p:spPr>
-      </p:pic>
-      <p:sp>
-        <p:nvSpPr>
-          <p:cNvPr id="13" name="TextBox 12">
-            <a:extLst>
-              <a:ext uri="{FF2B5EF4-FFF2-40B4-BE49-F238E27FC236}">
-                <a16:creationId xmlns:a16="http://schemas.microsoft.com/office/drawing/2014/main" id="{58EABF18-5C5A-433D-B229-CAFC867294C6}"/>
-              </a:ext>
-            </a:extLst>
-          </p:cNvPr>
-          <p:cNvSpPr txBox="1"/>
-          <p:nvPr/>
-        </p:nvSpPr>
-        <p:spPr>
-          <a:xfrm>
-            <a:off x="1723691" y="5709530"/>
-            <a:ext cx="1877438" cy="369332"/>
-          </a:xfrm>
-          <a:prstGeom prst="rect">
-            <a:avLst/>
-          </a:prstGeom>
-          <a:noFill/>
-        </p:spPr>
-        <p:txBody>
-          <a:bodyPr wrap="none" rtlCol="0">
-            <a:spAutoFit/>
-          </a:bodyPr>
-          <a:lstStyle/>
-          <a:p>
-            <a:pPr algn="ctr"/>
-            <a:r>
-              <a:rPr lang="ko-KR" altLang="en-US">
-                <a:latin typeface="HY견고딕" panose="02030600000101010101" pitchFamily="18" charset="-127"/>
-                <a:ea typeface="HY견고딕" panose="02030600000101010101" pitchFamily="18" charset="-127"/>
-              </a:rPr>
-              <a:t>업데이트 쓰레드</a:t>
-            </a:r>
-            <a:endParaRPr lang="en-US" altLang="ko-KR" dirty="0">
-              <a:latin typeface="HY견고딕" panose="02030600000101010101" pitchFamily="18" charset="-127"/>
-              <a:ea typeface="HY견고딕" panose="02030600000101010101" pitchFamily="18" charset="-127"/>
-            </a:endParaRPr>
-          </a:p>
-        </p:txBody>
-      </p:sp>
-      <p:sp>
-        <p:nvSpPr>
-          <p:cNvPr id="14" name="TextBox 13">
-            <a:extLst>
-              <a:ext uri="{FF2B5EF4-FFF2-40B4-BE49-F238E27FC236}">
-                <a16:creationId xmlns:a16="http://schemas.microsoft.com/office/drawing/2014/main" id="{F1D8C020-979C-4421-9EC1-DA5C9A5AEC98}"/>
-              </a:ext>
-            </a:extLst>
-          </p:cNvPr>
-          <p:cNvSpPr txBox="1"/>
-          <p:nvPr/>
-        </p:nvSpPr>
-        <p:spPr>
-          <a:xfrm>
-            <a:off x="7417563" y="2026810"/>
-            <a:ext cx="3329758" cy="3693319"/>
-          </a:xfrm>
-          <a:prstGeom prst="rect">
-            <a:avLst/>
-          </a:prstGeom>
-          <a:noFill/>
-        </p:spPr>
-        <p:txBody>
-          <a:bodyPr wrap="none" rtlCol="0">
-            <a:spAutoFit/>
-          </a:bodyPr>
-          <a:lstStyle/>
-          <a:p>
-            <a:pPr algn="ctr"/>
-            <a:r>
-              <a:rPr lang="ko-KR" altLang="en-US" dirty="0">
-                <a:latin typeface="HY견고딕" panose="02030600000101010101" pitchFamily="18" charset="-127"/>
-                <a:ea typeface="HY견고딕" panose="02030600000101010101" pitchFamily="18" charset="-127"/>
-              </a:rPr>
-              <a:t>클라이언트 통신용 쓰레드 </a:t>
-            </a:r>
-            <a:r>
-              <a:rPr lang="en-US" altLang="ko-KR" dirty="0">
-                <a:latin typeface="HY견고딕" panose="02030600000101010101" pitchFamily="18" charset="-127"/>
-                <a:ea typeface="HY견고딕" panose="02030600000101010101" pitchFamily="18" charset="-127"/>
-              </a:rPr>
-              <a:t>2</a:t>
-            </a:r>
-            <a:r>
-              <a:rPr lang="ko-KR" altLang="en-US" dirty="0">
-                <a:latin typeface="HY견고딕" panose="02030600000101010101" pitchFamily="18" charset="-127"/>
-                <a:ea typeface="HY견고딕" panose="02030600000101010101" pitchFamily="18" charset="-127"/>
-              </a:rPr>
-              <a:t>개</a:t>
-            </a:r>
-            <a:endParaRPr lang="en-US" altLang="ko-KR" dirty="0">
-              <a:latin typeface="HY견고딕" panose="02030600000101010101" pitchFamily="18" charset="-127"/>
-              <a:ea typeface="HY견고딕" panose="02030600000101010101" pitchFamily="18" charset="-127"/>
-            </a:endParaRPr>
-          </a:p>
-          <a:p>
-            <a:pPr algn="ctr"/>
-            <a:r>
-              <a:rPr lang="ko-KR" altLang="en-US" dirty="0">
-                <a:latin typeface="HY견고딕" panose="02030600000101010101" pitchFamily="18" charset="-127"/>
-                <a:ea typeface="HY견고딕" panose="02030600000101010101" pitchFamily="18" charset="-127"/>
-              </a:rPr>
-              <a:t>게임 업데이트용 쓰레드 </a:t>
-            </a:r>
-            <a:r>
-              <a:rPr lang="en-US" altLang="ko-KR" dirty="0">
-                <a:latin typeface="HY견고딕" panose="02030600000101010101" pitchFamily="18" charset="-127"/>
-                <a:ea typeface="HY견고딕" panose="02030600000101010101" pitchFamily="18" charset="-127"/>
-              </a:rPr>
-              <a:t>1</a:t>
-            </a:r>
-            <a:r>
-              <a:rPr lang="ko-KR" altLang="en-US" dirty="0">
-                <a:latin typeface="HY견고딕" panose="02030600000101010101" pitchFamily="18" charset="-127"/>
-                <a:ea typeface="HY견고딕" panose="02030600000101010101" pitchFamily="18" charset="-127"/>
-              </a:rPr>
-              <a:t>개</a:t>
-            </a:r>
-            <a:endParaRPr lang="en-US" altLang="ko-KR" dirty="0">
-              <a:latin typeface="HY견고딕" panose="02030600000101010101" pitchFamily="18" charset="-127"/>
-              <a:ea typeface="HY견고딕" panose="02030600000101010101" pitchFamily="18" charset="-127"/>
-            </a:endParaRPr>
-          </a:p>
-          <a:p>
-            <a:pPr algn="ctr"/>
-            <a:endParaRPr lang="en-US" altLang="ko-KR" dirty="0">
-              <a:latin typeface="HY견고딕" panose="02030600000101010101" pitchFamily="18" charset="-127"/>
-              <a:ea typeface="HY견고딕" panose="02030600000101010101" pitchFamily="18" charset="-127"/>
-            </a:endParaRPr>
-          </a:p>
-          <a:p>
-            <a:pPr algn="ctr"/>
-            <a:r>
-              <a:rPr lang="ko-KR" altLang="en-US" dirty="0">
-                <a:latin typeface="HY견고딕" panose="02030600000101010101" pitchFamily="18" charset="-127"/>
-                <a:ea typeface="HY견고딕" panose="02030600000101010101" pitchFamily="18" charset="-127"/>
-              </a:rPr>
-              <a:t>총 </a:t>
-            </a:r>
-            <a:r>
-              <a:rPr lang="en-US" altLang="ko-KR" dirty="0">
-                <a:latin typeface="HY견고딕" panose="02030600000101010101" pitchFamily="18" charset="-127"/>
-                <a:ea typeface="HY견고딕" panose="02030600000101010101" pitchFamily="18" charset="-127"/>
-              </a:rPr>
-              <a:t>3</a:t>
-            </a:r>
-            <a:r>
-              <a:rPr lang="ko-KR" altLang="en-US" dirty="0">
-                <a:latin typeface="HY견고딕" panose="02030600000101010101" pitchFamily="18" charset="-127"/>
-                <a:ea typeface="HY견고딕" panose="02030600000101010101" pitchFamily="18" charset="-127"/>
-              </a:rPr>
-              <a:t>개의 쓰레드를 사용하여</a:t>
-            </a:r>
-            <a:endParaRPr lang="en-US" altLang="ko-KR" dirty="0">
-              <a:latin typeface="HY견고딕" panose="02030600000101010101" pitchFamily="18" charset="-127"/>
-              <a:ea typeface="HY견고딕" panose="02030600000101010101" pitchFamily="18" charset="-127"/>
-            </a:endParaRPr>
-          </a:p>
-          <a:p>
-            <a:pPr algn="ctr"/>
-            <a:r>
-              <a:rPr lang="ko-KR" altLang="en-US" dirty="0">
-                <a:latin typeface="HY견고딕" panose="02030600000101010101" pitchFamily="18" charset="-127"/>
-                <a:ea typeface="HY견고딕" panose="02030600000101010101" pitchFamily="18" charset="-127"/>
-              </a:rPr>
-              <a:t>게임 진행</a:t>
-            </a:r>
-            <a:endParaRPr lang="en-US" altLang="ko-KR" dirty="0">
-              <a:latin typeface="HY견고딕" panose="02030600000101010101" pitchFamily="18" charset="-127"/>
-              <a:ea typeface="HY견고딕" panose="02030600000101010101" pitchFamily="18" charset="-127"/>
-            </a:endParaRPr>
-          </a:p>
-          <a:p>
-            <a:pPr algn="ctr"/>
-            <a:endParaRPr lang="en-US" altLang="ko-KR" dirty="0">
-              <a:latin typeface="HY견고딕" panose="02030600000101010101" pitchFamily="18" charset="-127"/>
-              <a:ea typeface="HY견고딕" panose="02030600000101010101" pitchFamily="18" charset="-127"/>
-            </a:endParaRPr>
-          </a:p>
-          <a:p>
-            <a:pPr algn="ctr"/>
-            <a:r>
-              <a:rPr lang="ko-KR" altLang="en-US" dirty="0">
-                <a:latin typeface="HY견고딕" panose="02030600000101010101" pitchFamily="18" charset="-127"/>
-                <a:ea typeface="HY견고딕" panose="02030600000101010101" pitchFamily="18" charset="-127"/>
-              </a:rPr>
-              <a:t>업데이트 쓰레드를 통해 게임</a:t>
-            </a:r>
-            <a:endParaRPr lang="en-US" altLang="ko-KR" dirty="0">
-              <a:latin typeface="HY견고딕" panose="02030600000101010101" pitchFamily="18" charset="-127"/>
-              <a:ea typeface="HY견고딕" panose="02030600000101010101" pitchFamily="18" charset="-127"/>
-            </a:endParaRPr>
-          </a:p>
-          <a:p>
-            <a:pPr algn="ctr"/>
-            <a:r>
-              <a:rPr lang="ko-KR" altLang="en-US" dirty="0">
-                <a:latin typeface="HY견고딕" panose="02030600000101010101" pitchFamily="18" charset="-127"/>
-                <a:ea typeface="HY견고딕" panose="02030600000101010101" pitchFamily="18" charset="-127"/>
-              </a:rPr>
-              <a:t>로직을 수행하기 때문에</a:t>
-            </a:r>
-            <a:endParaRPr lang="en-US" altLang="ko-KR" dirty="0">
-              <a:latin typeface="HY견고딕" panose="02030600000101010101" pitchFamily="18" charset="-127"/>
-              <a:ea typeface="HY견고딕" panose="02030600000101010101" pitchFamily="18" charset="-127"/>
-            </a:endParaRPr>
-          </a:p>
-          <a:p>
-            <a:pPr algn="ctr"/>
-            <a:r>
-              <a:rPr lang="ko-KR" altLang="en-US" dirty="0">
-                <a:latin typeface="HY견고딕" panose="02030600000101010101" pitchFamily="18" charset="-127"/>
-                <a:ea typeface="HY견고딕" panose="02030600000101010101" pitchFamily="18" charset="-127"/>
-              </a:rPr>
-              <a:t>클라이언트에서 좌표 값만</a:t>
-            </a:r>
-            <a:endParaRPr lang="en-US" altLang="ko-KR" dirty="0">
-              <a:latin typeface="HY견고딕" panose="02030600000101010101" pitchFamily="18" charset="-127"/>
-              <a:ea typeface="HY견고딕" panose="02030600000101010101" pitchFamily="18" charset="-127"/>
-            </a:endParaRPr>
-          </a:p>
-          <a:p>
-            <a:pPr algn="ctr"/>
-            <a:r>
-              <a:rPr lang="ko-KR" altLang="en-US" dirty="0">
-                <a:latin typeface="HY견고딕" panose="02030600000101010101" pitchFamily="18" charset="-127"/>
-                <a:ea typeface="HY견고딕" panose="02030600000101010101" pitchFamily="18" charset="-127"/>
-              </a:rPr>
-              <a:t>받아 렌더링을 수행함</a:t>
-            </a:r>
-            <a:endParaRPr lang="en-US" altLang="ko-KR" dirty="0">
-              <a:latin typeface="HY견고딕" panose="02030600000101010101" pitchFamily="18" charset="-127"/>
-              <a:ea typeface="HY견고딕" panose="02030600000101010101" pitchFamily="18" charset="-127"/>
-            </a:endParaRPr>
-          </a:p>
-          <a:p>
-            <a:pPr algn="ctr"/>
-            <a:endParaRPr lang="en-US" altLang="ko-KR" dirty="0">
-              <a:latin typeface="HY견고딕" panose="02030600000101010101" pitchFamily="18" charset="-127"/>
-              <a:ea typeface="HY견고딕" panose="02030600000101010101" pitchFamily="18" charset="-127"/>
-            </a:endParaRPr>
-          </a:p>
-          <a:p>
-            <a:pPr algn="ctr"/>
-            <a:endParaRPr lang="en-US" altLang="ko-KR" dirty="0">
-              <a:latin typeface="HY견고딕" panose="02030600000101010101" pitchFamily="18" charset="-127"/>
-              <a:ea typeface="HY견고딕" panose="02030600000101010101" pitchFamily="18" charset="-127"/>
-            </a:endParaRPr>
-          </a:p>
-          <a:p>
-            <a:pPr algn="ctr"/>
-            <a:r>
-              <a:rPr lang="ko-KR" altLang="en-US" dirty="0">
-                <a:latin typeface="HY견고딕" panose="02030600000101010101" pitchFamily="18" charset="-127"/>
-                <a:ea typeface="HY견고딕" panose="02030600000101010101" pitchFamily="18" charset="-127"/>
-              </a:rPr>
-              <a:t>클라이언트의 부담이 적음</a:t>
-            </a:r>
-            <a:endParaRPr lang="en-US" altLang="ko-KR" dirty="0">
-              <a:latin typeface="HY견고딕" panose="02030600000101010101" pitchFamily="18" charset="-127"/>
-              <a:ea typeface="HY견고딕" panose="02030600000101010101" pitchFamily="18" charset="-127"/>
-            </a:endParaRPr>
-          </a:p>
-        </p:txBody>
-      </p:sp>
     </p:spTree>
     <p:extLst>
       <p:ext uri="{BB962C8B-B14F-4D97-AF65-F5344CB8AC3E}">
-        <p14:creationId xmlns:p14="http://schemas.microsoft.com/office/powerpoint/2010/main" val="3559543908"/>
+        <p14:creationId xmlns:p14="http://schemas.microsoft.com/office/powerpoint/2010/main" val="4161596518"/>
       </p:ext>
     </p:extLst>
   </p:cSld>
@@ -6292,7 +6190,7 @@
         <p:spPr>
           <a:xfrm>
             <a:off x="1347787" y="876597"/>
-            <a:ext cx="6126998" cy="707886"/>
+            <a:ext cx="2749471" cy="707886"/>
           </a:xfrm>
           <a:prstGeom prst="rect">
             <a:avLst/>
@@ -6306,32 +6204,11 @@
           <a:lstStyle/>
           <a:p>
             <a:r>
-              <a:rPr lang="ko-KR" altLang="en-US" sz="4000" dirty="0">
+              <a:rPr lang="ko-KR" altLang="en-US" sz="4000" dirty="0" err="1">
                 <a:latin typeface="HY헤드라인M" panose="02030600000101010101" pitchFamily="18" charset="-127"/>
                 <a:ea typeface="HY헤드라인M" panose="02030600000101010101" pitchFamily="18" charset="-127"/>
               </a:rPr>
-              <a:t>쓰레드 동기화 </a:t>
-            </a:r>
-            <a:r>
-              <a:rPr lang="en-US" altLang="ko-KR" sz="4000" dirty="0">
-                <a:latin typeface="HY헤드라인M" panose="02030600000101010101" pitchFamily="18" charset="-127"/>
-                <a:ea typeface="HY헤드라인M" panose="02030600000101010101" pitchFamily="18" charset="-127"/>
-              </a:rPr>
-              <a:t>(</a:t>
-            </a:r>
-            <a:r>
-              <a:rPr lang="ko-KR" altLang="en-US" sz="4000" dirty="0">
-                <a:latin typeface="HY헤드라인M" panose="02030600000101010101" pitchFamily="18" charset="-127"/>
-                <a:ea typeface="HY헤드라인M" panose="02030600000101010101" pitchFamily="18" charset="-127"/>
-              </a:rPr>
-              <a:t>임계 영역</a:t>
-            </a:r>
-            <a:r>
-              <a:rPr lang="en-US" altLang="ko-KR" sz="4000" dirty="0">
-                <a:latin typeface="HY헤드라인M" panose="02030600000101010101" pitchFamily="18" charset="-127"/>
-                <a:ea typeface="HY헤드라인M" panose="02030600000101010101" pitchFamily="18" charset="-127"/>
-              </a:rPr>
-              <a:t>)</a:t>
+              <a:t>멀티쓰레드</a:t>
             </a:r>
             <a:endParaRPr lang="ko-KR" altLang="en-US" sz="4000" dirty="0">
               <a:latin typeface="HY헤드라인M" panose="02030600000101010101" pitchFamily="18" charset="-127"/>
@@ -6499,7 +6376,7 @@
                 <a:latin typeface="HY헤드라인M" panose="02030600000101010101" pitchFamily="18" charset="-127"/>
                 <a:ea typeface="HY헤드라인M" panose="02030600000101010101" pitchFamily="18" charset="-127"/>
               </a:rPr>
-              <a:t>14/14</a:t>
+              <a:t>13/14</a:t>
             </a:r>
             <a:endParaRPr lang="ko-KR" altLang="en-US" dirty="0">
               <a:latin typeface="HY헤드라인M" panose="02030600000101010101" pitchFamily="18" charset="-127"/>
@@ -6522,8 +6399,8 @@
         </p:nvSpPr>
         <p:spPr>
           <a:xfrm>
-            <a:off x="4588833" y="4493360"/>
-            <a:ext cx="2723823" cy="646331"/>
+            <a:off x="4472442" y="4415243"/>
+            <a:ext cx="2569934" cy="1754326"/>
           </a:xfrm>
           <a:prstGeom prst="rect">
             <a:avLst/>
@@ -6542,7 +6419,7 @@
                 <a:latin typeface="HY견고딕" panose="02030600000101010101" pitchFamily="18" charset="-127"/>
                 <a:ea typeface="HY견고딕" panose="02030600000101010101" pitchFamily="18" charset="-127"/>
               </a:rPr>
-              <a:t>쓰레드 동기화 방식으로 </a:t>
+              <a:t>각각의 클라이언트마다</a:t>
             </a:r>
             <a:endParaRPr lang="en-US" altLang="ko-KR" dirty="0">
               <a:latin typeface="HY견고딕" panose="02030600000101010101" pitchFamily="18" charset="-127"/>
@@ -6556,21 +6433,58 @@
                 <a:latin typeface="HY견고딕" panose="02030600000101010101" pitchFamily="18" charset="-127"/>
                 <a:ea typeface="HY견고딕" panose="02030600000101010101" pitchFamily="18" charset="-127"/>
               </a:rPr>
-              <a:t>임계영역 사용</a:t>
+              <a:t>하나의 쓰레드 생성</a:t>
             </a:r>
             <a:endParaRPr lang="en-US" altLang="ko-KR" dirty="0">
               <a:latin typeface="HY견고딕" panose="02030600000101010101" pitchFamily="18" charset="-127"/>
               <a:ea typeface="HY견고딕" panose="02030600000101010101" pitchFamily="18" charset="-127"/>
             </a:endParaRPr>
+          </a:p>
+          <a:p>
+            <a:pPr algn="ctr"/>
+            <a:endParaRPr lang="en-US" altLang="ko-KR" dirty="0">
+              <a:latin typeface="HY견고딕" panose="02030600000101010101" pitchFamily="18" charset="-127"/>
+              <a:ea typeface="HY견고딕" panose="02030600000101010101" pitchFamily="18" charset="-127"/>
+            </a:endParaRPr>
+          </a:p>
+          <a:p>
+            <a:pPr algn="ctr"/>
+            <a:r>
+              <a:rPr lang="en-US" altLang="ko-KR" dirty="0">
+                <a:latin typeface="HY견고딕" panose="02030600000101010101" pitchFamily="18" charset="-127"/>
+                <a:ea typeface="HY견고딕" panose="02030600000101010101" pitchFamily="18" charset="-127"/>
+              </a:rPr>
+              <a:t>Server/Main.cpp</a:t>
+            </a:r>
+          </a:p>
+          <a:p>
+            <a:pPr algn="ctr"/>
+            <a:r>
+              <a:rPr lang="en-US" altLang="ko-KR" dirty="0">
+                <a:latin typeface="HY견고딕" panose="02030600000101010101" pitchFamily="18" charset="-127"/>
+                <a:ea typeface="HY견고딕" panose="02030600000101010101" pitchFamily="18" charset="-127"/>
+              </a:rPr>
+              <a:t>284 Line,</a:t>
+            </a:r>
+          </a:p>
+          <a:p>
+            <a:pPr algn="ctr"/>
+            <a:r>
+              <a:rPr lang="en-US" altLang="ko-KR" dirty="0">
+                <a:latin typeface="HY견고딕" panose="02030600000101010101" pitchFamily="18" charset="-127"/>
+                <a:ea typeface="HY견고딕" panose="02030600000101010101" pitchFamily="18" charset="-127"/>
+              </a:rPr>
+              <a:t>220 Line</a:t>
+            </a:r>
           </a:p>
         </p:txBody>
       </p:sp>
       <p:pic>
         <p:nvPicPr>
-          <p:cNvPr id="9" name="그림 8" descr="키보드이(가) 표시된 사진&#10;&#10;자동 생성된 설명">
-            <a:extLst>
-              <a:ext uri="{FF2B5EF4-FFF2-40B4-BE49-F238E27FC236}">
-                <a16:creationId xmlns:a16="http://schemas.microsoft.com/office/drawing/2014/main" id="{FA4F0D05-3B44-4601-96BB-3ACC5E98C9E1}"/>
+          <p:cNvPr id="9" name="그림 8" descr="앉아있는, 검은색, 테이블, 전화이(가) 표시된 사진&#10;&#10;자동 생성된 설명">
+            <a:extLst>
+              <a:ext uri="{FF2B5EF4-FFF2-40B4-BE49-F238E27FC236}">
+                <a16:creationId xmlns:a16="http://schemas.microsoft.com/office/drawing/2014/main" id="{D4E10B19-9167-4860-8DAA-AC710C4281B3}"/>
               </a:ext>
             </a:extLst>
           </p:cNvPr>
@@ -6593,8 +6507,8 @@
         </p:blipFill>
         <p:spPr>
           <a:xfrm>
-            <a:off x="1473831" y="4208494"/>
-            <a:ext cx="3045457" cy="1330384"/>
+            <a:off x="1365327" y="2026810"/>
+            <a:ext cx="2629246" cy="3615213"/>
           </a:xfrm>
           <a:prstGeom prst="rect">
             <a:avLst/>
@@ -6603,10 +6517,10 @@
       </p:pic>
       <p:pic>
         <p:nvPicPr>
-          <p:cNvPr id="11" name="그림 10" descr="검은색, 화면, 테이블, 전화이(가) 표시된 사진&#10;&#10;자동 생성된 설명">
-            <a:extLst>
-              <a:ext uri="{FF2B5EF4-FFF2-40B4-BE49-F238E27FC236}">
-                <a16:creationId xmlns:a16="http://schemas.microsoft.com/office/drawing/2014/main" id="{F5033E2A-4E75-425A-917D-4A59A196B38D}"/>
+          <p:cNvPr id="11" name="그림 10" descr="스크린샷, 화면, 노트북이(가) 표시된 사진&#10;&#10;자동 생성된 설명">
+            <a:extLst>
+              <a:ext uri="{FF2B5EF4-FFF2-40B4-BE49-F238E27FC236}">
+                <a16:creationId xmlns:a16="http://schemas.microsoft.com/office/drawing/2014/main" id="{FC28E158-AA78-4921-93A0-1265CB90D1C0}"/>
               </a:ext>
             </a:extLst>
           </p:cNvPr>
@@ -6629,8 +6543,8 @@
         </p:blipFill>
         <p:spPr>
           <a:xfrm>
-            <a:off x="1473831" y="1701101"/>
-            <a:ext cx="5838825" cy="2390775"/>
+            <a:off x="4097258" y="2026810"/>
+            <a:ext cx="3320303" cy="2269272"/>
           </a:xfrm>
           <a:prstGeom prst="rect">
             <a:avLst/>
@@ -6642,7 +6556,7 @@
           <p:cNvPr id="13" name="TextBox 12">
             <a:extLst>
               <a:ext uri="{FF2B5EF4-FFF2-40B4-BE49-F238E27FC236}">
-                <a16:creationId xmlns:a16="http://schemas.microsoft.com/office/drawing/2014/main" id="{133E5E0E-6910-47F1-884D-D36FB86E62D8}"/>
+                <a16:creationId xmlns:a16="http://schemas.microsoft.com/office/drawing/2014/main" id="{58EABF18-5C5A-433D-B229-CAFC867294C6}"/>
               </a:ext>
             </a:extLst>
           </p:cNvPr>
@@ -6651,8 +6565,8 @@
         </p:nvSpPr>
         <p:spPr>
           <a:xfrm>
-            <a:off x="7307847" y="1691658"/>
-            <a:ext cx="3733714" cy="3416320"/>
+            <a:off x="1723691" y="5709530"/>
+            <a:ext cx="1877438" cy="369332"/>
           </a:xfrm>
           <a:prstGeom prst="rect">
             <a:avLst/>
@@ -6667,10 +6581,711 @@
           <a:p>
             <a:pPr algn="ctr"/>
             <a:r>
+              <a:rPr lang="ko-KR" altLang="en-US">
+                <a:latin typeface="HY견고딕" panose="02030600000101010101" pitchFamily="18" charset="-127"/>
+                <a:ea typeface="HY견고딕" panose="02030600000101010101" pitchFamily="18" charset="-127"/>
+              </a:rPr>
+              <a:t>업데이트 쓰레드</a:t>
+            </a:r>
+            <a:endParaRPr lang="en-US" altLang="ko-KR" dirty="0">
+              <a:latin typeface="HY견고딕" panose="02030600000101010101" pitchFamily="18" charset="-127"/>
+              <a:ea typeface="HY견고딕" panose="02030600000101010101" pitchFamily="18" charset="-127"/>
+            </a:endParaRPr>
+          </a:p>
+        </p:txBody>
+      </p:sp>
+      <p:sp>
+        <p:nvSpPr>
+          <p:cNvPr id="14" name="TextBox 13">
+            <a:extLst>
+              <a:ext uri="{FF2B5EF4-FFF2-40B4-BE49-F238E27FC236}">
+                <a16:creationId xmlns:a16="http://schemas.microsoft.com/office/drawing/2014/main" id="{F1D8C020-979C-4421-9EC1-DA5C9A5AEC98}"/>
+              </a:ext>
+            </a:extLst>
+          </p:cNvPr>
+          <p:cNvSpPr txBox="1"/>
+          <p:nvPr/>
+        </p:nvSpPr>
+        <p:spPr>
+          <a:xfrm>
+            <a:off x="7417563" y="2026810"/>
+            <a:ext cx="3329758" cy="3693319"/>
+          </a:xfrm>
+          <a:prstGeom prst="rect">
+            <a:avLst/>
+          </a:prstGeom>
+          <a:noFill/>
+        </p:spPr>
+        <p:txBody>
+          <a:bodyPr wrap="none" rtlCol="0">
+            <a:spAutoFit/>
+          </a:bodyPr>
+          <a:lstStyle/>
+          <a:p>
+            <a:pPr algn="ctr"/>
+            <a:r>
               <a:rPr lang="ko-KR" altLang="en-US" dirty="0">
                 <a:latin typeface="HY견고딕" panose="02030600000101010101" pitchFamily="18" charset="-127"/>
                 <a:ea typeface="HY견고딕" panose="02030600000101010101" pitchFamily="18" charset="-127"/>
               </a:rPr>
+              <a:t>클라이언트 통신용 쓰레드 </a:t>
+            </a:r>
+            <a:r>
+              <a:rPr lang="en-US" altLang="ko-KR" dirty="0">
+                <a:latin typeface="HY견고딕" panose="02030600000101010101" pitchFamily="18" charset="-127"/>
+                <a:ea typeface="HY견고딕" panose="02030600000101010101" pitchFamily="18" charset="-127"/>
+              </a:rPr>
+              <a:t>2</a:t>
+            </a:r>
+            <a:r>
+              <a:rPr lang="ko-KR" altLang="en-US" dirty="0">
+                <a:latin typeface="HY견고딕" panose="02030600000101010101" pitchFamily="18" charset="-127"/>
+                <a:ea typeface="HY견고딕" panose="02030600000101010101" pitchFamily="18" charset="-127"/>
+              </a:rPr>
+              <a:t>개</a:t>
+            </a:r>
+            <a:endParaRPr lang="en-US" altLang="ko-KR" dirty="0">
+              <a:latin typeface="HY견고딕" panose="02030600000101010101" pitchFamily="18" charset="-127"/>
+              <a:ea typeface="HY견고딕" panose="02030600000101010101" pitchFamily="18" charset="-127"/>
+            </a:endParaRPr>
+          </a:p>
+          <a:p>
+            <a:pPr algn="ctr"/>
+            <a:r>
+              <a:rPr lang="ko-KR" altLang="en-US" dirty="0">
+                <a:latin typeface="HY견고딕" panose="02030600000101010101" pitchFamily="18" charset="-127"/>
+                <a:ea typeface="HY견고딕" panose="02030600000101010101" pitchFamily="18" charset="-127"/>
+              </a:rPr>
+              <a:t>게임 업데이트용 쓰레드 </a:t>
+            </a:r>
+            <a:r>
+              <a:rPr lang="en-US" altLang="ko-KR" dirty="0">
+                <a:latin typeface="HY견고딕" panose="02030600000101010101" pitchFamily="18" charset="-127"/>
+                <a:ea typeface="HY견고딕" panose="02030600000101010101" pitchFamily="18" charset="-127"/>
+              </a:rPr>
+              <a:t>1</a:t>
+            </a:r>
+            <a:r>
+              <a:rPr lang="ko-KR" altLang="en-US" dirty="0">
+                <a:latin typeface="HY견고딕" panose="02030600000101010101" pitchFamily="18" charset="-127"/>
+                <a:ea typeface="HY견고딕" panose="02030600000101010101" pitchFamily="18" charset="-127"/>
+              </a:rPr>
+              <a:t>개</a:t>
+            </a:r>
+            <a:endParaRPr lang="en-US" altLang="ko-KR" dirty="0">
+              <a:latin typeface="HY견고딕" panose="02030600000101010101" pitchFamily="18" charset="-127"/>
+              <a:ea typeface="HY견고딕" panose="02030600000101010101" pitchFamily="18" charset="-127"/>
+            </a:endParaRPr>
+          </a:p>
+          <a:p>
+            <a:pPr algn="ctr"/>
+            <a:endParaRPr lang="en-US" altLang="ko-KR" dirty="0">
+              <a:latin typeface="HY견고딕" panose="02030600000101010101" pitchFamily="18" charset="-127"/>
+              <a:ea typeface="HY견고딕" panose="02030600000101010101" pitchFamily="18" charset="-127"/>
+            </a:endParaRPr>
+          </a:p>
+          <a:p>
+            <a:pPr algn="ctr"/>
+            <a:r>
+              <a:rPr lang="ko-KR" altLang="en-US" dirty="0">
+                <a:latin typeface="HY견고딕" panose="02030600000101010101" pitchFamily="18" charset="-127"/>
+                <a:ea typeface="HY견고딕" panose="02030600000101010101" pitchFamily="18" charset="-127"/>
+              </a:rPr>
+              <a:t>총 </a:t>
+            </a:r>
+            <a:r>
+              <a:rPr lang="en-US" altLang="ko-KR" dirty="0">
+                <a:latin typeface="HY견고딕" panose="02030600000101010101" pitchFamily="18" charset="-127"/>
+                <a:ea typeface="HY견고딕" panose="02030600000101010101" pitchFamily="18" charset="-127"/>
+              </a:rPr>
+              <a:t>3</a:t>
+            </a:r>
+            <a:r>
+              <a:rPr lang="ko-KR" altLang="en-US" dirty="0">
+                <a:latin typeface="HY견고딕" panose="02030600000101010101" pitchFamily="18" charset="-127"/>
+                <a:ea typeface="HY견고딕" panose="02030600000101010101" pitchFamily="18" charset="-127"/>
+              </a:rPr>
+              <a:t>개의 쓰레드를 사용하여</a:t>
+            </a:r>
+            <a:endParaRPr lang="en-US" altLang="ko-KR" dirty="0">
+              <a:latin typeface="HY견고딕" panose="02030600000101010101" pitchFamily="18" charset="-127"/>
+              <a:ea typeface="HY견고딕" panose="02030600000101010101" pitchFamily="18" charset="-127"/>
+            </a:endParaRPr>
+          </a:p>
+          <a:p>
+            <a:pPr algn="ctr"/>
+            <a:r>
+              <a:rPr lang="ko-KR" altLang="en-US" dirty="0">
+                <a:latin typeface="HY견고딕" panose="02030600000101010101" pitchFamily="18" charset="-127"/>
+                <a:ea typeface="HY견고딕" panose="02030600000101010101" pitchFamily="18" charset="-127"/>
+              </a:rPr>
+              <a:t>게임 진행</a:t>
+            </a:r>
+            <a:endParaRPr lang="en-US" altLang="ko-KR" dirty="0">
+              <a:latin typeface="HY견고딕" panose="02030600000101010101" pitchFamily="18" charset="-127"/>
+              <a:ea typeface="HY견고딕" panose="02030600000101010101" pitchFamily="18" charset="-127"/>
+            </a:endParaRPr>
+          </a:p>
+          <a:p>
+            <a:pPr algn="ctr"/>
+            <a:endParaRPr lang="en-US" altLang="ko-KR" dirty="0">
+              <a:latin typeface="HY견고딕" panose="02030600000101010101" pitchFamily="18" charset="-127"/>
+              <a:ea typeface="HY견고딕" panose="02030600000101010101" pitchFamily="18" charset="-127"/>
+            </a:endParaRPr>
+          </a:p>
+          <a:p>
+            <a:pPr algn="ctr"/>
+            <a:r>
+              <a:rPr lang="ko-KR" altLang="en-US" dirty="0">
+                <a:latin typeface="HY견고딕" panose="02030600000101010101" pitchFamily="18" charset="-127"/>
+                <a:ea typeface="HY견고딕" panose="02030600000101010101" pitchFamily="18" charset="-127"/>
+              </a:rPr>
+              <a:t>업데이트 쓰레드를 통해 게임</a:t>
+            </a:r>
+            <a:endParaRPr lang="en-US" altLang="ko-KR" dirty="0">
+              <a:latin typeface="HY견고딕" panose="02030600000101010101" pitchFamily="18" charset="-127"/>
+              <a:ea typeface="HY견고딕" panose="02030600000101010101" pitchFamily="18" charset="-127"/>
+            </a:endParaRPr>
+          </a:p>
+          <a:p>
+            <a:pPr algn="ctr"/>
+            <a:r>
+              <a:rPr lang="ko-KR" altLang="en-US" dirty="0">
+                <a:latin typeface="HY견고딕" panose="02030600000101010101" pitchFamily="18" charset="-127"/>
+                <a:ea typeface="HY견고딕" panose="02030600000101010101" pitchFamily="18" charset="-127"/>
+              </a:rPr>
+              <a:t>로직을 수행하기 때문에</a:t>
+            </a:r>
+            <a:endParaRPr lang="en-US" altLang="ko-KR" dirty="0">
+              <a:latin typeface="HY견고딕" panose="02030600000101010101" pitchFamily="18" charset="-127"/>
+              <a:ea typeface="HY견고딕" panose="02030600000101010101" pitchFamily="18" charset="-127"/>
+            </a:endParaRPr>
+          </a:p>
+          <a:p>
+            <a:pPr algn="ctr"/>
+            <a:r>
+              <a:rPr lang="ko-KR" altLang="en-US" dirty="0">
+                <a:latin typeface="HY견고딕" panose="02030600000101010101" pitchFamily="18" charset="-127"/>
+                <a:ea typeface="HY견고딕" panose="02030600000101010101" pitchFamily="18" charset="-127"/>
+              </a:rPr>
+              <a:t>클라이언트에서 좌표 값만</a:t>
+            </a:r>
+            <a:endParaRPr lang="en-US" altLang="ko-KR" dirty="0">
+              <a:latin typeface="HY견고딕" panose="02030600000101010101" pitchFamily="18" charset="-127"/>
+              <a:ea typeface="HY견고딕" panose="02030600000101010101" pitchFamily="18" charset="-127"/>
+            </a:endParaRPr>
+          </a:p>
+          <a:p>
+            <a:pPr algn="ctr"/>
+            <a:r>
+              <a:rPr lang="ko-KR" altLang="en-US" dirty="0">
+                <a:latin typeface="HY견고딕" panose="02030600000101010101" pitchFamily="18" charset="-127"/>
+                <a:ea typeface="HY견고딕" panose="02030600000101010101" pitchFamily="18" charset="-127"/>
+              </a:rPr>
+              <a:t>받아 렌더링을 수행함</a:t>
+            </a:r>
+            <a:endParaRPr lang="en-US" altLang="ko-KR" dirty="0">
+              <a:latin typeface="HY견고딕" panose="02030600000101010101" pitchFamily="18" charset="-127"/>
+              <a:ea typeface="HY견고딕" panose="02030600000101010101" pitchFamily="18" charset="-127"/>
+            </a:endParaRPr>
+          </a:p>
+          <a:p>
+            <a:pPr algn="ctr"/>
+            <a:endParaRPr lang="en-US" altLang="ko-KR" dirty="0">
+              <a:latin typeface="HY견고딕" panose="02030600000101010101" pitchFamily="18" charset="-127"/>
+              <a:ea typeface="HY견고딕" panose="02030600000101010101" pitchFamily="18" charset="-127"/>
+            </a:endParaRPr>
+          </a:p>
+          <a:p>
+            <a:pPr algn="ctr"/>
+            <a:endParaRPr lang="en-US" altLang="ko-KR" dirty="0">
+              <a:latin typeface="HY견고딕" panose="02030600000101010101" pitchFamily="18" charset="-127"/>
+              <a:ea typeface="HY견고딕" panose="02030600000101010101" pitchFamily="18" charset="-127"/>
+            </a:endParaRPr>
+          </a:p>
+          <a:p>
+            <a:pPr algn="ctr"/>
+            <a:r>
+              <a:rPr lang="ko-KR" altLang="en-US" dirty="0">
+                <a:latin typeface="HY견고딕" panose="02030600000101010101" pitchFamily="18" charset="-127"/>
+                <a:ea typeface="HY견고딕" panose="02030600000101010101" pitchFamily="18" charset="-127"/>
+              </a:rPr>
+              <a:t>클라이언트의 부담이 적음</a:t>
+            </a:r>
+            <a:endParaRPr lang="en-US" altLang="ko-KR" dirty="0">
+              <a:latin typeface="HY견고딕" panose="02030600000101010101" pitchFamily="18" charset="-127"/>
+              <a:ea typeface="HY견고딕" panose="02030600000101010101" pitchFamily="18" charset="-127"/>
+            </a:endParaRPr>
+          </a:p>
+        </p:txBody>
+      </p:sp>
+    </p:spTree>
+    <p:extLst>
+      <p:ext uri="{BB962C8B-B14F-4D97-AF65-F5344CB8AC3E}">
+        <p14:creationId xmlns:p14="http://schemas.microsoft.com/office/powerpoint/2010/main" val="3559543908"/>
+      </p:ext>
+    </p:extLst>
+  </p:cSld>
+  <p:clrMapOvr>
+    <a:masterClrMapping/>
+  </p:clrMapOvr>
+</p:sld>
+</file>
+
+<file path=ppt/slides/slide15.xml><?xml version="1.0" encoding="utf-8"?>
+<p:sld xmlns:a="http://schemas.openxmlformats.org/drawingml/2006/main" xmlns:r="http://schemas.openxmlformats.org/officeDocument/2006/relationships" xmlns:p="http://schemas.openxmlformats.org/presentationml/2006/main">
+  <p:cSld>
+    <p:spTree>
+      <p:nvGrpSpPr>
+        <p:cNvPr id="1" name=""/>
+        <p:cNvGrpSpPr/>
+        <p:nvPr/>
+      </p:nvGrpSpPr>
+      <p:grpSpPr>
+        <a:xfrm>
+          <a:off x="0" y="0"/>
+          <a:ext cx="0" cy="0"/>
+          <a:chOff x="0" y="0"/>
+          <a:chExt cx="0" cy="0"/>
+        </a:xfrm>
+      </p:grpSpPr>
+      <p:cxnSp>
+        <p:nvCxnSpPr>
+          <p:cNvPr id="2" name="직선 연결선 1">
+            <a:extLst>
+              <a:ext uri="{FF2B5EF4-FFF2-40B4-BE49-F238E27FC236}">
+                <a16:creationId xmlns:a16="http://schemas.microsoft.com/office/drawing/2014/main" id="{095D726E-41BE-4206-BF88-2363416CC29D}"/>
+              </a:ext>
+            </a:extLst>
+          </p:cNvPr>
+          <p:cNvCxnSpPr>
+            <a:cxnSpLocks/>
+          </p:cNvCxnSpPr>
+          <p:nvPr/>
+        </p:nvCxnSpPr>
+        <p:spPr>
+          <a:xfrm>
+            <a:off x="1347787" y="866775"/>
+            <a:ext cx="9496425" cy="19645"/>
+          </a:xfrm>
+          <a:prstGeom prst="line">
+            <a:avLst/>
+          </a:prstGeom>
+          <a:ln w="25400">
+            <a:solidFill>
+              <a:schemeClr val="tx1"/>
+            </a:solidFill>
+          </a:ln>
+        </p:spPr>
+        <p:style>
+          <a:lnRef idx="1">
+            <a:schemeClr val="accent1"/>
+          </a:lnRef>
+          <a:fillRef idx="0">
+            <a:schemeClr val="accent1"/>
+          </a:fillRef>
+          <a:effectRef idx="0">
+            <a:schemeClr val="accent1"/>
+          </a:effectRef>
+          <a:fontRef idx="minor">
+            <a:schemeClr val="tx1"/>
+          </a:fontRef>
+        </p:style>
+      </p:cxnSp>
+      <p:sp>
+        <p:nvSpPr>
+          <p:cNvPr id="3" name="TextBox 2">
+            <a:extLst>
+              <a:ext uri="{FF2B5EF4-FFF2-40B4-BE49-F238E27FC236}">
+                <a16:creationId xmlns:a16="http://schemas.microsoft.com/office/drawing/2014/main" id="{89A39AC4-E421-4058-BBAD-406F3B554DE7}"/>
+              </a:ext>
+            </a:extLst>
+          </p:cNvPr>
+          <p:cNvSpPr txBox="1"/>
+          <p:nvPr/>
+        </p:nvSpPr>
+        <p:spPr>
+          <a:xfrm>
+            <a:off x="1347787" y="876597"/>
+            <a:ext cx="6126998" cy="707886"/>
+          </a:xfrm>
+          <a:prstGeom prst="rect">
+            <a:avLst/>
+          </a:prstGeom>
+          <a:noFill/>
+        </p:spPr>
+        <p:txBody>
+          <a:bodyPr wrap="none" rtlCol="0">
+            <a:spAutoFit/>
+          </a:bodyPr>
+          <a:lstStyle/>
+          <a:p>
+            <a:r>
+              <a:rPr lang="ko-KR" altLang="en-US" sz="4000" dirty="0">
+                <a:latin typeface="HY헤드라인M" panose="02030600000101010101" pitchFamily="18" charset="-127"/>
+                <a:ea typeface="HY헤드라인M" panose="02030600000101010101" pitchFamily="18" charset="-127"/>
+              </a:rPr>
+              <a:t>쓰레드 동기화 </a:t>
+            </a:r>
+            <a:r>
+              <a:rPr lang="en-US" altLang="ko-KR" sz="4000" dirty="0">
+                <a:latin typeface="HY헤드라인M" panose="02030600000101010101" pitchFamily="18" charset="-127"/>
+                <a:ea typeface="HY헤드라인M" panose="02030600000101010101" pitchFamily="18" charset="-127"/>
+              </a:rPr>
+              <a:t>(</a:t>
+            </a:r>
+            <a:r>
+              <a:rPr lang="ko-KR" altLang="en-US" sz="4000" dirty="0">
+                <a:latin typeface="HY헤드라인M" panose="02030600000101010101" pitchFamily="18" charset="-127"/>
+                <a:ea typeface="HY헤드라인M" panose="02030600000101010101" pitchFamily="18" charset="-127"/>
+              </a:rPr>
+              <a:t>임계 영역</a:t>
+            </a:r>
+            <a:r>
+              <a:rPr lang="en-US" altLang="ko-KR" sz="4000" dirty="0">
+                <a:latin typeface="HY헤드라인M" panose="02030600000101010101" pitchFamily="18" charset="-127"/>
+                <a:ea typeface="HY헤드라인M" panose="02030600000101010101" pitchFamily="18" charset="-127"/>
+              </a:rPr>
+              <a:t>)</a:t>
+            </a:r>
+            <a:endParaRPr lang="ko-KR" altLang="en-US" sz="4000" dirty="0">
+              <a:latin typeface="HY헤드라인M" panose="02030600000101010101" pitchFamily="18" charset="-127"/>
+              <a:ea typeface="HY헤드라인M" panose="02030600000101010101" pitchFamily="18" charset="-127"/>
+            </a:endParaRPr>
+          </a:p>
+        </p:txBody>
+      </p:sp>
+      <p:sp>
+        <p:nvSpPr>
+          <p:cNvPr id="4" name="TextBox 3">
+            <a:extLst>
+              <a:ext uri="{FF2B5EF4-FFF2-40B4-BE49-F238E27FC236}">
+                <a16:creationId xmlns:a16="http://schemas.microsoft.com/office/drawing/2014/main" id="{299E6DC8-D07D-4275-885E-ABE4DA659C34}"/>
+              </a:ext>
+            </a:extLst>
+          </p:cNvPr>
+          <p:cNvSpPr txBox="1"/>
+          <p:nvPr/>
+        </p:nvSpPr>
+        <p:spPr>
+          <a:xfrm>
+            <a:off x="8671112" y="443788"/>
+            <a:ext cx="2146742" cy="523220"/>
+          </a:xfrm>
+          <a:prstGeom prst="rect">
+            <a:avLst/>
+          </a:prstGeom>
+          <a:noFill/>
+        </p:spPr>
+        <p:txBody>
+          <a:bodyPr wrap="none" rtlCol="0">
+            <a:spAutoFit/>
+          </a:bodyPr>
+          <a:lstStyle/>
+          <a:p>
+            <a:r>
+              <a:rPr lang="en-US" altLang="ko-KR" sz="2800" dirty="0">
+                <a:latin typeface="HY헤드라인M" panose="02030600000101010101" pitchFamily="18" charset="-127"/>
+                <a:ea typeface="HY헤드라인M" panose="02030600000101010101" pitchFamily="18" charset="-127"/>
+              </a:rPr>
+              <a:t>SUPER PANG</a:t>
+            </a:r>
+            <a:endParaRPr lang="ko-KR" altLang="en-US" sz="2800" dirty="0">
+              <a:latin typeface="HY헤드라인M" panose="02030600000101010101" pitchFamily="18" charset="-127"/>
+              <a:ea typeface="HY헤드라인M" panose="02030600000101010101" pitchFamily="18" charset="-127"/>
+            </a:endParaRPr>
+          </a:p>
+        </p:txBody>
+      </p:sp>
+      <p:sp>
+        <p:nvSpPr>
+          <p:cNvPr id="6" name="TextBox 5">
+            <a:extLst>
+              <a:ext uri="{FF2B5EF4-FFF2-40B4-BE49-F238E27FC236}">
+                <a16:creationId xmlns:a16="http://schemas.microsoft.com/office/drawing/2014/main" id="{F63CBCA1-3C03-4CC6-9651-80900F80BEC7}"/>
+              </a:ext>
+            </a:extLst>
+          </p:cNvPr>
+          <p:cNvSpPr txBox="1"/>
+          <p:nvPr/>
+        </p:nvSpPr>
+        <p:spPr>
+          <a:xfrm>
+            <a:off x="1347787" y="59067"/>
+            <a:ext cx="2629246" cy="769441"/>
+          </a:xfrm>
+          <a:prstGeom prst="rect">
+            <a:avLst/>
+          </a:prstGeom>
+          <a:noFill/>
+        </p:spPr>
+        <p:txBody>
+          <a:bodyPr wrap="none" rtlCol="0">
+            <a:spAutoFit/>
+          </a:bodyPr>
+          <a:lstStyle/>
+          <a:p>
+            <a:r>
+              <a:rPr lang="ko-KR" altLang="en-US" sz="4400" dirty="0">
+                <a:solidFill>
+                  <a:schemeClr val="accent1"/>
+                </a:solidFill>
+                <a:latin typeface="HY헤드라인M" panose="02030600000101010101" pitchFamily="18" charset="-127"/>
+                <a:ea typeface="HY헤드라인M" panose="02030600000101010101" pitchFamily="18" charset="-127"/>
+              </a:rPr>
+              <a:t>세부 내용</a:t>
+            </a:r>
+          </a:p>
+        </p:txBody>
+      </p:sp>
+      <p:cxnSp>
+        <p:nvCxnSpPr>
+          <p:cNvPr id="7" name="직선 연결선 6">
+            <a:extLst>
+              <a:ext uri="{FF2B5EF4-FFF2-40B4-BE49-F238E27FC236}">
+                <a16:creationId xmlns:a16="http://schemas.microsoft.com/office/drawing/2014/main" id="{3905285F-43E8-446B-832F-35A947015046}"/>
+              </a:ext>
+            </a:extLst>
+          </p:cNvPr>
+          <p:cNvCxnSpPr>
+            <a:cxnSpLocks/>
+          </p:cNvCxnSpPr>
+          <p:nvPr/>
+        </p:nvCxnSpPr>
+        <p:spPr>
+          <a:xfrm>
+            <a:off x="1347787" y="6263528"/>
+            <a:ext cx="9496425" cy="19645"/>
+          </a:xfrm>
+          <a:prstGeom prst="line">
+            <a:avLst/>
+          </a:prstGeom>
+          <a:ln w="25400">
+            <a:solidFill>
+              <a:schemeClr val="tx1"/>
+            </a:solidFill>
+          </a:ln>
+        </p:spPr>
+        <p:style>
+          <a:lnRef idx="1">
+            <a:schemeClr val="accent1"/>
+          </a:lnRef>
+          <a:fillRef idx="0">
+            <a:schemeClr val="accent1"/>
+          </a:fillRef>
+          <a:effectRef idx="0">
+            <a:schemeClr val="accent1"/>
+          </a:effectRef>
+          <a:fontRef idx="minor">
+            <a:schemeClr val="tx1"/>
+          </a:fontRef>
+        </p:style>
+      </p:cxnSp>
+      <p:sp>
+        <p:nvSpPr>
+          <p:cNvPr id="8" name="TextBox 7">
+            <a:extLst>
+              <a:ext uri="{FF2B5EF4-FFF2-40B4-BE49-F238E27FC236}">
+                <a16:creationId xmlns:a16="http://schemas.microsoft.com/office/drawing/2014/main" id="{A5E45EE4-FEC5-4DD5-9164-6B867734C712}"/>
+              </a:ext>
+            </a:extLst>
+          </p:cNvPr>
+          <p:cNvSpPr txBox="1"/>
+          <p:nvPr/>
+        </p:nvSpPr>
+        <p:spPr>
+          <a:xfrm>
+            <a:off x="10207499" y="6283173"/>
+            <a:ext cx="809837" cy="369332"/>
+          </a:xfrm>
+          <a:prstGeom prst="rect">
+            <a:avLst/>
+          </a:prstGeom>
+          <a:noFill/>
+        </p:spPr>
+        <p:txBody>
+          <a:bodyPr wrap="none" rtlCol="0">
+            <a:spAutoFit/>
+          </a:bodyPr>
+          <a:lstStyle/>
+          <a:p>
+            <a:r>
+              <a:rPr lang="en-US" altLang="ko-KR" dirty="0">
+                <a:latin typeface="HY헤드라인M" panose="02030600000101010101" pitchFamily="18" charset="-127"/>
+                <a:ea typeface="HY헤드라인M" panose="02030600000101010101" pitchFamily="18" charset="-127"/>
+              </a:rPr>
+              <a:t>14/14</a:t>
+            </a:r>
+            <a:endParaRPr lang="ko-KR" altLang="en-US" dirty="0">
+              <a:latin typeface="HY헤드라인M" panose="02030600000101010101" pitchFamily="18" charset="-127"/>
+              <a:ea typeface="HY헤드라인M" panose="02030600000101010101" pitchFamily="18" charset="-127"/>
+            </a:endParaRPr>
+          </a:p>
+        </p:txBody>
+      </p:sp>
+      <p:sp>
+        <p:nvSpPr>
+          <p:cNvPr id="16" name="TextBox 15">
+            <a:extLst>
+              <a:ext uri="{FF2B5EF4-FFF2-40B4-BE49-F238E27FC236}">
+                <a16:creationId xmlns:a16="http://schemas.microsoft.com/office/drawing/2014/main" id="{A90047D1-BD4E-4F3E-A570-94E0D342A435}"/>
+              </a:ext>
+            </a:extLst>
+          </p:cNvPr>
+          <p:cNvSpPr txBox="1"/>
+          <p:nvPr/>
+        </p:nvSpPr>
+        <p:spPr>
+          <a:xfrm>
+            <a:off x="4588833" y="4493360"/>
+            <a:ext cx="2723823" cy="646331"/>
+          </a:xfrm>
+          <a:prstGeom prst="rect">
+            <a:avLst/>
+          </a:prstGeom>
+          <a:noFill/>
+        </p:spPr>
+        <p:txBody>
+          <a:bodyPr wrap="none" rtlCol="0">
+            <a:spAutoFit/>
+          </a:bodyPr>
+          <a:lstStyle/>
+          <a:p>
+            <a:pPr algn="ctr"/>
+            <a:r>
+              <a:rPr lang="ko-KR" altLang="en-US" dirty="0">
+                <a:latin typeface="HY견고딕" panose="02030600000101010101" pitchFamily="18" charset="-127"/>
+                <a:ea typeface="HY견고딕" panose="02030600000101010101" pitchFamily="18" charset="-127"/>
+              </a:rPr>
+              <a:t>쓰레드 동기화 방식으로 </a:t>
+            </a:r>
+            <a:endParaRPr lang="en-US" altLang="ko-KR" dirty="0">
+              <a:latin typeface="HY견고딕" panose="02030600000101010101" pitchFamily="18" charset="-127"/>
+              <a:ea typeface="HY견고딕" panose="02030600000101010101" pitchFamily="18" charset="-127"/>
+            </a:endParaRPr>
+          </a:p>
+          <a:p>
+            <a:pPr algn="ctr"/>
+            <a:r>
+              <a:rPr lang="ko-KR" altLang="en-US" dirty="0">
+                <a:latin typeface="HY견고딕" panose="02030600000101010101" pitchFamily="18" charset="-127"/>
+                <a:ea typeface="HY견고딕" panose="02030600000101010101" pitchFamily="18" charset="-127"/>
+              </a:rPr>
+              <a:t>임계영역 사용</a:t>
+            </a:r>
+            <a:endParaRPr lang="en-US" altLang="ko-KR" dirty="0">
+              <a:latin typeface="HY견고딕" panose="02030600000101010101" pitchFamily="18" charset="-127"/>
+              <a:ea typeface="HY견고딕" panose="02030600000101010101" pitchFamily="18" charset="-127"/>
+            </a:endParaRPr>
+          </a:p>
+        </p:txBody>
+      </p:sp>
+      <p:pic>
+        <p:nvPicPr>
+          <p:cNvPr id="9" name="그림 8" descr="키보드이(가) 표시된 사진&#10;&#10;자동 생성된 설명">
+            <a:extLst>
+              <a:ext uri="{FF2B5EF4-FFF2-40B4-BE49-F238E27FC236}">
+                <a16:creationId xmlns:a16="http://schemas.microsoft.com/office/drawing/2014/main" id="{FA4F0D05-3B44-4601-96BB-3ACC5E98C9E1}"/>
+              </a:ext>
+            </a:extLst>
+          </p:cNvPr>
+          <p:cNvPicPr>
+            <a:picLocks noChangeAspect="1"/>
+          </p:cNvPicPr>
+          <p:nvPr/>
+        </p:nvPicPr>
+        <p:blipFill>
+          <a:blip r:embed="rId2">
+            <a:extLst>
+              <a:ext uri="{28A0092B-C50C-407E-A947-70E740481C1C}">
+                <a14:useLocalDpi xmlns:a14="http://schemas.microsoft.com/office/drawing/2010/main" val="0"/>
+              </a:ext>
+            </a:extLst>
+          </a:blip>
+          <a:stretch>
+            <a:fillRect/>
+          </a:stretch>
+        </p:blipFill>
+        <p:spPr>
+          <a:xfrm>
+            <a:off x="1473831" y="4208494"/>
+            <a:ext cx="3045457" cy="1330384"/>
+          </a:xfrm>
+          <a:prstGeom prst="rect">
+            <a:avLst/>
+          </a:prstGeom>
+        </p:spPr>
+      </p:pic>
+      <p:pic>
+        <p:nvPicPr>
+          <p:cNvPr id="11" name="그림 10" descr="검은색, 화면, 테이블, 전화이(가) 표시된 사진&#10;&#10;자동 생성된 설명">
+            <a:extLst>
+              <a:ext uri="{FF2B5EF4-FFF2-40B4-BE49-F238E27FC236}">
+                <a16:creationId xmlns:a16="http://schemas.microsoft.com/office/drawing/2014/main" id="{F5033E2A-4E75-425A-917D-4A59A196B38D}"/>
+              </a:ext>
+            </a:extLst>
+          </p:cNvPr>
+          <p:cNvPicPr>
+            <a:picLocks noChangeAspect="1"/>
+          </p:cNvPicPr>
+          <p:nvPr/>
+        </p:nvPicPr>
+        <p:blipFill>
+          <a:blip r:embed="rId3">
+            <a:extLst>
+              <a:ext uri="{28A0092B-C50C-407E-A947-70E740481C1C}">
+                <a14:useLocalDpi xmlns:a14="http://schemas.microsoft.com/office/drawing/2010/main" val="0"/>
+              </a:ext>
+            </a:extLst>
+          </a:blip>
+          <a:stretch>
+            <a:fillRect/>
+          </a:stretch>
+        </p:blipFill>
+        <p:spPr>
+          <a:xfrm>
+            <a:off x="1473831" y="1701101"/>
+            <a:ext cx="5838825" cy="2390775"/>
+          </a:xfrm>
+          <a:prstGeom prst="rect">
+            <a:avLst/>
+          </a:prstGeom>
+        </p:spPr>
+      </p:pic>
+      <p:sp>
+        <p:nvSpPr>
+          <p:cNvPr id="13" name="TextBox 12">
+            <a:extLst>
+              <a:ext uri="{FF2B5EF4-FFF2-40B4-BE49-F238E27FC236}">
+                <a16:creationId xmlns:a16="http://schemas.microsoft.com/office/drawing/2014/main" id="{133E5E0E-6910-47F1-884D-D36FB86E62D8}"/>
+              </a:ext>
+            </a:extLst>
+          </p:cNvPr>
+          <p:cNvSpPr txBox="1"/>
+          <p:nvPr/>
+        </p:nvSpPr>
+        <p:spPr>
+          <a:xfrm>
+            <a:off x="7307847" y="1691658"/>
+            <a:ext cx="3733714" cy="3416320"/>
+          </a:xfrm>
+          <a:prstGeom prst="rect">
+            <a:avLst/>
+          </a:prstGeom>
+          <a:noFill/>
+        </p:spPr>
+        <p:txBody>
+          <a:bodyPr wrap="none" rtlCol="0">
+            <a:spAutoFit/>
+          </a:bodyPr>
+          <a:lstStyle/>
+          <a:p>
+            <a:pPr algn="ctr"/>
+            <a:r>
+              <a:rPr lang="ko-KR" altLang="en-US" dirty="0">
+                <a:latin typeface="HY견고딕" panose="02030600000101010101" pitchFamily="18" charset="-127"/>
+                <a:ea typeface="HY견고딕" panose="02030600000101010101" pitchFamily="18" charset="-127"/>
+              </a:rPr>
               <a:t>임계영역 변수를 여러 개를 사용</a:t>
             </a:r>
             <a:endParaRPr lang="en-US" altLang="ko-KR" dirty="0">
@@ -6814,7 +7429,7 @@
                 <a:latin typeface="HY견고딕" panose="02030600000101010101" pitchFamily="18" charset="-127"/>
                 <a:ea typeface="HY견고딕" panose="02030600000101010101" pitchFamily="18" charset="-127"/>
               </a:rPr>
-              <a:t>27~31 Line</a:t>
+              <a:t>37 Line ~</a:t>
             </a:r>
           </a:p>
         </p:txBody>
@@ -6832,7 +7447,7 @@
 </p:sld>
 </file>
 
-<file path=ppt/slides/slide15.xml><?xml version="1.0" encoding="utf-8"?>
+<file path=ppt/slides/slide16.xml><?xml version="1.0" encoding="utf-8"?>
 <p:sld xmlns:a="http://schemas.openxmlformats.org/drawingml/2006/main" xmlns:r="http://schemas.openxmlformats.org/officeDocument/2006/relationships" xmlns:p="http://schemas.openxmlformats.org/presentationml/2006/main">
   <p:cSld>
     <p:spTree>
@@ -8370,48 +8985,6 @@
           </a:fontRef>
         </p:style>
       </p:cxnSp>
-      <p:sp>
-        <p:nvSpPr>
-          <p:cNvPr id="8" name="TextBox 7">
-            <a:extLst>
-              <a:ext uri="{FF2B5EF4-FFF2-40B4-BE49-F238E27FC236}">
-                <a16:creationId xmlns:a16="http://schemas.microsoft.com/office/drawing/2014/main" id="{A5E45EE4-FEC5-4DD5-9164-6B867734C712}"/>
-              </a:ext>
-            </a:extLst>
-          </p:cNvPr>
-          <p:cNvSpPr txBox="1"/>
-          <p:nvPr/>
-        </p:nvSpPr>
-        <p:spPr>
-          <a:xfrm>
-            <a:off x="10207499" y="6283173"/>
-            <a:ext cx="809837" cy="369332"/>
-          </a:xfrm>
-          <a:prstGeom prst="rect">
-            <a:avLst/>
-          </a:prstGeom>
-          <a:noFill/>
-        </p:spPr>
-        <p:txBody>
-          <a:bodyPr wrap="none" rtlCol="0">
-            <a:spAutoFit/>
-          </a:bodyPr>
-          <a:lstStyle/>
-          <a:p>
-            <a:r>
-              <a:rPr lang="en-US" altLang="ko-KR" dirty="0">
-                <a:latin typeface="HY헤드라인M" panose="02030600000101010101" pitchFamily="18" charset="-127"/>
-                <a:ea typeface="HY헤드라인M" panose="02030600000101010101" pitchFamily="18" charset="-127"/>
-              </a:rPr>
-              <a:t>03/14</a:t>
-            </a:r>
-            <a:endParaRPr lang="ko-KR" altLang="en-US" dirty="0">
-              <a:latin typeface="HY헤드라인M" panose="02030600000101010101" pitchFamily="18" charset="-127"/>
-              <a:ea typeface="HY헤드라인M" panose="02030600000101010101" pitchFamily="18" charset="-127"/>
-            </a:endParaRPr>
-          </a:p>
-        </p:txBody>
-      </p:sp>
       <p:pic>
         <p:nvPicPr>
           <p:cNvPr id="12" name="그림 11" descr="표지판이(가) 표시된 사진&#10;&#10;자동 생성된 설명">
@@ -8572,7 +9145,7 @@
         <p:spPr>
           <a:xfrm>
             <a:off x="1347787" y="876597"/>
-            <a:ext cx="4031873" cy="707886"/>
+            <a:ext cx="4118435" cy="707886"/>
           </a:xfrm>
           <a:prstGeom prst="rect">
             <a:avLst/>
@@ -8586,18 +9159,11 @@
           <a:lstStyle/>
           <a:p>
             <a:r>
-              <a:rPr lang="en-US" altLang="ko-KR" sz="4000" dirty="0">
-                <a:latin typeface="HY헤드라인M" panose="02030600000101010101" pitchFamily="18" charset="-127"/>
-                <a:ea typeface="HY헤드라인M" panose="02030600000101010101" pitchFamily="18" charset="-127"/>
-              </a:rPr>
-              <a:t>TCP/IP </a:t>
-            </a:r>
-            <a:r>
               <a:rPr lang="ko-KR" altLang="en-US" sz="4000" dirty="0">
                 <a:latin typeface="HY헤드라인M" panose="02030600000101010101" pitchFamily="18" charset="-127"/>
                 <a:ea typeface="HY헤드라인M" panose="02030600000101010101" pitchFamily="18" charset="-127"/>
               </a:rPr>
-              <a:t>서버 활용</a:t>
+              <a:t>게임소개 및 특징</a:t>
             </a:r>
           </a:p>
         </p:txBody>
@@ -8646,10 +9212,10 @@
       </p:sp>
       <p:sp>
         <p:nvSpPr>
-          <p:cNvPr id="5" name="TextBox 4">
-            <a:extLst>
-              <a:ext uri="{FF2B5EF4-FFF2-40B4-BE49-F238E27FC236}">
-                <a16:creationId xmlns:a16="http://schemas.microsoft.com/office/drawing/2014/main" id="{B224A730-B4EE-4602-A9E5-6EC8E493C5B2}"/>
+          <p:cNvPr id="6" name="TextBox 5">
+            <a:extLst>
+              <a:ext uri="{FF2B5EF4-FFF2-40B4-BE49-F238E27FC236}">
+                <a16:creationId xmlns:a16="http://schemas.microsoft.com/office/drawing/2014/main" id="{F63CBCA1-3C03-4CC6-9651-80900F80BEC7}"/>
               </a:ext>
             </a:extLst>
           </p:cNvPr>
@@ -8658,121 +9224,8 @@
         </p:nvSpPr>
         <p:spPr>
           <a:xfrm>
-            <a:off x="6887654" y="4258471"/>
-            <a:ext cx="3801041" cy="1754326"/>
-          </a:xfrm>
-          <a:prstGeom prst="rect">
-            <a:avLst/>
-          </a:prstGeom>
-          <a:noFill/>
-        </p:spPr>
-        <p:txBody>
-          <a:bodyPr wrap="none" rtlCol="0">
-            <a:spAutoFit/>
-          </a:bodyPr>
-          <a:lstStyle/>
-          <a:p>
-            <a:pPr algn="ctr"/>
-            <a:r>
-              <a:rPr lang="en-US" altLang="ko-KR" dirty="0">
-                <a:latin typeface="HY견고딕" panose="02030600000101010101" pitchFamily="18" charset="-127"/>
-                <a:ea typeface="HY견고딕" panose="02030600000101010101" pitchFamily="18" charset="-127"/>
-              </a:rPr>
-              <a:t>TCP/IP </a:t>
-            </a:r>
-            <a:r>
-              <a:rPr lang="ko-KR" altLang="en-US" dirty="0">
-                <a:latin typeface="HY견고딕" panose="02030600000101010101" pitchFamily="18" charset="-127"/>
-                <a:ea typeface="HY견고딕" panose="02030600000101010101" pitchFamily="18" charset="-127"/>
-              </a:rPr>
-              <a:t>서버를 활용 </a:t>
-            </a:r>
-            <a:endParaRPr lang="en-US" altLang="ko-KR" dirty="0">
-              <a:latin typeface="HY견고딕" panose="02030600000101010101" pitchFamily="18" charset="-127"/>
-              <a:ea typeface="HY견고딕" panose="02030600000101010101" pitchFamily="18" charset="-127"/>
-            </a:endParaRPr>
-          </a:p>
-          <a:p>
-            <a:pPr algn="ctr"/>
-            <a:r>
-              <a:rPr lang="ko-KR" altLang="en-US" dirty="0">
-                <a:latin typeface="HY견고딕" panose="02030600000101010101" pitchFamily="18" charset="-127"/>
-                <a:ea typeface="HY견고딕" panose="02030600000101010101" pitchFamily="18" charset="-127"/>
-              </a:rPr>
-              <a:t>업데이트 쓰레드를 통해</a:t>
-            </a:r>
-            <a:endParaRPr lang="en-US" altLang="ko-KR" dirty="0">
-              <a:latin typeface="HY견고딕" panose="02030600000101010101" pitchFamily="18" charset="-127"/>
-              <a:ea typeface="HY견고딕" panose="02030600000101010101" pitchFamily="18" charset="-127"/>
-            </a:endParaRPr>
-          </a:p>
-          <a:p>
-            <a:pPr algn="ctr"/>
-            <a:r>
-              <a:rPr lang="ko-KR" altLang="en-US" dirty="0">
-                <a:latin typeface="HY견고딕" panose="02030600000101010101" pitchFamily="18" charset="-127"/>
-                <a:ea typeface="HY견고딕" panose="02030600000101010101" pitchFamily="18" charset="-127"/>
-              </a:rPr>
-              <a:t>게임의 충돌처리 및 기타 연산 수행</a:t>
-            </a:r>
-            <a:endParaRPr lang="en-US" altLang="ko-KR" dirty="0">
-              <a:latin typeface="HY견고딕" panose="02030600000101010101" pitchFamily="18" charset="-127"/>
-              <a:ea typeface="HY견고딕" panose="02030600000101010101" pitchFamily="18" charset="-127"/>
-            </a:endParaRPr>
-          </a:p>
-          <a:p>
-            <a:pPr algn="ctr"/>
-            <a:endParaRPr lang="en-US" altLang="ko-KR" dirty="0">
-              <a:latin typeface="HY견고딕" panose="02030600000101010101" pitchFamily="18" charset="-127"/>
-              <a:ea typeface="HY견고딕" panose="02030600000101010101" pitchFamily="18" charset="-127"/>
-            </a:endParaRPr>
-          </a:p>
-          <a:p>
-            <a:pPr algn="ctr"/>
-            <a:r>
-              <a:rPr lang="ko-KR" altLang="en-US" dirty="0">
-                <a:latin typeface="HY견고딕" panose="02030600000101010101" pitchFamily="18" charset="-127"/>
-                <a:ea typeface="HY견고딕" panose="02030600000101010101" pitchFamily="18" charset="-127"/>
-              </a:rPr>
-              <a:t>플레이어의 키 입력만 전송</a:t>
-            </a:r>
-            <a:endParaRPr lang="en-US" altLang="ko-KR" dirty="0">
-              <a:latin typeface="HY견고딕" panose="02030600000101010101" pitchFamily="18" charset="-127"/>
-              <a:ea typeface="HY견고딕" panose="02030600000101010101" pitchFamily="18" charset="-127"/>
-            </a:endParaRPr>
-          </a:p>
-          <a:p>
-            <a:pPr algn="ctr"/>
-            <a:r>
-              <a:rPr lang="ko-KR" altLang="en-US" dirty="0">
-                <a:latin typeface="HY견고딕" panose="02030600000101010101" pitchFamily="18" charset="-127"/>
-                <a:ea typeface="HY견고딕" panose="02030600000101010101" pitchFamily="18" charset="-127"/>
-              </a:rPr>
-              <a:t>클라이언트의 부담 최소화</a:t>
-            </a:r>
-            <a:endParaRPr lang="en-US" altLang="ko-KR" dirty="0">
-              <a:latin typeface="HY견고딕" panose="02030600000101010101" pitchFamily="18" charset="-127"/>
-              <a:ea typeface="HY견고딕" panose="02030600000101010101" pitchFamily="18" charset="-127"/>
-            </a:endParaRPr>
-          </a:p>
-        </p:txBody>
-      </p:sp>
-      <p:sp>
-        <p:nvSpPr>
-          <p:cNvPr id="6" name="TextBox 5">
-            <a:extLst>
-              <a:ext uri="{FF2B5EF4-FFF2-40B4-BE49-F238E27FC236}">
-                <a16:creationId xmlns:a16="http://schemas.microsoft.com/office/drawing/2014/main" id="{F63CBCA1-3C03-4CC6-9651-80900F80BEC7}"/>
-              </a:ext>
-            </a:extLst>
-          </p:cNvPr>
-          <p:cNvSpPr txBox="1"/>
-          <p:nvPr/>
-        </p:nvSpPr>
-        <p:spPr>
-          <a:xfrm>
             <a:off x="1347787" y="59067"/>
-            <a:ext cx="2629246" cy="769441"/>
+            <a:ext cx="3757760" cy="769441"/>
           </a:xfrm>
           <a:prstGeom prst="rect">
             <a:avLst/>
@@ -8793,7 +9246,7 @@
                 <a:latin typeface="HY헤드라인M" panose="02030600000101010101" pitchFamily="18" charset="-127"/>
                 <a:ea typeface="HY헤드라인M" panose="02030600000101010101" pitchFamily="18" charset="-127"/>
               </a:rPr>
-              <a:t>주요 기능</a:t>
+              <a:t>프로젝트 소개</a:t>
             </a:r>
           </a:p>
         </p:txBody>
@@ -8843,10 +9296,10 @@
       </p:cxnSp>
       <p:sp>
         <p:nvSpPr>
-          <p:cNvPr id="8" name="TextBox 7">
-            <a:extLst>
-              <a:ext uri="{FF2B5EF4-FFF2-40B4-BE49-F238E27FC236}">
-                <a16:creationId xmlns:a16="http://schemas.microsoft.com/office/drawing/2014/main" id="{A5E45EE4-FEC5-4DD5-9164-6B867734C712}"/>
+          <p:cNvPr id="20" name="TextBox 19">
+            <a:extLst>
+              <a:ext uri="{FF2B5EF4-FFF2-40B4-BE49-F238E27FC236}">
+                <a16:creationId xmlns:a16="http://schemas.microsoft.com/office/drawing/2014/main" id="{29F6A286-96DE-48A4-BD35-460FEE482F63}"/>
               </a:ext>
             </a:extLst>
           </p:cNvPr>
@@ -8855,60 +9308,13 @@
         </p:nvSpPr>
         <p:spPr>
           <a:xfrm>
-            <a:off x="10207499" y="6283173"/>
-            <a:ext cx="809837" cy="369332"/>
+            <a:off x="1347787" y="2101290"/>
+            <a:ext cx="4748213" cy="3139321"/>
           </a:xfrm>
           <a:prstGeom prst="rect">
             <a:avLst/>
           </a:prstGeom>
           <a:noFill/>
-        </p:spPr>
-        <p:txBody>
-          <a:bodyPr wrap="none" rtlCol="0">
-            <a:spAutoFit/>
-          </a:bodyPr>
-          <a:lstStyle/>
-          <a:p>
-            <a:r>
-              <a:rPr lang="en-US" altLang="ko-KR" dirty="0">
-                <a:latin typeface="HY헤드라인M" panose="02030600000101010101" pitchFamily="18" charset="-127"/>
-                <a:ea typeface="HY헤드라인M" panose="02030600000101010101" pitchFamily="18" charset="-127"/>
-              </a:rPr>
-              <a:t>04/14</a:t>
-            </a:r>
-            <a:endParaRPr lang="ko-KR" altLang="en-US" dirty="0">
-              <a:latin typeface="HY헤드라인M" panose="02030600000101010101" pitchFamily="18" charset="-127"/>
-              <a:ea typeface="HY헤드라인M" panose="02030600000101010101" pitchFamily="18" charset="-127"/>
-            </a:endParaRPr>
-          </a:p>
-        </p:txBody>
-      </p:sp>
-      <p:sp>
-        <p:nvSpPr>
-          <p:cNvPr id="9" name="TextBox 8">
-            <a:extLst>
-              <a:ext uri="{FF2B5EF4-FFF2-40B4-BE49-F238E27FC236}">
-                <a16:creationId xmlns:a16="http://schemas.microsoft.com/office/drawing/2014/main" id="{37DE6653-15B4-409B-B7E3-C0CC30A5A65D}"/>
-              </a:ext>
-            </a:extLst>
-          </p:cNvPr>
-          <p:cNvSpPr txBox="1"/>
-          <p:nvPr/>
-        </p:nvSpPr>
-        <p:spPr>
-          <a:xfrm>
-            <a:off x="2083245" y="1761744"/>
-            <a:ext cx="1708825" cy="369332"/>
-          </a:xfrm>
-          <a:prstGeom prst="rect">
-            <a:avLst/>
-          </a:prstGeom>
-          <a:noFill/>
-          <a:ln w="19050">
-            <a:solidFill>
-              <a:schemeClr val="tx1"/>
-            </a:solidFill>
-          </a:ln>
         </p:spPr>
         <p:txBody>
           <a:bodyPr wrap="square" rtlCol="0">
@@ -8916,20 +9322,162 @@
           </a:bodyPr>
           <a:lstStyle/>
           <a:p>
-            <a:pPr algn="ctr"/>
-            <a:r>
-              <a:rPr lang="ko-KR" altLang="en-US" dirty="0"/>
-              <a:t>클라이언트</a:t>
-            </a:r>
-          </a:p>
-        </p:txBody>
-      </p:sp>
-      <p:sp>
-        <p:nvSpPr>
-          <p:cNvPr id="13" name="TextBox 12">
-            <a:extLst>
-              <a:ext uri="{FF2B5EF4-FFF2-40B4-BE49-F238E27FC236}">
-                <a16:creationId xmlns:a16="http://schemas.microsoft.com/office/drawing/2014/main" id="{8AB5C466-E397-4671-A928-FCFF55F0778D}"/>
+            <a:pPr marL="285750" indent="-285750">
+              <a:buFont typeface="Wingdings" panose="05000000000000000000" pitchFamily="2" charset="2"/>
+              <a:buChar char="§"/>
+            </a:pPr>
+            <a:endParaRPr lang="en-US" altLang="ko-KR" sz="2000" dirty="0">
+              <a:latin typeface="HY견고딕" panose="02030600000101010101" pitchFamily="18" charset="-127"/>
+              <a:ea typeface="HY견고딕" panose="02030600000101010101" pitchFamily="18" charset="-127"/>
+            </a:endParaRPr>
+          </a:p>
+          <a:p>
+            <a:pPr marL="285750" indent="-285750">
+              <a:buFont typeface="Wingdings" panose="05000000000000000000" pitchFamily="2" charset="2"/>
+              <a:buChar char="§"/>
+            </a:pPr>
+            <a:r>
+              <a:rPr lang="ko-KR" altLang="en-US" sz="2000" dirty="0">
+                <a:latin typeface="HY견고딕" panose="02030600000101010101" pitchFamily="18" charset="-127"/>
+                <a:ea typeface="HY견고딕" panose="02030600000101010101" pitchFamily="18" charset="-127"/>
+              </a:rPr>
+              <a:t>플레이어 움직이기</a:t>
+            </a:r>
+            <a:endParaRPr lang="en-US" altLang="ko-KR" sz="2000" dirty="0">
+              <a:latin typeface="HY견고딕" panose="02030600000101010101" pitchFamily="18" charset="-127"/>
+              <a:ea typeface="HY견고딕" panose="02030600000101010101" pitchFamily="18" charset="-127"/>
+            </a:endParaRPr>
+          </a:p>
+          <a:p>
+            <a:pPr marL="742950" lvl="1" indent="-285750">
+              <a:buFont typeface="Wingdings" panose="05000000000000000000" pitchFamily="2" charset="2"/>
+              <a:buChar char="§"/>
+            </a:pPr>
+            <a:r>
+              <a:rPr lang="ko-KR" altLang="en-US" sz="2000" dirty="0">
+                <a:latin typeface="HY견고딕" panose="02030600000101010101" pitchFamily="18" charset="-127"/>
+                <a:ea typeface="HY견고딕" panose="02030600000101010101" pitchFamily="18" charset="-127"/>
+              </a:rPr>
+              <a:t>키보드 방향키 ←</a:t>
+            </a:r>
+            <a:r>
+              <a:rPr lang="en-US" altLang="ko-KR" sz="2000" dirty="0">
+                <a:latin typeface="HY견고딕" panose="02030600000101010101" pitchFamily="18" charset="-127"/>
+                <a:ea typeface="HY견고딕" panose="02030600000101010101" pitchFamily="18" charset="-127"/>
+              </a:rPr>
+              <a:t>, </a:t>
+            </a:r>
+            <a:r>
+              <a:rPr lang="ko-KR" altLang="en-US" sz="2000" dirty="0">
+                <a:latin typeface="HY견고딕" panose="02030600000101010101" pitchFamily="18" charset="-127"/>
+                <a:ea typeface="HY견고딕" panose="02030600000101010101" pitchFamily="18" charset="-127"/>
+              </a:rPr>
+              <a:t>→</a:t>
+            </a:r>
+            <a:endParaRPr lang="en-US" altLang="ko-KR" sz="2000" dirty="0">
+              <a:latin typeface="HY견고딕" panose="02030600000101010101" pitchFamily="18" charset="-127"/>
+              <a:ea typeface="HY견고딕" panose="02030600000101010101" pitchFamily="18" charset="-127"/>
+            </a:endParaRPr>
+          </a:p>
+          <a:p>
+            <a:pPr marL="285750" indent="-285750">
+              <a:buFont typeface="Wingdings" panose="05000000000000000000" pitchFamily="2" charset="2"/>
+              <a:buChar char="§"/>
+            </a:pPr>
+            <a:endParaRPr lang="en-US" altLang="ko-KR" sz="2000" dirty="0">
+              <a:latin typeface="HY견고딕" panose="02030600000101010101" pitchFamily="18" charset="-127"/>
+              <a:ea typeface="HY견고딕" panose="02030600000101010101" pitchFamily="18" charset="-127"/>
+            </a:endParaRPr>
+          </a:p>
+          <a:p>
+            <a:pPr marL="285750" indent="-285750">
+              <a:buFont typeface="Wingdings" panose="05000000000000000000" pitchFamily="2" charset="2"/>
+              <a:buChar char="§"/>
+            </a:pPr>
+            <a:r>
+              <a:rPr lang="ko-KR" altLang="en-US" sz="2000" dirty="0">
+                <a:latin typeface="HY견고딕" panose="02030600000101010101" pitchFamily="18" charset="-127"/>
+                <a:ea typeface="HY견고딕" panose="02030600000101010101" pitchFamily="18" charset="-127"/>
+              </a:rPr>
+              <a:t>총알 발사</a:t>
+            </a:r>
+            <a:endParaRPr lang="en-US" altLang="ko-KR" sz="2000" dirty="0">
+              <a:latin typeface="HY견고딕" panose="02030600000101010101" pitchFamily="18" charset="-127"/>
+              <a:ea typeface="HY견고딕" panose="02030600000101010101" pitchFamily="18" charset="-127"/>
+            </a:endParaRPr>
+          </a:p>
+          <a:p>
+            <a:pPr marL="742950" lvl="1" indent="-285750">
+              <a:buFont typeface="Wingdings" panose="05000000000000000000" pitchFamily="2" charset="2"/>
+              <a:buChar char="§"/>
+            </a:pPr>
+            <a:r>
+              <a:rPr lang="ko-KR" altLang="en-US" sz="2000" dirty="0">
+                <a:latin typeface="HY견고딕" panose="02030600000101010101" pitchFamily="18" charset="-127"/>
+                <a:ea typeface="HY견고딕" panose="02030600000101010101" pitchFamily="18" charset="-127"/>
+              </a:rPr>
+              <a:t>스페이스바</a:t>
+            </a:r>
+            <a:endParaRPr lang="en-US" altLang="ko-KR" sz="2000" dirty="0">
+              <a:latin typeface="HY견고딕" panose="02030600000101010101" pitchFamily="18" charset="-127"/>
+              <a:ea typeface="HY견고딕" panose="02030600000101010101" pitchFamily="18" charset="-127"/>
+            </a:endParaRPr>
+          </a:p>
+          <a:p>
+            <a:pPr marL="285750" indent="-285750">
+              <a:buFont typeface="Wingdings" panose="05000000000000000000" pitchFamily="2" charset="2"/>
+              <a:buChar char="§"/>
+            </a:pPr>
+            <a:endParaRPr lang="en-US" altLang="ko-KR" sz="2000" dirty="0">
+              <a:latin typeface="HY견고딕" panose="02030600000101010101" pitchFamily="18" charset="-127"/>
+              <a:ea typeface="HY견고딕" panose="02030600000101010101" pitchFamily="18" charset="-127"/>
+            </a:endParaRPr>
+          </a:p>
+          <a:p>
+            <a:pPr marL="285750" indent="-285750">
+              <a:buFont typeface="Wingdings" panose="05000000000000000000" pitchFamily="2" charset="2"/>
+              <a:buChar char="§"/>
+            </a:pPr>
+            <a:r>
+              <a:rPr lang="ko-KR" altLang="en-US" sz="2000" dirty="0" err="1">
+                <a:latin typeface="HY견고딕" panose="02030600000101010101" pitchFamily="18" charset="-127"/>
+                <a:ea typeface="HY견고딕" panose="02030600000101010101" pitchFamily="18" charset="-127"/>
+              </a:rPr>
+              <a:t>치트키</a:t>
+            </a:r>
+            <a:endParaRPr lang="en-US" altLang="ko-KR" sz="2000" dirty="0">
+              <a:latin typeface="HY견고딕" panose="02030600000101010101" pitchFamily="18" charset="-127"/>
+              <a:ea typeface="HY견고딕" panose="02030600000101010101" pitchFamily="18" charset="-127"/>
+            </a:endParaRPr>
+          </a:p>
+          <a:p>
+            <a:pPr marL="742950" lvl="1" indent="-285750">
+              <a:buFont typeface="Wingdings" panose="05000000000000000000" pitchFamily="2" charset="2"/>
+              <a:buChar char="§"/>
+            </a:pPr>
+            <a:r>
+              <a:rPr lang="en-US" altLang="ko-KR" sz="2000" dirty="0">
+                <a:latin typeface="HY견고딕" panose="02030600000101010101" pitchFamily="18" charset="-127"/>
+                <a:ea typeface="HY견고딕" panose="02030600000101010101" pitchFamily="18" charset="-127"/>
+              </a:rPr>
+              <a:t>F2</a:t>
+            </a:r>
+          </a:p>
+          <a:p>
+            <a:pPr lvl="2"/>
+            <a:endParaRPr lang="en-US" altLang="ko-KR" dirty="0">
+              <a:latin typeface="HY견고딕" panose="02030600000101010101" pitchFamily="18" charset="-127"/>
+              <a:ea typeface="HY견고딕" panose="02030600000101010101" pitchFamily="18" charset="-127"/>
+            </a:endParaRPr>
+          </a:p>
+        </p:txBody>
+      </p:sp>
+      <p:sp>
+        <p:nvSpPr>
+          <p:cNvPr id="22" name="TextBox 21">
+            <a:extLst>
+              <a:ext uri="{FF2B5EF4-FFF2-40B4-BE49-F238E27FC236}">
+                <a16:creationId xmlns:a16="http://schemas.microsoft.com/office/drawing/2014/main" id="{5F706C3A-04EA-4D17-B4A6-B8D130BC09B6}"/>
               </a:ext>
             </a:extLst>
           </p:cNvPr>
@@ -8938,18 +9486,13 @@
         </p:nvSpPr>
         <p:spPr>
           <a:xfrm>
-            <a:off x="2083246" y="3941875"/>
-            <a:ext cx="1708825" cy="369332"/>
+            <a:off x="6095999" y="2101290"/>
+            <a:ext cx="4748213" cy="4401205"/>
           </a:xfrm>
           <a:prstGeom prst="rect">
             <a:avLst/>
           </a:prstGeom>
           <a:noFill/>
-          <a:ln w="19050">
-            <a:solidFill>
-              <a:schemeClr val="tx1"/>
-            </a:solidFill>
-          </a:ln>
         </p:spPr>
         <p:txBody>
           <a:bodyPr wrap="square" rtlCol="0">
@@ -8957,21 +9500,371 @@
           </a:bodyPr>
           <a:lstStyle/>
           <a:p>
-            <a:pPr algn="ctr"/>
-            <a:r>
-              <a:rPr lang="en-US" altLang="ko-KR" dirty="0"/>
-              <a:t>Update</a:t>
-            </a:r>
-            <a:endParaRPr lang="ko-KR" altLang="en-US" dirty="0"/>
-          </a:p>
-        </p:txBody>
-      </p:sp>
-      <p:sp>
-        <p:nvSpPr>
-          <p:cNvPr id="15" name="TextBox 14">
-            <a:extLst>
-              <a:ext uri="{FF2B5EF4-FFF2-40B4-BE49-F238E27FC236}">
-                <a16:creationId xmlns:a16="http://schemas.microsoft.com/office/drawing/2014/main" id="{6C054752-3823-4703-BD49-425FD4383CEA}"/>
+            <a:pPr marL="285750" indent="-285750">
+              <a:buFont typeface="Wingdings" panose="05000000000000000000" pitchFamily="2" charset="2"/>
+              <a:buChar char="§"/>
+            </a:pPr>
+            <a:endParaRPr lang="en-US" altLang="ko-KR" dirty="0">
+              <a:latin typeface="HY견고딕" panose="02030600000101010101" pitchFamily="18" charset="-127"/>
+              <a:ea typeface="HY견고딕" panose="02030600000101010101" pitchFamily="18" charset="-127"/>
+            </a:endParaRPr>
+          </a:p>
+          <a:p>
+            <a:pPr marL="285750" indent="-285750">
+              <a:buFont typeface="Wingdings" panose="05000000000000000000" pitchFamily="2" charset="2"/>
+              <a:buChar char="§"/>
+            </a:pPr>
+            <a:r>
+              <a:rPr lang="ko-KR" altLang="en-US" sz="1600" dirty="0">
+                <a:latin typeface="HY견고딕" panose="02030600000101010101" pitchFamily="18" charset="-127"/>
+                <a:ea typeface="HY견고딕" panose="02030600000101010101" pitchFamily="18" charset="-127"/>
+              </a:rPr>
+              <a:t>게임 스테이지내의 공들을 다 제거하면 </a:t>
+            </a:r>
+            <a:r>
+              <a:rPr lang="en-US" altLang="ko-KR" sz="1600" dirty="0">
+                <a:latin typeface="HY견고딕" panose="02030600000101010101" pitchFamily="18" charset="-127"/>
+                <a:ea typeface="HY견고딕" panose="02030600000101010101" pitchFamily="18" charset="-127"/>
+              </a:rPr>
+              <a:t> 5</a:t>
+            </a:r>
+            <a:r>
+              <a:rPr lang="ko-KR" altLang="en-US" sz="1600" dirty="0">
+                <a:latin typeface="HY견고딕" panose="02030600000101010101" pitchFamily="18" charset="-127"/>
+                <a:ea typeface="HY견고딕" panose="02030600000101010101" pitchFamily="18" charset="-127"/>
+              </a:rPr>
+              <a:t>초 후</a:t>
+            </a:r>
+            <a:r>
+              <a:rPr lang="en-US" altLang="ko-KR" sz="1600" dirty="0">
+                <a:latin typeface="HY견고딕" panose="02030600000101010101" pitchFamily="18" charset="-127"/>
+                <a:ea typeface="HY견고딕" panose="02030600000101010101" pitchFamily="18" charset="-127"/>
+              </a:rPr>
+              <a:t>, </a:t>
+            </a:r>
+            <a:r>
+              <a:rPr lang="ko-KR" altLang="en-US" sz="1600" dirty="0">
+                <a:latin typeface="HY견고딕" panose="02030600000101010101" pitchFamily="18" charset="-127"/>
+                <a:ea typeface="HY견고딕" panose="02030600000101010101" pitchFamily="18" charset="-127"/>
+              </a:rPr>
+              <a:t>다음 스테이지로 이동합니다</a:t>
+            </a:r>
+            <a:r>
+              <a:rPr lang="en-US" altLang="ko-KR" sz="1600" dirty="0">
+                <a:latin typeface="HY견고딕" panose="02030600000101010101" pitchFamily="18" charset="-127"/>
+                <a:ea typeface="HY견고딕" panose="02030600000101010101" pitchFamily="18" charset="-127"/>
+              </a:rPr>
+              <a:t>.</a:t>
+            </a:r>
+          </a:p>
+          <a:p>
+            <a:pPr marL="285750" indent="-285750">
+              <a:buFont typeface="Wingdings" panose="05000000000000000000" pitchFamily="2" charset="2"/>
+              <a:buChar char="§"/>
+            </a:pPr>
+            <a:endParaRPr lang="en-US" altLang="ko-KR" sz="1600" dirty="0">
+              <a:latin typeface="HY견고딕" panose="02030600000101010101" pitchFamily="18" charset="-127"/>
+              <a:ea typeface="HY견고딕" panose="02030600000101010101" pitchFamily="18" charset="-127"/>
+            </a:endParaRPr>
+          </a:p>
+          <a:p>
+            <a:pPr marL="285750" indent="-285750">
+              <a:buFont typeface="Wingdings" panose="05000000000000000000" pitchFamily="2" charset="2"/>
+              <a:buChar char="§"/>
+            </a:pPr>
+            <a:r>
+              <a:rPr lang="ko-KR" altLang="en-US" sz="1600" dirty="0">
+                <a:latin typeface="HY견고딕" panose="02030600000101010101" pitchFamily="18" charset="-127"/>
+                <a:ea typeface="HY견고딕" panose="02030600000101010101" pitchFamily="18" charset="-127"/>
+              </a:rPr>
+              <a:t>총 스테이지는 </a:t>
+            </a:r>
+            <a:r>
+              <a:rPr lang="en-US" altLang="ko-KR" sz="1600" dirty="0">
+                <a:latin typeface="HY견고딕" panose="02030600000101010101" pitchFamily="18" charset="-127"/>
+                <a:ea typeface="HY견고딕" panose="02030600000101010101" pitchFamily="18" charset="-127"/>
+              </a:rPr>
+              <a:t>3</a:t>
+            </a:r>
+            <a:r>
+              <a:rPr lang="ko-KR" altLang="en-US" sz="1600" dirty="0">
+                <a:latin typeface="HY견고딕" panose="02030600000101010101" pitchFamily="18" charset="-127"/>
+                <a:ea typeface="HY견고딕" panose="02030600000101010101" pitchFamily="18" charset="-127"/>
+              </a:rPr>
+              <a:t>개입니다</a:t>
+            </a:r>
+            <a:r>
+              <a:rPr lang="en-US" altLang="ko-KR" sz="1600" dirty="0">
+                <a:latin typeface="HY견고딕" panose="02030600000101010101" pitchFamily="18" charset="-127"/>
+                <a:ea typeface="HY견고딕" panose="02030600000101010101" pitchFamily="18" charset="-127"/>
+              </a:rPr>
+              <a:t>.</a:t>
+            </a:r>
+          </a:p>
+          <a:p>
+            <a:pPr marL="285750" indent="-285750">
+              <a:buFont typeface="Wingdings" panose="05000000000000000000" pitchFamily="2" charset="2"/>
+              <a:buChar char="§"/>
+            </a:pPr>
+            <a:endParaRPr lang="en-US" altLang="ko-KR" sz="1600" dirty="0">
+              <a:latin typeface="HY견고딕" panose="02030600000101010101" pitchFamily="18" charset="-127"/>
+              <a:ea typeface="HY견고딕" panose="02030600000101010101" pitchFamily="18" charset="-127"/>
+            </a:endParaRPr>
+          </a:p>
+          <a:p>
+            <a:pPr marL="285750" indent="-285750">
+              <a:buFont typeface="Wingdings" panose="05000000000000000000" pitchFamily="2" charset="2"/>
+              <a:buChar char="§"/>
+            </a:pPr>
+            <a:r>
+              <a:rPr lang="ko-KR" altLang="en-US" sz="1600" dirty="0">
+                <a:latin typeface="HY견고딕" panose="02030600000101010101" pitchFamily="18" charset="-127"/>
+                <a:ea typeface="HY견고딕" panose="02030600000101010101" pitchFamily="18" charset="-127"/>
+              </a:rPr>
+              <a:t>캐릭터 당 총알은 최대 </a:t>
+            </a:r>
+            <a:r>
+              <a:rPr lang="en-US" altLang="ko-KR" sz="1600" dirty="0">
+                <a:latin typeface="HY견고딕" panose="02030600000101010101" pitchFamily="18" charset="-127"/>
+                <a:ea typeface="HY견고딕" panose="02030600000101010101" pitchFamily="18" charset="-127"/>
+              </a:rPr>
+              <a:t>5</a:t>
+            </a:r>
+            <a:r>
+              <a:rPr lang="ko-KR" altLang="en-US" sz="1600" dirty="0">
+                <a:latin typeface="HY견고딕" panose="02030600000101010101" pitchFamily="18" charset="-127"/>
+                <a:ea typeface="HY견고딕" panose="02030600000101010101" pitchFamily="18" charset="-127"/>
+              </a:rPr>
+              <a:t>발이며</a:t>
+            </a:r>
+            <a:r>
+              <a:rPr lang="en-US" altLang="ko-KR" sz="1600" dirty="0">
+                <a:latin typeface="HY견고딕" panose="02030600000101010101" pitchFamily="18" charset="-127"/>
+                <a:ea typeface="HY견고딕" panose="02030600000101010101" pitchFamily="18" charset="-127"/>
+              </a:rPr>
+              <a:t>, </a:t>
+            </a:r>
+            <a:r>
+              <a:rPr lang="ko-KR" altLang="en-US" sz="1600" dirty="0">
+                <a:latin typeface="HY견고딕" panose="02030600000101010101" pitchFamily="18" charset="-127"/>
+                <a:ea typeface="HY견고딕" panose="02030600000101010101" pitchFamily="18" charset="-127"/>
+              </a:rPr>
+              <a:t>시작 시 총알은 </a:t>
+            </a:r>
+            <a:r>
+              <a:rPr lang="en-US" altLang="ko-KR" sz="1600" dirty="0">
+                <a:latin typeface="HY견고딕" panose="02030600000101010101" pitchFamily="18" charset="-127"/>
+                <a:ea typeface="HY견고딕" panose="02030600000101010101" pitchFamily="18" charset="-127"/>
+              </a:rPr>
+              <a:t>2</a:t>
+            </a:r>
+            <a:r>
+              <a:rPr lang="ko-KR" altLang="en-US" sz="1600" dirty="0">
+                <a:latin typeface="HY견고딕" panose="02030600000101010101" pitchFamily="18" charset="-127"/>
+                <a:ea typeface="HY견고딕" panose="02030600000101010101" pitchFamily="18" charset="-127"/>
+              </a:rPr>
+              <a:t>발을 기본적으로 제공합니다</a:t>
+            </a:r>
+            <a:r>
+              <a:rPr lang="en-US" altLang="ko-KR" sz="1600" dirty="0">
+                <a:latin typeface="HY견고딕" panose="02030600000101010101" pitchFamily="18" charset="-127"/>
+                <a:ea typeface="HY견고딕" panose="02030600000101010101" pitchFamily="18" charset="-127"/>
+              </a:rPr>
+              <a:t>.</a:t>
+            </a:r>
+          </a:p>
+          <a:p>
+            <a:pPr marL="285750" indent="-285750">
+              <a:buFont typeface="Wingdings" panose="05000000000000000000" pitchFamily="2" charset="2"/>
+              <a:buChar char="§"/>
+            </a:pPr>
+            <a:endParaRPr lang="en-US" altLang="ko-KR" sz="1600" dirty="0">
+              <a:latin typeface="HY견고딕" panose="02030600000101010101" pitchFamily="18" charset="-127"/>
+              <a:ea typeface="HY견고딕" panose="02030600000101010101" pitchFamily="18" charset="-127"/>
+            </a:endParaRPr>
+          </a:p>
+          <a:p>
+            <a:pPr marL="285750" indent="-285750">
+              <a:buFont typeface="Wingdings" panose="05000000000000000000" pitchFamily="2" charset="2"/>
+              <a:buChar char="§"/>
+            </a:pPr>
+            <a:r>
+              <a:rPr lang="en-US" altLang="ko-KR" sz="1600" dirty="0">
+                <a:latin typeface="HY견고딕" panose="02030600000101010101" pitchFamily="18" charset="-127"/>
+                <a:ea typeface="HY견고딕" panose="02030600000101010101" pitchFamily="18" charset="-127"/>
+              </a:rPr>
+              <a:t>HP</a:t>
+            </a:r>
+            <a:r>
+              <a:rPr lang="ko-KR" altLang="en-US" sz="1600" dirty="0">
+                <a:latin typeface="HY견고딕" panose="02030600000101010101" pitchFamily="18" charset="-127"/>
+                <a:ea typeface="HY견고딕" panose="02030600000101010101" pitchFamily="18" charset="-127"/>
+              </a:rPr>
+              <a:t>는 </a:t>
+            </a:r>
+            <a:r>
+              <a:rPr lang="en-US" altLang="ko-KR" sz="1600" dirty="0">
+                <a:latin typeface="HY견고딕" panose="02030600000101010101" pitchFamily="18" charset="-127"/>
+                <a:ea typeface="HY견고딕" panose="02030600000101010101" pitchFamily="18" charset="-127"/>
+              </a:rPr>
+              <a:t>3</a:t>
+            </a:r>
+            <a:r>
+              <a:rPr lang="ko-KR" altLang="en-US" sz="1600" dirty="0">
+                <a:latin typeface="HY견고딕" panose="02030600000101010101" pitchFamily="18" charset="-127"/>
+                <a:ea typeface="HY견고딕" panose="02030600000101010101" pitchFamily="18" charset="-127"/>
+              </a:rPr>
+              <a:t>씩 제공합니다</a:t>
+            </a:r>
+            <a:r>
+              <a:rPr lang="en-US" altLang="ko-KR" sz="1600" dirty="0">
+                <a:latin typeface="HY견고딕" panose="02030600000101010101" pitchFamily="18" charset="-127"/>
+                <a:ea typeface="HY견고딕" panose="02030600000101010101" pitchFamily="18" charset="-127"/>
+              </a:rPr>
+              <a:t>. </a:t>
+            </a:r>
+          </a:p>
+          <a:p>
+            <a:pPr marL="285750" indent="-285750">
+              <a:buFont typeface="Wingdings" panose="05000000000000000000" pitchFamily="2" charset="2"/>
+              <a:buChar char="§"/>
+            </a:pPr>
+            <a:endParaRPr lang="en-US" altLang="ko-KR" sz="1600" dirty="0">
+              <a:latin typeface="HY견고딕" panose="02030600000101010101" pitchFamily="18" charset="-127"/>
+              <a:ea typeface="HY견고딕" panose="02030600000101010101" pitchFamily="18" charset="-127"/>
+            </a:endParaRPr>
+          </a:p>
+          <a:p>
+            <a:pPr marL="285750" indent="-285750">
+              <a:buFont typeface="Wingdings" panose="05000000000000000000" pitchFamily="2" charset="2"/>
+              <a:buChar char="§"/>
+            </a:pPr>
+            <a:r>
+              <a:rPr lang="ko-KR" altLang="en-US" sz="1600" dirty="0">
+                <a:latin typeface="HY견고딕" panose="02030600000101010101" pitchFamily="18" charset="-127"/>
+                <a:ea typeface="HY견고딕" panose="02030600000101010101" pitchFamily="18" charset="-127"/>
+              </a:rPr>
+              <a:t>타일이나</a:t>
+            </a:r>
+            <a:r>
+              <a:rPr lang="en-US" altLang="ko-KR" sz="1600" dirty="0">
+                <a:latin typeface="HY견고딕" panose="02030600000101010101" pitchFamily="18" charset="-127"/>
+                <a:ea typeface="HY견고딕" panose="02030600000101010101" pitchFamily="18" charset="-127"/>
+              </a:rPr>
+              <a:t> </a:t>
+            </a:r>
+            <a:r>
+              <a:rPr lang="ko-KR" altLang="en-US" sz="1600" dirty="0">
+                <a:latin typeface="HY견고딕" panose="02030600000101010101" pitchFamily="18" charset="-127"/>
+                <a:ea typeface="HY견고딕" panose="02030600000101010101" pitchFamily="18" charset="-127"/>
+              </a:rPr>
+              <a:t>공을 제거 시 </a:t>
+            </a:r>
+            <a:r>
+              <a:rPr lang="en-US" altLang="ko-KR" sz="1600" dirty="0">
+                <a:latin typeface="HY견고딕" panose="02030600000101010101" pitchFamily="18" charset="-127"/>
+                <a:ea typeface="HY견고딕" panose="02030600000101010101" pitchFamily="18" charset="-127"/>
+              </a:rPr>
+              <a:t>30% </a:t>
+            </a:r>
+            <a:r>
+              <a:rPr lang="ko-KR" altLang="en-US" sz="1600" dirty="0">
+                <a:latin typeface="HY견고딕" panose="02030600000101010101" pitchFamily="18" charset="-127"/>
+                <a:ea typeface="HY견고딕" panose="02030600000101010101" pitchFamily="18" charset="-127"/>
+              </a:rPr>
+              <a:t>확률로 아이템이 </a:t>
+            </a:r>
+            <a:r>
+              <a:rPr lang="ko-KR" altLang="en-US" sz="1600" dirty="0" err="1">
+                <a:latin typeface="HY견고딕" panose="02030600000101010101" pitchFamily="18" charset="-127"/>
+                <a:ea typeface="HY견고딕" panose="02030600000101010101" pitchFamily="18" charset="-127"/>
+              </a:rPr>
+              <a:t>드랍됩니다</a:t>
+            </a:r>
+            <a:r>
+              <a:rPr lang="en-US" altLang="ko-KR" sz="1600" dirty="0">
+                <a:latin typeface="HY견고딕" panose="02030600000101010101" pitchFamily="18" charset="-127"/>
+                <a:ea typeface="HY견고딕" panose="02030600000101010101" pitchFamily="18" charset="-127"/>
+              </a:rPr>
+              <a:t>.</a:t>
+            </a:r>
+          </a:p>
+          <a:p>
+            <a:pPr marL="285750" indent="-285750">
+              <a:buFont typeface="Wingdings" panose="05000000000000000000" pitchFamily="2" charset="2"/>
+              <a:buChar char="§"/>
+            </a:pPr>
+            <a:endParaRPr lang="en-US" altLang="ko-KR" sz="1600" dirty="0">
+              <a:latin typeface="HY견고딕" panose="02030600000101010101" pitchFamily="18" charset="-127"/>
+              <a:ea typeface="HY견고딕" panose="02030600000101010101" pitchFamily="18" charset="-127"/>
+            </a:endParaRPr>
+          </a:p>
+          <a:p>
+            <a:pPr marL="285750" indent="-285750">
+              <a:buFont typeface="Wingdings" panose="05000000000000000000" pitchFamily="2" charset="2"/>
+              <a:buChar char="§"/>
+            </a:pPr>
+            <a:r>
+              <a:rPr lang="ko-KR" altLang="en-US" sz="1600" dirty="0">
+                <a:latin typeface="HY견고딕" panose="02030600000101010101" pitchFamily="18" charset="-127"/>
+                <a:ea typeface="HY견고딕" panose="02030600000101010101" pitchFamily="18" charset="-127"/>
+              </a:rPr>
+              <a:t>아이템은 시간정지</a:t>
+            </a:r>
+            <a:r>
+              <a:rPr lang="en-US" altLang="ko-KR" sz="1600" dirty="0">
+                <a:latin typeface="HY견고딕" panose="02030600000101010101" pitchFamily="18" charset="-127"/>
+                <a:ea typeface="HY견고딕" panose="02030600000101010101" pitchFamily="18" charset="-127"/>
+              </a:rPr>
+              <a:t>, </a:t>
+            </a:r>
+            <a:r>
+              <a:rPr lang="ko-KR" altLang="en-US" sz="1600" dirty="0">
+                <a:latin typeface="HY견고딕" panose="02030600000101010101" pitchFamily="18" charset="-127"/>
+                <a:ea typeface="HY견고딕" panose="02030600000101010101" pitchFamily="18" charset="-127"/>
+              </a:rPr>
+              <a:t>총알 개수 추가</a:t>
+            </a:r>
+            <a:r>
+              <a:rPr lang="en-US" altLang="ko-KR" sz="1600" dirty="0">
+                <a:latin typeface="HY견고딕" panose="02030600000101010101" pitchFamily="18" charset="-127"/>
+                <a:ea typeface="HY견고딕" panose="02030600000101010101" pitchFamily="18" charset="-127"/>
+              </a:rPr>
+              <a:t>, </a:t>
+            </a:r>
+            <a:r>
+              <a:rPr lang="ko-KR" altLang="en-US" sz="1600" dirty="0">
+                <a:latin typeface="HY견고딕" panose="02030600000101010101" pitchFamily="18" charset="-127"/>
+                <a:ea typeface="HY견고딕" panose="02030600000101010101" pitchFamily="18" charset="-127"/>
+              </a:rPr>
+              <a:t>체력회복이 있습니다</a:t>
+            </a:r>
+            <a:r>
+              <a:rPr lang="en-US" altLang="ko-KR" sz="1600" dirty="0">
+                <a:latin typeface="HY견고딕" panose="02030600000101010101" pitchFamily="18" charset="-127"/>
+                <a:ea typeface="HY견고딕" panose="02030600000101010101" pitchFamily="18" charset="-127"/>
+              </a:rPr>
+              <a:t>.</a:t>
+            </a:r>
+          </a:p>
+          <a:p>
+            <a:pPr marL="285750" indent="-285750">
+              <a:buFont typeface="Wingdings" panose="05000000000000000000" pitchFamily="2" charset="2"/>
+              <a:buChar char="§"/>
+            </a:pPr>
+            <a:endParaRPr lang="en-US" altLang="ko-KR" sz="1600" dirty="0">
+              <a:latin typeface="HY견고딕" panose="02030600000101010101" pitchFamily="18" charset="-127"/>
+              <a:ea typeface="HY견고딕" panose="02030600000101010101" pitchFamily="18" charset="-127"/>
+            </a:endParaRPr>
+          </a:p>
+        </p:txBody>
+      </p:sp>
+      <p:sp>
+        <p:nvSpPr>
+          <p:cNvPr id="23" name="TextBox 22">
+            <a:extLst>
+              <a:ext uri="{FF2B5EF4-FFF2-40B4-BE49-F238E27FC236}">
+                <a16:creationId xmlns:a16="http://schemas.microsoft.com/office/drawing/2014/main" id="{9627758F-DA97-4895-9F06-FB41769D89ED}"/>
               </a:ext>
             </a:extLst>
           </p:cNvPr>
@@ -8980,18 +9873,13 @@
         </p:nvSpPr>
         <p:spPr>
           <a:xfrm>
-            <a:off x="2083246" y="5108351"/>
-            <a:ext cx="1708825" cy="369332"/>
+            <a:off x="1551963" y="1778466"/>
+            <a:ext cx="4009938" cy="523220"/>
           </a:xfrm>
           <a:prstGeom prst="rect">
             <a:avLst/>
           </a:prstGeom>
           <a:noFill/>
-          <a:ln w="19050">
-            <a:solidFill>
-              <a:schemeClr val="tx1"/>
-            </a:solidFill>
-          </a:ln>
         </p:spPr>
         <p:txBody>
           <a:bodyPr wrap="square" rtlCol="0">
@@ -9001,119 +9889,21 @@
           <a:p>
             <a:pPr algn="ctr"/>
             <a:r>
-              <a:rPr lang="en-US" altLang="ko-KR" dirty="0"/>
-              <a:t>Render</a:t>
-            </a:r>
-            <a:endParaRPr lang="ko-KR" altLang="en-US" dirty="0"/>
-          </a:p>
-        </p:txBody>
-      </p:sp>
-      <p:sp>
-        <p:nvSpPr>
-          <p:cNvPr id="11" name="화살표: 오른쪽으로 구부러짐 10">
-            <a:extLst>
-              <a:ext uri="{FF2B5EF4-FFF2-40B4-BE49-F238E27FC236}">
-                <a16:creationId xmlns:a16="http://schemas.microsoft.com/office/drawing/2014/main" id="{576AF5C2-5189-4511-9D7D-0CCFCC9D59BD}"/>
-              </a:ext>
-            </a:extLst>
-          </p:cNvPr>
-          <p:cNvSpPr/>
-          <p:nvPr/>
-        </p:nvSpPr>
-        <p:spPr>
-          <a:xfrm>
-            <a:off x="1503305" y="4064831"/>
-            <a:ext cx="477895" cy="1318712"/>
-          </a:xfrm>
-          <a:prstGeom prst="curvedRightArrow">
-            <a:avLst/>
-          </a:prstGeom>
-        </p:spPr>
-        <p:style>
-          <a:lnRef idx="2">
-            <a:schemeClr val="accent1">
-              <a:shade val="50000"/>
-            </a:schemeClr>
-          </a:lnRef>
-          <a:fillRef idx="1">
-            <a:schemeClr val="accent1"/>
-          </a:fillRef>
-          <a:effectRef idx="0">
-            <a:schemeClr val="accent1"/>
-          </a:effectRef>
-          <a:fontRef idx="minor">
-            <a:schemeClr val="lt1"/>
-          </a:fontRef>
-        </p:style>
-        <p:txBody>
-          <a:bodyPr rtlCol="0" anchor="ctr"/>
-          <a:lstStyle/>
-          <a:p>
-            <a:pPr algn="ctr"/>
-            <a:endParaRPr lang="ko-KR" altLang="en-US">
-              <a:solidFill>
-                <a:schemeClr val="tx1"/>
-              </a:solidFill>
-            </a:endParaRPr>
-          </a:p>
-        </p:txBody>
-      </p:sp>
-      <p:sp>
-        <p:nvSpPr>
-          <p:cNvPr id="16" name="화살표: 오른쪽으로 구부러짐 15">
-            <a:extLst>
-              <a:ext uri="{FF2B5EF4-FFF2-40B4-BE49-F238E27FC236}">
-                <a16:creationId xmlns:a16="http://schemas.microsoft.com/office/drawing/2014/main" id="{21F2026F-64DE-4DB2-A200-636BAC52C621}"/>
-              </a:ext>
-            </a:extLst>
-          </p:cNvPr>
-          <p:cNvSpPr/>
-          <p:nvPr/>
-        </p:nvSpPr>
-        <p:spPr>
-          <a:xfrm rot="10800000">
-            <a:off x="3894117" y="4020913"/>
-            <a:ext cx="477895" cy="1318712"/>
-          </a:xfrm>
-          <a:prstGeom prst="curvedRightArrow">
-            <a:avLst/>
-          </a:prstGeom>
-        </p:spPr>
-        <p:style>
-          <a:lnRef idx="2">
-            <a:schemeClr val="accent1">
-              <a:shade val="50000"/>
-            </a:schemeClr>
-          </a:lnRef>
-          <a:fillRef idx="1">
-            <a:schemeClr val="accent1"/>
-          </a:fillRef>
-          <a:effectRef idx="0">
-            <a:schemeClr val="accent1"/>
-          </a:effectRef>
-          <a:fontRef idx="minor">
-            <a:schemeClr val="lt1"/>
-          </a:fontRef>
-        </p:style>
-        <p:txBody>
-          <a:bodyPr rtlCol="0" anchor="ctr"/>
-          <a:lstStyle/>
-          <a:p>
-            <a:pPr algn="ctr"/>
-            <a:endParaRPr lang="ko-KR" altLang="en-US">
-              <a:solidFill>
-                <a:schemeClr val="tx1"/>
-              </a:solidFill>
-            </a:endParaRPr>
-          </a:p>
-        </p:txBody>
-      </p:sp>
-      <p:sp>
-        <p:nvSpPr>
-          <p:cNvPr id="17" name="TextBox 16">
-            <a:extLst>
-              <a:ext uri="{FF2B5EF4-FFF2-40B4-BE49-F238E27FC236}">
-                <a16:creationId xmlns:a16="http://schemas.microsoft.com/office/drawing/2014/main" id="{FD8EB51C-D43B-435A-9AB3-E21B1C6925D2}"/>
+              <a:rPr lang="ko-KR" altLang="en-US" sz="2800" b="1" dirty="0">
+                <a:latin typeface="HY견고딕" panose="02030600000101010101" pitchFamily="18" charset="-127"/>
+                <a:ea typeface="HY견고딕" panose="02030600000101010101" pitchFamily="18" charset="-127"/>
+              </a:rPr>
+              <a:t>조작법</a:t>
+            </a:r>
+          </a:p>
+        </p:txBody>
+      </p:sp>
+      <p:sp>
+        <p:nvSpPr>
+          <p:cNvPr id="24" name="TextBox 23">
+            <a:extLst>
+              <a:ext uri="{FF2B5EF4-FFF2-40B4-BE49-F238E27FC236}">
+                <a16:creationId xmlns:a16="http://schemas.microsoft.com/office/drawing/2014/main" id="{19CB6619-FAF4-4B26-AC14-A3F66A7C7462}"/>
               </a:ext>
             </a:extLst>
           </p:cNvPr>
@@ -9122,18 +9912,13 @@
         </p:nvSpPr>
         <p:spPr>
           <a:xfrm>
-            <a:off x="2083246" y="2775677"/>
-            <a:ext cx="1708825" cy="369332"/>
+            <a:off x="6095998" y="1778466"/>
+            <a:ext cx="4009938" cy="523220"/>
           </a:xfrm>
           <a:prstGeom prst="rect">
             <a:avLst/>
           </a:prstGeom>
           <a:noFill/>
-          <a:ln w="19050">
-            <a:solidFill>
-              <a:schemeClr val="tx1"/>
-            </a:solidFill>
-          </a:ln>
         </p:spPr>
         <p:txBody>
           <a:bodyPr wrap="square" rtlCol="0">
@@ -9143,767 +9928,19 @@
           <a:p>
             <a:pPr algn="ctr"/>
             <a:r>
-              <a:rPr lang="en-US" altLang="ko-KR" dirty="0"/>
-              <a:t>Initialize</a:t>
-            </a:r>
-            <a:endParaRPr lang="ko-KR" altLang="en-US" dirty="0"/>
-          </a:p>
-        </p:txBody>
-      </p:sp>
-      <p:sp>
-        <p:nvSpPr>
-          <p:cNvPr id="18" name="화살표: 아래쪽 17">
-            <a:extLst>
-              <a:ext uri="{FF2B5EF4-FFF2-40B4-BE49-F238E27FC236}">
-                <a16:creationId xmlns:a16="http://schemas.microsoft.com/office/drawing/2014/main" id="{D20451CA-40D6-4CBC-8451-C254BF729AA0}"/>
-              </a:ext>
-            </a:extLst>
-          </p:cNvPr>
-          <p:cNvSpPr/>
-          <p:nvPr/>
-        </p:nvSpPr>
-        <p:spPr>
-          <a:xfrm>
-            <a:off x="2839046" y="3223294"/>
-            <a:ext cx="197224" cy="640019"/>
-          </a:xfrm>
-          <a:prstGeom prst="downArrow">
-            <a:avLst/>
-          </a:prstGeom>
-        </p:spPr>
-        <p:style>
-          <a:lnRef idx="2">
-            <a:schemeClr val="accent1">
-              <a:shade val="50000"/>
-            </a:schemeClr>
-          </a:lnRef>
-          <a:fillRef idx="1">
-            <a:schemeClr val="accent1"/>
-          </a:fillRef>
-          <a:effectRef idx="0">
-            <a:schemeClr val="accent1"/>
-          </a:effectRef>
-          <a:fontRef idx="minor">
-            <a:schemeClr val="lt1"/>
-          </a:fontRef>
-        </p:style>
-        <p:txBody>
-          <a:bodyPr rtlCol="0" anchor="ctr"/>
-          <a:lstStyle/>
-          <a:p>
-            <a:pPr algn="ctr"/>
-            <a:endParaRPr lang="ko-KR" altLang="en-US"/>
-          </a:p>
-        </p:txBody>
-      </p:sp>
-      <p:sp>
-        <p:nvSpPr>
-          <p:cNvPr id="19" name="TextBox 18">
-            <a:extLst>
-              <a:ext uri="{FF2B5EF4-FFF2-40B4-BE49-F238E27FC236}">
-                <a16:creationId xmlns:a16="http://schemas.microsoft.com/office/drawing/2014/main" id="{122A8771-6EC8-4CAF-B76C-01FEBF5D5DAC}"/>
-              </a:ext>
-            </a:extLst>
-          </p:cNvPr>
-          <p:cNvSpPr txBox="1"/>
-          <p:nvPr/>
-        </p:nvSpPr>
-        <p:spPr>
-          <a:xfrm>
-            <a:off x="5322584" y="1761744"/>
-            <a:ext cx="1708825" cy="369332"/>
-          </a:xfrm>
-          <a:prstGeom prst="rect">
-            <a:avLst/>
-          </a:prstGeom>
-          <a:noFill/>
-          <a:ln w="19050">
-            <a:solidFill>
-              <a:schemeClr val="tx1"/>
-            </a:solidFill>
-          </a:ln>
-        </p:spPr>
-        <p:txBody>
-          <a:bodyPr wrap="square" rtlCol="0">
-            <a:spAutoFit/>
-          </a:bodyPr>
-          <a:lstStyle/>
-          <a:p>
-            <a:pPr algn="ctr"/>
-            <a:r>
-              <a:rPr lang="ko-KR" altLang="en-US" dirty="0"/>
-              <a:t>클라이언트</a:t>
-            </a:r>
-          </a:p>
-        </p:txBody>
-      </p:sp>
-      <p:sp>
-        <p:nvSpPr>
-          <p:cNvPr id="20" name="TextBox 19">
-            <a:extLst>
-              <a:ext uri="{FF2B5EF4-FFF2-40B4-BE49-F238E27FC236}">
-                <a16:creationId xmlns:a16="http://schemas.microsoft.com/office/drawing/2014/main" id="{A9263793-C3B6-4641-8CC6-9C6A4324A93B}"/>
-              </a:ext>
-            </a:extLst>
-          </p:cNvPr>
-          <p:cNvSpPr txBox="1"/>
-          <p:nvPr/>
-        </p:nvSpPr>
-        <p:spPr>
-          <a:xfrm>
-            <a:off x="8023546" y="3279891"/>
-            <a:ext cx="1708824" cy="923330"/>
-          </a:xfrm>
-          <a:prstGeom prst="rect">
-            <a:avLst/>
-          </a:prstGeom>
-          <a:noFill/>
-          <a:ln w="19050">
-            <a:solidFill>
-              <a:schemeClr val="tx1"/>
-            </a:solidFill>
-          </a:ln>
-        </p:spPr>
-        <p:txBody>
-          <a:bodyPr wrap="square" rtlCol="0">
-            <a:spAutoFit/>
-          </a:bodyPr>
-          <a:lstStyle/>
-          <a:p>
-            <a:pPr algn="ctr"/>
-            <a:endParaRPr lang="en-US" altLang="ko-KR" dirty="0"/>
-          </a:p>
-          <a:p>
-            <a:pPr algn="ctr"/>
-            <a:r>
-              <a:rPr lang="en-US" altLang="ko-KR" dirty="0"/>
-              <a:t>Update</a:t>
-            </a:r>
-          </a:p>
-          <a:p>
-            <a:pPr algn="ctr"/>
-            <a:endParaRPr lang="ko-KR" altLang="en-US" dirty="0"/>
-          </a:p>
-        </p:txBody>
-      </p:sp>
-      <p:sp>
-        <p:nvSpPr>
-          <p:cNvPr id="21" name="TextBox 20">
-            <a:extLst>
-              <a:ext uri="{FF2B5EF4-FFF2-40B4-BE49-F238E27FC236}">
-                <a16:creationId xmlns:a16="http://schemas.microsoft.com/office/drawing/2014/main" id="{5C956AC0-B590-47B4-A1BF-0F0731020BAA}"/>
-              </a:ext>
-            </a:extLst>
-          </p:cNvPr>
-          <p:cNvSpPr txBox="1"/>
-          <p:nvPr/>
-        </p:nvSpPr>
-        <p:spPr>
-          <a:xfrm>
-            <a:off x="5322587" y="5248897"/>
-            <a:ext cx="1708825" cy="369332"/>
-          </a:xfrm>
-          <a:prstGeom prst="rect">
-            <a:avLst/>
-          </a:prstGeom>
-          <a:noFill/>
-          <a:ln w="19050">
-            <a:solidFill>
-              <a:schemeClr val="tx1"/>
-            </a:solidFill>
-          </a:ln>
-        </p:spPr>
-        <p:txBody>
-          <a:bodyPr wrap="square" rtlCol="0">
-            <a:spAutoFit/>
-          </a:bodyPr>
-          <a:lstStyle/>
-          <a:p>
-            <a:pPr algn="ctr"/>
-            <a:r>
-              <a:rPr lang="en-US" altLang="ko-KR" dirty="0"/>
-              <a:t>Render</a:t>
-            </a:r>
-            <a:endParaRPr lang="ko-KR" altLang="en-US" dirty="0"/>
-          </a:p>
-        </p:txBody>
-      </p:sp>
-      <p:sp>
-        <p:nvSpPr>
-          <p:cNvPr id="24" name="TextBox 23">
-            <a:extLst>
-              <a:ext uri="{FF2B5EF4-FFF2-40B4-BE49-F238E27FC236}">
-                <a16:creationId xmlns:a16="http://schemas.microsoft.com/office/drawing/2014/main" id="{2B4A0E4C-C5B0-4462-9A09-AC7FA3FB0E9A}"/>
-              </a:ext>
-            </a:extLst>
-          </p:cNvPr>
-          <p:cNvSpPr txBox="1"/>
-          <p:nvPr/>
-        </p:nvSpPr>
-        <p:spPr>
-          <a:xfrm>
-            <a:off x="8023546" y="2180209"/>
-            <a:ext cx="1708825" cy="369332"/>
-          </a:xfrm>
-          <a:prstGeom prst="rect">
-            <a:avLst/>
-          </a:prstGeom>
-          <a:noFill/>
-          <a:ln w="19050">
-            <a:solidFill>
-              <a:schemeClr val="tx1"/>
-            </a:solidFill>
-          </a:ln>
-        </p:spPr>
-        <p:txBody>
-          <a:bodyPr wrap="square" rtlCol="0">
-            <a:spAutoFit/>
-          </a:bodyPr>
-          <a:lstStyle/>
-          <a:p>
-            <a:pPr algn="ctr"/>
-            <a:r>
-              <a:rPr lang="en-US" altLang="ko-KR" dirty="0"/>
-              <a:t>Initialize</a:t>
-            </a:r>
-            <a:endParaRPr lang="ko-KR" altLang="en-US" dirty="0"/>
-          </a:p>
-        </p:txBody>
-      </p:sp>
-      <p:sp>
-        <p:nvSpPr>
-          <p:cNvPr id="26" name="TextBox 25">
-            <a:extLst>
-              <a:ext uri="{FF2B5EF4-FFF2-40B4-BE49-F238E27FC236}">
-                <a16:creationId xmlns:a16="http://schemas.microsoft.com/office/drawing/2014/main" id="{1FAA794E-EDAD-4157-9EA7-C03D18F73785}"/>
-              </a:ext>
-            </a:extLst>
-          </p:cNvPr>
-          <p:cNvSpPr txBox="1"/>
-          <p:nvPr/>
-        </p:nvSpPr>
-        <p:spPr>
-          <a:xfrm>
-            <a:off x="8023545" y="1761744"/>
-            <a:ext cx="1708825" cy="369332"/>
-          </a:xfrm>
-          <a:prstGeom prst="rect">
-            <a:avLst/>
-          </a:prstGeom>
-          <a:noFill/>
-          <a:ln w="19050">
-            <a:solidFill>
-              <a:schemeClr val="tx1"/>
-            </a:solidFill>
-          </a:ln>
-        </p:spPr>
-        <p:txBody>
-          <a:bodyPr wrap="square" rtlCol="0">
-            <a:spAutoFit/>
-          </a:bodyPr>
-          <a:lstStyle/>
-          <a:p>
-            <a:pPr algn="ctr"/>
-            <a:r>
-              <a:rPr lang="ko-KR" altLang="en-US" dirty="0"/>
-              <a:t>서버</a:t>
-            </a:r>
-          </a:p>
-        </p:txBody>
-      </p:sp>
-      <p:sp>
-        <p:nvSpPr>
-          <p:cNvPr id="27" name="TextBox 26">
-            <a:extLst>
-              <a:ext uri="{FF2B5EF4-FFF2-40B4-BE49-F238E27FC236}">
-                <a16:creationId xmlns:a16="http://schemas.microsoft.com/office/drawing/2014/main" id="{0505E614-812E-46E1-8C39-E93CECA045D1}"/>
-              </a:ext>
-            </a:extLst>
-          </p:cNvPr>
-          <p:cNvSpPr txBox="1"/>
-          <p:nvPr/>
-        </p:nvSpPr>
-        <p:spPr>
-          <a:xfrm>
-            <a:off x="5308961" y="3312264"/>
-            <a:ext cx="1708825" cy="369332"/>
-          </a:xfrm>
-          <a:prstGeom prst="rect">
-            <a:avLst/>
-          </a:prstGeom>
-          <a:noFill/>
-          <a:ln w="19050">
-            <a:solidFill>
-              <a:schemeClr val="tx1"/>
-            </a:solidFill>
-          </a:ln>
-        </p:spPr>
-        <p:txBody>
-          <a:bodyPr wrap="square" rtlCol="0">
-            <a:spAutoFit/>
-          </a:bodyPr>
-          <a:lstStyle/>
-          <a:p>
-            <a:pPr algn="ctr"/>
-            <a:r>
-              <a:rPr lang="en-US" altLang="ko-KR" dirty="0"/>
-              <a:t>Send</a:t>
-            </a:r>
-            <a:endParaRPr lang="ko-KR" altLang="en-US" dirty="0"/>
-          </a:p>
-        </p:txBody>
-      </p:sp>
-      <p:sp>
-        <p:nvSpPr>
-          <p:cNvPr id="28" name="TextBox 27">
-            <a:extLst>
-              <a:ext uri="{FF2B5EF4-FFF2-40B4-BE49-F238E27FC236}">
-                <a16:creationId xmlns:a16="http://schemas.microsoft.com/office/drawing/2014/main" id="{2E29C3C7-4783-4AFF-AB27-A47F1B03394C}"/>
-              </a:ext>
-            </a:extLst>
-          </p:cNvPr>
-          <p:cNvSpPr txBox="1"/>
-          <p:nvPr/>
-        </p:nvSpPr>
-        <p:spPr>
-          <a:xfrm>
-            <a:off x="5308961" y="3794472"/>
-            <a:ext cx="1708825" cy="369332"/>
-          </a:xfrm>
-          <a:prstGeom prst="rect">
-            <a:avLst/>
-          </a:prstGeom>
-          <a:noFill/>
-          <a:ln w="19050">
-            <a:solidFill>
-              <a:schemeClr val="tx1"/>
-            </a:solidFill>
-          </a:ln>
-        </p:spPr>
-        <p:txBody>
-          <a:bodyPr wrap="square" rtlCol="0">
-            <a:spAutoFit/>
-          </a:bodyPr>
-          <a:lstStyle/>
-          <a:p>
-            <a:pPr algn="ctr"/>
-            <a:r>
-              <a:rPr lang="en-US" altLang="ko-KR" dirty="0"/>
-              <a:t>Receive</a:t>
-            </a:r>
-            <a:endParaRPr lang="ko-KR" altLang="en-US" dirty="0"/>
-          </a:p>
-        </p:txBody>
-      </p:sp>
-      <p:cxnSp>
-        <p:nvCxnSpPr>
-          <p:cNvPr id="29" name="직선 연결선 28">
-            <a:extLst>
-              <a:ext uri="{FF2B5EF4-FFF2-40B4-BE49-F238E27FC236}">
-                <a16:creationId xmlns:a16="http://schemas.microsoft.com/office/drawing/2014/main" id="{1B0C2D87-5975-4792-9C57-8E227B53AA11}"/>
-              </a:ext>
-            </a:extLst>
-          </p:cNvPr>
-          <p:cNvCxnSpPr>
-            <a:cxnSpLocks/>
-          </p:cNvCxnSpPr>
-          <p:nvPr/>
-        </p:nvCxnSpPr>
-        <p:spPr>
-          <a:xfrm flipH="1">
-            <a:off x="4928415" y="1636949"/>
-            <a:ext cx="1" cy="4303930"/>
-          </a:xfrm>
-          <a:prstGeom prst="line">
-            <a:avLst/>
-          </a:prstGeom>
-          <a:ln w="25400" cmpd="sng">
-            <a:solidFill>
-              <a:schemeClr val="tx1"/>
-            </a:solidFill>
-            <a:prstDash val="sysDash"/>
-          </a:ln>
-        </p:spPr>
-        <p:style>
-          <a:lnRef idx="1">
-            <a:schemeClr val="accent1"/>
-          </a:lnRef>
-          <a:fillRef idx="0">
-            <a:schemeClr val="accent1"/>
-          </a:fillRef>
-          <a:effectRef idx="0">
-            <a:schemeClr val="accent1"/>
-          </a:effectRef>
-          <a:fontRef idx="minor">
-            <a:schemeClr val="tx1"/>
-          </a:fontRef>
-        </p:style>
-      </p:cxnSp>
-      <p:sp>
-        <p:nvSpPr>
-          <p:cNvPr id="30" name="화살표: 아래쪽 29">
-            <a:extLst>
-              <a:ext uri="{FF2B5EF4-FFF2-40B4-BE49-F238E27FC236}">
-                <a16:creationId xmlns:a16="http://schemas.microsoft.com/office/drawing/2014/main" id="{3441086B-9DFD-456C-8391-2C4D4C5644A4}"/>
-              </a:ext>
-            </a:extLst>
-          </p:cNvPr>
-          <p:cNvSpPr/>
-          <p:nvPr/>
-        </p:nvSpPr>
-        <p:spPr>
-          <a:xfrm>
-            <a:off x="6048882" y="4276680"/>
-            <a:ext cx="228981" cy="891921"/>
-          </a:xfrm>
-          <a:prstGeom prst="downArrow">
-            <a:avLst/>
-          </a:prstGeom>
-        </p:spPr>
-        <p:style>
-          <a:lnRef idx="2">
-            <a:schemeClr val="accent1">
-              <a:shade val="50000"/>
-            </a:schemeClr>
-          </a:lnRef>
-          <a:fillRef idx="1">
-            <a:schemeClr val="accent1"/>
-          </a:fillRef>
-          <a:effectRef idx="0">
-            <a:schemeClr val="accent1"/>
-          </a:effectRef>
-          <a:fontRef idx="minor">
-            <a:schemeClr val="lt1"/>
-          </a:fontRef>
-        </p:style>
-        <p:txBody>
-          <a:bodyPr rtlCol="0" anchor="ctr"/>
-          <a:lstStyle/>
-          <a:p>
-            <a:pPr algn="ctr"/>
-            <a:endParaRPr lang="ko-KR" altLang="en-US"/>
-          </a:p>
-        </p:txBody>
-      </p:sp>
-      <p:sp>
-        <p:nvSpPr>
-          <p:cNvPr id="31" name="화살표: 오른쪽 30">
-            <a:extLst>
-              <a:ext uri="{FF2B5EF4-FFF2-40B4-BE49-F238E27FC236}">
-                <a16:creationId xmlns:a16="http://schemas.microsoft.com/office/drawing/2014/main" id="{3FFDD501-AEAA-416A-9C22-290FB771EFFC}"/>
-              </a:ext>
-            </a:extLst>
-          </p:cNvPr>
-          <p:cNvSpPr/>
-          <p:nvPr/>
-        </p:nvSpPr>
-        <p:spPr>
-          <a:xfrm>
-            <a:off x="7123562" y="3402620"/>
-            <a:ext cx="807831" cy="234074"/>
-          </a:xfrm>
-          <a:prstGeom prst="rightArrow">
-            <a:avLst/>
-          </a:prstGeom>
-        </p:spPr>
-        <p:style>
-          <a:lnRef idx="2">
-            <a:schemeClr val="accent1">
-              <a:shade val="50000"/>
-            </a:schemeClr>
-          </a:lnRef>
-          <a:fillRef idx="1">
-            <a:schemeClr val="accent1"/>
-          </a:fillRef>
-          <a:effectRef idx="0">
-            <a:schemeClr val="accent1"/>
-          </a:effectRef>
-          <a:fontRef idx="minor">
-            <a:schemeClr val="lt1"/>
-          </a:fontRef>
-        </p:style>
-        <p:txBody>
-          <a:bodyPr rtlCol="0" anchor="ctr"/>
-          <a:lstStyle/>
-          <a:p>
-            <a:pPr algn="ctr"/>
-            <a:endParaRPr lang="ko-KR" altLang="en-US"/>
-          </a:p>
-        </p:txBody>
-      </p:sp>
-      <p:sp>
-        <p:nvSpPr>
-          <p:cNvPr id="32" name="TextBox 31">
-            <a:extLst>
-              <a:ext uri="{FF2B5EF4-FFF2-40B4-BE49-F238E27FC236}">
-                <a16:creationId xmlns:a16="http://schemas.microsoft.com/office/drawing/2014/main" id="{D176240E-C53D-45DE-BD1F-BB61A59DE1E4}"/>
-              </a:ext>
-            </a:extLst>
-          </p:cNvPr>
-          <p:cNvSpPr txBox="1"/>
-          <p:nvPr/>
-        </p:nvSpPr>
-        <p:spPr>
-          <a:xfrm>
-            <a:off x="5322584" y="2180209"/>
-            <a:ext cx="1708825" cy="369332"/>
-          </a:xfrm>
-          <a:prstGeom prst="rect">
-            <a:avLst/>
-          </a:prstGeom>
-          <a:noFill/>
-          <a:ln w="19050">
-            <a:solidFill>
-              <a:schemeClr val="tx1"/>
-            </a:solidFill>
-          </a:ln>
-        </p:spPr>
-        <p:txBody>
-          <a:bodyPr wrap="square" rtlCol="0">
-            <a:spAutoFit/>
-          </a:bodyPr>
-          <a:lstStyle/>
-          <a:p>
-            <a:pPr algn="ctr"/>
-            <a:r>
-              <a:rPr lang="en-US" altLang="ko-KR" dirty="0"/>
-              <a:t>Accept</a:t>
-            </a:r>
-            <a:endParaRPr lang="ko-KR" altLang="en-US" dirty="0"/>
-          </a:p>
-        </p:txBody>
-      </p:sp>
-      <p:sp>
-        <p:nvSpPr>
-          <p:cNvPr id="33" name="화살표: 오른쪽 32">
-            <a:extLst>
-              <a:ext uri="{FF2B5EF4-FFF2-40B4-BE49-F238E27FC236}">
-                <a16:creationId xmlns:a16="http://schemas.microsoft.com/office/drawing/2014/main" id="{D4804FC4-D12E-473C-8C3D-A7B1AEC1755C}"/>
-              </a:ext>
-            </a:extLst>
-          </p:cNvPr>
-          <p:cNvSpPr/>
-          <p:nvPr/>
-        </p:nvSpPr>
-        <p:spPr>
-          <a:xfrm>
-            <a:off x="7123562" y="2247838"/>
-            <a:ext cx="807831" cy="234074"/>
-          </a:xfrm>
-          <a:prstGeom prst="rightArrow">
-            <a:avLst/>
-          </a:prstGeom>
-        </p:spPr>
-        <p:style>
-          <a:lnRef idx="2">
-            <a:schemeClr val="accent1">
-              <a:shade val="50000"/>
-            </a:schemeClr>
-          </a:lnRef>
-          <a:fillRef idx="1">
-            <a:schemeClr val="accent1"/>
-          </a:fillRef>
-          <a:effectRef idx="0">
-            <a:schemeClr val="accent1"/>
-          </a:effectRef>
-          <a:fontRef idx="minor">
-            <a:schemeClr val="lt1"/>
-          </a:fontRef>
-        </p:style>
-        <p:txBody>
-          <a:bodyPr rtlCol="0" anchor="ctr"/>
-          <a:lstStyle/>
-          <a:p>
-            <a:pPr algn="ctr"/>
-            <a:endParaRPr lang="ko-KR" altLang="en-US"/>
-          </a:p>
-        </p:txBody>
-      </p:sp>
-      <p:sp>
-        <p:nvSpPr>
-          <p:cNvPr id="34" name="화살표: 아래쪽 33">
-            <a:extLst>
-              <a:ext uri="{FF2B5EF4-FFF2-40B4-BE49-F238E27FC236}">
-                <a16:creationId xmlns:a16="http://schemas.microsoft.com/office/drawing/2014/main" id="{C50B968A-6B60-440B-9A5E-BB65E28F06EC}"/>
-              </a:ext>
-            </a:extLst>
-          </p:cNvPr>
-          <p:cNvSpPr/>
-          <p:nvPr/>
-        </p:nvSpPr>
-        <p:spPr>
-          <a:xfrm>
-            <a:off x="8826717" y="2607112"/>
-            <a:ext cx="197224" cy="640019"/>
-          </a:xfrm>
-          <a:prstGeom prst="downArrow">
-            <a:avLst/>
-          </a:prstGeom>
-        </p:spPr>
-        <p:style>
-          <a:lnRef idx="2">
-            <a:schemeClr val="accent1">
-              <a:shade val="50000"/>
-            </a:schemeClr>
-          </a:lnRef>
-          <a:fillRef idx="1">
-            <a:schemeClr val="accent1"/>
-          </a:fillRef>
-          <a:effectRef idx="0">
-            <a:schemeClr val="accent1"/>
-          </a:effectRef>
-          <a:fontRef idx="minor">
-            <a:schemeClr val="lt1"/>
-          </a:fontRef>
-        </p:style>
-        <p:txBody>
-          <a:bodyPr rtlCol="0" anchor="ctr"/>
-          <a:lstStyle/>
-          <a:p>
-            <a:pPr algn="ctr"/>
-            <a:endParaRPr lang="ko-KR" altLang="en-US"/>
-          </a:p>
-        </p:txBody>
-      </p:sp>
-      <p:sp>
-        <p:nvSpPr>
-          <p:cNvPr id="35" name="화살표: 오른쪽 34">
-            <a:extLst>
-              <a:ext uri="{FF2B5EF4-FFF2-40B4-BE49-F238E27FC236}">
-                <a16:creationId xmlns:a16="http://schemas.microsoft.com/office/drawing/2014/main" id="{A7DCD92F-E017-4EDD-A420-1B3BCA93B9AF}"/>
-              </a:ext>
-            </a:extLst>
-          </p:cNvPr>
-          <p:cNvSpPr/>
-          <p:nvPr/>
-        </p:nvSpPr>
-        <p:spPr>
-          <a:xfrm rot="10800000">
-            <a:off x="7116027" y="3860027"/>
-            <a:ext cx="807831" cy="234074"/>
-          </a:xfrm>
-          <a:prstGeom prst="rightArrow">
-            <a:avLst/>
-          </a:prstGeom>
-        </p:spPr>
-        <p:style>
-          <a:lnRef idx="2">
-            <a:schemeClr val="accent1">
-              <a:shade val="50000"/>
-            </a:schemeClr>
-          </a:lnRef>
-          <a:fillRef idx="1">
-            <a:schemeClr val="accent1"/>
-          </a:fillRef>
-          <a:effectRef idx="0">
-            <a:schemeClr val="accent1"/>
-          </a:effectRef>
-          <a:fontRef idx="minor">
-            <a:schemeClr val="lt1"/>
-          </a:fontRef>
-        </p:style>
-        <p:txBody>
-          <a:bodyPr rtlCol="0" anchor="ctr"/>
-          <a:lstStyle/>
-          <a:p>
-            <a:pPr algn="ctr"/>
-            <a:endParaRPr lang="ko-KR" altLang="en-US"/>
-          </a:p>
-        </p:txBody>
-      </p:sp>
-      <p:sp>
-        <p:nvSpPr>
-          <p:cNvPr id="36" name="화살표: 아래쪽 35">
-            <a:extLst>
-              <a:ext uri="{FF2B5EF4-FFF2-40B4-BE49-F238E27FC236}">
-                <a16:creationId xmlns:a16="http://schemas.microsoft.com/office/drawing/2014/main" id="{A6D3124E-B2E5-4389-A370-7F3C4BCC583E}"/>
-              </a:ext>
-            </a:extLst>
-          </p:cNvPr>
-          <p:cNvSpPr/>
-          <p:nvPr/>
-        </p:nvSpPr>
-        <p:spPr>
-          <a:xfrm>
-            <a:off x="6064760" y="2598674"/>
-            <a:ext cx="197224" cy="640019"/>
-          </a:xfrm>
-          <a:prstGeom prst="downArrow">
-            <a:avLst/>
-          </a:prstGeom>
-        </p:spPr>
-        <p:style>
-          <a:lnRef idx="2">
-            <a:schemeClr val="accent1">
-              <a:shade val="50000"/>
-            </a:schemeClr>
-          </a:lnRef>
-          <a:fillRef idx="1">
-            <a:schemeClr val="accent1"/>
-          </a:fillRef>
-          <a:effectRef idx="0">
-            <a:schemeClr val="accent1"/>
-          </a:effectRef>
-          <a:fontRef idx="minor">
-            <a:schemeClr val="lt1"/>
-          </a:fontRef>
-        </p:style>
-        <p:txBody>
-          <a:bodyPr rtlCol="0" anchor="ctr"/>
-          <a:lstStyle/>
-          <a:p>
-            <a:pPr algn="ctr"/>
-            <a:endParaRPr lang="ko-KR" altLang="en-US"/>
-          </a:p>
-        </p:txBody>
-      </p:sp>
-      <p:sp>
-        <p:nvSpPr>
-          <p:cNvPr id="37" name="TextBox 36">
-            <a:extLst>
-              <a:ext uri="{FF2B5EF4-FFF2-40B4-BE49-F238E27FC236}">
-                <a16:creationId xmlns:a16="http://schemas.microsoft.com/office/drawing/2014/main" id="{32E0532D-B876-4047-A158-A76CC23AB2EE}"/>
-              </a:ext>
-            </a:extLst>
-          </p:cNvPr>
-          <p:cNvSpPr txBox="1"/>
-          <p:nvPr/>
-        </p:nvSpPr>
-        <p:spPr>
-          <a:xfrm>
-            <a:off x="5150990" y="2701828"/>
-            <a:ext cx="954107" cy="369332"/>
-          </a:xfrm>
-          <a:prstGeom prst="rect">
-            <a:avLst/>
-          </a:prstGeom>
-          <a:noFill/>
-        </p:spPr>
-        <p:txBody>
-          <a:bodyPr wrap="none" rtlCol="0">
-            <a:spAutoFit/>
-          </a:bodyPr>
-          <a:lstStyle/>
-          <a:p>
-            <a:pPr algn="ctr"/>
-            <a:r>
-              <a:rPr lang="ko-KR" altLang="en-US">
-                <a:latin typeface="HY견고딕" panose="02030600000101010101" pitchFamily="18" charset="-127"/>
-                <a:ea typeface="HY견고딕" panose="02030600000101010101" pitchFamily="18" charset="-127"/>
-              </a:rPr>
-              <a:t>키 입력</a:t>
-            </a:r>
-            <a:endParaRPr lang="en-US" altLang="ko-KR" dirty="0">
-              <a:latin typeface="HY견고딕" panose="02030600000101010101" pitchFamily="18" charset="-127"/>
-              <a:ea typeface="HY견고딕" panose="02030600000101010101" pitchFamily="18" charset="-127"/>
-            </a:endParaRPr>
+              <a:rPr lang="ko-KR" altLang="en-US" sz="2800" b="1" dirty="0">
+                <a:latin typeface="HY견고딕" panose="02030600000101010101" pitchFamily="18" charset="-127"/>
+                <a:ea typeface="HY견고딕" panose="02030600000101010101" pitchFamily="18" charset="-127"/>
+              </a:rPr>
+              <a:t>게임 설명</a:t>
+            </a:r>
           </a:p>
         </p:txBody>
       </p:sp>
     </p:spTree>
     <p:extLst>
       <p:ext uri="{BB962C8B-B14F-4D97-AF65-F5344CB8AC3E}">
-        <p14:creationId xmlns:p14="http://schemas.microsoft.com/office/powerpoint/2010/main" val="2983315132"/>
+        <p14:creationId xmlns:p14="http://schemas.microsoft.com/office/powerpoint/2010/main" val="332869112"/>
       </p:ext>
     </p:extLst>
   </p:cSld>
@@ -9988,7 +10025,7 @@
         <p:spPr>
           <a:xfrm>
             <a:off x="1347787" y="876597"/>
-            <a:ext cx="1210588" cy="707886"/>
+            <a:ext cx="4031873" cy="707886"/>
           </a:xfrm>
           <a:prstGeom prst="rect">
             <a:avLst/>
@@ -10002,16 +10039,19 @@
           <a:lstStyle/>
           <a:p>
             <a:r>
-              <a:rPr lang="ko-KR" altLang="en-US" sz="4000" dirty="0" err="1">
+              <a:rPr lang="en-US" altLang="ko-KR" sz="4000" dirty="0">
                 <a:latin typeface="HY헤드라인M" panose="02030600000101010101" pitchFamily="18" charset="-127"/>
                 <a:ea typeface="HY헤드라인M" panose="02030600000101010101" pitchFamily="18" charset="-127"/>
               </a:rPr>
-              <a:t>역활</a:t>
-            </a:r>
-            <a:endParaRPr lang="ko-KR" altLang="en-US" sz="4000" dirty="0">
-              <a:latin typeface="HY헤드라인M" panose="02030600000101010101" pitchFamily="18" charset="-127"/>
-              <a:ea typeface="HY헤드라인M" panose="02030600000101010101" pitchFamily="18" charset="-127"/>
-            </a:endParaRPr>
+              <a:t>TCP/IP </a:t>
+            </a:r>
+            <a:r>
+              <a:rPr lang="ko-KR" altLang="en-US" sz="4000" dirty="0">
+                <a:latin typeface="HY헤드라인M" panose="02030600000101010101" pitchFamily="18" charset="-127"/>
+                <a:ea typeface="HY헤드라인M" panose="02030600000101010101" pitchFamily="18" charset="-127"/>
+              </a:rPr>
+              <a:t>서버 활용</a:t>
+            </a:r>
           </a:p>
         </p:txBody>
       </p:sp>
@@ -10053,6 +10093,119 @@
             <a:endParaRPr lang="ko-KR" altLang="en-US" sz="2800" dirty="0">
               <a:latin typeface="HY헤드라인M" panose="02030600000101010101" pitchFamily="18" charset="-127"/>
               <a:ea typeface="HY헤드라인M" panose="02030600000101010101" pitchFamily="18" charset="-127"/>
+            </a:endParaRPr>
+          </a:p>
+        </p:txBody>
+      </p:sp>
+      <p:sp>
+        <p:nvSpPr>
+          <p:cNvPr id="5" name="TextBox 4">
+            <a:extLst>
+              <a:ext uri="{FF2B5EF4-FFF2-40B4-BE49-F238E27FC236}">
+                <a16:creationId xmlns:a16="http://schemas.microsoft.com/office/drawing/2014/main" id="{B224A730-B4EE-4602-A9E5-6EC8E493C5B2}"/>
+              </a:ext>
+            </a:extLst>
+          </p:cNvPr>
+          <p:cNvSpPr txBox="1"/>
+          <p:nvPr/>
+        </p:nvSpPr>
+        <p:spPr>
+          <a:xfrm>
+            <a:off x="6887654" y="4258471"/>
+            <a:ext cx="3801041" cy="1754326"/>
+          </a:xfrm>
+          <a:prstGeom prst="rect">
+            <a:avLst/>
+          </a:prstGeom>
+          <a:noFill/>
+        </p:spPr>
+        <p:txBody>
+          <a:bodyPr wrap="none" rtlCol="0">
+            <a:spAutoFit/>
+          </a:bodyPr>
+          <a:lstStyle/>
+          <a:p>
+            <a:pPr algn="ctr"/>
+            <a:r>
+              <a:rPr lang="en-US" altLang="ko-KR" dirty="0">
+                <a:latin typeface="HY견고딕" panose="02030600000101010101" pitchFamily="18" charset="-127"/>
+                <a:ea typeface="HY견고딕" panose="02030600000101010101" pitchFamily="18" charset="-127"/>
+              </a:rPr>
+              <a:t>TCP/IP </a:t>
+            </a:r>
+            <a:r>
+              <a:rPr lang="ko-KR" altLang="en-US" dirty="0">
+                <a:latin typeface="HY견고딕" panose="02030600000101010101" pitchFamily="18" charset="-127"/>
+                <a:ea typeface="HY견고딕" panose="02030600000101010101" pitchFamily="18" charset="-127"/>
+              </a:rPr>
+              <a:t>서버를 활용 </a:t>
+            </a:r>
+            <a:endParaRPr lang="en-US" altLang="ko-KR" dirty="0">
+              <a:latin typeface="HY견고딕" panose="02030600000101010101" pitchFamily="18" charset="-127"/>
+              <a:ea typeface="HY견고딕" panose="02030600000101010101" pitchFamily="18" charset="-127"/>
+            </a:endParaRPr>
+          </a:p>
+          <a:p>
+            <a:pPr algn="ctr"/>
+            <a:r>
+              <a:rPr lang="ko-KR" altLang="en-US" dirty="0">
+                <a:latin typeface="HY견고딕" panose="02030600000101010101" pitchFamily="18" charset="-127"/>
+                <a:ea typeface="HY견고딕" panose="02030600000101010101" pitchFamily="18" charset="-127"/>
+              </a:rPr>
+              <a:t>업데이트 쓰레드를 통해</a:t>
+            </a:r>
+            <a:endParaRPr lang="en-US" altLang="ko-KR" dirty="0">
+              <a:latin typeface="HY견고딕" panose="02030600000101010101" pitchFamily="18" charset="-127"/>
+              <a:ea typeface="HY견고딕" panose="02030600000101010101" pitchFamily="18" charset="-127"/>
+            </a:endParaRPr>
+          </a:p>
+          <a:p>
+            <a:pPr algn="ctr"/>
+            <a:r>
+              <a:rPr lang="ko-KR" altLang="en-US" dirty="0">
+                <a:latin typeface="HY견고딕" panose="02030600000101010101" pitchFamily="18" charset="-127"/>
+                <a:ea typeface="HY견고딕" panose="02030600000101010101" pitchFamily="18" charset="-127"/>
+              </a:rPr>
+              <a:t>게임의 충돌처리 및 기타 연산 수행</a:t>
+            </a:r>
+            <a:endParaRPr lang="en-US" altLang="ko-KR" dirty="0">
+              <a:latin typeface="HY견고딕" panose="02030600000101010101" pitchFamily="18" charset="-127"/>
+              <a:ea typeface="HY견고딕" panose="02030600000101010101" pitchFamily="18" charset="-127"/>
+            </a:endParaRPr>
+          </a:p>
+          <a:p>
+            <a:pPr algn="ctr"/>
+            <a:endParaRPr lang="en-US" altLang="ko-KR" dirty="0">
+              <a:latin typeface="HY견고딕" panose="02030600000101010101" pitchFamily="18" charset="-127"/>
+              <a:ea typeface="HY견고딕" panose="02030600000101010101" pitchFamily="18" charset="-127"/>
+            </a:endParaRPr>
+          </a:p>
+          <a:p>
+            <a:pPr algn="ctr"/>
+            <a:r>
+              <a:rPr lang="ko-KR" altLang="en-US" dirty="0">
+                <a:latin typeface="HY견고딕" panose="02030600000101010101" pitchFamily="18" charset="-127"/>
+                <a:ea typeface="HY견고딕" panose="02030600000101010101" pitchFamily="18" charset="-127"/>
+              </a:rPr>
+              <a:t>플레이어의 키 입력만 전송</a:t>
+            </a:r>
+            <a:endParaRPr lang="en-US" altLang="ko-KR" dirty="0">
+              <a:latin typeface="HY견고딕" panose="02030600000101010101" pitchFamily="18" charset="-127"/>
+              <a:ea typeface="HY견고딕" panose="02030600000101010101" pitchFamily="18" charset="-127"/>
+            </a:endParaRPr>
+          </a:p>
+          <a:p>
+            <a:pPr algn="ctr"/>
+            <a:r>
+              <a:rPr lang="ko-KR" altLang="en-US" dirty="0">
+                <a:latin typeface="HY견고딕" panose="02030600000101010101" pitchFamily="18" charset="-127"/>
+                <a:ea typeface="HY견고딕" panose="02030600000101010101" pitchFamily="18" charset="-127"/>
+              </a:rPr>
+              <a:t>클라이언트의 부담 최소화</a:t>
+            </a:r>
+            <a:endParaRPr lang="en-US" altLang="ko-KR" dirty="0">
+              <a:latin typeface="HY견고딕" panose="02030600000101010101" pitchFamily="18" charset="-127"/>
+              <a:ea typeface="HY견고딕" panose="02030600000101010101" pitchFamily="18" charset="-127"/>
             </a:endParaRPr>
           </a:p>
         </p:txBody>
@@ -10093,7 +10246,7 @@
                 <a:latin typeface="HY헤드라인M" panose="02030600000101010101" pitchFamily="18" charset="-127"/>
                 <a:ea typeface="HY헤드라인M" panose="02030600000101010101" pitchFamily="18" charset="-127"/>
               </a:rPr>
-              <a:t>업무 분담</a:t>
+              <a:t>주요 기능</a:t>
             </a:r>
           </a:p>
         </p:txBody>
@@ -10143,10 +10296,10 @@
       </p:cxnSp>
       <p:sp>
         <p:nvSpPr>
-          <p:cNvPr id="8" name="TextBox 7">
-            <a:extLst>
-              <a:ext uri="{FF2B5EF4-FFF2-40B4-BE49-F238E27FC236}">
-                <a16:creationId xmlns:a16="http://schemas.microsoft.com/office/drawing/2014/main" id="{A5E45EE4-FEC5-4DD5-9164-6B867734C712}"/>
+          <p:cNvPr id="9" name="TextBox 8">
+            <a:extLst>
+              <a:ext uri="{FF2B5EF4-FFF2-40B4-BE49-F238E27FC236}">
+                <a16:creationId xmlns:a16="http://schemas.microsoft.com/office/drawing/2014/main" id="{37DE6653-15B4-409B-B7E3-C0CC30A5A65D}"/>
               </a:ext>
             </a:extLst>
           </p:cNvPr>
@@ -10155,64 +10308,137 @@
         </p:nvSpPr>
         <p:spPr>
           <a:xfrm>
-            <a:off x="10207499" y="6283173"/>
-            <a:ext cx="809837" cy="369332"/>
+            <a:off x="2083245" y="1761744"/>
+            <a:ext cx="1708825" cy="369332"/>
           </a:xfrm>
           <a:prstGeom prst="rect">
             <a:avLst/>
           </a:prstGeom>
           <a:noFill/>
-        </p:spPr>
-        <p:txBody>
-          <a:bodyPr wrap="none" rtlCol="0">
-            <a:spAutoFit/>
-          </a:bodyPr>
-          <a:lstStyle/>
-          <a:p>
-            <a:r>
-              <a:rPr lang="en-US" altLang="ko-KR" dirty="0">
-                <a:latin typeface="HY헤드라인M" panose="02030600000101010101" pitchFamily="18" charset="-127"/>
-                <a:ea typeface="HY헤드라인M" panose="02030600000101010101" pitchFamily="18" charset="-127"/>
-              </a:rPr>
-              <a:t>05/14</a:t>
-            </a:r>
-            <a:endParaRPr lang="ko-KR" altLang="en-US" dirty="0">
-              <a:latin typeface="HY헤드라인M" panose="02030600000101010101" pitchFamily="18" charset="-127"/>
-              <a:ea typeface="HY헤드라인M" panose="02030600000101010101" pitchFamily="18" charset="-127"/>
-            </a:endParaRPr>
-          </a:p>
-        </p:txBody>
-      </p:sp>
-      <p:sp>
-        <p:nvSpPr>
-          <p:cNvPr id="36" name="타원 35">
-            <a:extLst>
-              <a:ext uri="{FF2B5EF4-FFF2-40B4-BE49-F238E27FC236}">
-                <a16:creationId xmlns:a16="http://schemas.microsoft.com/office/drawing/2014/main" id="{1427B293-4E00-4246-8267-329278C6F5FF}"/>
-              </a:ext>
-            </a:extLst>
-          </p:cNvPr>
-          <p:cNvSpPr/>
-          <p:nvPr/>
-        </p:nvSpPr>
-        <p:spPr>
-          <a:xfrm>
-            <a:off x="2872445" y="1721223"/>
-            <a:ext cx="4356847" cy="4208831"/>
-          </a:xfrm>
-          <a:prstGeom prst="ellipse">
-            <a:avLst/>
-          </a:prstGeom>
-          <a:solidFill>
-            <a:srgbClr val="4472C4">
-              <a:alpha val="50196"/>
-            </a:srgbClr>
-          </a:solidFill>
           <a:ln w="19050">
             <a:solidFill>
               <a:schemeClr val="tx1"/>
             </a:solidFill>
           </a:ln>
+        </p:spPr>
+        <p:txBody>
+          <a:bodyPr wrap="square" rtlCol="0">
+            <a:spAutoFit/>
+          </a:bodyPr>
+          <a:lstStyle/>
+          <a:p>
+            <a:pPr algn="ctr"/>
+            <a:r>
+              <a:rPr lang="ko-KR" altLang="en-US" dirty="0"/>
+              <a:t>클라이언트</a:t>
+            </a:r>
+          </a:p>
+        </p:txBody>
+      </p:sp>
+      <p:sp>
+        <p:nvSpPr>
+          <p:cNvPr id="13" name="TextBox 12">
+            <a:extLst>
+              <a:ext uri="{FF2B5EF4-FFF2-40B4-BE49-F238E27FC236}">
+                <a16:creationId xmlns:a16="http://schemas.microsoft.com/office/drawing/2014/main" id="{8AB5C466-E397-4671-A928-FCFF55F0778D}"/>
+              </a:ext>
+            </a:extLst>
+          </p:cNvPr>
+          <p:cNvSpPr txBox="1"/>
+          <p:nvPr/>
+        </p:nvSpPr>
+        <p:spPr>
+          <a:xfrm>
+            <a:off x="2083246" y="3941875"/>
+            <a:ext cx="1708825" cy="369332"/>
+          </a:xfrm>
+          <a:prstGeom prst="rect">
+            <a:avLst/>
+          </a:prstGeom>
+          <a:noFill/>
+          <a:ln w="19050">
+            <a:solidFill>
+              <a:schemeClr val="tx1"/>
+            </a:solidFill>
+          </a:ln>
+        </p:spPr>
+        <p:txBody>
+          <a:bodyPr wrap="square" rtlCol="0">
+            <a:spAutoFit/>
+          </a:bodyPr>
+          <a:lstStyle/>
+          <a:p>
+            <a:pPr algn="ctr"/>
+            <a:r>
+              <a:rPr lang="en-US" altLang="ko-KR" dirty="0"/>
+              <a:t>Update</a:t>
+            </a:r>
+            <a:endParaRPr lang="ko-KR" altLang="en-US" dirty="0"/>
+          </a:p>
+        </p:txBody>
+      </p:sp>
+      <p:sp>
+        <p:nvSpPr>
+          <p:cNvPr id="15" name="TextBox 14">
+            <a:extLst>
+              <a:ext uri="{FF2B5EF4-FFF2-40B4-BE49-F238E27FC236}">
+                <a16:creationId xmlns:a16="http://schemas.microsoft.com/office/drawing/2014/main" id="{6C054752-3823-4703-BD49-425FD4383CEA}"/>
+              </a:ext>
+            </a:extLst>
+          </p:cNvPr>
+          <p:cNvSpPr txBox="1"/>
+          <p:nvPr/>
+        </p:nvSpPr>
+        <p:spPr>
+          <a:xfrm>
+            <a:off x="2083246" y="5108351"/>
+            <a:ext cx="1708825" cy="369332"/>
+          </a:xfrm>
+          <a:prstGeom prst="rect">
+            <a:avLst/>
+          </a:prstGeom>
+          <a:noFill/>
+          <a:ln w="19050">
+            <a:solidFill>
+              <a:schemeClr val="tx1"/>
+            </a:solidFill>
+          </a:ln>
+        </p:spPr>
+        <p:txBody>
+          <a:bodyPr wrap="square" rtlCol="0">
+            <a:spAutoFit/>
+          </a:bodyPr>
+          <a:lstStyle/>
+          <a:p>
+            <a:pPr algn="ctr"/>
+            <a:r>
+              <a:rPr lang="en-US" altLang="ko-KR" dirty="0"/>
+              <a:t>Render</a:t>
+            </a:r>
+            <a:endParaRPr lang="ko-KR" altLang="en-US" dirty="0"/>
+          </a:p>
+        </p:txBody>
+      </p:sp>
+      <p:sp>
+        <p:nvSpPr>
+          <p:cNvPr id="11" name="화살표: 오른쪽으로 구부러짐 10">
+            <a:extLst>
+              <a:ext uri="{FF2B5EF4-FFF2-40B4-BE49-F238E27FC236}">
+                <a16:creationId xmlns:a16="http://schemas.microsoft.com/office/drawing/2014/main" id="{576AF5C2-5189-4511-9D7D-0CCFCC9D59BD}"/>
+              </a:ext>
+            </a:extLst>
+          </p:cNvPr>
+          <p:cNvSpPr/>
+          <p:nvPr/>
+        </p:nvSpPr>
+        <p:spPr>
+          <a:xfrm>
+            <a:off x="1503305" y="4064831"/>
+            <a:ext cx="477895" cy="1318712"/>
+          </a:xfrm>
+          <a:prstGeom prst="curvedRightArrow">
+            <a:avLst/>
+          </a:prstGeom>
         </p:spPr>
         <p:style>
           <a:lnRef idx="2">
@@ -10235,59 +10461,20 @@
           <a:lstStyle/>
           <a:p>
             <a:pPr algn="ctr"/>
-            <a:endParaRPr lang="ko-KR" altLang="en-US"/>
-          </a:p>
-        </p:txBody>
-      </p:sp>
-      <p:sp>
-        <p:nvSpPr>
-          <p:cNvPr id="39" name="TextBox 38">
-            <a:extLst>
-              <a:ext uri="{FF2B5EF4-FFF2-40B4-BE49-F238E27FC236}">
-                <a16:creationId xmlns:a16="http://schemas.microsoft.com/office/drawing/2014/main" id="{785FB278-C8A6-494B-97FD-93E406C0F956}"/>
-              </a:ext>
-            </a:extLst>
-          </p:cNvPr>
-          <p:cNvSpPr txBox="1"/>
-          <p:nvPr/>
-        </p:nvSpPr>
-        <p:spPr>
-          <a:xfrm>
-            <a:off x="4573814" y="1721222"/>
-            <a:ext cx="954108" cy="400110"/>
-          </a:xfrm>
-          <a:prstGeom prst="rect">
-            <a:avLst/>
-          </a:prstGeom>
-          <a:noFill/>
-        </p:spPr>
-        <p:txBody>
-          <a:bodyPr wrap="none" rtlCol="0">
-            <a:spAutoFit/>
-          </a:bodyPr>
-          <a:lstStyle/>
-          <a:p>
-            <a:pPr algn="ctr"/>
-            <a:r>
-              <a:rPr lang="ko-KR" altLang="en-US" sz="2000" dirty="0">
-                <a:latin typeface="HY견고딕" panose="02030600000101010101" pitchFamily="18" charset="-127"/>
-                <a:ea typeface="HY견고딕" panose="02030600000101010101" pitchFamily="18" charset="-127"/>
-              </a:rPr>
-              <a:t>이동규</a:t>
-            </a:r>
-            <a:endParaRPr lang="en-US" altLang="ko-KR" sz="2000" dirty="0">
-              <a:latin typeface="HY견고딕" panose="02030600000101010101" pitchFamily="18" charset="-127"/>
-              <a:ea typeface="HY견고딕" panose="02030600000101010101" pitchFamily="18" charset="-127"/>
-            </a:endParaRPr>
-          </a:p>
-        </p:txBody>
-      </p:sp>
-      <p:sp>
-        <p:nvSpPr>
-          <p:cNvPr id="37" name="타원 36">
-            <a:extLst>
-              <a:ext uri="{FF2B5EF4-FFF2-40B4-BE49-F238E27FC236}">
-                <a16:creationId xmlns:a16="http://schemas.microsoft.com/office/drawing/2014/main" id="{FAFA228B-5439-43D9-8A72-F029F2D76CDC}"/>
+            <a:endParaRPr lang="ko-KR" altLang="en-US">
+              <a:solidFill>
+                <a:schemeClr val="tx1"/>
+              </a:solidFill>
+            </a:endParaRPr>
+          </a:p>
+        </p:txBody>
+      </p:sp>
+      <p:sp>
+        <p:nvSpPr>
+          <p:cNvPr id="16" name="화살표: 오른쪽으로 구부러짐 15">
+            <a:extLst>
+              <a:ext uri="{FF2B5EF4-FFF2-40B4-BE49-F238E27FC236}">
+                <a16:creationId xmlns:a16="http://schemas.microsoft.com/office/drawing/2014/main" id="{21F2026F-64DE-4DB2-A200-636BAC52C621}"/>
               </a:ext>
             </a:extLst>
           </p:cNvPr>
@@ -10295,23 +10482,13 @@
           <p:nvPr/>
         </p:nvSpPr>
         <p:spPr>
-          <a:xfrm>
-            <a:off x="5527923" y="1685364"/>
-            <a:ext cx="4356847" cy="4208831"/>
-          </a:xfrm>
-          <a:prstGeom prst="ellipse">
-            <a:avLst/>
-          </a:prstGeom>
-          <a:solidFill>
-            <a:srgbClr val="FFC000">
-              <a:alpha val="50196"/>
-            </a:srgbClr>
-          </a:solidFill>
-          <a:ln w="19050">
-            <a:solidFill>
-              <a:schemeClr val="tx1"/>
-            </a:solidFill>
-          </a:ln>
+          <a:xfrm rot="10800000">
+            <a:off x="3894117" y="4020913"/>
+            <a:ext cx="477895" cy="1318712"/>
+          </a:xfrm>
+          <a:prstGeom prst="curvedRightArrow">
+            <a:avLst/>
+          </a:prstGeom>
         </p:spPr>
         <p:style>
           <a:lnRef idx="2">
@@ -10334,16 +10511,108 @@
           <a:lstStyle/>
           <a:p>
             <a:pPr algn="ctr"/>
+            <a:endParaRPr lang="ko-KR" altLang="en-US">
+              <a:solidFill>
+                <a:schemeClr val="tx1"/>
+              </a:solidFill>
+            </a:endParaRPr>
+          </a:p>
+        </p:txBody>
+      </p:sp>
+      <p:sp>
+        <p:nvSpPr>
+          <p:cNvPr id="17" name="TextBox 16">
+            <a:extLst>
+              <a:ext uri="{FF2B5EF4-FFF2-40B4-BE49-F238E27FC236}">
+                <a16:creationId xmlns:a16="http://schemas.microsoft.com/office/drawing/2014/main" id="{FD8EB51C-D43B-435A-9AB3-E21B1C6925D2}"/>
+              </a:ext>
+            </a:extLst>
+          </p:cNvPr>
+          <p:cNvSpPr txBox="1"/>
+          <p:nvPr/>
+        </p:nvSpPr>
+        <p:spPr>
+          <a:xfrm>
+            <a:off x="2083246" y="2775677"/>
+            <a:ext cx="1708825" cy="369332"/>
+          </a:xfrm>
+          <a:prstGeom prst="rect">
+            <a:avLst/>
+          </a:prstGeom>
+          <a:noFill/>
+          <a:ln w="19050">
+            <a:solidFill>
+              <a:schemeClr val="tx1"/>
+            </a:solidFill>
+          </a:ln>
+        </p:spPr>
+        <p:txBody>
+          <a:bodyPr wrap="square" rtlCol="0">
+            <a:spAutoFit/>
+          </a:bodyPr>
+          <a:lstStyle/>
+          <a:p>
+            <a:pPr algn="ctr"/>
+            <a:r>
+              <a:rPr lang="en-US" altLang="ko-KR" dirty="0"/>
+              <a:t>Initialize</a:t>
+            </a:r>
+            <a:endParaRPr lang="ko-KR" altLang="en-US" dirty="0"/>
+          </a:p>
+        </p:txBody>
+      </p:sp>
+      <p:sp>
+        <p:nvSpPr>
+          <p:cNvPr id="18" name="화살표: 아래쪽 17">
+            <a:extLst>
+              <a:ext uri="{FF2B5EF4-FFF2-40B4-BE49-F238E27FC236}">
+                <a16:creationId xmlns:a16="http://schemas.microsoft.com/office/drawing/2014/main" id="{D20451CA-40D6-4CBC-8451-C254BF729AA0}"/>
+              </a:ext>
+            </a:extLst>
+          </p:cNvPr>
+          <p:cNvSpPr/>
+          <p:nvPr/>
+        </p:nvSpPr>
+        <p:spPr>
+          <a:xfrm>
+            <a:off x="2839046" y="3223294"/>
+            <a:ext cx="197224" cy="640019"/>
+          </a:xfrm>
+          <a:prstGeom prst="downArrow">
+            <a:avLst/>
+          </a:prstGeom>
+        </p:spPr>
+        <p:style>
+          <a:lnRef idx="2">
+            <a:schemeClr val="accent1">
+              <a:shade val="50000"/>
+            </a:schemeClr>
+          </a:lnRef>
+          <a:fillRef idx="1">
+            <a:schemeClr val="accent1"/>
+          </a:fillRef>
+          <a:effectRef idx="0">
+            <a:schemeClr val="accent1"/>
+          </a:effectRef>
+          <a:fontRef idx="minor">
+            <a:schemeClr val="lt1"/>
+          </a:fontRef>
+        </p:style>
+        <p:txBody>
+          <a:bodyPr rtlCol="0" anchor="ctr"/>
+          <a:lstStyle/>
+          <a:p>
+            <a:pPr algn="ctr"/>
             <a:endParaRPr lang="ko-KR" altLang="en-US"/>
           </a:p>
         </p:txBody>
       </p:sp>
       <p:sp>
         <p:nvSpPr>
-          <p:cNvPr id="38" name="TextBox 37">
-            <a:extLst>
-              <a:ext uri="{FF2B5EF4-FFF2-40B4-BE49-F238E27FC236}">
-                <a16:creationId xmlns:a16="http://schemas.microsoft.com/office/drawing/2014/main" id="{922B7FBA-A2CD-4ED3-8C15-438D80D737EE}"/>
+          <p:cNvPr id="19" name="TextBox 18">
+            <a:extLst>
+              <a:ext uri="{FF2B5EF4-FFF2-40B4-BE49-F238E27FC236}">
+                <a16:creationId xmlns:a16="http://schemas.microsoft.com/office/drawing/2014/main" id="{122A8771-6EC8-4CAF-B76C-01FEBF5D5DAC}"/>
               </a:ext>
             </a:extLst>
           </p:cNvPr>
@@ -10352,8 +10621,669 @@
         </p:nvSpPr>
         <p:spPr>
           <a:xfrm>
-            <a:off x="7229292" y="1685364"/>
-            <a:ext cx="954108" cy="400110"/>
+            <a:off x="5322584" y="1761744"/>
+            <a:ext cx="1708825" cy="369332"/>
+          </a:xfrm>
+          <a:prstGeom prst="rect">
+            <a:avLst/>
+          </a:prstGeom>
+          <a:noFill/>
+          <a:ln w="19050">
+            <a:solidFill>
+              <a:schemeClr val="tx1"/>
+            </a:solidFill>
+          </a:ln>
+        </p:spPr>
+        <p:txBody>
+          <a:bodyPr wrap="square" rtlCol="0">
+            <a:spAutoFit/>
+          </a:bodyPr>
+          <a:lstStyle/>
+          <a:p>
+            <a:pPr algn="ctr"/>
+            <a:r>
+              <a:rPr lang="ko-KR" altLang="en-US" dirty="0"/>
+              <a:t>클라이언트</a:t>
+            </a:r>
+          </a:p>
+        </p:txBody>
+      </p:sp>
+      <p:sp>
+        <p:nvSpPr>
+          <p:cNvPr id="20" name="TextBox 19">
+            <a:extLst>
+              <a:ext uri="{FF2B5EF4-FFF2-40B4-BE49-F238E27FC236}">
+                <a16:creationId xmlns:a16="http://schemas.microsoft.com/office/drawing/2014/main" id="{A9263793-C3B6-4641-8CC6-9C6A4324A93B}"/>
+              </a:ext>
+            </a:extLst>
+          </p:cNvPr>
+          <p:cNvSpPr txBox="1"/>
+          <p:nvPr/>
+        </p:nvSpPr>
+        <p:spPr>
+          <a:xfrm>
+            <a:off x="8023546" y="3279891"/>
+            <a:ext cx="1708824" cy="923330"/>
+          </a:xfrm>
+          <a:prstGeom prst="rect">
+            <a:avLst/>
+          </a:prstGeom>
+          <a:noFill/>
+          <a:ln w="19050">
+            <a:solidFill>
+              <a:schemeClr val="tx1"/>
+            </a:solidFill>
+          </a:ln>
+        </p:spPr>
+        <p:txBody>
+          <a:bodyPr wrap="square" rtlCol="0">
+            <a:spAutoFit/>
+          </a:bodyPr>
+          <a:lstStyle/>
+          <a:p>
+            <a:pPr algn="ctr"/>
+            <a:endParaRPr lang="en-US" altLang="ko-KR" dirty="0"/>
+          </a:p>
+          <a:p>
+            <a:pPr algn="ctr"/>
+            <a:r>
+              <a:rPr lang="en-US" altLang="ko-KR" dirty="0"/>
+              <a:t>Update</a:t>
+            </a:r>
+          </a:p>
+          <a:p>
+            <a:pPr algn="ctr"/>
+            <a:endParaRPr lang="ko-KR" altLang="en-US" dirty="0"/>
+          </a:p>
+        </p:txBody>
+      </p:sp>
+      <p:sp>
+        <p:nvSpPr>
+          <p:cNvPr id="21" name="TextBox 20">
+            <a:extLst>
+              <a:ext uri="{FF2B5EF4-FFF2-40B4-BE49-F238E27FC236}">
+                <a16:creationId xmlns:a16="http://schemas.microsoft.com/office/drawing/2014/main" id="{5C956AC0-B590-47B4-A1BF-0F0731020BAA}"/>
+              </a:ext>
+            </a:extLst>
+          </p:cNvPr>
+          <p:cNvSpPr txBox="1"/>
+          <p:nvPr/>
+        </p:nvSpPr>
+        <p:spPr>
+          <a:xfrm>
+            <a:off x="5322587" y="5248897"/>
+            <a:ext cx="1708825" cy="369332"/>
+          </a:xfrm>
+          <a:prstGeom prst="rect">
+            <a:avLst/>
+          </a:prstGeom>
+          <a:noFill/>
+          <a:ln w="19050">
+            <a:solidFill>
+              <a:schemeClr val="tx1"/>
+            </a:solidFill>
+          </a:ln>
+        </p:spPr>
+        <p:txBody>
+          <a:bodyPr wrap="square" rtlCol="0">
+            <a:spAutoFit/>
+          </a:bodyPr>
+          <a:lstStyle/>
+          <a:p>
+            <a:pPr algn="ctr"/>
+            <a:r>
+              <a:rPr lang="en-US" altLang="ko-KR" dirty="0"/>
+              <a:t>Render</a:t>
+            </a:r>
+            <a:endParaRPr lang="ko-KR" altLang="en-US" dirty="0"/>
+          </a:p>
+        </p:txBody>
+      </p:sp>
+      <p:sp>
+        <p:nvSpPr>
+          <p:cNvPr id="24" name="TextBox 23">
+            <a:extLst>
+              <a:ext uri="{FF2B5EF4-FFF2-40B4-BE49-F238E27FC236}">
+                <a16:creationId xmlns:a16="http://schemas.microsoft.com/office/drawing/2014/main" id="{2B4A0E4C-C5B0-4462-9A09-AC7FA3FB0E9A}"/>
+              </a:ext>
+            </a:extLst>
+          </p:cNvPr>
+          <p:cNvSpPr txBox="1"/>
+          <p:nvPr/>
+        </p:nvSpPr>
+        <p:spPr>
+          <a:xfrm>
+            <a:off x="8023546" y="2180209"/>
+            <a:ext cx="1708825" cy="369332"/>
+          </a:xfrm>
+          <a:prstGeom prst="rect">
+            <a:avLst/>
+          </a:prstGeom>
+          <a:noFill/>
+          <a:ln w="19050">
+            <a:solidFill>
+              <a:schemeClr val="tx1"/>
+            </a:solidFill>
+          </a:ln>
+        </p:spPr>
+        <p:txBody>
+          <a:bodyPr wrap="square" rtlCol="0">
+            <a:spAutoFit/>
+          </a:bodyPr>
+          <a:lstStyle/>
+          <a:p>
+            <a:pPr algn="ctr"/>
+            <a:r>
+              <a:rPr lang="en-US" altLang="ko-KR" dirty="0"/>
+              <a:t>Initialize</a:t>
+            </a:r>
+            <a:endParaRPr lang="ko-KR" altLang="en-US" dirty="0"/>
+          </a:p>
+        </p:txBody>
+      </p:sp>
+      <p:sp>
+        <p:nvSpPr>
+          <p:cNvPr id="26" name="TextBox 25">
+            <a:extLst>
+              <a:ext uri="{FF2B5EF4-FFF2-40B4-BE49-F238E27FC236}">
+                <a16:creationId xmlns:a16="http://schemas.microsoft.com/office/drawing/2014/main" id="{1FAA794E-EDAD-4157-9EA7-C03D18F73785}"/>
+              </a:ext>
+            </a:extLst>
+          </p:cNvPr>
+          <p:cNvSpPr txBox="1"/>
+          <p:nvPr/>
+        </p:nvSpPr>
+        <p:spPr>
+          <a:xfrm>
+            <a:off x="8023545" y="1761744"/>
+            <a:ext cx="1708825" cy="369332"/>
+          </a:xfrm>
+          <a:prstGeom prst="rect">
+            <a:avLst/>
+          </a:prstGeom>
+          <a:noFill/>
+          <a:ln w="19050">
+            <a:solidFill>
+              <a:schemeClr val="tx1"/>
+            </a:solidFill>
+          </a:ln>
+        </p:spPr>
+        <p:txBody>
+          <a:bodyPr wrap="square" rtlCol="0">
+            <a:spAutoFit/>
+          </a:bodyPr>
+          <a:lstStyle/>
+          <a:p>
+            <a:pPr algn="ctr"/>
+            <a:r>
+              <a:rPr lang="ko-KR" altLang="en-US" dirty="0"/>
+              <a:t>서버</a:t>
+            </a:r>
+          </a:p>
+        </p:txBody>
+      </p:sp>
+      <p:sp>
+        <p:nvSpPr>
+          <p:cNvPr id="27" name="TextBox 26">
+            <a:extLst>
+              <a:ext uri="{FF2B5EF4-FFF2-40B4-BE49-F238E27FC236}">
+                <a16:creationId xmlns:a16="http://schemas.microsoft.com/office/drawing/2014/main" id="{0505E614-812E-46E1-8C39-E93CECA045D1}"/>
+              </a:ext>
+            </a:extLst>
+          </p:cNvPr>
+          <p:cNvSpPr txBox="1"/>
+          <p:nvPr/>
+        </p:nvSpPr>
+        <p:spPr>
+          <a:xfrm>
+            <a:off x="5308961" y="3312264"/>
+            <a:ext cx="1708825" cy="369332"/>
+          </a:xfrm>
+          <a:prstGeom prst="rect">
+            <a:avLst/>
+          </a:prstGeom>
+          <a:noFill/>
+          <a:ln w="19050">
+            <a:solidFill>
+              <a:schemeClr val="tx1"/>
+            </a:solidFill>
+          </a:ln>
+        </p:spPr>
+        <p:txBody>
+          <a:bodyPr wrap="square" rtlCol="0">
+            <a:spAutoFit/>
+          </a:bodyPr>
+          <a:lstStyle/>
+          <a:p>
+            <a:pPr algn="ctr"/>
+            <a:r>
+              <a:rPr lang="en-US" altLang="ko-KR" dirty="0"/>
+              <a:t>Send</a:t>
+            </a:r>
+            <a:endParaRPr lang="ko-KR" altLang="en-US" dirty="0"/>
+          </a:p>
+        </p:txBody>
+      </p:sp>
+      <p:sp>
+        <p:nvSpPr>
+          <p:cNvPr id="28" name="TextBox 27">
+            <a:extLst>
+              <a:ext uri="{FF2B5EF4-FFF2-40B4-BE49-F238E27FC236}">
+                <a16:creationId xmlns:a16="http://schemas.microsoft.com/office/drawing/2014/main" id="{2E29C3C7-4783-4AFF-AB27-A47F1B03394C}"/>
+              </a:ext>
+            </a:extLst>
+          </p:cNvPr>
+          <p:cNvSpPr txBox="1"/>
+          <p:nvPr/>
+        </p:nvSpPr>
+        <p:spPr>
+          <a:xfrm>
+            <a:off x="5308961" y="3794472"/>
+            <a:ext cx="1708825" cy="369332"/>
+          </a:xfrm>
+          <a:prstGeom prst="rect">
+            <a:avLst/>
+          </a:prstGeom>
+          <a:noFill/>
+          <a:ln w="19050">
+            <a:solidFill>
+              <a:schemeClr val="tx1"/>
+            </a:solidFill>
+          </a:ln>
+        </p:spPr>
+        <p:txBody>
+          <a:bodyPr wrap="square" rtlCol="0">
+            <a:spAutoFit/>
+          </a:bodyPr>
+          <a:lstStyle/>
+          <a:p>
+            <a:pPr algn="ctr"/>
+            <a:r>
+              <a:rPr lang="en-US" altLang="ko-KR" dirty="0"/>
+              <a:t>Receive</a:t>
+            </a:r>
+            <a:endParaRPr lang="ko-KR" altLang="en-US" dirty="0"/>
+          </a:p>
+        </p:txBody>
+      </p:sp>
+      <p:cxnSp>
+        <p:nvCxnSpPr>
+          <p:cNvPr id="29" name="직선 연결선 28">
+            <a:extLst>
+              <a:ext uri="{FF2B5EF4-FFF2-40B4-BE49-F238E27FC236}">
+                <a16:creationId xmlns:a16="http://schemas.microsoft.com/office/drawing/2014/main" id="{1B0C2D87-5975-4792-9C57-8E227B53AA11}"/>
+              </a:ext>
+            </a:extLst>
+          </p:cNvPr>
+          <p:cNvCxnSpPr>
+            <a:cxnSpLocks/>
+          </p:cNvCxnSpPr>
+          <p:nvPr/>
+        </p:nvCxnSpPr>
+        <p:spPr>
+          <a:xfrm flipH="1">
+            <a:off x="4928415" y="1636949"/>
+            <a:ext cx="1" cy="4303930"/>
+          </a:xfrm>
+          <a:prstGeom prst="line">
+            <a:avLst/>
+          </a:prstGeom>
+          <a:ln w="25400" cmpd="sng">
+            <a:solidFill>
+              <a:schemeClr val="tx1"/>
+            </a:solidFill>
+            <a:prstDash val="sysDash"/>
+          </a:ln>
+        </p:spPr>
+        <p:style>
+          <a:lnRef idx="1">
+            <a:schemeClr val="accent1"/>
+          </a:lnRef>
+          <a:fillRef idx="0">
+            <a:schemeClr val="accent1"/>
+          </a:fillRef>
+          <a:effectRef idx="0">
+            <a:schemeClr val="accent1"/>
+          </a:effectRef>
+          <a:fontRef idx="minor">
+            <a:schemeClr val="tx1"/>
+          </a:fontRef>
+        </p:style>
+      </p:cxnSp>
+      <p:sp>
+        <p:nvSpPr>
+          <p:cNvPr id="30" name="화살표: 아래쪽 29">
+            <a:extLst>
+              <a:ext uri="{FF2B5EF4-FFF2-40B4-BE49-F238E27FC236}">
+                <a16:creationId xmlns:a16="http://schemas.microsoft.com/office/drawing/2014/main" id="{3441086B-9DFD-456C-8391-2C4D4C5644A4}"/>
+              </a:ext>
+            </a:extLst>
+          </p:cNvPr>
+          <p:cNvSpPr/>
+          <p:nvPr/>
+        </p:nvSpPr>
+        <p:spPr>
+          <a:xfrm>
+            <a:off x="6048882" y="4276680"/>
+            <a:ext cx="228981" cy="891921"/>
+          </a:xfrm>
+          <a:prstGeom prst="downArrow">
+            <a:avLst/>
+          </a:prstGeom>
+        </p:spPr>
+        <p:style>
+          <a:lnRef idx="2">
+            <a:schemeClr val="accent1">
+              <a:shade val="50000"/>
+            </a:schemeClr>
+          </a:lnRef>
+          <a:fillRef idx="1">
+            <a:schemeClr val="accent1"/>
+          </a:fillRef>
+          <a:effectRef idx="0">
+            <a:schemeClr val="accent1"/>
+          </a:effectRef>
+          <a:fontRef idx="minor">
+            <a:schemeClr val="lt1"/>
+          </a:fontRef>
+        </p:style>
+        <p:txBody>
+          <a:bodyPr rtlCol="0" anchor="ctr"/>
+          <a:lstStyle/>
+          <a:p>
+            <a:pPr algn="ctr"/>
+            <a:endParaRPr lang="ko-KR" altLang="en-US"/>
+          </a:p>
+        </p:txBody>
+      </p:sp>
+      <p:sp>
+        <p:nvSpPr>
+          <p:cNvPr id="31" name="화살표: 오른쪽 30">
+            <a:extLst>
+              <a:ext uri="{FF2B5EF4-FFF2-40B4-BE49-F238E27FC236}">
+                <a16:creationId xmlns:a16="http://schemas.microsoft.com/office/drawing/2014/main" id="{3FFDD501-AEAA-416A-9C22-290FB771EFFC}"/>
+              </a:ext>
+            </a:extLst>
+          </p:cNvPr>
+          <p:cNvSpPr/>
+          <p:nvPr/>
+        </p:nvSpPr>
+        <p:spPr>
+          <a:xfrm>
+            <a:off x="7123562" y="3402620"/>
+            <a:ext cx="807831" cy="234074"/>
+          </a:xfrm>
+          <a:prstGeom prst="rightArrow">
+            <a:avLst/>
+          </a:prstGeom>
+        </p:spPr>
+        <p:style>
+          <a:lnRef idx="2">
+            <a:schemeClr val="accent1">
+              <a:shade val="50000"/>
+            </a:schemeClr>
+          </a:lnRef>
+          <a:fillRef idx="1">
+            <a:schemeClr val="accent1"/>
+          </a:fillRef>
+          <a:effectRef idx="0">
+            <a:schemeClr val="accent1"/>
+          </a:effectRef>
+          <a:fontRef idx="minor">
+            <a:schemeClr val="lt1"/>
+          </a:fontRef>
+        </p:style>
+        <p:txBody>
+          <a:bodyPr rtlCol="0" anchor="ctr"/>
+          <a:lstStyle/>
+          <a:p>
+            <a:pPr algn="ctr"/>
+            <a:endParaRPr lang="ko-KR" altLang="en-US"/>
+          </a:p>
+        </p:txBody>
+      </p:sp>
+      <p:sp>
+        <p:nvSpPr>
+          <p:cNvPr id="32" name="TextBox 31">
+            <a:extLst>
+              <a:ext uri="{FF2B5EF4-FFF2-40B4-BE49-F238E27FC236}">
+                <a16:creationId xmlns:a16="http://schemas.microsoft.com/office/drawing/2014/main" id="{D176240E-C53D-45DE-BD1F-BB61A59DE1E4}"/>
+              </a:ext>
+            </a:extLst>
+          </p:cNvPr>
+          <p:cNvSpPr txBox="1"/>
+          <p:nvPr/>
+        </p:nvSpPr>
+        <p:spPr>
+          <a:xfrm>
+            <a:off x="5322584" y="2180209"/>
+            <a:ext cx="1708825" cy="369332"/>
+          </a:xfrm>
+          <a:prstGeom prst="rect">
+            <a:avLst/>
+          </a:prstGeom>
+          <a:noFill/>
+          <a:ln w="19050">
+            <a:solidFill>
+              <a:schemeClr val="tx1"/>
+            </a:solidFill>
+          </a:ln>
+        </p:spPr>
+        <p:txBody>
+          <a:bodyPr wrap="square" rtlCol="0">
+            <a:spAutoFit/>
+          </a:bodyPr>
+          <a:lstStyle/>
+          <a:p>
+            <a:pPr algn="ctr"/>
+            <a:r>
+              <a:rPr lang="en-US" altLang="ko-KR" dirty="0"/>
+              <a:t>Accept</a:t>
+            </a:r>
+            <a:endParaRPr lang="ko-KR" altLang="en-US" dirty="0"/>
+          </a:p>
+        </p:txBody>
+      </p:sp>
+      <p:sp>
+        <p:nvSpPr>
+          <p:cNvPr id="33" name="화살표: 오른쪽 32">
+            <a:extLst>
+              <a:ext uri="{FF2B5EF4-FFF2-40B4-BE49-F238E27FC236}">
+                <a16:creationId xmlns:a16="http://schemas.microsoft.com/office/drawing/2014/main" id="{D4804FC4-D12E-473C-8C3D-A7B1AEC1755C}"/>
+              </a:ext>
+            </a:extLst>
+          </p:cNvPr>
+          <p:cNvSpPr/>
+          <p:nvPr/>
+        </p:nvSpPr>
+        <p:spPr>
+          <a:xfrm>
+            <a:off x="7123562" y="2247838"/>
+            <a:ext cx="807831" cy="234074"/>
+          </a:xfrm>
+          <a:prstGeom prst="rightArrow">
+            <a:avLst/>
+          </a:prstGeom>
+        </p:spPr>
+        <p:style>
+          <a:lnRef idx="2">
+            <a:schemeClr val="accent1">
+              <a:shade val="50000"/>
+            </a:schemeClr>
+          </a:lnRef>
+          <a:fillRef idx="1">
+            <a:schemeClr val="accent1"/>
+          </a:fillRef>
+          <a:effectRef idx="0">
+            <a:schemeClr val="accent1"/>
+          </a:effectRef>
+          <a:fontRef idx="minor">
+            <a:schemeClr val="lt1"/>
+          </a:fontRef>
+        </p:style>
+        <p:txBody>
+          <a:bodyPr rtlCol="0" anchor="ctr"/>
+          <a:lstStyle/>
+          <a:p>
+            <a:pPr algn="ctr"/>
+            <a:endParaRPr lang="ko-KR" altLang="en-US"/>
+          </a:p>
+        </p:txBody>
+      </p:sp>
+      <p:sp>
+        <p:nvSpPr>
+          <p:cNvPr id="34" name="화살표: 아래쪽 33">
+            <a:extLst>
+              <a:ext uri="{FF2B5EF4-FFF2-40B4-BE49-F238E27FC236}">
+                <a16:creationId xmlns:a16="http://schemas.microsoft.com/office/drawing/2014/main" id="{C50B968A-6B60-440B-9A5E-BB65E28F06EC}"/>
+              </a:ext>
+            </a:extLst>
+          </p:cNvPr>
+          <p:cNvSpPr/>
+          <p:nvPr/>
+        </p:nvSpPr>
+        <p:spPr>
+          <a:xfrm>
+            <a:off x="8826717" y="2607112"/>
+            <a:ext cx="197224" cy="640019"/>
+          </a:xfrm>
+          <a:prstGeom prst="downArrow">
+            <a:avLst/>
+          </a:prstGeom>
+        </p:spPr>
+        <p:style>
+          <a:lnRef idx="2">
+            <a:schemeClr val="accent1">
+              <a:shade val="50000"/>
+            </a:schemeClr>
+          </a:lnRef>
+          <a:fillRef idx="1">
+            <a:schemeClr val="accent1"/>
+          </a:fillRef>
+          <a:effectRef idx="0">
+            <a:schemeClr val="accent1"/>
+          </a:effectRef>
+          <a:fontRef idx="minor">
+            <a:schemeClr val="lt1"/>
+          </a:fontRef>
+        </p:style>
+        <p:txBody>
+          <a:bodyPr rtlCol="0" anchor="ctr"/>
+          <a:lstStyle/>
+          <a:p>
+            <a:pPr algn="ctr"/>
+            <a:endParaRPr lang="ko-KR" altLang="en-US"/>
+          </a:p>
+        </p:txBody>
+      </p:sp>
+      <p:sp>
+        <p:nvSpPr>
+          <p:cNvPr id="35" name="화살표: 오른쪽 34">
+            <a:extLst>
+              <a:ext uri="{FF2B5EF4-FFF2-40B4-BE49-F238E27FC236}">
+                <a16:creationId xmlns:a16="http://schemas.microsoft.com/office/drawing/2014/main" id="{A7DCD92F-E017-4EDD-A420-1B3BCA93B9AF}"/>
+              </a:ext>
+            </a:extLst>
+          </p:cNvPr>
+          <p:cNvSpPr/>
+          <p:nvPr/>
+        </p:nvSpPr>
+        <p:spPr>
+          <a:xfrm rot="10800000">
+            <a:off x="7116027" y="3860027"/>
+            <a:ext cx="807831" cy="234074"/>
+          </a:xfrm>
+          <a:prstGeom prst="rightArrow">
+            <a:avLst/>
+          </a:prstGeom>
+        </p:spPr>
+        <p:style>
+          <a:lnRef idx="2">
+            <a:schemeClr val="accent1">
+              <a:shade val="50000"/>
+            </a:schemeClr>
+          </a:lnRef>
+          <a:fillRef idx="1">
+            <a:schemeClr val="accent1"/>
+          </a:fillRef>
+          <a:effectRef idx="0">
+            <a:schemeClr val="accent1"/>
+          </a:effectRef>
+          <a:fontRef idx="minor">
+            <a:schemeClr val="lt1"/>
+          </a:fontRef>
+        </p:style>
+        <p:txBody>
+          <a:bodyPr rtlCol="0" anchor="ctr"/>
+          <a:lstStyle/>
+          <a:p>
+            <a:pPr algn="ctr"/>
+            <a:endParaRPr lang="ko-KR" altLang="en-US"/>
+          </a:p>
+        </p:txBody>
+      </p:sp>
+      <p:sp>
+        <p:nvSpPr>
+          <p:cNvPr id="36" name="화살표: 아래쪽 35">
+            <a:extLst>
+              <a:ext uri="{FF2B5EF4-FFF2-40B4-BE49-F238E27FC236}">
+                <a16:creationId xmlns:a16="http://schemas.microsoft.com/office/drawing/2014/main" id="{A6D3124E-B2E5-4389-A370-7F3C4BCC583E}"/>
+              </a:ext>
+            </a:extLst>
+          </p:cNvPr>
+          <p:cNvSpPr/>
+          <p:nvPr/>
+        </p:nvSpPr>
+        <p:spPr>
+          <a:xfrm>
+            <a:off x="6064760" y="2598674"/>
+            <a:ext cx="197224" cy="640019"/>
+          </a:xfrm>
+          <a:prstGeom prst="downArrow">
+            <a:avLst/>
+          </a:prstGeom>
+        </p:spPr>
+        <p:style>
+          <a:lnRef idx="2">
+            <a:schemeClr val="accent1">
+              <a:shade val="50000"/>
+            </a:schemeClr>
+          </a:lnRef>
+          <a:fillRef idx="1">
+            <a:schemeClr val="accent1"/>
+          </a:fillRef>
+          <a:effectRef idx="0">
+            <a:schemeClr val="accent1"/>
+          </a:effectRef>
+          <a:fontRef idx="minor">
+            <a:schemeClr val="lt1"/>
+          </a:fontRef>
+        </p:style>
+        <p:txBody>
+          <a:bodyPr rtlCol="0" anchor="ctr"/>
+          <a:lstStyle/>
+          <a:p>
+            <a:pPr algn="ctr"/>
+            <a:endParaRPr lang="ko-KR" altLang="en-US"/>
+          </a:p>
+        </p:txBody>
+      </p:sp>
+      <p:sp>
+        <p:nvSpPr>
+          <p:cNvPr id="37" name="TextBox 36">
+            <a:extLst>
+              <a:ext uri="{FF2B5EF4-FFF2-40B4-BE49-F238E27FC236}">
+                <a16:creationId xmlns:a16="http://schemas.microsoft.com/office/drawing/2014/main" id="{32E0532D-B876-4047-A158-A76CC23AB2EE}"/>
+              </a:ext>
+            </a:extLst>
+          </p:cNvPr>
+          <p:cNvSpPr txBox="1"/>
+          <p:nvPr/>
+        </p:nvSpPr>
+        <p:spPr>
+          <a:xfrm>
+            <a:off x="5150990" y="2701828"/>
+            <a:ext cx="954107" cy="369332"/>
           </a:xfrm>
           <a:prstGeom prst="rect">
             <a:avLst/>
@@ -10368,586 +11298,11 @@
           <a:p>
             <a:pPr algn="ctr"/>
             <a:r>
-              <a:rPr lang="ko-KR" altLang="en-US" sz="2000" dirty="0" err="1">
-                <a:latin typeface="HY견고딕" panose="02030600000101010101" pitchFamily="18" charset="-127"/>
-                <a:ea typeface="HY견고딕" panose="02030600000101010101" pitchFamily="18" charset="-127"/>
-              </a:rPr>
-              <a:t>김하윤</a:t>
-            </a:r>
-            <a:endParaRPr lang="en-US" altLang="ko-KR" sz="2000" dirty="0">
-              <a:latin typeface="HY견고딕" panose="02030600000101010101" pitchFamily="18" charset="-127"/>
-              <a:ea typeface="HY견고딕" panose="02030600000101010101" pitchFamily="18" charset="-127"/>
-            </a:endParaRPr>
-          </a:p>
-        </p:txBody>
-      </p:sp>
-      <p:sp>
-        <p:nvSpPr>
-          <p:cNvPr id="40" name="TextBox 39">
-            <a:extLst>
-              <a:ext uri="{FF2B5EF4-FFF2-40B4-BE49-F238E27FC236}">
-                <a16:creationId xmlns:a16="http://schemas.microsoft.com/office/drawing/2014/main" id="{0842F3DA-4D64-43DB-880E-5C9EDD87A91C}"/>
-              </a:ext>
-            </a:extLst>
-          </p:cNvPr>
-          <p:cNvSpPr txBox="1"/>
-          <p:nvPr/>
-        </p:nvSpPr>
-        <p:spPr>
-          <a:xfrm>
-            <a:off x="3596516" y="2188723"/>
-            <a:ext cx="2319866" cy="3139321"/>
-          </a:xfrm>
-          <a:prstGeom prst="rect">
-            <a:avLst/>
-          </a:prstGeom>
-          <a:noFill/>
-        </p:spPr>
-        <p:txBody>
-          <a:bodyPr wrap="none" rtlCol="0">
-            <a:spAutoFit/>
-          </a:bodyPr>
-          <a:lstStyle/>
-          <a:p>
-            <a:pPr algn="ctr"/>
-            <a:r>
-              <a:rPr lang="ko-KR" altLang="en-US" dirty="0">
-                <a:latin typeface="HY견고딕" panose="02030600000101010101" pitchFamily="18" charset="-127"/>
-                <a:ea typeface="HY견고딕" panose="02030600000101010101" pitchFamily="18" charset="-127"/>
-              </a:rPr>
-              <a:t>기존 코드 </a:t>
-            </a:r>
-            <a:r>
-              <a:rPr lang="ko-KR" altLang="en-US" dirty="0" err="1">
-                <a:latin typeface="HY견고딕" panose="02030600000101010101" pitchFamily="18" charset="-127"/>
-                <a:ea typeface="HY견고딕" panose="02030600000101010101" pitchFamily="18" charset="-127"/>
-              </a:rPr>
-              <a:t>리팩토링</a:t>
-            </a:r>
-            <a:endParaRPr lang="en-US" altLang="ko-KR" dirty="0">
-              <a:latin typeface="HY견고딕" panose="02030600000101010101" pitchFamily="18" charset="-127"/>
-              <a:ea typeface="HY견고딕" panose="02030600000101010101" pitchFamily="18" charset="-127"/>
-            </a:endParaRPr>
-          </a:p>
-          <a:p>
-            <a:pPr algn="ctr"/>
-            <a:endParaRPr lang="en-US" altLang="ko-KR" dirty="0">
-              <a:latin typeface="HY견고딕" panose="02030600000101010101" pitchFamily="18" charset="-127"/>
-              <a:ea typeface="HY견고딕" panose="02030600000101010101" pitchFamily="18" charset="-127"/>
-            </a:endParaRPr>
-          </a:p>
-          <a:p>
-            <a:pPr algn="ctr"/>
-            <a:r>
-              <a:rPr lang="ko-KR" altLang="en-US" dirty="0">
-                <a:latin typeface="HY견고딕" panose="02030600000101010101" pitchFamily="18" charset="-127"/>
-                <a:ea typeface="HY견고딕" panose="02030600000101010101" pitchFamily="18" charset="-127"/>
-              </a:rPr>
-              <a:t>애니메이션 구현</a:t>
-            </a:r>
-            <a:endParaRPr lang="en-US" altLang="ko-KR" dirty="0">
-              <a:latin typeface="HY견고딕" panose="02030600000101010101" pitchFamily="18" charset="-127"/>
-              <a:ea typeface="HY견고딕" panose="02030600000101010101" pitchFamily="18" charset="-127"/>
-            </a:endParaRPr>
-          </a:p>
-          <a:p>
-            <a:pPr algn="ctr"/>
-            <a:r>
-              <a:rPr lang="ko-KR" altLang="en-US" dirty="0">
-                <a:latin typeface="HY견고딕" panose="02030600000101010101" pitchFamily="18" charset="-127"/>
-                <a:ea typeface="HY견고딕" panose="02030600000101010101" pitchFamily="18" charset="-127"/>
-              </a:rPr>
-              <a:t>아이템 구현</a:t>
-            </a:r>
-            <a:endParaRPr lang="en-US" altLang="ko-KR" dirty="0">
-              <a:latin typeface="HY견고딕" panose="02030600000101010101" pitchFamily="18" charset="-127"/>
-              <a:ea typeface="HY견고딕" panose="02030600000101010101" pitchFamily="18" charset="-127"/>
-            </a:endParaRPr>
-          </a:p>
-          <a:p>
-            <a:pPr algn="ctr"/>
-            <a:endParaRPr lang="en-US" altLang="ko-KR" dirty="0">
-              <a:latin typeface="HY견고딕" panose="02030600000101010101" pitchFamily="18" charset="-127"/>
-              <a:ea typeface="HY견고딕" panose="02030600000101010101" pitchFamily="18" charset="-127"/>
-            </a:endParaRPr>
-          </a:p>
-          <a:p>
-            <a:pPr algn="ctr"/>
-            <a:r>
-              <a:rPr lang="ko-KR" altLang="en-US" dirty="0">
-                <a:latin typeface="HY견고딕" panose="02030600000101010101" pitchFamily="18" charset="-127"/>
-                <a:ea typeface="HY견고딕" panose="02030600000101010101" pitchFamily="18" charset="-127"/>
-              </a:rPr>
-              <a:t>플레이어 </a:t>
-            </a:r>
-            <a:r>
-              <a:rPr lang="en-US" altLang="ko-KR" dirty="0">
-                <a:latin typeface="HY견고딕" panose="02030600000101010101" pitchFamily="18" charset="-127"/>
-                <a:ea typeface="HY견고딕" panose="02030600000101010101" pitchFamily="18" charset="-127"/>
-              </a:rPr>
-              <a:t>&amp; </a:t>
-            </a:r>
-            <a:r>
-              <a:rPr lang="ko-KR" altLang="en-US" dirty="0">
-                <a:latin typeface="HY견고딕" panose="02030600000101010101" pitchFamily="18" charset="-127"/>
-                <a:ea typeface="HY견고딕" panose="02030600000101010101" pitchFamily="18" charset="-127"/>
-              </a:rPr>
-              <a:t>총알 </a:t>
-            </a:r>
-            <a:endParaRPr lang="en-US" altLang="ko-KR" dirty="0">
-              <a:latin typeface="HY견고딕" panose="02030600000101010101" pitchFamily="18" charset="-127"/>
-              <a:ea typeface="HY견고딕" panose="02030600000101010101" pitchFamily="18" charset="-127"/>
-            </a:endParaRPr>
-          </a:p>
-          <a:p>
-            <a:pPr algn="ctr"/>
-            <a:r>
-              <a:rPr lang="ko-KR" altLang="en-US" dirty="0">
-                <a:latin typeface="HY견고딕" panose="02030600000101010101" pitchFamily="18" charset="-127"/>
-                <a:ea typeface="HY견고딕" panose="02030600000101010101" pitchFamily="18" charset="-127"/>
-              </a:rPr>
-              <a:t>동기화</a:t>
-            </a:r>
-            <a:endParaRPr lang="en-US" altLang="ko-KR" dirty="0">
-              <a:latin typeface="HY견고딕" panose="02030600000101010101" pitchFamily="18" charset="-127"/>
-              <a:ea typeface="HY견고딕" panose="02030600000101010101" pitchFamily="18" charset="-127"/>
-            </a:endParaRPr>
-          </a:p>
-          <a:p>
-            <a:pPr algn="ctr"/>
-            <a:endParaRPr lang="en-US" altLang="ko-KR" dirty="0">
-              <a:latin typeface="HY견고딕" panose="02030600000101010101" pitchFamily="18" charset="-127"/>
-              <a:ea typeface="HY견고딕" panose="02030600000101010101" pitchFamily="18" charset="-127"/>
-            </a:endParaRPr>
-          </a:p>
-          <a:p>
-            <a:pPr algn="ctr"/>
-            <a:r>
-              <a:rPr lang="ko-KR" altLang="en-US" dirty="0">
-                <a:latin typeface="HY견고딕" panose="02030600000101010101" pitchFamily="18" charset="-127"/>
-                <a:ea typeface="HY견고딕" panose="02030600000101010101" pitchFamily="18" charset="-127"/>
-              </a:rPr>
-              <a:t>충돌체크</a:t>
-            </a:r>
-            <a:endParaRPr lang="en-US" altLang="ko-KR" dirty="0">
-              <a:latin typeface="HY견고딕" panose="02030600000101010101" pitchFamily="18" charset="-127"/>
-              <a:ea typeface="HY견고딕" panose="02030600000101010101" pitchFamily="18" charset="-127"/>
-            </a:endParaRPr>
-          </a:p>
-          <a:p>
-            <a:pPr algn="ctr"/>
-            <a:r>
-              <a:rPr lang="en-US" altLang="ko-KR" dirty="0">
-                <a:latin typeface="HY견고딕" panose="02030600000101010101" pitchFamily="18" charset="-127"/>
-                <a:ea typeface="HY견고딕" panose="02030600000101010101" pitchFamily="18" charset="-127"/>
-              </a:rPr>
-              <a:t>(</a:t>
-            </a:r>
-            <a:r>
-              <a:rPr lang="ko-KR" altLang="en-US" dirty="0">
-                <a:latin typeface="HY견고딕" panose="02030600000101010101" pitchFamily="18" charset="-127"/>
-                <a:ea typeface="HY견고딕" panose="02030600000101010101" pitchFamily="18" charset="-127"/>
-              </a:rPr>
-              <a:t>볼 </a:t>
-            </a:r>
-            <a:r>
-              <a:rPr lang="en-US" altLang="ko-KR" dirty="0">
-                <a:latin typeface="HY견고딕" panose="02030600000101010101" pitchFamily="18" charset="-127"/>
-                <a:ea typeface="HY견고딕" panose="02030600000101010101" pitchFamily="18" charset="-127"/>
-              </a:rPr>
-              <a:t>+ </a:t>
-            </a:r>
-            <a:r>
-              <a:rPr lang="ko-KR" altLang="en-US" dirty="0">
-                <a:latin typeface="HY견고딕" panose="02030600000101010101" pitchFamily="18" charset="-127"/>
-                <a:ea typeface="HY견고딕" panose="02030600000101010101" pitchFamily="18" charset="-127"/>
-              </a:rPr>
-              <a:t>블록</a:t>
-            </a:r>
-            <a:r>
-              <a:rPr lang="en-US" altLang="ko-KR" dirty="0">
-                <a:latin typeface="HY견고딕" panose="02030600000101010101" pitchFamily="18" charset="-127"/>
-                <a:ea typeface="HY견고딕" panose="02030600000101010101" pitchFamily="18" charset="-127"/>
-              </a:rPr>
-              <a:t>)</a:t>
-            </a:r>
-          </a:p>
-          <a:p>
-            <a:pPr algn="ctr"/>
-            <a:r>
-              <a:rPr lang="en-US" altLang="ko-KR" dirty="0">
-                <a:latin typeface="HY견고딕" panose="02030600000101010101" pitchFamily="18" charset="-127"/>
-                <a:ea typeface="HY견고딕" panose="02030600000101010101" pitchFamily="18" charset="-127"/>
-              </a:rPr>
-              <a:t>(</a:t>
-            </a:r>
-            <a:r>
-              <a:rPr lang="ko-KR" altLang="en-US" dirty="0">
-                <a:latin typeface="HY견고딕" panose="02030600000101010101" pitchFamily="18" charset="-127"/>
-                <a:ea typeface="HY견고딕" panose="02030600000101010101" pitchFamily="18" charset="-127"/>
-              </a:rPr>
-              <a:t>아이템 </a:t>
-            </a:r>
-            <a:r>
-              <a:rPr lang="en-US" altLang="ko-KR" dirty="0">
-                <a:latin typeface="HY견고딕" panose="02030600000101010101" pitchFamily="18" charset="-127"/>
-                <a:ea typeface="HY견고딕" panose="02030600000101010101" pitchFamily="18" charset="-127"/>
-              </a:rPr>
-              <a:t>+ </a:t>
-            </a:r>
-            <a:r>
-              <a:rPr lang="ko-KR" altLang="en-US" dirty="0">
-                <a:latin typeface="HY견고딕" panose="02030600000101010101" pitchFamily="18" charset="-127"/>
-                <a:ea typeface="HY견고딕" panose="02030600000101010101" pitchFamily="18" charset="-127"/>
-              </a:rPr>
-              <a:t>플레이어</a:t>
-            </a:r>
-            <a:r>
-              <a:rPr lang="en-US" altLang="ko-KR" dirty="0">
-                <a:latin typeface="HY견고딕" panose="02030600000101010101" pitchFamily="18" charset="-127"/>
-                <a:ea typeface="HY견고딕" panose="02030600000101010101" pitchFamily="18" charset="-127"/>
-              </a:rPr>
-              <a:t>)</a:t>
-            </a:r>
-          </a:p>
-        </p:txBody>
-      </p:sp>
-      <p:sp>
-        <p:nvSpPr>
-          <p:cNvPr id="41" name="TextBox 40">
-            <a:extLst>
-              <a:ext uri="{FF2B5EF4-FFF2-40B4-BE49-F238E27FC236}">
-                <a16:creationId xmlns:a16="http://schemas.microsoft.com/office/drawing/2014/main" id="{1FA041E5-1338-4FA7-8567-0C33C0F83056}"/>
-              </a:ext>
-            </a:extLst>
-          </p:cNvPr>
-          <p:cNvSpPr txBox="1"/>
-          <p:nvPr/>
-        </p:nvSpPr>
-        <p:spPr>
-          <a:xfrm>
-            <a:off x="7023216" y="2224401"/>
-            <a:ext cx="2117887" cy="3139321"/>
-          </a:xfrm>
-          <a:prstGeom prst="rect">
-            <a:avLst/>
-          </a:prstGeom>
-          <a:noFill/>
-        </p:spPr>
-        <p:txBody>
-          <a:bodyPr wrap="none" rtlCol="0">
-            <a:spAutoFit/>
-          </a:bodyPr>
-          <a:lstStyle/>
-          <a:p>
-            <a:pPr algn="ctr"/>
-            <a:r>
-              <a:rPr lang="en-US" altLang="ko-KR" dirty="0">
-                <a:latin typeface="HY견고딕" panose="02030600000101010101" pitchFamily="18" charset="-127"/>
-                <a:ea typeface="HY견고딕" panose="02030600000101010101" pitchFamily="18" charset="-127"/>
-              </a:rPr>
-              <a:t>TCP/IP </a:t>
-            </a:r>
-            <a:r>
-              <a:rPr lang="ko-KR" altLang="en-US" dirty="0">
-                <a:latin typeface="HY견고딕" panose="02030600000101010101" pitchFamily="18" charset="-127"/>
-                <a:ea typeface="HY견고딕" panose="02030600000101010101" pitchFamily="18" charset="-127"/>
-              </a:rPr>
-              <a:t>서버 구현</a:t>
-            </a:r>
-            <a:endParaRPr lang="en-US" altLang="ko-KR" dirty="0">
-              <a:latin typeface="HY견고딕" panose="02030600000101010101" pitchFamily="18" charset="-127"/>
-              <a:ea typeface="HY견고딕" panose="02030600000101010101" pitchFamily="18" charset="-127"/>
-            </a:endParaRPr>
-          </a:p>
-          <a:p>
-            <a:pPr algn="ctr"/>
-            <a:endParaRPr lang="en-US" altLang="ko-KR" dirty="0">
-              <a:latin typeface="HY견고딕" panose="02030600000101010101" pitchFamily="18" charset="-127"/>
-              <a:ea typeface="HY견고딕" panose="02030600000101010101" pitchFamily="18" charset="-127"/>
-            </a:endParaRPr>
-          </a:p>
-          <a:p>
-            <a:pPr algn="ctr"/>
-            <a:r>
-              <a:rPr lang="ko-KR" altLang="en-US" dirty="0">
-                <a:latin typeface="HY견고딕" panose="02030600000101010101" pitchFamily="18" charset="-127"/>
-                <a:ea typeface="HY견고딕" panose="02030600000101010101" pitchFamily="18" charset="-127"/>
-              </a:rPr>
-              <a:t>블록 </a:t>
-            </a:r>
-            <a:r>
-              <a:rPr lang="en-US" altLang="ko-KR" dirty="0">
-                <a:latin typeface="HY견고딕" panose="02030600000101010101" pitchFamily="18" charset="-127"/>
-                <a:ea typeface="HY견고딕" panose="02030600000101010101" pitchFamily="18" charset="-127"/>
-              </a:rPr>
-              <a:t>&amp; </a:t>
-            </a:r>
-            <a:r>
-              <a:rPr lang="ko-KR" altLang="en-US" dirty="0">
-                <a:latin typeface="HY견고딕" panose="02030600000101010101" pitchFamily="18" charset="-127"/>
-                <a:ea typeface="HY견고딕" panose="02030600000101010101" pitchFamily="18" charset="-127"/>
-              </a:rPr>
-              <a:t>볼 동기화</a:t>
-            </a:r>
-            <a:endParaRPr lang="en-US" altLang="ko-KR" dirty="0">
-              <a:latin typeface="HY견고딕" panose="02030600000101010101" pitchFamily="18" charset="-127"/>
-              <a:ea typeface="HY견고딕" panose="02030600000101010101" pitchFamily="18" charset="-127"/>
-            </a:endParaRPr>
-          </a:p>
-          <a:p>
-            <a:pPr algn="ctr"/>
-            <a:endParaRPr lang="en-US" altLang="ko-KR" dirty="0">
-              <a:latin typeface="HY견고딕" panose="02030600000101010101" pitchFamily="18" charset="-127"/>
-              <a:ea typeface="HY견고딕" panose="02030600000101010101" pitchFamily="18" charset="-127"/>
-            </a:endParaRPr>
-          </a:p>
-          <a:p>
-            <a:pPr algn="ctr"/>
-            <a:r>
-              <a:rPr lang="ko-KR" altLang="en-US" dirty="0">
-                <a:latin typeface="HY견고딕" panose="02030600000101010101" pitchFamily="18" charset="-127"/>
-                <a:ea typeface="HY견고딕" panose="02030600000101010101" pitchFamily="18" charset="-127"/>
-              </a:rPr>
-              <a:t>클라이언트 </a:t>
-            </a:r>
-            <a:endParaRPr lang="en-US" altLang="ko-KR" dirty="0">
-              <a:latin typeface="HY견고딕" panose="02030600000101010101" pitchFamily="18" charset="-127"/>
-              <a:ea typeface="HY견고딕" panose="02030600000101010101" pitchFamily="18" charset="-127"/>
-            </a:endParaRPr>
-          </a:p>
-          <a:p>
-            <a:pPr algn="ctr"/>
-            <a:r>
-              <a:rPr lang="ko-KR" altLang="en-US" dirty="0">
-                <a:latin typeface="HY견고딕" panose="02030600000101010101" pitchFamily="18" charset="-127"/>
-                <a:ea typeface="HY견고딕" panose="02030600000101010101" pitchFamily="18" charset="-127"/>
-              </a:rPr>
-              <a:t>프레임워크 구현</a:t>
-            </a:r>
-            <a:endParaRPr lang="en-US" altLang="ko-KR" dirty="0">
-              <a:latin typeface="HY견고딕" panose="02030600000101010101" pitchFamily="18" charset="-127"/>
-              <a:ea typeface="HY견고딕" panose="02030600000101010101" pitchFamily="18" charset="-127"/>
-            </a:endParaRPr>
-          </a:p>
-          <a:p>
-            <a:pPr algn="ctr"/>
-            <a:endParaRPr lang="en-US" altLang="ko-KR" dirty="0">
-              <a:latin typeface="HY견고딕" panose="02030600000101010101" pitchFamily="18" charset="-127"/>
-              <a:ea typeface="HY견고딕" panose="02030600000101010101" pitchFamily="18" charset="-127"/>
-            </a:endParaRPr>
-          </a:p>
-          <a:p>
-            <a:pPr algn="ctr"/>
-            <a:r>
-              <a:rPr lang="ko-KR" altLang="en-US" dirty="0">
-                <a:latin typeface="HY견고딕" panose="02030600000101010101" pitchFamily="18" charset="-127"/>
-                <a:ea typeface="HY견고딕" panose="02030600000101010101" pitchFamily="18" charset="-127"/>
-              </a:rPr>
-              <a:t>충돌체크</a:t>
-            </a:r>
-            <a:endParaRPr lang="en-US" altLang="ko-KR" dirty="0">
-              <a:latin typeface="HY견고딕" panose="02030600000101010101" pitchFamily="18" charset="-127"/>
-              <a:ea typeface="HY견고딕" panose="02030600000101010101" pitchFamily="18" charset="-127"/>
-            </a:endParaRPr>
-          </a:p>
-          <a:p>
-            <a:pPr algn="ctr"/>
-            <a:r>
-              <a:rPr lang="en-US" altLang="ko-KR" dirty="0">
-                <a:latin typeface="HY견고딕" panose="02030600000101010101" pitchFamily="18" charset="-127"/>
-                <a:ea typeface="HY견고딕" panose="02030600000101010101" pitchFamily="18" charset="-127"/>
-              </a:rPr>
-              <a:t>(</a:t>
-            </a:r>
-            <a:r>
-              <a:rPr lang="ko-KR" altLang="en-US" dirty="0">
-                <a:latin typeface="HY견고딕" panose="02030600000101010101" pitchFamily="18" charset="-127"/>
-                <a:ea typeface="HY견고딕" panose="02030600000101010101" pitchFamily="18" charset="-127"/>
-              </a:rPr>
-              <a:t>볼 </a:t>
-            </a:r>
-            <a:r>
-              <a:rPr lang="en-US" altLang="ko-KR" dirty="0">
-                <a:latin typeface="HY견고딕" panose="02030600000101010101" pitchFamily="18" charset="-127"/>
-                <a:ea typeface="HY견고딕" panose="02030600000101010101" pitchFamily="18" charset="-127"/>
-              </a:rPr>
-              <a:t>+ </a:t>
-            </a:r>
-            <a:r>
-              <a:rPr lang="ko-KR" altLang="en-US" dirty="0">
-                <a:latin typeface="HY견고딕" panose="02030600000101010101" pitchFamily="18" charset="-127"/>
-                <a:ea typeface="HY견고딕" panose="02030600000101010101" pitchFamily="18" charset="-127"/>
-              </a:rPr>
-              <a:t>작살</a:t>
-            </a:r>
-            <a:r>
-              <a:rPr lang="en-US" altLang="ko-KR" dirty="0">
-                <a:latin typeface="HY견고딕" panose="02030600000101010101" pitchFamily="18" charset="-127"/>
-                <a:ea typeface="HY견고딕" panose="02030600000101010101" pitchFamily="18" charset="-127"/>
-              </a:rPr>
-              <a:t>)</a:t>
-            </a:r>
-          </a:p>
-          <a:p>
-            <a:pPr algn="ctr"/>
-            <a:r>
-              <a:rPr lang="en-US" altLang="ko-KR" dirty="0">
-                <a:latin typeface="HY견고딕" panose="02030600000101010101" pitchFamily="18" charset="-127"/>
-                <a:ea typeface="HY견고딕" panose="02030600000101010101" pitchFamily="18" charset="-127"/>
-              </a:rPr>
-              <a:t>(</a:t>
-            </a:r>
-            <a:r>
-              <a:rPr lang="ko-KR" altLang="en-US" dirty="0">
-                <a:latin typeface="HY견고딕" panose="02030600000101010101" pitchFamily="18" charset="-127"/>
-                <a:ea typeface="HY견고딕" panose="02030600000101010101" pitchFamily="18" charset="-127"/>
-              </a:rPr>
-              <a:t>볼 </a:t>
-            </a:r>
-            <a:r>
-              <a:rPr lang="en-US" altLang="ko-KR" dirty="0">
-                <a:latin typeface="HY견고딕" panose="02030600000101010101" pitchFamily="18" charset="-127"/>
-                <a:ea typeface="HY견고딕" panose="02030600000101010101" pitchFamily="18" charset="-127"/>
-              </a:rPr>
-              <a:t>+ </a:t>
-            </a:r>
-            <a:r>
-              <a:rPr lang="ko-KR" altLang="en-US" dirty="0">
-                <a:latin typeface="HY견고딕" panose="02030600000101010101" pitchFamily="18" charset="-127"/>
-                <a:ea typeface="HY견고딕" panose="02030600000101010101" pitchFamily="18" charset="-127"/>
-              </a:rPr>
-              <a:t>플레이어</a:t>
-            </a:r>
-            <a:r>
-              <a:rPr lang="en-US" altLang="ko-KR" dirty="0">
-                <a:latin typeface="HY견고딕" panose="02030600000101010101" pitchFamily="18" charset="-127"/>
-                <a:ea typeface="HY견고딕" panose="02030600000101010101" pitchFamily="18" charset="-127"/>
-              </a:rPr>
-              <a:t>)</a:t>
-            </a:r>
-          </a:p>
-          <a:p>
-            <a:pPr algn="ctr"/>
-            <a:r>
-              <a:rPr lang="ko-KR" altLang="en-US" dirty="0">
-                <a:latin typeface="HY견고딕" panose="02030600000101010101" pitchFamily="18" charset="-127"/>
-                <a:ea typeface="HY견고딕" panose="02030600000101010101" pitchFamily="18" charset="-127"/>
-              </a:rPr>
-              <a:t>디버깅 및 최적화</a:t>
-            </a:r>
-            <a:endParaRPr lang="en-US" altLang="ko-KR" dirty="0">
-              <a:latin typeface="HY견고딕" panose="02030600000101010101" pitchFamily="18" charset="-127"/>
-              <a:ea typeface="HY견고딕" panose="02030600000101010101" pitchFamily="18" charset="-127"/>
-            </a:endParaRPr>
-          </a:p>
-        </p:txBody>
-      </p:sp>
-      <p:sp>
-        <p:nvSpPr>
-          <p:cNvPr id="42" name="TextBox 41">
-            <a:extLst>
-              <a:ext uri="{FF2B5EF4-FFF2-40B4-BE49-F238E27FC236}">
-                <a16:creationId xmlns:a16="http://schemas.microsoft.com/office/drawing/2014/main" id="{2A68D699-A905-4C71-B1EE-3A41774BD249}"/>
-              </a:ext>
-            </a:extLst>
-          </p:cNvPr>
-          <p:cNvSpPr txBox="1"/>
-          <p:nvPr/>
-        </p:nvSpPr>
-        <p:spPr>
-          <a:xfrm>
-            <a:off x="5582687" y="2735981"/>
-            <a:ext cx="1646605" cy="2031325"/>
-          </a:xfrm>
-          <a:prstGeom prst="rect">
-            <a:avLst/>
-          </a:prstGeom>
-          <a:noFill/>
-        </p:spPr>
-        <p:txBody>
-          <a:bodyPr wrap="none" rtlCol="0">
-            <a:spAutoFit/>
-          </a:bodyPr>
-          <a:lstStyle/>
-          <a:p>
-            <a:pPr algn="ctr"/>
-            <a:r>
-              <a:rPr lang="ko-KR" altLang="en-US" dirty="0">
-                <a:latin typeface="HY견고딕" panose="02030600000101010101" pitchFamily="18" charset="-127"/>
-                <a:ea typeface="HY견고딕" panose="02030600000101010101" pitchFamily="18" charset="-127"/>
-              </a:rPr>
-              <a:t>서버 통신</a:t>
-            </a:r>
-            <a:endParaRPr lang="en-US" altLang="ko-KR" dirty="0">
-              <a:latin typeface="HY견고딕" panose="02030600000101010101" pitchFamily="18" charset="-127"/>
-              <a:ea typeface="HY견고딕" panose="02030600000101010101" pitchFamily="18" charset="-127"/>
-            </a:endParaRPr>
-          </a:p>
-          <a:p>
-            <a:pPr algn="ctr"/>
-            <a:r>
-              <a:rPr lang="ko-KR" altLang="en-US" dirty="0">
-                <a:latin typeface="HY견고딕" panose="02030600000101010101" pitchFamily="18" charset="-127"/>
-                <a:ea typeface="HY견고딕" panose="02030600000101010101" pitchFamily="18" charset="-127"/>
-              </a:rPr>
-              <a:t>프로토콜</a:t>
-            </a:r>
-            <a:endParaRPr lang="en-US" altLang="ko-KR" dirty="0">
-              <a:latin typeface="HY견고딕" panose="02030600000101010101" pitchFamily="18" charset="-127"/>
-              <a:ea typeface="HY견고딕" panose="02030600000101010101" pitchFamily="18" charset="-127"/>
-            </a:endParaRPr>
-          </a:p>
-          <a:p>
-            <a:pPr algn="ctr"/>
-            <a:endParaRPr lang="en-US" altLang="ko-KR" dirty="0">
-              <a:latin typeface="HY견고딕" panose="02030600000101010101" pitchFamily="18" charset="-127"/>
-              <a:ea typeface="HY견고딕" panose="02030600000101010101" pitchFamily="18" charset="-127"/>
-            </a:endParaRPr>
-          </a:p>
-          <a:p>
-            <a:pPr algn="ctr"/>
-            <a:r>
-              <a:rPr lang="ko-KR" altLang="en-US" dirty="0" err="1">
-                <a:latin typeface="HY견고딕" panose="02030600000101010101" pitchFamily="18" charset="-127"/>
-                <a:ea typeface="HY견고딕" panose="02030600000101010101" pitchFamily="18" charset="-127"/>
-              </a:rPr>
-              <a:t>멀티쓰레드</a:t>
-            </a:r>
-            <a:endParaRPr lang="en-US" altLang="ko-KR" dirty="0">
-              <a:latin typeface="HY견고딕" panose="02030600000101010101" pitchFamily="18" charset="-127"/>
-              <a:ea typeface="HY견고딕" panose="02030600000101010101" pitchFamily="18" charset="-127"/>
-            </a:endParaRPr>
-          </a:p>
-          <a:p>
-            <a:pPr algn="ctr"/>
-            <a:r>
-              <a:rPr lang="ko-KR" altLang="en-US" dirty="0">
-                <a:latin typeface="HY견고딕" panose="02030600000101010101" pitchFamily="18" charset="-127"/>
-                <a:ea typeface="HY견고딕" panose="02030600000101010101" pitchFamily="18" charset="-127"/>
-              </a:rPr>
-              <a:t>쓰레드 동기화</a:t>
-            </a:r>
-            <a:endParaRPr lang="en-US" altLang="ko-KR" dirty="0">
-              <a:latin typeface="HY견고딕" panose="02030600000101010101" pitchFamily="18" charset="-127"/>
-              <a:ea typeface="HY견고딕" panose="02030600000101010101" pitchFamily="18" charset="-127"/>
-            </a:endParaRPr>
-          </a:p>
-          <a:p>
-            <a:pPr algn="ctr"/>
-            <a:endParaRPr lang="en-US" altLang="ko-KR" dirty="0">
-              <a:latin typeface="HY견고딕" panose="02030600000101010101" pitchFamily="18" charset="-127"/>
-              <a:ea typeface="HY견고딕" panose="02030600000101010101" pitchFamily="18" charset="-127"/>
-            </a:endParaRPr>
-          </a:p>
-          <a:p>
-            <a:pPr algn="ctr"/>
-            <a:r>
-              <a:rPr lang="ko-KR" altLang="en-US" dirty="0">
-                <a:latin typeface="HY견고딕" panose="02030600000101010101" pitchFamily="18" charset="-127"/>
-                <a:ea typeface="HY견고딕" panose="02030600000101010101" pitchFamily="18" charset="-127"/>
-              </a:rPr>
-              <a:t>볼 구현</a:t>
+              <a:rPr lang="ko-KR" altLang="en-US">
+                <a:latin typeface="HY견고딕" panose="02030600000101010101" pitchFamily="18" charset="-127"/>
+                <a:ea typeface="HY견고딕" panose="02030600000101010101" pitchFamily="18" charset="-127"/>
+              </a:rPr>
+              <a:t>키 입력</a:t>
             </a:r>
             <a:endParaRPr lang="en-US" altLang="ko-KR" dirty="0">
               <a:latin typeface="HY견고딕" panose="02030600000101010101" pitchFamily="18" charset="-127"/>
@@ -10959,7 +11314,7 @@
     </p:spTree>
     <p:extLst>
       <p:ext uri="{BB962C8B-B14F-4D97-AF65-F5344CB8AC3E}">
-        <p14:creationId xmlns:p14="http://schemas.microsoft.com/office/powerpoint/2010/main" val="1671169991"/>
+        <p14:creationId xmlns:p14="http://schemas.microsoft.com/office/powerpoint/2010/main" val="2983315132"/>
       </p:ext>
     </p:extLst>
   </p:cSld>
@@ -11044,7 +11399,7 @@
         <p:spPr>
           <a:xfrm>
             <a:off x="1347787" y="876597"/>
-            <a:ext cx="2236510" cy="707886"/>
+            <a:ext cx="1210588" cy="707886"/>
           </a:xfrm>
           <a:prstGeom prst="rect">
             <a:avLst/>
@@ -11062,7 +11417,7 @@
                 <a:latin typeface="HY헤드라인M" panose="02030600000101010101" pitchFamily="18" charset="-127"/>
                 <a:ea typeface="HY헤드라인M" panose="02030600000101010101" pitchFamily="18" charset="-127"/>
               </a:rPr>
-              <a:t>리팩토링</a:t>
+              <a:t>역활</a:t>
             </a:r>
             <a:endParaRPr lang="ko-KR" altLang="en-US" sz="4000" dirty="0">
               <a:latin typeface="HY헤드라인M" panose="02030600000101010101" pitchFamily="18" charset="-127"/>
@@ -11149,7 +11504,7 @@
                 <a:latin typeface="HY헤드라인M" panose="02030600000101010101" pitchFamily="18" charset="-127"/>
                 <a:ea typeface="HY헤드라인M" panose="02030600000101010101" pitchFamily="18" charset="-127"/>
               </a:rPr>
-              <a:t>세부 내용</a:t>
+              <a:t>업무 분담</a:t>
             </a:r>
           </a:p>
         </p:txBody>
@@ -11199,10 +11554,66 @@
       </p:cxnSp>
       <p:sp>
         <p:nvSpPr>
-          <p:cNvPr id="8" name="TextBox 7">
-            <a:extLst>
-              <a:ext uri="{FF2B5EF4-FFF2-40B4-BE49-F238E27FC236}">
-                <a16:creationId xmlns:a16="http://schemas.microsoft.com/office/drawing/2014/main" id="{A5E45EE4-FEC5-4DD5-9164-6B867734C712}"/>
+          <p:cNvPr id="36" name="타원 35">
+            <a:extLst>
+              <a:ext uri="{FF2B5EF4-FFF2-40B4-BE49-F238E27FC236}">
+                <a16:creationId xmlns:a16="http://schemas.microsoft.com/office/drawing/2014/main" id="{1427B293-4E00-4246-8267-329278C6F5FF}"/>
+              </a:ext>
+            </a:extLst>
+          </p:cNvPr>
+          <p:cNvSpPr/>
+          <p:nvPr/>
+        </p:nvSpPr>
+        <p:spPr>
+          <a:xfrm>
+            <a:off x="2872445" y="1721223"/>
+            <a:ext cx="4356847" cy="4208831"/>
+          </a:xfrm>
+          <a:prstGeom prst="ellipse">
+            <a:avLst/>
+          </a:prstGeom>
+          <a:solidFill>
+            <a:srgbClr val="4472C4">
+              <a:alpha val="50196"/>
+            </a:srgbClr>
+          </a:solidFill>
+          <a:ln w="19050">
+            <a:solidFill>
+              <a:schemeClr val="tx1"/>
+            </a:solidFill>
+          </a:ln>
+        </p:spPr>
+        <p:style>
+          <a:lnRef idx="2">
+            <a:schemeClr val="accent1">
+              <a:shade val="50000"/>
+            </a:schemeClr>
+          </a:lnRef>
+          <a:fillRef idx="1">
+            <a:schemeClr val="accent1"/>
+          </a:fillRef>
+          <a:effectRef idx="0">
+            <a:schemeClr val="accent1"/>
+          </a:effectRef>
+          <a:fontRef idx="minor">
+            <a:schemeClr val="lt1"/>
+          </a:fontRef>
+        </p:style>
+        <p:txBody>
+          <a:bodyPr rtlCol="0" anchor="ctr"/>
+          <a:lstStyle/>
+          <a:p>
+            <a:pPr algn="ctr"/>
+            <a:endParaRPr lang="ko-KR" altLang="en-US"/>
+          </a:p>
+        </p:txBody>
+      </p:sp>
+      <p:sp>
+        <p:nvSpPr>
+          <p:cNvPr id="39" name="TextBox 38">
+            <a:extLst>
+              <a:ext uri="{FF2B5EF4-FFF2-40B4-BE49-F238E27FC236}">
+                <a16:creationId xmlns:a16="http://schemas.microsoft.com/office/drawing/2014/main" id="{785FB278-C8A6-494B-97FD-93E406C0F956}"/>
               </a:ext>
             </a:extLst>
           </p:cNvPr>
@@ -11211,8 +11622,8 @@
         </p:nvSpPr>
         <p:spPr>
           <a:xfrm>
-            <a:off x="10207499" y="6283173"/>
-            <a:ext cx="809837" cy="369332"/>
+            <a:off x="4573814" y="1721222"/>
+            <a:ext cx="954108" cy="400110"/>
           </a:xfrm>
           <a:prstGeom prst="rect">
             <a:avLst/>
@@ -11225,98 +11636,83 @@
           </a:bodyPr>
           <a:lstStyle/>
           <a:p>
-            <a:r>
-              <a:rPr lang="en-US" altLang="ko-KR" dirty="0">
-                <a:latin typeface="HY헤드라인M" panose="02030600000101010101" pitchFamily="18" charset="-127"/>
-                <a:ea typeface="HY헤드라인M" panose="02030600000101010101" pitchFamily="18" charset="-127"/>
-              </a:rPr>
-              <a:t>06/14</a:t>
-            </a:r>
-            <a:endParaRPr lang="ko-KR" altLang="en-US" dirty="0">
-              <a:latin typeface="HY헤드라인M" panose="02030600000101010101" pitchFamily="18" charset="-127"/>
-              <a:ea typeface="HY헤드라인M" panose="02030600000101010101" pitchFamily="18" charset="-127"/>
-            </a:endParaRPr>
-          </a:p>
-        </p:txBody>
-      </p:sp>
-      <p:pic>
-        <p:nvPicPr>
-          <p:cNvPr id="9" name="그림 8" descr="텍스트, 앉아있는, 테이블, 녹색이(가) 표시된 사진&#10;&#10;자동 생성된 설명">
-            <a:extLst>
-              <a:ext uri="{FF2B5EF4-FFF2-40B4-BE49-F238E27FC236}">
-                <a16:creationId xmlns:a16="http://schemas.microsoft.com/office/drawing/2014/main" id="{C1659015-152F-4D20-8D62-91650832996B}"/>
-              </a:ext>
-            </a:extLst>
-          </p:cNvPr>
-          <p:cNvPicPr>
-            <a:picLocks noChangeAspect="1"/>
-          </p:cNvPicPr>
-          <p:nvPr/>
-        </p:nvPicPr>
-        <p:blipFill>
-          <a:blip r:embed="rId2">
-            <a:extLst>
-              <a:ext uri="{28A0092B-C50C-407E-A947-70E740481C1C}">
-                <a14:useLocalDpi xmlns:a14="http://schemas.microsoft.com/office/drawing/2010/main" val="0"/>
-              </a:ext>
-            </a:extLst>
-          </a:blip>
-          <a:stretch>
-            <a:fillRect/>
-          </a:stretch>
-        </p:blipFill>
-        <p:spPr>
-          <a:xfrm>
-            <a:off x="4687352" y="1776727"/>
-            <a:ext cx="3493242" cy="3963486"/>
-          </a:xfrm>
-          <a:prstGeom prst="rect">
-            <a:avLst/>
-          </a:prstGeom>
-        </p:spPr>
-      </p:pic>
-      <p:pic>
-        <p:nvPicPr>
-          <p:cNvPr id="11" name="그림 10" descr="화면, 모니터, 검은색, 컴퓨터이(가) 표시된 사진&#10;&#10;자동 생성된 설명">
-            <a:extLst>
-              <a:ext uri="{FF2B5EF4-FFF2-40B4-BE49-F238E27FC236}">
-                <a16:creationId xmlns:a16="http://schemas.microsoft.com/office/drawing/2014/main" id="{157D6A65-EB12-408A-A943-81E15A8FA58B}"/>
-              </a:ext>
-            </a:extLst>
-          </p:cNvPr>
-          <p:cNvPicPr>
-            <a:picLocks noChangeAspect="1"/>
-          </p:cNvPicPr>
-          <p:nvPr/>
-        </p:nvPicPr>
-        <p:blipFill>
-          <a:blip r:embed="rId3">
-            <a:extLst>
-              <a:ext uri="{28A0092B-C50C-407E-A947-70E740481C1C}">
-                <a14:useLocalDpi xmlns:a14="http://schemas.microsoft.com/office/drawing/2010/main" val="0"/>
-              </a:ext>
-            </a:extLst>
-          </a:blip>
-          <a:stretch>
-            <a:fillRect/>
-          </a:stretch>
-        </p:blipFill>
-        <p:spPr>
-          <a:xfrm>
-            <a:off x="1469022" y="1939571"/>
-            <a:ext cx="3053604" cy="2206543"/>
-          </a:xfrm>
-          <a:prstGeom prst="rect">
-            <a:avLst/>
-          </a:prstGeom>
-        </p:spPr>
-      </p:pic>
-      <p:sp>
-        <p:nvSpPr>
-          <p:cNvPr id="18" name="TextBox 17">
-            <a:extLst>
-              <a:ext uri="{FF2B5EF4-FFF2-40B4-BE49-F238E27FC236}">
-                <a16:creationId xmlns:a16="http://schemas.microsoft.com/office/drawing/2014/main" id="{65FCE177-F61B-4196-98F2-0B373DB3F830}"/>
+            <a:pPr algn="ctr"/>
+            <a:r>
+              <a:rPr lang="ko-KR" altLang="en-US" sz="2000" dirty="0">
+                <a:latin typeface="HY견고딕" panose="02030600000101010101" pitchFamily="18" charset="-127"/>
+                <a:ea typeface="HY견고딕" panose="02030600000101010101" pitchFamily="18" charset="-127"/>
+              </a:rPr>
+              <a:t>이동규</a:t>
+            </a:r>
+            <a:endParaRPr lang="en-US" altLang="ko-KR" sz="2000" dirty="0">
+              <a:latin typeface="HY견고딕" panose="02030600000101010101" pitchFamily="18" charset="-127"/>
+              <a:ea typeface="HY견고딕" panose="02030600000101010101" pitchFamily="18" charset="-127"/>
+            </a:endParaRPr>
+          </a:p>
+        </p:txBody>
+      </p:sp>
+      <p:sp>
+        <p:nvSpPr>
+          <p:cNvPr id="37" name="타원 36">
+            <a:extLst>
+              <a:ext uri="{FF2B5EF4-FFF2-40B4-BE49-F238E27FC236}">
+                <a16:creationId xmlns:a16="http://schemas.microsoft.com/office/drawing/2014/main" id="{FAFA228B-5439-43D9-8A72-F029F2D76CDC}"/>
+              </a:ext>
+            </a:extLst>
+          </p:cNvPr>
+          <p:cNvSpPr/>
+          <p:nvPr/>
+        </p:nvSpPr>
+        <p:spPr>
+          <a:xfrm>
+            <a:off x="5527923" y="1685364"/>
+            <a:ext cx="4356847" cy="4208831"/>
+          </a:xfrm>
+          <a:prstGeom prst="ellipse">
+            <a:avLst/>
+          </a:prstGeom>
+          <a:solidFill>
+            <a:srgbClr val="FFC000">
+              <a:alpha val="50196"/>
+            </a:srgbClr>
+          </a:solidFill>
+          <a:ln w="19050">
+            <a:solidFill>
+              <a:schemeClr val="tx1"/>
+            </a:solidFill>
+          </a:ln>
+        </p:spPr>
+        <p:style>
+          <a:lnRef idx="2">
+            <a:schemeClr val="accent1">
+              <a:shade val="50000"/>
+            </a:schemeClr>
+          </a:lnRef>
+          <a:fillRef idx="1">
+            <a:schemeClr val="accent1"/>
+          </a:fillRef>
+          <a:effectRef idx="0">
+            <a:schemeClr val="accent1"/>
+          </a:effectRef>
+          <a:fontRef idx="minor">
+            <a:schemeClr val="lt1"/>
+          </a:fontRef>
+        </p:style>
+        <p:txBody>
+          <a:bodyPr rtlCol="0" anchor="ctr"/>
+          <a:lstStyle/>
+          <a:p>
+            <a:pPr algn="ctr"/>
+            <a:endParaRPr lang="ko-KR" altLang="en-US"/>
+          </a:p>
+        </p:txBody>
+      </p:sp>
+      <p:sp>
+        <p:nvSpPr>
+          <p:cNvPr id="38" name="TextBox 37">
+            <a:extLst>
+              <a:ext uri="{FF2B5EF4-FFF2-40B4-BE49-F238E27FC236}">
+                <a16:creationId xmlns:a16="http://schemas.microsoft.com/office/drawing/2014/main" id="{922B7FBA-A2CD-4ED3-8C15-438D80D737EE}"/>
               </a:ext>
             </a:extLst>
           </p:cNvPr>
@@ -11325,8 +11721,8 @@
         </p:nvSpPr>
         <p:spPr>
           <a:xfrm>
-            <a:off x="1304084" y="4340651"/>
-            <a:ext cx="3300905" cy="1477328"/>
+            <a:off x="7229292" y="1685364"/>
+            <a:ext cx="954108" cy="400110"/>
           </a:xfrm>
           <a:prstGeom prst="rect">
             <a:avLst/>
@@ -11341,74 +11737,25 @@
           <a:p>
             <a:pPr algn="ctr"/>
             <a:r>
-              <a:rPr lang="ko-KR" altLang="en-US" dirty="0">
-                <a:latin typeface="HY견고딕" panose="02030600000101010101" pitchFamily="18" charset="-127"/>
-                <a:ea typeface="HY견고딕" panose="02030600000101010101" pitchFamily="18" charset="-127"/>
-              </a:rPr>
-              <a:t>약 </a:t>
-            </a:r>
-            <a:r>
-              <a:rPr lang="en-US" altLang="ko-KR" dirty="0">
-                <a:latin typeface="HY견고딕" panose="02030600000101010101" pitchFamily="18" charset="-127"/>
-                <a:ea typeface="HY견고딕" panose="02030600000101010101" pitchFamily="18" charset="-127"/>
-              </a:rPr>
-              <a:t>2000</a:t>
-            </a:r>
-            <a:r>
-              <a:rPr lang="ko-KR" altLang="en-US" dirty="0">
-                <a:latin typeface="HY견고딕" panose="02030600000101010101" pitchFamily="18" charset="-127"/>
-                <a:ea typeface="HY견고딕" panose="02030600000101010101" pitchFamily="18" charset="-127"/>
-              </a:rPr>
-              <a:t>줄의 비효율적인 코드</a:t>
-            </a:r>
-            <a:endParaRPr lang="en-US" altLang="ko-KR" dirty="0">
-              <a:latin typeface="HY견고딕" panose="02030600000101010101" pitchFamily="18" charset="-127"/>
-              <a:ea typeface="HY견고딕" panose="02030600000101010101" pitchFamily="18" charset="-127"/>
-            </a:endParaRPr>
-          </a:p>
-          <a:p>
-            <a:pPr algn="ctr"/>
-            <a:endParaRPr lang="en-US" altLang="ko-KR" dirty="0">
-              <a:latin typeface="HY견고딕" panose="02030600000101010101" pitchFamily="18" charset="-127"/>
-              <a:ea typeface="HY견고딕" panose="02030600000101010101" pitchFamily="18" charset="-127"/>
-            </a:endParaRPr>
-          </a:p>
-          <a:p>
-            <a:pPr algn="ctr"/>
-            <a:r>
-              <a:rPr lang="ko-KR" altLang="en-US" dirty="0">
-                <a:latin typeface="HY견고딕" panose="02030600000101010101" pitchFamily="18" charset="-127"/>
-                <a:ea typeface="HY견고딕" panose="02030600000101010101" pitchFamily="18" charset="-127"/>
-              </a:rPr>
-              <a:t>기존의 코드는 절차 지향적</a:t>
-            </a:r>
-            <a:endParaRPr lang="en-US" altLang="ko-KR" dirty="0">
-              <a:latin typeface="HY견고딕" panose="02030600000101010101" pitchFamily="18" charset="-127"/>
-              <a:ea typeface="HY견고딕" panose="02030600000101010101" pitchFamily="18" charset="-127"/>
-            </a:endParaRPr>
-          </a:p>
-          <a:p>
-            <a:pPr algn="ctr"/>
-            <a:endParaRPr lang="en-US" altLang="ko-KR" dirty="0">
-              <a:latin typeface="HY견고딕" panose="02030600000101010101" pitchFamily="18" charset="-127"/>
-              <a:ea typeface="HY견고딕" panose="02030600000101010101" pitchFamily="18" charset="-127"/>
-            </a:endParaRPr>
-          </a:p>
-          <a:p>
-            <a:pPr algn="ctr"/>
-            <a:endParaRPr lang="en-US" altLang="ko-KR" dirty="0">
-              <a:latin typeface="HY견고딕" panose="02030600000101010101" pitchFamily="18" charset="-127"/>
-              <a:ea typeface="HY견고딕" panose="02030600000101010101" pitchFamily="18" charset="-127"/>
-            </a:endParaRPr>
-          </a:p>
-        </p:txBody>
-      </p:sp>
-      <p:sp>
-        <p:nvSpPr>
-          <p:cNvPr id="19" name="TextBox 18">
-            <a:extLst>
-              <a:ext uri="{FF2B5EF4-FFF2-40B4-BE49-F238E27FC236}">
-                <a16:creationId xmlns:a16="http://schemas.microsoft.com/office/drawing/2014/main" id="{3368BF74-E24F-4ED3-A9BD-4383EBA1E084}"/>
+              <a:rPr lang="ko-KR" altLang="en-US" sz="2000" dirty="0" err="1">
+                <a:latin typeface="HY견고딕" panose="02030600000101010101" pitchFamily="18" charset="-127"/>
+                <a:ea typeface="HY견고딕" panose="02030600000101010101" pitchFamily="18" charset="-127"/>
+              </a:rPr>
+              <a:t>김하윤</a:t>
+            </a:r>
+            <a:endParaRPr lang="en-US" altLang="ko-KR" sz="2000" dirty="0">
+              <a:latin typeface="HY견고딕" panose="02030600000101010101" pitchFamily="18" charset="-127"/>
+              <a:ea typeface="HY견고딕" panose="02030600000101010101" pitchFamily="18" charset="-127"/>
+            </a:endParaRPr>
+          </a:p>
+        </p:txBody>
+      </p:sp>
+      <p:sp>
+        <p:nvSpPr>
+          <p:cNvPr id="40" name="TextBox 39">
+            <a:extLst>
+              <a:ext uri="{FF2B5EF4-FFF2-40B4-BE49-F238E27FC236}">
+                <a16:creationId xmlns:a16="http://schemas.microsoft.com/office/drawing/2014/main" id="{0842F3DA-4D64-43DB-880E-5C9EDD87A91C}"/>
               </a:ext>
             </a:extLst>
           </p:cNvPr>
@@ -11417,8 +11764,8 @@
         </p:nvSpPr>
         <p:spPr>
           <a:xfrm>
-            <a:off x="8180594" y="2144354"/>
-            <a:ext cx="2637260" cy="2585323"/>
+            <a:off x="3596516" y="2188723"/>
+            <a:ext cx="2319866" cy="3139321"/>
           </a:xfrm>
           <a:prstGeom prst="rect">
             <a:avLst/>
@@ -11432,6 +11779,20 @@
           <a:lstStyle/>
           <a:p>
             <a:pPr algn="ctr"/>
+            <a:r>
+              <a:rPr lang="ko-KR" altLang="en-US" dirty="0">
+                <a:latin typeface="HY견고딕" panose="02030600000101010101" pitchFamily="18" charset="-127"/>
+                <a:ea typeface="HY견고딕" panose="02030600000101010101" pitchFamily="18" charset="-127"/>
+              </a:rPr>
+              <a:t>기존 코드 </a:t>
+            </a:r>
+            <a:r>
+              <a:rPr lang="ko-KR" altLang="en-US" dirty="0" err="1">
+                <a:latin typeface="HY견고딕" panose="02030600000101010101" pitchFamily="18" charset="-127"/>
+                <a:ea typeface="HY견고딕" panose="02030600000101010101" pitchFamily="18" charset="-127"/>
+              </a:rPr>
+              <a:t>리팩토링</a:t>
+            </a:r>
             <a:endParaRPr lang="en-US" altLang="ko-KR" dirty="0">
               <a:latin typeface="HY견고딕" panose="02030600000101010101" pitchFamily="18" charset="-127"/>
               <a:ea typeface="HY견고딕" panose="02030600000101010101" pitchFamily="18" charset="-127"/>
@@ -11439,12 +11800,19 @@
           </a:p>
           <a:p>
             <a:pPr algn="ctr"/>
+            <a:endParaRPr lang="en-US" altLang="ko-KR" dirty="0">
+              <a:latin typeface="HY견고딕" panose="02030600000101010101" pitchFamily="18" charset="-127"/>
+              <a:ea typeface="HY견고딕" panose="02030600000101010101" pitchFamily="18" charset="-127"/>
+            </a:endParaRPr>
+          </a:p>
+          <a:p>
+            <a:pPr algn="ctr"/>
             <a:r>
               <a:rPr lang="ko-KR" altLang="en-US" dirty="0">
                 <a:latin typeface="HY견고딕" panose="02030600000101010101" pitchFamily="18" charset="-127"/>
                 <a:ea typeface="HY견고딕" panose="02030600000101010101" pitchFamily="18" charset="-127"/>
               </a:rPr>
-              <a:t>가독성과 유지보수성</a:t>
+              <a:t>애니메이션 구현</a:t>
             </a:r>
             <a:endParaRPr lang="en-US" altLang="ko-KR" dirty="0">
               <a:latin typeface="HY견고딕" panose="02030600000101010101" pitchFamily="18" charset="-127"/>
@@ -11458,7 +11826,7 @@
                 <a:latin typeface="HY견고딕" panose="02030600000101010101" pitchFamily="18" charset="-127"/>
                 <a:ea typeface="HY견고딕" panose="02030600000101010101" pitchFamily="18" charset="-127"/>
               </a:rPr>
-              <a:t>매우 나쁨</a:t>
+              <a:t>아이템 구현</a:t>
             </a:r>
             <a:endParaRPr lang="en-US" altLang="ko-KR" dirty="0">
               <a:latin typeface="HY견고딕" panose="02030600000101010101" pitchFamily="18" charset="-127"/>
@@ -11479,21 +11847,21 @@
                 <a:latin typeface="HY견고딕" panose="02030600000101010101" pitchFamily="18" charset="-127"/>
                 <a:ea typeface="HY견고딕" panose="02030600000101010101" pitchFamily="18" charset="-127"/>
               </a:rPr>
-              <a:t>로컬 방식의 </a:t>
+              <a:t>플레이어 </a:t>
             </a:r>
             <a:r>
               <a:rPr lang="en-US" altLang="ko-KR" dirty="0">
                 <a:latin typeface="HY견고딕" panose="02030600000101010101" pitchFamily="18" charset="-127"/>
                 <a:ea typeface="HY견고딕" panose="02030600000101010101" pitchFamily="18" charset="-127"/>
               </a:rPr>
-              <a:t>2</a:t>
+              <a:t>&amp; </a:t>
             </a:r>
             <a:r>
               <a:rPr lang="ko-KR" altLang="en-US" dirty="0">
                 <a:latin typeface="HY견고딕" panose="02030600000101010101" pitchFamily="18" charset="-127"/>
                 <a:ea typeface="HY견고딕" panose="02030600000101010101" pitchFamily="18" charset="-127"/>
               </a:rPr>
-              <a:t>인용 게임</a:t>
+              <a:t>총알 </a:t>
             </a:r>
             <a:endParaRPr lang="en-US" altLang="ko-KR" dirty="0">
               <a:latin typeface="HY견고딕" panose="02030600000101010101" pitchFamily="18" charset="-127"/>
@@ -11507,7 +11875,7 @@
                 <a:latin typeface="HY견고딕" panose="02030600000101010101" pitchFamily="18" charset="-127"/>
                 <a:ea typeface="HY견고딕" panose="02030600000101010101" pitchFamily="18" charset="-127"/>
               </a:rPr>
-              <a:t>중복되는 소스코드 多</a:t>
+              <a:t>동기화</a:t>
             </a:r>
             <a:endParaRPr lang="en-US" altLang="ko-KR" dirty="0">
               <a:latin typeface="HY견고딕" panose="02030600000101010101" pitchFamily="18" charset="-127"/>
@@ -11528,7 +11896,7 @@
                 <a:latin typeface="HY견고딕" panose="02030600000101010101" pitchFamily="18" charset="-127"/>
                 <a:ea typeface="HY견고딕" panose="02030600000101010101" pitchFamily="18" charset="-127"/>
               </a:rPr>
-              <a:t>서버를 추가하기 전</a:t>
+              <a:t>충돌체크</a:t>
             </a:r>
             <a:endParaRPr lang="en-US" altLang="ko-KR" dirty="0">
               <a:latin typeface="HY견고딕" panose="02030600000101010101" pitchFamily="18" charset="-127"/>
@@ -11538,18 +11906,417 @@
           <a:p>
             <a:pPr algn="ctr"/>
             <a:r>
+              <a:rPr lang="en-US" altLang="ko-KR" dirty="0">
+                <a:latin typeface="HY견고딕" panose="02030600000101010101" pitchFamily="18" charset="-127"/>
+                <a:ea typeface="HY견고딕" panose="02030600000101010101" pitchFamily="18" charset="-127"/>
+              </a:rPr>
+              <a:t>(</a:t>
+            </a:r>
+            <a:r>
+              <a:rPr lang="ko-KR" altLang="en-US" dirty="0">
+                <a:latin typeface="HY견고딕" panose="02030600000101010101" pitchFamily="18" charset="-127"/>
+                <a:ea typeface="HY견고딕" panose="02030600000101010101" pitchFamily="18" charset="-127"/>
+              </a:rPr>
+              <a:t>볼 </a:t>
+            </a:r>
+            <a:r>
+              <a:rPr lang="en-US" altLang="ko-KR" dirty="0">
+                <a:latin typeface="HY견고딕" panose="02030600000101010101" pitchFamily="18" charset="-127"/>
+                <a:ea typeface="HY견고딕" panose="02030600000101010101" pitchFamily="18" charset="-127"/>
+              </a:rPr>
+              <a:t>+ </a:t>
+            </a:r>
+            <a:r>
+              <a:rPr lang="ko-KR" altLang="en-US" dirty="0">
+                <a:latin typeface="HY견고딕" panose="02030600000101010101" pitchFamily="18" charset="-127"/>
+                <a:ea typeface="HY견고딕" panose="02030600000101010101" pitchFamily="18" charset="-127"/>
+              </a:rPr>
+              <a:t>블록</a:t>
+            </a:r>
+            <a:r>
+              <a:rPr lang="en-US" altLang="ko-KR" dirty="0">
+                <a:latin typeface="HY견고딕" panose="02030600000101010101" pitchFamily="18" charset="-127"/>
+                <a:ea typeface="HY견고딕" panose="02030600000101010101" pitchFamily="18" charset="-127"/>
+              </a:rPr>
+              <a:t>)</a:t>
+            </a:r>
+          </a:p>
+          <a:p>
+            <a:pPr algn="ctr"/>
+            <a:r>
+              <a:rPr lang="en-US" altLang="ko-KR" dirty="0">
+                <a:latin typeface="HY견고딕" panose="02030600000101010101" pitchFamily="18" charset="-127"/>
+                <a:ea typeface="HY견고딕" panose="02030600000101010101" pitchFamily="18" charset="-127"/>
+              </a:rPr>
+              <a:t>(</a:t>
+            </a:r>
+            <a:r>
+              <a:rPr lang="ko-KR" altLang="en-US" dirty="0">
+                <a:latin typeface="HY견고딕" panose="02030600000101010101" pitchFamily="18" charset="-127"/>
+                <a:ea typeface="HY견고딕" panose="02030600000101010101" pitchFamily="18" charset="-127"/>
+              </a:rPr>
+              <a:t>아이템 </a:t>
+            </a:r>
+            <a:r>
+              <a:rPr lang="en-US" altLang="ko-KR" dirty="0">
+                <a:latin typeface="HY견고딕" panose="02030600000101010101" pitchFamily="18" charset="-127"/>
+                <a:ea typeface="HY견고딕" panose="02030600000101010101" pitchFamily="18" charset="-127"/>
+              </a:rPr>
+              <a:t>+ </a:t>
+            </a:r>
+            <a:r>
+              <a:rPr lang="ko-KR" altLang="en-US" dirty="0">
+                <a:latin typeface="HY견고딕" panose="02030600000101010101" pitchFamily="18" charset="-127"/>
+                <a:ea typeface="HY견고딕" panose="02030600000101010101" pitchFamily="18" charset="-127"/>
+              </a:rPr>
+              <a:t>플레이어</a:t>
+            </a:r>
+            <a:r>
+              <a:rPr lang="en-US" altLang="ko-KR" dirty="0">
+                <a:latin typeface="HY견고딕" panose="02030600000101010101" pitchFamily="18" charset="-127"/>
+                <a:ea typeface="HY견고딕" panose="02030600000101010101" pitchFamily="18" charset="-127"/>
+              </a:rPr>
+              <a:t>)</a:t>
+            </a:r>
+          </a:p>
+        </p:txBody>
+      </p:sp>
+      <p:sp>
+        <p:nvSpPr>
+          <p:cNvPr id="41" name="TextBox 40">
+            <a:extLst>
+              <a:ext uri="{FF2B5EF4-FFF2-40B4-BE49-F238E27FC236}">
+                <a16:creationId xmlns:a16="http://schemas.microsoft.com/office/drawing/2014/main" id="{1FA041E5-1338-4FA7-8567-0C33C0F83056}"/>
+              </a:ext>
+            </a:extLst>
+          </p:cNvPr>
+          <p:cNvSpPr txBox="1"/>
+          <p:nvPr/>
+        </p:nvSpPr>
+        <p:spPr>
+          <a:xfrm>
+            <a:off x="7023216" y="2224401"/>
+            <a:ext cx="2117887" cy="3139321"/>
+          </a:xfrm>
+          <a:prstGeom prst="rect">
+            <a:avLst/>
+          </a:prstGeom>
+          <a:noFill/>
+        </p:spPr>
+        <p:txBody>
+          <a:bodyPr wrap="none" rtlCol="0">
+            <a:spAutoFit/>
+          </a:bodyPr>
+          <a:lstStyle/>
+          <a:p>
+            <a:pPr algn="ctr"/>
+            <a:r>
+              <a:rPr lang="en-US" altLang="ko-KR" dirty="0">
+                <a:latin typeface="HY견고딕" panose="02030600000101010101" pitchFamily="18" charset="-127"/>
+                <a:ea typeface="HY견고딕" panose="02030600000101010101" pitchFamily="18" charset="-127"/>
+              </a:rPr>
+              <a:t>TCP/IP </a:t>
+            </a:r>
+            <a:r>
+              <a:rPr lang="ko-KR" altLang="en-US" dirty="0">
+                <a:latin typeface="HY견고딕" panose="02030600000101010101" pitchFamily="18" charset="-127"/>
+                <a:ea typeface="HY견고딕" panose="02030600000101010101" pitchFamily="18" charset="-127"/>
+              </a:rPr>
+              <a:t>서버 구현</a:t>
+            </a:r>
+            <a:endParaRPr lang="en-US" altLang="ko-KR" dirty="0">
+              <a:latin typeface="HY견고딕" panose="02030600000101010101" pitchFamily="18" charset="-127"/>
+              <a:ea typeface="HY견고딕" panose="02030600000101010101" pitchFamily="18" charset="-127"/>
+            </a:endParaRPr>
+          </a:p>
+          <a:p>
+            <a:pPr algn="ctr"/>
+            <a:endParaRPr lang="en-US" altLang="ko-KR" dirty="0">
+              <a:latin typeface="HY견고딕" panose="02030600000101010101" pitchFamily="18" charset="-127"/>
+              <a:ea typeface="HY견고딕" panose="02030600000101010101" pitchFamily="18" charset="-127"/>
+            </a:endParaRPr>
+          </a:p>
+          <a:p>
+            <a:pPr algn="ctr"/>
+            <a:r>
+              <a:rPr lang="ko-KR" altLang="en-US" dirty="0">
+                <a:latin typeface="HY견고딕" panose="02030600000101010101" pitchFamily="18" charset="-127"/>
+                <a:ea typeface="HY견고딕" panose="02030600000101010101" pitchFamily="18" charset="-127"/>
+              </a:rPr>
+              <a:t>블록 </a:t>
+            </a:r>
+            <a:r>
+              <a:rPr lang="en-US" altLang="ko-KR" dirty="0">
+                <a:latin typeface="HY견고딕" panose="02030600000101010101" pitchFamily="18" charset="-127"/>
+                <a:ea typeface="HY견고딕" panose="02030600000101010101" pitchFamily="18" charset="-127"/>
+              </a:rPr>
+              <a:t>&amp; </a:t>
+            </a:r>
+            <a:r>
+              <a:rPr lang="ko-KR" altLang="en-US" dirty="0">
+                <a:latin typeface="HY견고딕" panose="02030600000101010101" pitchFamily="18" charset="-127"/>
+                <a:ea typeface="HY견고딕" panose="02030600000101010101" pitchFamily="18" charset="-127"/>
+              </a:rPr>
+              <a:t>볼 동기화</a:t>
+            </a:r>
+            <a:endParaRPr lang="en-US" altLang="ko-KR" dirty="0">
+              <a:latin typeface="HY견고딕" panose="02030600000101010101" pitchFamily="18" charset="-127"/>
+              <a:ea typeface="HY견고딕" panose="02030600000101010101" pitchFamily="18" charset="-127"/>
+            </a:endParaRPr>
+          </a:p>
+          <a:p>
+            <a:pPr algn="ctr"/>
+            <a:endParaRPr lang="en-US" altLang="ko-KR" dirty="0">
+              <a:latin typeface="HY견고딕" panose="02030600000101010101" pitchFamily="18" charset="-127"/>
+              <a:ea typeface="HY견고딕" panose="02030600000101010101" pitchFamily="18" charset="-127"/>
+            </a:endParaRPr>
+          </a:p>
+          <a:p>
+            <a:pPr algn="ctr"/>
+            <a:r>
+              <a:rPr lang="ko-KR" altLang="en-US" dirty="0">
+                <a:latin typeface="HY견고딕" panose="02030600000101010101" pitchFamily="18" charset="-127"/>
+                <a:ea typeface="HY견고딕" panose="02030600000101010101" pitchFamily="18" charset="-127"/>
+              </a:rPr>
+              <a:t>클라이언트 </a:t>
+            </a:r>
+            <a:endParaRPr lang="en-US" altLang="ko-KR" dirty="0">
+              <a:latin typeface="HY견고딕" panose="02030600000101010101" pitchFamily="18" charset="-127"/>
+              <a:ea typeface="HY견고딕" panose="02030600000101010101" pitchFamily="18" charset="-127"/>
+            </a:endParaRPr>
+          </a:p>
+          <a:p>
+            <a:pPr algn="ctr"/>
+            <a:r>
+              <a:rPr lang="ko-KR" altLang="en-US" dirty="0">
+                <a:latin typeface="HY견고딕" panose="02030600000101010101" pitchFamily="18" charset="-127"/>
+                <a:ea typeface="HY견고딕" panose="02030600000101010101" pitchFamily="18" charset="-127"/>
+              </a:rPr>
+              <a:t>프레임워크 구현</a:t>
+            </a:r>
+            <a:endParaRPr lang="en-US" altLang="ko-KR" dirty="0">
+              <a:latin typeface="HY견고딕" panose="02030600000101010101" pitchFamily="18" charset="-127"/>
+              <a:ea typeface="HY견고딕" panose="02030600000101010101" pitchFamily="18" charset="-127"/>
+            </a:endParaRPr>
+          </a:p>
+          <a:p>
+            <a:pPr algn="ctr"/>
+            <a:endParaRPr lang="en-US" altLang="ko-KR" dirty="0">
+              <a:latin typeface="HY견고딕" panose="02030600000101010101" pitchFamily="18" charset="-127"/>
+              <a:ea typeface="HY견고딕" panose="02030600000101010101" pitchFamily="18" charset="-127"/>
+            </a:endParaRPr>
+          </a:p>
+          <a:p>
+            <a:pPr algn="ctr"/>
+            <a:r>
+              <a:rPr lang="ko-KR" altLang="en-US" dirty="0">
+                <a:latin typeface="HY견고딕" panose="02030600000101010101" pitchFamily="18" charset="-127"/>
+                <a:ea typeface="HY견고딕" panose="02030600000101010101" pitchFamily="18" charset="-127"/>
+              </a:rPr>
+              <a:t>충돌체크</a:t>
+            </a:r>
+            <a:endParaRPr lang="en-US" altLang="ko-KR" dirty="0">
+              <a:latin typeface="HY견고딕" panose="02030600000101010101" pitchFamily="18" charset="-127"/>
+              <a:ea typeface="HY견고딕" panose="02030600000101010101" pitchFamily="18" charset="-127"/>
+            </a:endParaRPr>
+          </a:p>
+          <a:p>
+            <a:pPr algn="ctr"/>
+            <a:r>
+              <a:rPr lang="en-US" altLang="ko-KR" dirty="0">
+                <a:latin typeface="HY견고딕" panose="02030600000101010101" pitchFamily="18" charset="-127"/>
+                <a:ea typeface="HY견고딕" panose="02030600000101010101" pitchFamily="18" charset="-127"/>
+              </a:rPr>
+              <a:t>(</a:t>
+            </a:r>
+            <a:r>
+              <a:rPr lang="ko-KR" altLang="en-US" dirty="0">
+                <a:latin typeface="HY견고딕" panose="02030600000101010101" pitchFamily="18" charset="-127"/>
+                <a:ea typeface="HY견고딕" panose="02030600000101010101" pitchFamily="18" charset="-127"/>
+              </a:rPr>
+              <a:t>볼 </a:t>
+            </a:r>
+            <a:r>
+              <a:rPr lang="en-US" altLang="ko-KR" dirty="0">
+                <a:latin typeface="HY견고딕" panose="02030600000101010101" pitchFamily="18" charset="-127"/>
+                <a:ea typeface="HY견고딕" panose="02030600000101010101" pitchFamily="18" charset="-127"/>
+              </a:rPr>
+              <a:t>+ </a:t>
+            </a:r>
+            <a:r>
+              <a:rPr lang="ko-KR" altLang="en-US" dirty="0">
+                <a:latin typeface="HY견고딕" panose="02030600000101010101" pitchFamily="18" charset="-127"/>
+                <a:ea typeface="HY견고딕" panose="02030600000101010101" pitchFamily="18" charset="-127"/>
+              </a:rPr>
+              <a:t>작살</a:t>
+            </a:r>
+            <a:r>
+              <a:rPr lang="en-US" altLang="ko-KR" dirty="0">
+                <a:latin typeface="HY견고딕" panose="02030600000101010101" pitchFamily="18" charset="-127"/>
+                <a:ea typeface="HY견고딕" panose="02030600000101010101" pitchFamily="18" charset="-127"/>
+              </a:rPr>
+              <a:t>)</a:t>
+            </a:r>
+          </a:p>
+          <a:p>
+            <a:pPr algn="ctr"/>
+            <a:r>
+              <a:rPr lang="en-US" altLang="ko-KR" dirty="0">
+                <a:latin typeface="HY견고딕" panose="02030600000101010101" pitchFamily="18" charset="-127"/>
+                <a:ea typeface="HY견고딕" panose="02030600000101010101" pitchFamily="18" charset="-127"/>
+              </a:rPr>
+              <a:t>(</a:t>
+            </a:r>
+            <a:r>
+              <a:rPr lang="ko-KR" altLang="en-US" dirty="0">
+                <a:latin typeface="HY견고딕" panose="02030600000101010101" pitchFamily="18" charset="-127"/>
+                <a:ea typeface="HY견고딕" panose="02030600000101010101" pitchFamily="18" charset="-127"/>
+              </a:rPr>
+              <a:t>볼 </a:t>
+            </a:r>
+            <a:r>
+              <a:rPr lang="en-US" altLang="ko-KR" dirty="0">
+                <a:latin typeface="HY견고딕" panose="02030600000101010101" pitchFamily="18" charset="-127"/>
+                <a:ea typeface="HY견고딕" panose="02030600000101010101" pitchFamily="18" charset="-127"/>
+              </a:rPr>
+              <a:t>+ </a:t>
+            </a:r>
+            <a:r>
+              <a:rPr lang="ko-KR" altLang="en-US" dirty="0">
+                <a:latin typeface="HY견고딕" panose="02030600000101010101" pitchFamily="18" charset="-127"/>
+                <a:ea typeface="HY견고딕" panose="02030600000101010101" pitchFamily="18" charset="-127"/>
+              </a:rPr>
+              <a:t>플레이어</a:t>
+            </a:r>
+            <a:r>
+              <a:rPr lang="en-US" altLang="ko-KR" dirty="0">
+                <a:latin typeface="HY견고딕" panose="02030600000101010101" pitchFamily="18" charset="-127"/>
+                <a:ea typeface="HY견고딕" panose="02030600000101010101" pitchFamily="18" charset="-127"/>
+              </a:rPr>
+              <a:t>)</a:t>
+            </a:r>
+          </a:p>
+          <a:p>
+            <a:pPr algn="ctr"/>
+            <a:r>
+              <a:rPr lang="ko-KR" altLang="en-US" dirty="0">
+                <a:latin typeface="HY견고딕" panose="02030600000101010101" pitchFamily="18" charset="-127"/>
+                <a:ea typeface="HY견고딕" panose="02030600000101010101" pitchFamily="18" charset="-127"/>
+              </a:rPr>
+              <a:t>디버깅 및 최적화</a:t>
+            </a:r>
+            <a:endParaRPr lang="en-US" altLang="ko-KR" dirty="0">
+              <a:latin typeface="HY견고딕" panose="02030600000101010101" pitchFamily="18" charset="-127"/>
+              <a:ea typeface="HY견고딕" panose="02030600000101010101" pitchFamily="18" charset="-127"/>
+            </a:endParaRPr>
+          </a:p>
+        </p:txBody>
+      </p:sp>
+      <p:sp>
+        <p:nvSpPr>
+          <p:cNvPr id="42" name="TextBox 41">
+            <a:extLst>
+              <a:ext uri="{FF2B5EF4-FFF2-40B4-BE49-F238E27FC236}">
+                <a16:creationId xmlns:a16="http://schemas.microsoft.com/office/drawing/2014/main" id="{2A68D699-A905-4C71-B1EE-3A41774BD249}"/>
+              </a:ext>
+            </a:extLst>
+          </p:cNvPr>
+          <p:cNvSpPr txBox="1"/>
+          <p:nvPr/>
+        </p:nvSpPr>
+        <p:spPr>
+          <a:xfrm>
+            <a:off x="5582687" y="2735981"/>
+            <a:ext cx="1646605" cy="2031325"/>
+          </a:xfrm>
+          <a:prstGeom prst="rect">
+            <a:avLst/>
+          </a:prstGeom>
+          <a:noFill/>
+        </p:spPr>
+        <p:txBody>
+          <a:bodyPr wrap="none" rtlCol="0">
+            <a:spAutoFit/>
+          </a:bodyPr>
+          <a:lstStyle/>
+          <a:p>
+            <a:pPr algn="ctr"/>
+            <a:r>
+              <a:rPr lang="ko-KR" altLang="en-US" dirty="0">
+                <a:latin typeface="HY견고딕" panose="02030600000101010101" pitchFamily="18" charset="-127"/>
+                <a:ea typeface="HY견고딕" panose="02030600000101010101" pitchFamily="18" charset="-127"/>
+              </a:rPr>
+              <a:t>서버 통신</a:t>
+            </a:r>
+            <a:endParaRPr lang="en-US" altLang="ko-KR" dirty="0">
+              <a:latin typeface="HY견고딕" panose="02030600000101010101" pitchFamily="18" charset="-127"/>
+              <a:ea typeface="HY견고딕" panose="02030600000101010101" pitchFamily="18" charset="-127"/>
+            </a:endParaRPr>
+          </a:p>
+          <a:p>
+            <a:pPr algn="ctr"/>
+            <a:r>
+              <a:rPr lang="ko-KR" altLang="en-US" dirty="0">
+                <a:latin typeface="HY견고딕" panose="02030600000101010101" pitchFamily="18" charset="-127"/>
+                <a:ea typeface="HY견고딕" panose="02030600000101010101" pitchFamily="18" charset="-127"/>
+              </a:rPr>
+              <a:t>프로토콜</a:t>
+            </a:r>
+            <a:endParaRPr lang="en-US" altLang="ko-KR" dirty="0">
+              <a:latin typeface="HY견고딕" panose="02030600000101010101" pitchFamily="18" charset="-127"/>
+              <a:ea typeface="HY견고딕" panose="02030600000101010101" pitchFamily="18" charset="-127"/>
+            </a:endParaRPr>
+          </a:p>
+          <a:p>
+            <a:pPr algn="ctr"/>
+            <a:endParaRPr lang="en-US" altLang="ko-KR" dirty="0">
+              <a:latin typeface="HY견고딕" panose="02030600000101010101" pitchFamily="18" charset="-127"/>
+              <a:ea typeface="HY견고딕" panose="02030600000101010101" pitchFamily="18" charset="-127"/>
+            </a:endParaRPr>
+          </a:p>
+          <a:p>
+            <a:pPr algn="ctr"/>
+            <a:r>
               <a:rPr lang="ko-KR" altLang="en-US" dirty="0" err="1">
                 <a:latin typeface="HY견고딕" panose="02030600000101010101" pitchFamily="18" charset="-127"/>
                 <a:ea typeface="HY견고딕" panose="02030600000101010101" pitchFamily="18" charset="-127"/>
               </a:rPr>
-              <a:t>리팩토링이</a:t>
-            </a:r>
+              <a:t>멀티쓰레드</a:t>
+            </a:r>
+            <a:endParaRPr lang="en-US" altLang="ko-KR" dirty="0">
+              <a:latin typeface="HY견고딕" panose="02030600000101010101" pitchFamily="18" charset="-127"/>
+              <a:ea typeface="HY견고딕" panose="02030600000101010101" pitchFamily="18" charset="-127"/>
+            </a:endParaRPr>
+          </a:p>
+          <a:p>
+            <a:pPr algn="ctr"/>
             <a:r>
               <a:rPr lang="ko-KR" altLang="en-US" dirty="0">
                 <a:latin typeface="HY견고딕" panose="02030600000101010101" pitchFamily="18" charset="-127"/>
                 <a:ea typeface="HY견고딕" panose="02030600000101010101" pitchFamily="18" charset="-127"/>
               </a:rPr>
-              <a:t> 필수적</a:t>
+              <a:t>쓰레드 동기화</a:t>
+            </a:r>
+            <a:endParaRPr lang="en-US" altLang="ko-KR" dirty="0">
+              <a:latin typeface="HY견고딕" panose="02030600000101010101" pitchFamily="18" charset="-127"/>
+              <a:ea typeface="HY견고딕" panose="02030600000101010101" pitchFamily="18" charset="-127"/>
+            </a:endParaRPr>
+          </a:p>
+          <a:p>
+            <a:pPr algn="ctr"/>
+            <a:endParaRPr lang="en-US" altLang="ko-KR" dirty="0">
+              <a:latin typeface="HY견고딕" panose="02030600000101010101" pitchFamily="18" charset="-127"/>
+              <a:ea typeface="HY견고딕" panose="02030600000101010101" pitchFamily="18" charset="-127"/>
+            </a:endParaRPr>
+          </a:p>
+          <a:p>
+            <a:pPr algn="ctr"/>
+            <a:r>
+              <a:rPr lang="ko-KR" altLang="en-US" dirty="0">
+                <a:latin typeface="HY견고딕" panose="02030600000101010101" pitchFamily="18" charset="-127"/>
+                <a:ea typeface="HY견고딕" panose="02030600000101010101" pitchFamily="18" charset="-127"/>
+              </a:rPr>
+              <a:t>볼 구현</a:t>
             </a:r>
             <a:endParaRPr lang="en-US" altLang="ko-KR" dirty="0">
               <a:latin typeface="HY견고딕" panose="02030600000101010101" pitchFamily="18" charset="-127"/>
@@ -11561,7 +12328,7 @@
     </p:spTree>
     <p:extLst>
       <p:ext uri="{BB962C8B-B14F-4D97-AF65-F5344CB8AC3E}">
-        <p14:creationId xmlns:p14="http://schemas.microsoft.com/office/powerpoint/2010/main" val="1216641312"/>
+        <p14:creationId xmlns:p14="http://schemas.microsoft.com/office/powerpoint/2010/main" val="1671169991"/>
       </p:ext>
     </p:extLst>
   </p:cSld>
@@ -11832,7 +12599,7 @@
                 <a:latin typeface="HY헤드라인M" panose="02030600000101010101" pitchFamily="18" charset="-127"/>
                 <a:ea typeface="HY헤드라인M" panose="02030600000101010101" pitchFamily="18" charset="-127"/>
               </a:rPr>
-              <a:t>07/14</a:t>
+              <a:t>06/14</a:t>
             </a:r>
             <a:endParaRPr lang="ko-KR" altLang="en-US" dirty="0">
               <a:latin typeface="HY헤드라인M" panose="02030600000101010101" pitchFamily="18" charset="-127"/>
@@ -11843,10 +12610,10 @@
       </p:sp>
       <p:pic>
         <p:nvPicPr>
-          <p:cNvPr id="10" name="그림 9" descr="키보드이(가) 표시된 사진&#10;&#10;자동 생성된 설명">
-            <a:extLst>
-              <a:ext uri="{FF2B5EF4-FFF2-40B4-BE49-F238E27FC236}">
-                <a16:creationId xmlns:a16="http://schemas.microsoft.com/office/drawing/2014/main" id="{51D9A623-5637-4DA4-9446-9A025A9C056B}"/>
+          <p:cNvPr id="9" name="그림 8" descr="텍스트, 앉아있는, 테이블, 녹색이(가) 표시된 사진&#10;&#10;자동 생성된 설명">
+            <a:extLst>
+              <a:ext uri="{FF2B5EF4-FFF2-40B4-BE49-F238E27FC236}">
+                <a16:creationId xmlns:a16="http://schemas.microsoft.com/office/drawing/2014/main" id="{C1659015-152F-4D20-8D62-91650832996B}"/>
               </a:ext>
             </a:extLst>
           </p:cNvPr>
@@ -11869,8 +12636,8 @@
         </p:blipFill>
         <p:spPr>
           <a:xfrm>
-            <a:off x="1538094" y="1701352"/>
-            <a:ext cx="1392916" cy="4280051"/>
+            <a:off x="4687352" y="1776727"/>
+            <a:ext cx="3493242" cy="3963486"/>
           </a:xfrm>
           <a:prstGeom prst="rect">
             <a:avLst/>
@@ -11879,10 +12646,10 @@
       </p:pic>
       <p:pic>
         <p:nvPicPr>
-          <p:cNvPr id="13" name="그림 12" descr="검은색, 전화이(가) 표시된 사진&#10;&#10;자동 생성된 설명">
-            <a:extLst>
-              <a:ext uri="{FF2B5EF4-FFF2-40B4-BE49-F238E27FC236}">
-                <a16:creationId xmlns:a16="http://schemas.microsoft.com/office/drawing/2014/main" id="{43C38462-6140-4BD5-8FA5-5D8326FF01E0}"/>
+          <p:cNvPr id="11" name="그림 10" descr="화면, 모니터, 검은색, 컴퓨터이(가) 표시된 사진&#10;&#10;자동 생성된 설명">
+            <a:extLst>
+              <a:ext uri="{FF2B5EF4-FFF2-40B4-BE49-F238E27FC236}">
+                <a16:creationId xmlns:a16="http://schemas.microsoft.com/office/drawing/2014/main" id="{157D6A65-EB12-408A-A943-81E15A8FA58B}"/>
               </a:ext>
             </a:extLst>
           </p:cNvPr>
@@ -11905,8 +12672,8 @@
         </p:blipFill>
         <p:spPr>
           <a:xfrm>
-            <a:off x="3184982" y="2250456"/>
-            <a:ext cx="3987564" cy="3201485"/>
+            <a:off x="1469022" y="1939571"/>
+            <a:ext cx="3053604" cy="2206543"/>
           </a:xfrm>
           <a:prstGeom prst="rect">
             <a:avLst/>
@@ -11915,10 +12682,10 @@
       </p:pic>
       <p:sp>
         <p:nvSpPr>
-          <p:cNvPr id="16" name="TextBox 15">
-            <a:extLst>
-              <a:ext uri="{FF2B5EF4-FFF2-40B4-BE49-F238E27FC236}">
-                <a16:creationId xmlns:a16="http://schemas.microsoft.com/office/drawing/2014/main" id="{A90047D1-BD4E-4F3E-A570-94E0D342A435}"/>
+          <p:cNvPr id="18" name="TextBox 17">
+            <a:extLst>
+              <a:ext uri="{FF2B5EF4-FFF2-40B4-BE49-F238E27FC236}">
+                <a16:creationId xmlns:a16="http://schemas.microsoft.com/office/drawing/2014/main" id="{65FCE177-F61B-4196-98F2-0B373DB3F830}"/>
               </a:ext>
             </a:extLst>
           </p:cNvPr>
@@ -11927,8 +12694,8 @@
         </p:nvSpPr>
         <p:spPr>
           <a:xfrm>
-            <a:off x="7468419" y="2035621"/>
-            <a:ext cx="3185487" cy="3693319"/>
+            <a:off x="1304084" y="4340651"/>
+            <a:ext cx="3300905" cy="1477328"/>
           </a:xfrm>
           <a:prstGeom prst="rect">
             <a:avLst/>
@@ -11943,215 +12710,227 @@
           <a:p>
             <a:pPr algn="ctr"/>
             <a:r>
+              <a:rPr lang="ko-KR" altLang="en-US" dirty="0">
+                <a:latin typeface="HY견고딕" panose="02030600000101010101" pitchFamily="18" charset="-127"/>
+                <a:ea typeface="HY견고딕" panose="02030600000101010101" pitchFamily="18" charset="-127"/>
+              </a:rPr>
+              <a:t>약 </a:t>
+            </a:r>
+            <a:r>
               <a:rPr lang="en-US" altLang="ko-KR" dirty="0">
                 <a:latin typeface="HY견고딕" panose="02030600000101010101" pitchFamily="18" charset="-127"/>
                 <a:ea typeface="HY견고딕" panose="02030600000101010101" pitchFamily="18" charset="-127"/>
               </a:rPr>
-              <a:t>1</a:t>
+              <a:t>2000</a:t>
             </a:r>
             <a:r>
               <a:rPr lang="ko-KR" altLang="en-US" dirty="0">
                 <a:latin typeface="HY견고딕" panose="02030600000101010101" pitchFamily="18" charset="-127"/>
                 <a:ea typeface="HY견고딕" panose="02030600000101010101" pitchFamily="18" charset="-127"/>
               </a:rPr>
-              <a:t>차 </a:t>
-            </a:r>
+              <a:t>줄의 비효율적인 코드</a:t>
+            </a:r>
+            <a:endParaRPr lang="en-US" altLang="ko-KR" dirty="0">
+              <a:latin typeface="HY견고딕" panose="02030600000101010101" pitchFamily="18" charset="-127"/>
+              <a:ea typeface="HY견고딕" panose="02030600000101010101" pitchFamily="18" charset="-127"/>
+            </a:endParaRPr>
+          </a:p>
+          <a:p>
+            <a:pPr algn="ctr"/>
+            <a:endParaRPr lang="en-US" altLang="ko-KR" dirty="0">
+              <a:latin typeface="HY견고딕" panose="02030600000101010101" pitchFamily="18" charset="-127"/>
+              <a:ea typeface="HY견고딕" panose="02030600000101010101" pitchFamily="18" charset="-127"/>
+            </a:endParaRPr>
+          </a:p>
+          <a:p>
+            <a:pPr algn="ctr"/>
+            <a:r>
+              <a:rPr lang="ko-KR" altLang="en-US" dirty="0">
+                <a:latin typeface="HY견고딕" panose="02030600000101010101" pitchFamily="18" charset="-127"/>
+                <a:ea typeface="HY견고딕" panose="02030600000101010101" pitchFamily="18" charset="-127"/>
+              </a:rPr>
+              <a:t>기존의 코드는 절차 지향적</a:t>
+            </a:r>
+            <a:endParaRPr lang="en-US" altLang="ko-KR" dirty="0">
+              <a:latin typeface="HY견고딕" panose="02030600000101010101" pitchFamily="18" charset="-127"/>
+              <a:ea typeface="HY견고딕" panose="02030600000101010101" pitchFamily="18" charset="-127"/>
+            </a:endParaRPr>
+          </a:p>
+          <a:p>
+            <a:pPr algn="ctr"/>
+            <a:endParaRPr lang="en-US" altLang="ko-KR" dirty="0">
+              <a:latin typeface="HY견고딕" panose="02030600000101010101" pitchFamily="18" charset="-127"/>
+              <a:ea typeface="HY견고딕" panose="02030600000101010101" pitchFamily="18" charset="-127"/>
+            </a:endParaRPr>
+          </a:p>
+          <a:p>
+            <a:pPr algn="ctr"/>
+            <a:endParaRPr lang="en-US" altLang="ko-KR" dirty="0">
+              <a:latin typeface="HY견고딕" panose="02030600000101010101" pitchFamily="18" charset="-127"/>
+              <a:ea typeface="HY견고딕" panose="02030600000101010101" pitchFamily="18" charset="-127"/>
+            </a:endParaRPr>
+          </a:p>
+        </p:txBody>
+      </p:sp>
+      <p:sp>
+        <p:nvSpPr>
+          <p:cNvPr id="19" name="TextBox 18">
+            <a:extLst>
+              <a:ext uri="{FF2B5EF4-FFF2-40B4-BE49-F238E27FC236}">
+                <a16:creationId xmlns:a16="http://schemas.microsoft.com/office/drawing/2014/main" id="{3368BF74-E24F-4ED3-A9BD-4383EBA1E084}"/>
+              </a:ext>
+            </a:extLst>
+          </p:cNvPr>
+          <p:cNvSpPr txBox="1"/>
+          <p:nvPr/>
+        </p:nvSpPr>
+        <p:spPr>
+          <a:xfrm>
+            <a:off x="8180594" y="2144354"/>
+            <a:ext cx="2637260" cy="2585323"/>
+          </a:xfrm>
+          <a:prstGeom prst="rect">
+            <a:avLst/>
+          </a:prstGeom>
+          <a:noFill/>
+        </p:spPr>
+        <p:txBody>
+          <a:bodyPr wrap="none" rtlCol="0">
+            <a:spAutoFit/>
+          </a:bodyPr>
+          <a:lstStyle/>
+          <a:p>
+            <a:pPr algn="ctr"/>
+            <a:endParaRPr lang="en-US" altLang="ko-KR" dirty="0">
+              <a:latin typeface="HY견고딕" panose="02030600000101010101" pitchFamily="18" charset="-127"/>
+              <a:ea typeface="HY견고딕" panose="02030600000101010101" pitchFamily="18" charset="-127"/>
+            </a:endParaRPr>
+          </a:p>
+          <a:p>
+            <a:pPr algn="ctr"/>
+            <a:r>
+              <a:rPr lang="ko-KR" altLang="en-US" dirty="0">
+                <a:latin typeface="HY견고딕" panose="02030600000101010101" pitchFamily="18" charset="-127"/>
+                <a:ea typeface="HY견고딕" panose="02030600000101010101" pitchFamily="18" charset="-127"/>
+              </a:rPr>
+              <a:t>가독성과 유지보수성</a:t>
+            </a:r>
+            <a:endParaRPr lang="en-US" altLang="ko-KR" dirty="0">
+              <a:latin typeface="HY견고딕" panose="02030600000101010101" pitchFamily="18" charset="-127"/>
+              <a:ea typeface="HY견고딕" panose="02030600000101010101" pitchFamily="18" charset="-127"/>
+            </a:endParaRPr>
+          </a:p>
+          <a:p>
+            <a:pPr algn="ctr"/>
+            <a:r>
+              <a:rPr lang="ko-KR" altLang="en-US" dirty="0">
+                <a:latin typeface="HY견고딕" panose="02030600000101010101" pitchFamily="18" charset="-127"/>
+                <a:ea typeface="HY견고딕" panose="02030600000101010101" pitchFamily="18" charset="-127"/>
+              </a:rPr>
+              <a:t>매우 나쁨</a:t>
+            </a:r>
+            <a:endParaRPr lang="en-US" altLang="ko-KR" dirty="0">
+              <a:latin typeface="HY견고딕" panose="02030600000101010101" pitchFamily="18" charset="-127"/>
+              <a:ea typeface="HY견고딕" panose="02030600000101010101" pitchFamily="18" charset="-127"/>
+            </a:endParaRPr>
+          </a:p>
+          <a:p>
+            <a:pPr algn="ctr"/>
+            <a:endParaRPr lang="en-US" altLang="ko-KR" dirty="0">
+              <a:latin typeface="HY견고딕" panose="02030600000101010101" pitchFamily="18" charset="-127"/>
+              <a:ea typeface="HY견고딕" panose="02030600000101010101" pitchFamily="18" charset="-127"/>
+            </a:endParaRPr>
+          </a:p>
+          <a:p>
+            <a:pPr algn="ctr"/>
+            <a:r>
+              <a:rPr lang="ko-KR" altLang="en-US" dirty="0">
+                <a:latin typeface="HY견고딕" panose="02030600000101010101" pitchFamily="18" charset="-127"/>
+                <a:ea typeface="HY견고딕" panose="02030600000101010101" pitchFamily="18" charset="-127"/>
+              </a:rPr>
+              <a:t>로컬 방식의 </a:t>
+            </a:r>
+            <a:r>
+              <a:rPr lang="en-US" altLang="ko-KR" dirty="0">
+                <a:latin typeface="HY견고딕" panose="02030600000101010101" pitchFamily="18" charset="-127"/>
+                <a:ea typeface="HY견고딕" panose="02030600000101010101" pitchFamily="18" charset="-127"/>
+              </a:rPr>
+              <a:t>2</a:t>
+            </a:r>
+            <a:r>
+              <a:rPr lang="ko-KR" altLang="en-US" dirty="0">
+                <a:latin typeface="HY견고딕" panose="02030600000101010101" pitchFamily="18" charset="-127"/>
+                <a:ea typeface="HY견고딕" panose="02030600000101010101" pitchFamily="18" charset="-127"/>
+              </a:rPr>
+              <a:t>인용 게임</a:t>
+            </a:r>
+            <a:endParaRPr lang="en-US" altLang="ko-KR" dirty="0">
+              <a:latin typeface="HY견고딕" panose="02030600000101010101" pitchFamily="18" charset="-127"/>
+              <a:ea typeface="HY견고딕" panose="02030600000101010101" pitchFamily="18" charset="-127"/>
+            </a:endParaRPr>
+          </a:p>
+          <a:p>
+            <a:pPr algn="ctr"/>
+            <a:r>
+              <a:rPr lang="ko-KR" altLang="en-US" dirty="0">
+                <a:latin typeface="HY견고딕" panose="02030600000101010101" pitchFamily="18" charset="-127"/>
+                <a:ea typeface="HY견고딕" panose="02030600000101010101" pitchFamily="18" charset="-127"/>
+              </a:rPr>
+              <a:t>중복되는 소스코드 多</a:t>
+            </a:r>
+            <a:endParaRPr lang="en-US" altLang="ko-KR" dirty="0">
+              <a:latin typeface="HY견고딕" panose="02030600000101010101" pitchFamily="18" charset="-127"/>
+              <a:ea typeface="HY견고딕" panose="02030600000101010101" pitchFamily="18" charset="-127"/>
+            </a:endParaRPr>
+          </a:p>
+          <a:p>
+            <a:pPr algn="ctr"/>
+            <a:endParaRPr lang="en-US" altLang="ko-KR" dirty="0">
+              <a:latin typeface="HY견고딕" panose="02030600000101010101" pitchFamily="18" charset="-127"/>
+              <a:ea typeface="HY견고딕" panose="02030600000101010101" pitchFamily="18" charset="-127"/>
+            </a:endParaRPr>
+          </a:p>
+          <a:p>
+            <a:pPr algn="ctr"/>
+            <a:r>
+              <a:rPr lang="ko-KR" altLang="en-US" dirty="0">
+                <a:latin typeface="HY견고딕" panose="02030600000101010101" pitchFamily="18" charset="-127"/>
+                <a:ea typeface="HY견고딕" panose="02030600000101010101" pitchFamily="18" charset="-127"/>
+              </a:rPr>
+              <a:t>서버를 추가하기 전</a:t>
+            </a:r>
+            <a:endParaRPr lang="en-US" altLang="ko-KR" dirty="0">
+              <a:latin typeface="HY견고딕" panose="02030600000101010101" pitchFamily="18" charset="-127"/>
+              <a:ea typeface="HY견고딕" panose="02030600000101010101" pitchFamily="18" charset="-127"/>
+            </a:endParaRPr>
+          </a:p>
+          <a:p>
+            <a:pPr algn="ctr"/>
             <a:r>
               <a:rPr lang="ko-KR" altLang="en-US" dirty="0" err="1">
                 <a:latin typeface="HY견고딕" panose="02030600000101010101" pitchFamily="18" charset="-127"/>
                 <a:ea typeface="HY견고딕" panose="02030600000101010101" pitchFamily="18" charset="-127"/>
               </a:rPr>
-              <a:t>리팩토링</a:t>
+              <a:t>리팩토링이</a:t>
+            </a:r>
+            <a:r>
+              <a:rPr lang="ko-KR" altLang="en-US" dirty="0">
+                <a:latin typeface="HY견고딕" panose="02030600000101010101" pitchFamily="18" charset="-127"/>
+                <a:ea typeface="HY견고딕" panose="02030600000101010101" pitchFamily="18" charset="-127"/>
+              </a:rPr>
+              <a:t> 필수적</a:t>
             </a:r>
             <a:endParaRPr lang="en-US" altLang="ko-KR" dirty="0">
               <a:latin typeface="HY견고딕" panose="02030600000101010101" pitchFamily="18" charset="-127"/>
               <a:ea typeface="HY견고딕" panose="02030600000101010101" pitchFamily="18" charset="-127"/>
             </a:endParaRPr>
-          </a:p>
-          <a:p>
-            <a:pPr algn="ctr"/>
-            <a:endParaRPr lang="en-US" altLang="ko-KR" dirty="0">
-              <a:latin typeface="HY견고딕" panose="02030600000101010101" pitchFamily="18" charset="-127"/>
-              <a:ea typeface="HY견고딕" panose="02030600000101010101" pitchFamily="18" charset="-127"/>
-            </a:endParaRPr>
-          </a:p>
-          <a:p>
-            <a:pPr algn="ctr"/>
-            <a:r>
-              <a:rPr lang="ko-KR" altLang="en-US" dirty="0">
-                <a:latin typeface="HY견고딕" panose="02030600000101010101" pitchFamily="18" charset="-127"/>
-                <a:ea typeface="HY견고딕" panose="02030600000101010101" pitchFamily="18" charset="-127"/>
-              </a:rPr>
-              <a:t>절차 지향적 </a:t>
-            </a:r>
-            <a:r>
-              <a:rPr lang="en-US" altLang="ko-KR" dirty="0">
-                <a:latin typeface="HY견고딕" panose="02030600000101010101" pitchFamily="18" charset="-127"/>
-                <a:ea typeface="HY견고딕" panose="02030600000101010101" pitchFamily="18" charset="-127"/>
-              </a:rPr>
-              <a:t>-&gt; </a:t>
-            </a:r>
-            <a:r>
-              <a:rPr lang="ko-KR" altLang="en-US" dirty="0">
-                <a:latin typeface="HY견고딕" panose="02030600000101010101" pitchFamily="18" charset="-127"/>
-                <a:ea typeface="HY견고딕" panose="02030600000101010101" pitchFamily="18" charset="-127"/>
-              </a:rPr>
-              <a:t>객체 지향적</a:t>
-            </a:r>
-            <a:endParaRPr lang="en-US" altLang="ko-KR" dirty="0">
-              <a:latin typeface="HY견고딕" panose="02030600000101010101" pitchFamily="18" charset="-127"/>
-              <a:ea typeface="HY견고딕" panose="02030600000101010101" pitchFamily="18" charset="-127"/>
-            </a:endParaRPr>
-          </a:p>
-          <a:p>
-            <a:pPr algn="ctr"/>
-            <a:endParaRPr lang="en-US" altLang="ko-KR" dirty="0">
-              <a:latin typeface="HY견고딕" panose="02030600000101010101" pitchFamily="18" charset="-127"/>
-              <a:ea typeface="HY견고딕" panose="02030600000101010101" pitchFamily="18" charset="-127"/>
-            </a:endParaRPr>
-          </a:p>
-          <a:p>
-            <a:pPr algn="ctr"/>
-            <a:r>
-              <a:rPr lang="ko-KR" altLang="en-US" dirty="0">
-                <a:latin typeface="HY견고딕" panose="02030600000101010101" pitchFamily="18" charset="-127"/>
-                <a:ea typeface="HY견고딕" panose="02030600000101010101" pitchFamily="18" charset="-127"/>
-              </a:rPr>
-              <a:t>비효율적인 중복 코드 제거</a:t>
-            </a:r>
-            <a:endParaRPr lang="en-US" altLang="ko-KR" dirty="0">
-              <a:latin typeface="HY견고딕" panose="02030600000101010101" pitchFamily="18" charset="-127"/>
-              <a:ea typeface="HY견고딕" panose="02030600000101010101" pitchFamily="18" charset="-127"/>
-            </a:endParaRPr>
-          </a:p>
-          <a:p>
-            <a:pPr algn="ctr"/>
-            <a:r>
-              <a:rPr lang="ko-KR" altLang="en-US" dirty="0">
-                <a:latin typeface="HY견고딕" panose="02030600000101010101" pitchFamily="18" charset="-127"/>
-                <a:ea typeface="HY견고딕" panose="02030600000101010101" pitchFamily="18" charset="-127"/>
-              </a:rPr>
-              <a:t>전체적으로 약 </a:t>
-            </a:r>
-            <a:r>
-              <a:rPr lang="en-US" altLang="ko-KR" dirty="0">
-                <a:latin typeface="HY견고딕" panose="02030600000101010101" pitchFamily="18" charset="-127"/>
-                <a:ea typeface="HY견고딕" panose="02030600000101010101" pitchFamily="18" charset="-127"/>
-              </a:rPr>
-              <a:t>600</a:t>
-            </a:r>
-            <a:r>
-              <a:rPr lang="ko-KR" altLang="en-US" dirty="0">
-                <a:latin typeface="HY견고딕" panose="02030600000101010101" pitchFamily="18" charset="-127"/>
-                <a:ea typeface="HY견고딕" panose="02030600000101010101" pitchFamily="18" charset="-127"/>
-              </a:rPr>
-              <a:t>줄 절약</a:t>
-            </a:r>
-            <a:endParaRPr lang="en-US" altLang="ko-KR" dirty="0">
-              <a:latin typeface="HY견고딕" panose="02030600000101010101" pitchFamily="18" charset="-127"/>
-              <a:ea typeface="HY견고딕" panose="02030600000101010101" pitchFamily="18" charset="-127"/>
-            </a:endParaRPr>
-          </a:p>
-          <a:p>
-            <a:pPr algn="ctr"/>
-            <a:endParaRPr lang="en-US" altLang="ko-KR" dirty="0">
-              <a:latin typeface="HY견고딕" panose="02030600000101010101" pitchFamily="18" charset="-127"/>
-              <a:ea typeface="HY견고딕" panose="02030600000101010101" pitchFamily="18" charset="-127"/>
-            </a:endParaRPr>
-          </a:p>
-          <a:p>
-            <a:pPr algn="ctr"/>
-            <a:r>
-              <a:rPr lang="ko-KR" altLang="en-US" dirty="0">
-                <a:latin typeface="HY견고딕" panose="02030600000101010101" pitchFamily="18" charset="-127"/>
-                <a:ea typeface="HY견고딕" panose="02030600000101010101" pitchFamily="18" charset="-127"/>
-              </a:rPr>
-              <a:t>가독성 및 유지보수성이 증가</a:t>
-            </a:r>
-            <a:endParaRPr lang="en-US" altLang="ko-KR" dirty="0">
-              <a:latin typeface="HY견고딕" panose="02030600000101010101" pitchFamily="18" charset="-127"/>
-              <a:ea typeface="HY견고딕" panose="02030600000101010101" pitchFamily="18" charset="-127"/>
-            </a:endParaRPr>
-          </a:p>
-          <a:p>
-            <a:pPr algn="ctr"/>
-            <a:r>
-              <a:rPr lang="ko-KR" altLang="en-US" dirty="0">
-                <a:latin typeface="HY견고딕" panose="02030600000101010101" pitchFamily="18" charset="-127"/>
-                <a:ea typeface="HY견고딕" panose="02030600000101010101" pitchFamily="18" charset="-127"/>
-              </a:rPr>
-              <a:t>서버를 추가하기 용이해짐</a:t>
-            </a:r>
-            <a:endParaRPr lang="en-US" altLang="ko-KR" dirty="0">
-              <a:latin typeface="HY견고딕" panose="02030600000101010101" pitchFamily="18" charset="-127"/>
-              <a:ea typeface="HY견고딕" panose="02030600000101010101" pitchFamily="18" charset="-127"/>
-            </a:endParaRPr>
-          </a:p>
-          <a:p>
-            <a:pPr algn="ctr"/>
-            <a:endParaRPr lang="en-US" altLang="ko-KR" dirty="0">
-              <a:latin typeface="HY견고딕" panose="02030600000101010101" pitchFamily="18" charset="-127"/>
-              <a:ea typeface="HY견고딕" panose="02030600000101010101" pitchFamily="18" charset="-127"/>
-            </a:endParaRPr>
-          </a:p>
-          <a:p>
-            <a:pPr algn="ctr"/>
-            <a:r>
-              <a:rPr lang="en-US" altLang="ko-KR" dirty="0">
-                <a:latin typeface="HY견고딕" panose="02030600000101010101" pitchFamily="18" charset="-127"/>
-                <a:ea typeface="HY견고딕" panose="02030600000101010101" pitchFamily="18" charset="-127"/>
-              </a:rPr>
-              <a:t>But </a:t>
-            </a:r>
-            <a:r>
-              <a:rPr lang="ko-KR" altLang="en-US" dirty="0">
-                <a:latin typeface="HY견고딕" panose="02030600000101010101" pitchFamily="18" charset="-127"/>
-                <a:ea typeface="HY견고딕" panose="02030600000101010101" pitchFamily="18" charset="-127"/>
-              </a:rPr>
-              <a:t>기존 코드 한계로</a:t>
-            </a:r>
-            <a:endParaRPr lang="en-US" altLang="ko-KR" dirty="0">
-              <a:latin typeface="HY견고딕" panose="02030600000101010101" pitchFamily="18" charset="-127"/>
-              <a:ea typeface="HY견고딕" panose="02030600000101010101" pitchFamily="18" charset="-127"/>
-            </a:endParaRPr>
-          </a:p>
-          <a:p>
-            <a:pPr algn="ctr"/>
-            <a:r>
-              <a:rPr lang="ko-KR" altLang="en-US" dirty="0">
-                <a:latin typeface="HY견고딕" panose="02030600000101010101" pitchFamily="18" charset="-127"/>
-                <a:ea typeface="HY견고딕" panose="02030600000101010101" pitchFamily="18" charset="-127"/>
-              </a:rPr>
-              <a:t>메모리 비효율적 사용</a:t>
-            </a:r>
-            <a:endParaRPr lang="en-US" altLang="ko-KR" dirty="0">
-              <a:latin typeface="HY견고딕" panose="02030600000101010101" pitchFamily="18" charset="-127"/>
-              <a:ea typeface="HY견고딕" panose="02030600000101010101" pitchFamily="18" charset="-127"/>
-            </a:endParaRPr>
-          </a:p>
-          <a:p>
-            <a:pPr algn="ctr"/>
-            <a:r>
-              <a:rPr lang="ko-KR" altLang="en-US" dirty="0">
-                <a:latin typeface="HY견고딕" panose="02030600000101010101" pitchFamily="18" charset="-127"/>
-                <a:ea typeface="HY견고딕" panose="02030600000101010101" pitchFamily="18" charset="-127"/>
-              </a:rPr>
-              <a:t>프레임 고정 </a:t>
-            </a:r>
-            <a:r>
-              <a:rPr lang="en-US" altLang="ko-KR" dirty="0">
-                <a:latin typeface="HY견고딕" panose="02030600000101010101" pitchFamily="18" charset="-127"/>
-                <a:ea typeface="HY견고딕" panose="02030600000101010101" pitchFamily="18" charset="-127"/>
-              </a:rPr>
-              <a:t>X</a:t>
-            </a:r>
           </a:p>
         </p:txBody>
       </p:sp>
     </p:spTree>
     <p:extLst>
       <p:ext uri="{BB962C8B-B14F-4D97-AF65-F5344CB8AC3E}">
-        <p14:creationId xmlns:p14="http://schemas.microsoft.com/office/powerpoint/2010/main" val="3993408934"/>
+        <p14:creationId xmlns:p14="http://schemas.microsoft.com/office/powerpoint/2010/main" val="1216641312"/>
       </p:ext>
     </p:extLst>
   </p:cSld>
@@ -12422,7 +13201,7 @@
                 <a:latin typeface="HY헤드라인M" panose="02030600000101010101" pitchFamily="18" charset="-127"/>
                 <a:ea typeface="HY헤드라인M" panose="02030600000101010101" pitchFamily="18" charset="-127"/>
               </a:rPr>
-              <a:t>08/14</a:t>
+              <a:t>07/14</a:t>
             </a:r>
             <a:endParaRPr lang="ko-KR" altLang="en-US" dirty="0">
               <a:latin typeface="HY헤드라인M" panose="02030600000101010101" pitchFamily="18" charset="-127"/>
@@ -12431,239 +13210,12 @@
           </a:p>
         </p:txBody>
       </p:sp>
-      <p:sp>
-        <p:nvSpPr>
-          <p:cNvPr id="16" name="TextBox 15">
-            <a:extLst>
-              <a:ext uri="{FF2B5EF4-FFF2-40B4-BE49-F238E27FC236}">
-                <a16:creationId xmlns:a16="http://schemas.microsoft.com/office/drawing/2014/main" id="{A90047D1-BD4E-4F3E-A570-94E0D342A435}"/>
-              </a:ext>
-            </a:extLst>
-          </p:cNvPr>
-          <p:cNvSpPr txBox="1"/>
-          <p:nvPr/>
-        </p:nvSpPr>
-        <p:spPr>
-          <a:xfrm>
-            <a:off x="6611894" y="1947402"/>
-            <a:ext cx="4118435" cy="3416320"/>
-          </a:xfrm>
-          <a:prstGeom prst="rect">
-            <a:avLst/>
-          </a:prstGeom>
-          <a:noFill/>
-        </p:spPr>
-        <p:txBody>
-          <a:bodyPr wrap="none" rtlCol="0">
-            <a:spAutoFit/>
-          </a:bodyPr>
-          <a:lstStyle/>
-          <a:p>
-            <a:pPr algn="ctr"/>
-            <a:r>
-              <a:rPr lang="en-US" altLang="ko-KR" dirty="0">
-                <a:latin typeface="HY견고딕" panose="02030600000101010101" pitchFamily="18" charset="-127"/>
-                <a:ea typeface="HY견고딕" panose="02030600000101010101" pitchFamily="18" charset="-127"/>
-              </a:rPr>
-              <a:t>2</a:t>
-            </a:r>
-            <a:r>
-              <a:rPr lang="ko-KR" altLang="en-US" dirty="0">
-                <a:latin typeface="HY견고딕" panose="02030600000101010101" pitchFamily="18" charset="-127"/>
-                <a:ea typeface="HY견고딕" panose="02030600000101010101" pitchFamily="18" charset="-127"/>
-              </a:rPr>
-              <a:t>차 </a:t>
-            </a:r>
-            <a:r>
-              <a:rPr lang="ko-KR" altLang="en-US" dirty="0" err="1">
-                <a:latin typeface="HY견고딕" panose="02030600000101010101" pitchFamily="18" charset="-127"/>
-                <a:ea typeface="HY견고딕" panose="02030600000101010101" pitchFamily="18" charset="-127"/>
-              </a:rPr>
-              <a:t>리팩토링</a:t>
-            </a:r>
-            <a:endParaRPr lang="en-US" altLang="ko-KR" dirty="0">
-              <a:latin typeface="HY견고딕" panose="02030600000101010101" pitchFamily="18" charset="-127"/>
-              <a:ea typeface="HY견고딕" panose="02030600000101010101" pitchFamily="18" charset="-127"/>
-            </a:endParaRPr>
-          </a:p>
-          <a:p>
-            <a:pPr algn="ctr"/>
-            <a:endParaRPr lang="en-US" altLang="ko-KR" dirty="0">
-              <a:latin typeface="HY견고딕" panose="02030600000101010101" pitchFamily="18" charset="-127"/>
-              <a:ea typeface="HY견고딕" panose="02030600000101010101" pitchFamily="18" charset="-127"/>
-            </a:endParaRPr>
-          </a:p>
-          <a:p>
-            <a:pPr algn="ctr"/>
-            <a:r>
-              <a:rPr lang="ko-KR" altLang="en-US" dirty="0">
-                <a:latin typeface="HY견고딕" panose="02030600000101010101" pitchFamily="18" charset="-127"/>
-                <a:ea typeface="HY견고딕" panose="02030600000101010101" pitchFamily="18" charset="-127"/>
-              </a:rPr>
-              <a:t>프레임워크를 새로 제작 후 이식</a:t>
-            </a:r>
-            <a:endParaRPr lang="en-US" altLang="ko-KR" dirty="0">
-              <a:latin typeface="HY견고딕" panose="02030600000101010101" pitchFamily="18" charset="-127"/>
-              <a:ea typeface="HY견고딕" panose="02030600000101010101" pitchFamily="18" charset="-127"/>
-            </a:endParaRPr>
-          </a:p>
-          <a:p>
-            <a:pPr algn="ctr"/>
-            <a:endParaRPr lang="en-US" altLang="ko-KR" dirty="0">
-              <a:latin typeface="HY견고딕" panose="02030600000101010101" pitchFamily="18" charset="-127"/>
-              <a:ea typeface="HY견고딕" panose="02030600000101010101" pitchFamily="18" charset="-127"/>
-            </a:endParaRPr>
-          </a:p>
-          <a:p>
-            <a:pPr algn="ctr"/>
-            <a:r>
-              <a:rPr lang="en-US" altLang="ko-KR" dirty="0">
-                <a:latin typeface="HY견고딕" panose="02030600000101010101" pitchFamily="18" charset="-127"/>
-                <a:ea typeface="HY견고딕" panose="02030600000101010101" pitchFamily="18" charset="-127"/>
-              </a:rPr>
-              <a:t>Client</a:t>
-            </a:r>
-          </a:p>
-          <a:p>
-            <a:pPr algn="ctr"/>
-            <a:r>
-              <a:rPr lang="en-US" altLang="ko-KR" dirty="0" err="1">
-                <a:latin typeface="HY견고딕" panose="02030600000101010101" pitchFamily="18" charset="-127"/>
-                <a:ea typeface="HY견고딕" panose="02030600000101010101" pitchFamily="18" charset="-127"/>
-              </a:rPr>
-              <a:t>GetTickCount</a:t>
-            </a:r>
-            <a:r>
-              <a:rPr lang="en-US" altLang="ko-KR" dirty="0">
-                <a:latin typeface="HY견고딕" panose="02030600000101010101" pitchFamily="18" charset="-127"/>
-                <a:ea typeface="HY견고딕" panose="02030600000101010101" pitchFamily="18" charset="-127"/>
-              </a:rPr>
-              <a:t>() </a:t>
-            </a:r>
-            <a:r>
-              <a:rPr lang="ko-KR" altLang="en-US" dirty="0">
-                <a:latin typeface="HY견고딕" panose="02030600000101010101" pitchFamily="18" charset="-127"/>
-                <a:ea typeface="HY견고딕" panose="02030600000101010101" pitchFamily="18" charset="-127"/>
-              </a:rPr>
-              <a:t>사용</a:t>
-            </a:r>
-            <a:endParaRPr lang="en-US" altLang="ko-KR" dirty="0">
-              <a:latin typeface="HY견고딕" panose="02030600000101010101" pitchFamily="18" charset="-127"/>
-              <a:ea typeface="HY견고딕" panose="02030600000101010101" pitchFamily="18" charset="-127"/>
-            </a:endParaRPr>
-          </a:p>
-          <a:p>
-            <a:pPr algn="ctr"/>
-            <a:r>
-              <a:rPr lang="ko-KR" altLang="en-US" dirty="0">
-                <a:latin typeface="HY견고딕" panose="02030600000101010101" pitchFamily="18" charset="-127"/>
-                <a:ea typeface="HY견고딕" panose="02030600000101010101" pitchFamily="18" charset="-127"/>
-              </a:rPr>
-              <a:t>프레임을 고정 및 </a:t>
-            </a:r>
-            <a:r>
-              <a:rPr lang="en-US" altLang="ko-KR" dirty="0" err="1">
-                <a:latin typeface="HY견고딕" panose="02030600000101010101" pitchFamily="18" charset="-127"/>
-                <a:ea typeface="HY견고딕" panose="02030600000101010101" pitchFamily="18" charset="-127"/>
-              </a:rPr>
-              <a:t>DeltaTime</a:t>
-            </a:r>
-            <a:r>
-              <a:rPr lang="en-US" altLang="ko-KR" dirty="0">
-                <a:latin typeface="HY견고딕" panose="02030600000101010101" pitchFamily="18" charset="-127"/>
-                <a:ea typeface="HY견고딕" panose="02030600000101010101" pitchFamily="18" charset="-127"/>
-              </a:rPr>
-              <a:t> </a:t>
-            </a:r>
-            <a:r>
-              <a:rPr lang="ko-KR" altLang="en-US" dirty="0">
-                <a:latin typeface="HY견고딕" panose="02030600000101010101" pitchFamily="18" charset="-127"/>
-                <a:ea typeface="HY견고딕" panose="02030600000101010101" pitchFamily="18" charset="-127"/>
-              </a:rPr>
-              <a:t>사용</a:t>
-            </a:r>
-            <a:endParaRPr lang="en-US" altLang="ko-KR" dirty="0">
-              <a:latin typeface="HY견고딕" panose="02030600000101010101" pitchFamily="18" charset="-127"/>
-              <a:ea typeface="HY견고딕" panose="02030600000101010101" pitchFamily="18" charset="-127"/>
-            </a:endParaRPr>
-          </a:p>
-          <a:p>
-            <a:pPr algn="ctr"/>
-            <a:r>
-              <a:rPr lang="en-US" altLang="ko-KR" dirty="0">
-                <a:latin typeface="HY견고딕" panose="02030600000101010101" pitchFamily="18" charset="-127"/>
-                <a:ea typeface="HY견고딕" panose="02030600000101010101" pitchFamily="18" charset="-127"/>
-              </a:rPr>
-              <a:t>(Main.cpp</a:t>
-            </a:r>
-            <a:r>
-              <a:rPr lang="ko-KR" altLang="en-US" dirty="0">
-                <a:latin typeface="HY견고딕" panose="02030600000101010101" pitchFamily="18" charset="-127"/>
-                <a:ea typeface="HY견고딕" panose="02030600000101010101" pitchFamily="18" charset="-127"/>
-              </a:rPr>
-              <a:t>의 </a:t>
-            </a:r>
-            <a:r>
-              <a:rPr lang="en-US" altLang="ko-KR" dirty="0">
-                <a:latin typeface="HY견고딕" panose="02030600000101010101" pitchFamily="18" charset="-127"/>
-                <a:ea typeface="HY견고딕" panose="02030600000101010101" pitchFamily="18" charset="-127"/>
-              </a:rPr>
-              <a:t>40~74 Line)</a:t>
-            </a:r>
-          </a:p>
-          <a:p>
-            <a:pPr algn="ctr"/>
-            <a:endParaRPr lang="en-US" altLang="ko-KR" dirty="0">
-              <a:latin typeface="HY견고딕" panose="02030600000101010101" pitchFamily="18" charset="-127"/>
-              <a:ea typeface="HY견고딕" panose="02030600000101010101" pitchFamily="18" charset="-127"/>
-            </a:endParaRPr>
-          </a:p>
-          <a:p>
-            <a:pPr algn="ctr"/>
-            <a:r>
-              <a:rPr lang="ko-KR" altLang="en-US" dirty="0">
-                <a:latin typeface="HY견고딕" panose="02030600000101010101" pitchFamily="18" charset="-127"/>
-                <a:ea typeface="HY견고딕" panose="02030600000101010101" pitchFamily="18" charset="-127"/>
-              </a:rPr>
-              <a:t>각 게임 오브젝트에 멤버변수로</a:t>
-            </a:r>
-            <a:endParaRPr lang="en-US" altLang="ko-KR" dirty="0">
-              <a:latin typeface="HY견고딕" panose="02030600000101010101" pitchFamily="18" charset="-127"/>
-              <a:ea typeface="HY견고딕" panose="02030600000101010101" pitchFamily="18" charset="-127"/>
-            </a:endParaRPr>
-          </a:p>
-          <a:p>
-            <a:pPr algn="ctr"/>
-            <a:r>
-              <a:rPr lang="ko-KR" altLang="en-US" dirty="0">
-                <a:latin typeface="HY견고딕" panose="02030600000101010101" pitchFamily="18" charset="-127"/>
-                <a:ea typeface="HY견고딕" panose="02030600000101010101" pitchFamily="18" charset="-127"/>
-              </a:rPr>
-              <a:t>서버와 통신할 프로토콜 사용</a:t>
-            </a:r>
-            <a:endParaRPr lang="en-US" altLang="ko-KR" dirty="0">
-              <a:latin typeface="HY견고딕" panose="02030600000101010101" pitchFamily="18" charset="-127"/>
-              <a:ea typeface="HY견고딕" panose="02030600000101010101" pitchFamily="18" charset="-127"/>
-            </a:endParaRPr>
-          </a:p>
-          <a:p>
-            <a:pPr algn="ctr"/>
-            <a:r>
-              <a:rPr lang="en-US" altLang="ko-KR" dirty="0">
-                <a:latin typeface="HY견고딕" panose="02030600000101010101" pitchFamily="18" charset="-127"/>
-                <a:ea typeface="HY견고딕" panose="02030600000101010101" pitchFamily="18" charset="-127"/>
-              </a:rPr>
-              <a:t>(Player, Bullet, Tile, Item, Ball)</a:t>
-            </a:r>
-          </a:p>
-        </p:txBody>
-      </p:sp>
       <p:pic>
         <p:nvPicPr>
-          <p:cNvPr id="9" name="그림 8" descr="컴퓨터, 앉아있는, 노트북, 화면이(가) 표시된 사진&#10;&#10;자동 생성된 설명">
-            <a:extLst>
-              <a:ext uri="{FF2B5EF4-FFF2-40B4-BE49-F238E27FC236}">
-                <a16:creationId xmlns:a16="http://schemas.microsoft.com/office/drawing/2014/main" id="{1E089A05-3746-40EA-8C56-308555117AAF}"/>
+          <p:cNvPr id="10" name="그림 9" descr="키보드이(가) 표시된 사진&#10;&#10;자동 생성된 설명">
+            <a:extLst>
+              <a:ext uri="{FF2B5EF4-FFF2-40B4-BE49-F238E27FC236}">
+                <a16:creationId xmlns:a16="http://schemas.microsoft.com/office/drawing/2014/main" id="{51D9A623-5637-4DA4-9446-9A025A9C056B}"/>
               </a:ext>
             </a:extLst>
           </p:cNvPr>
@@ -12686,8 +13238,8 @@
         </p:blipFill>
         <p:spPr>
           <a:xfrm>
-            <a:off x="1765080" y="1594305"/>
-            <a:ext cx="1490628" cy="4530723"/>
+            <a:off x="1538094" y="1701352"/>
+            <a:ext cx="1392916" cy="4280051"/>
           </a:xfrm>
           <a:prstGeom prst="rect">
             <a:avLst/>
@@ -12696,10 +13248,10 @@
       </p:pic>
       <p:pic>
         <p:nvPicPr>
-          <p:cNvPr id="12" name="그림 11" descr="텍스트이(가) 표시된 사진&#10;&#10;자동 생성된 설명">
-            <a:extLst>
-              <a:ext uri="{FF2B5EF4-FFF2-40B4-BE49-F238E27FC236}">
-                <a16:creationId xmlns:a16="http://schemas.microsoft.com/office/drawing/2014/main" id="{FB90AA45-52D6-462A-80B2-F48527BED042}"/>
+          <p:cNvPr id="13" name="그림 12" descr="검은색, 전화이(가) 표시된 사진&#10;&#10;자동 생성된 설명">
+            <a:extLst>
+              <a:ext uri="{FF2B5EF4-FFF2-40B4-BE49-F238E27FC236}">
+                <a16:creationId xmlns:a16="http://schemas.microsoft.com/office/drawing/2014/main" id="{43C38462-6140-4BD5-8FA5-5D8326FF01E0}"/>
               </a:ext>
             </a:extLst>
           </p:cNvPr>
@@ -12722,18 +13274,208 @@
         </p:blipFill>
         <p:spPr>
           <a:xfrm>
-            <a:off x="3468320" y="1640094"/>
-            <a:ext cx="3204607" cy="4491431"/>
+            <a:off x="3184982" y="2250456"/>
+            <a:ext cx="3987564" cy="3201485"/>
           </a:xfrm>
           <a:prstGeom prst="rect">
             <a:avLst/>
           </a:prstGeom>
         </p:spPr>
       </p:pic>
+      <p:sp>
+        <p:nvSpPr>
+          <p:cNvPr id="16" name="TextBox 15">
+            <a:extLst>
+              <a:ext uri="{FF2B5EF4-FFF2-40B4-BE49-F238E27FC236}">
+                <a16:creationId xmlns:a16="http://schemas.microsoft.com/office/drawing/2014/main" id="{A90047D1-BD4E-4F3E-A570-94E0D342A435}"/>
+              </a:ext>
+            </a:extLst>
+          </p:cNvPr>
+          <p:cNvSpPr txBox="1"/>
+          <p:nvPr/>
+        </p:nvSpPr>
+        <p:spPr>
+          <a:xfrm>
+            <a:off x="7468419" y="2035621"/>
+            <a:ext cx="3185487" cy="3139321"/>
+          </a:xfrm>
+          <a:prstGeom prst="rect">
+            <a:avLst/>
+          </a:prstGeom>
+          <a:noFill/>
+        </p:spPr>
+        <p:txBody>
+          <a:bodyPr wrap="none" rtlCol="0">
+            <a:spAutoFit/>
+          </a:bodyPr>
+          <a:lstStyle/>
+          <a:p>
+            <a:pPr algn="ctr"/>
+            <a:r>
+              <a:rPr lang="en-US" altLang="ko-KR" dirty="0">
+                <a:latin typeface="HY견고딕" panose="02030600000101010101" pitchFamily="18" charset="-127"/>
+                <a:ea typeface="HY견고딕" panose="02030600000101010101" pitchFamily="18" charset="-127"/>
+              </a:rPr>
+              <a:t>1</a:t>
+            </a:r>
+            <a:r>
+              <a:rPr lang="ko-KR" altLang="en-US" dirty="0">
+                <a:latin typeface="HY견고딕" panose="02030600000101010101" pitchFamily="18" charset="-127"/>
+                <a:ea typeface="HY견고딕" panose="02030600000101010101" pitchFamily="18" charset="-127"/>
+              </a:rPr>
+              <a:t>차 </a:t>
+            </a:r>
+            <a:r>
+              <a:rPr lang="ko-KR" altLang="en-US" dirty="0" err="1">
+                <a:latin typeface="HY견고딕" panose="02030600000101010101" pitchFamily="18" charset="-127"/>
+                <a:ea typeface="HY견고딕" panose="02030600000101010101" pitchFamily="18" charset="-127"/>
+              </a:rPr>
+              <a:t>리팩토링</a:t>
+            </a:r>
+            <a:endParaRPr lang="en-US" altLang="ko-KR" dirty="0">
+              <a:latin typeface="HY견고딕" panose="02030600000101010101" pitchFamily="18" charset="-127"/>
+              <a:ea typeface="HY견고딕" panose="02030600000101010101" pitchFamily="18" charset="-127"/>
+            </a:endParaRPr>
+          </a:p>
+          <a:p>
+            <a:pPr algn="ctr"/>
+            <a:endParaRPr lang="en-US" altLang="ko-KR" dirty="0">
+              <a:latin typeface="HY견고딕" panose="02030600000101010101" pitchFamily="18" charset="-127"/>
+              <a:ea typeface="HY견고딕" panose="02030600000101010101" pitchFamily="18" charset="-127"/>
+            </a:endParaRPr>
+          </a:p>
+          <a:p>
+            <a:pPr algn="ctr"/>
+            <a:r>
+              <a:rPr lang="ko-KR" altLang="en-US" dirty="0">
+                <a:latin typeface="HY견고딕" panose="02030600000101010101" pitchFamily="18" charset="-127"/>
+                <a:ea typeface="HY견고딕" panose="02030600000101010101" pitchFamily="18" charset="-127"/>
+              </a:rPr>
+              <a:t>절차 지향적 </a:t>
+            </a:r>
+            <a:r>
+              <a:rPr lang="en-US" altLang="ko-KR" dirty="0">
+                <a:latin typeface="HY견고딕" panose="02030600000101010101" pitchFamily="18" charset="-127"/>
+                <a:ea typeface="HY견고딕" panose="02030600000101010101" pitchFamily="18" charset="-127"/>
+              </a:rPr>
+              <a:t>-&gt; </a:t>
+            </a:r>
+            <a:r>
+              <a:rPr lang="ko-KR" altLang="en-US" dirty="0">
+                <a:latin typeface="HY견고딕" panose="02030600000101010101" pitchFamily="18" charset="-127"/>
+                <a:ea typeface="HY견고딕" panose="02030600000101010101" pitchFamily="18" charset="-127"/>
+              </a:rPr>
+              <a:t>객체 지향적</a:t>
+            </a:r>
+            <a:endParaRPr lang="en-US" altLang="ko-KR" dirty="0">
+              <a:latin typeface="HY견고딕" panose="02030600000101010101" pitchFamily="18" charset="-127"/>
+              <a:ea typeface="HY견고딕" panose="02030600000101010101" pitchFamily="18" charset="-127"/>
+            </a:endParaRPr>
+          </a:p>
+          <a:p>
+            <a:pPr algn="ctr"/>
+            <a:endParaRPr lang="en-US" altLang="ko-KR" dirty="0">
+              <a:latin typeface="HY견고딕" panose="02030600000101010101" pitchFamily="18" charset="-127"/>
+              <a:ea typeface="HY견고딕" panose="02030600000101010101" pitchFamily="18" charset="-127"/>
+            </a:endParaRPr>
+          </a:p>
+          <a:p>
+            <a:pPr algn="ctr"/>
+            <a:r>
+              <a:rPr lang="ko-KR" altLang="en-US" dirty="0">
+                <a:latin typeface="HY견고딕" panose="02030600000101010101" pitchFamily="18" charset="-127"/>
+                <a:ea typeface="HY견고딕" panose="02030600000101010101" pitchFamily="18" charset="-127"/>
+              </a:rPr>
+              <a:t>비효율적인 중복 코드 제거</a:t>
+            </a:r>
+            <a:endParaRPr lang="en-US" altLang="ko-KR" dirty="0">
+              <a:latin typeface="HY견고딕" panose="02030600000101010101" pitchFamily="18" charset="-127"/>
+              <a:ea typeface="HY견고딕" panose="02030600000101010101" pitchFamily="18" charset="-127"/>
+            </a:endParaRPr>
+          </a:p>
+          <a:p>
+            <a:pPr algn="ctr"/>
+            <a:r>
+              <a:rPr lang="ko-KR" altLang="en-US" dirty="0">
+                <a:latin typeface="HY견고딕" panose="02030600000101010101" pitchFamily="18" charset="-127"/>
+                <a:ea typeface="HY견고딕" panose="02030600000101010101" pitchFamily="18" charset="-127"/>
+              </a:rPr>
+              <a:t>전체적으로 약 </a:t>
+            </a:r>
+            <a:r>
+              <a:rPr lang="en-US" altLang="ko-KR" dirty="0">
+                <a:latin typeface="HY견고딕" panose="02030600000101010101" pitchFamily="18" charset="-127"/>
+                <a:ea typeface="HY견고딕" panose="02030600000101010101" pitchFamily="18" charset="-127"/>
+              </a:rPr>
+              <a:t>600</a:t>
+            </a:r>
+            <a:r>
+              <a:rPr lang="ko-KR" altLang="en-US" dirty="0">
+                <a:latin typeface="HY견고딕" panose="02030600000101010101" pitchFamily="18" charset="-127"/>
+                <a:ea typeface="HY견고딕" panose="02030600000101010101" pitchFamily="18" charset="-127"/>
+              </a:rPr>
+              <a:t>줄 절약</a:t>
+            </a:r>
+            <a:endParaRPr lang="en-US" altLang="ko-KR" dirty="0">
+              <a:latin typeface="HY견고딕" panose="02030600000101010101" pitchFamily="18" charset="-127"/>
+              <a:ea typeface="HY견고딕" panose="02030600000101010101" pitchFamily="18" charset="-127"/>
+            </a:endParaRPr>
+          </a:p>
+          <a:p>
+            <a:pPr algn="ctr"/>
+            <a:endParaRPr lang="en-US" altLang="ko-KR" dirty="0">
+              <a:latin typeface="HY견고딕" panose="02030600000101010101" pitchFamily="18" charset="-127"/>
+              <a:ea typeface="HY견고딕" panose="02030600000101010101" pitchFamily="18" charset="-127"/>
+            </a:endParaRPr>
+          </a:p>
+          <a:p>
+            <a:pPr algn="ctr"/>
+            <a:r>
+              <a:rPr lang="ko-KR" altLang="en-US" dirty="0">
+                <a:latin typeface="HY견고딕" panose="02030600000101010101" pitchFamily="18" charset="-127"/>
+                <a:ea typeface="HY견고딕" panose="02030600000101010101" pitchFamily="18" charset="-127"/>
+              </a:rPr>
+              <a:t>가독성 및 유지보수성이 증가</a:t>
+            </a:r>
+            <a:endParaRPr lang="en-US" altLang="ko-KR" dirty="0">
+              <a:latin typeface="HY견고딕" panose="02030600000101010101" pitchFamily="18" charset="-127"/>
+              <a:ea typeface="HY견고딕" panose="02030600000101010101" pitchFamily="18" charset="-127"/>
+            </a:endParaRPr>
+          </a:p>
+          <a:p>
+            <a:pPr algn="ctr"/>
+            <a:r>
+              <a:rPr lang="ko-KR" altLang="en-US" dirty="0">
+                <a:latin typeface="HY견고딕" panose="02030600000101010101" pitchFamily="18" charset="-127"/>
+                <a:ea typeface="HY견고딕" panose="02030600000101010101" pitchFamily="18" charset="-127"/>
+              </a:rPr>
+              <a:t>서버를 추가하기 용이해짐</a:t>
+            </a:r>
+            <a:endParaRPr lang="en-US" altLang="ko-KR" dirty="0">
+              <a:latin typeface="HY견고딕" panose="02030600000101010101" pitchFamily="18" charset="-127"/>
+              <a:ea typeface="HY견고딕" panose="02030600000101010101" pitchFamily="18" charset="-127"/>
+            </a:endParaRPr>
+          </a:p>
+          <a:p>
+            <a:pPr algn="ctr"/>
+            <a:endParaRPr lang="en-US" altLang="ko-KR" dirty="0">
+              <a:latin typeface="HY견고딕" panose="02030600000101010101" pitchFamily="18" charset="-127"/>
+              <a:ea typeface="HY견고딕" panose="02030600000101010101" pitchFamily="18" charset="-127"/>
+            </a:endParaRPr>
+          </a:p>
+          <a:p>
+            <a:pPr algn="ctr"/>
+            <a:endParaRPr lang="en-US" altLang="ko-KR" dirty="0">
+              <a:latin typeface="HY견고딕" panose="02030600000101010101" pitchFamily="18" charset="-127"/>
+              <a:ea typeface="HY견고딕" panose="02030600000101010101" pitchFamily="18" charset="-127"/>
+            </a:endParaRPr>
+          </a:p>
+        </p:txBody>
+      </p:sp>
     </p:spTree>
     <p:extLst>
       <p:ext uri="{BB962C8B-B14F-4D97-AF65-F5344CB8AC3E}">
-        <p14:creationId xmlns:p14="http://schemas.microsoft.com/office/powerpoint/2010/main" val="4162892589"/>
+        <p14:creationId xmlns:p14="http://schemas.microsoft.com/office/powerpoint/2010/main" val="3993408934"/>
       </p:ext>
     </p:extLst>
   </p:cSld>
@@ -13004,7 +13746,7 @@
                 <a:latin typeface="HY헤드라인M" panose="02030600000101010101" pitchFamily="18" charset="-127"/>
                 <a:ea typeface="HY헤드라인M" panose="02030600000101010101" pitchFamily="18" charset="-127"/>
               </a:rPr>
-              <a:t>09/14</a:t>
+              <a:t>08/14</a:t>
             </a:r>
             <a:endParaRPr lang="ko-KR" altLang="en-US" dirty="0">
               <a:latin typeface="HY헤드라인M" panose="02030600000101010101" pitchFamily="18" charset="-127"/>
@@ -13027,8 +13769,8 @@
         </p:nvSpPr>
         <p:spPr>
           <a:xfrm>
-            <a:off x="4914785" y="1740759"/>
-            <a:ext cx="4955203" cy="3970318"/>
+            <a:off x="6611894" y="1947402"/>
+            <a:ext cx="4118435" cy="3416320"/>
           </a:xfrm>
           <a:prstGeom prst="rect">
             <a:avLst/>
@@ -13047,7 +13789,7 @@
                 <a:latin typeface="HY견고딕" panose="02030600000101010101" pitchFamily="18" charset="-127"/>
                 <a:ea typeface="HY견고딕" panose="02030600000101010101" pitchFamily="18" charset="-127"/>
               </a:rPr>
-              <a:t>3</a:t>
+              <a:t>2</a:t>
             </a:r>
             <a:r>
               <a:rPr lang="ko-KR" altLang="en-US" dirty="0">
@@ -13082,7 +13824,7 @@
                 <a:latin typeface="HY견고딕" panose="02030600000101010101" pitchFamily="18" charset="-127"/>
                 <a:ea typeface="HY견고딕" panose="02030600000101010101" pitchFamily="18" charset="-127"/>
               </a:rPr>
-              <a:t>서버에서 충돌체크 및 게임 진행에 필요한</a:t>
+              <a:t>프레임워크를 새로 제작 후 이식</a:t>
             </a:r>
             <a:endParaRPr lang="en-US" altLang="ko-KR" dirty="0">
               <a:latin typeface="HY견고딕" panose="02030600000101010101" pitchFamily="18" charset="-127"/>
@@ -13091,12 +13833,43 @@
           </a:p>
           <a:p>
             <a:pPr algn="ctr"/>
+            <a:endParaRPr lang="en-US" altLang="ko-KR" dirty="0">
+              <a:latin typeface="HY견고딕" panose="02030600000101010101" pitchFamily="18" charset="-127"/>
+              <a:ea typeface="HY견고딕" panose="02030600000101010101" pitchFamily="18" charset="-127"/>
+            </a:endParaRPr>
+          </a:p>
+          <a:p>
+            <a:pPr algn="ctr"/>
+            <a:r>
+              <a:rPr lang="en-US" altLang="ko-KR" dirty="0">
+                <a:latin typeface="HY견고딕" panose="02030600000101010101" pitchFamily="18" charset="-127"/>
+                <a:ea typeface="HY견고딕" panose="02030600000101010101" pitchFamily="18" charset="-127"/>
+              </a:rPr>
+              <a:t>Client</a:t>
+            </a:r>
+          </a:p>
+          <a:p>
+            <a:pPr algn="ctr"/>
+            <a:r>
+              <a:rPr lang="en-US" altLang="ko-KR" dirty="0" err="1">
+                <a:latin typeface="HY견고딕" panose="02030600000101010101" pitchFamily="18" charset="-127"/>
+                <a:ea typeface="HY견고딕" panose="02030600000101010101" pitchFamily="18" charset="-127"/>
+              </a:rPr>
+              <a:t>GetTickCount</a:t>
+            </a:r>
+            <a:r>
+              <a:rPr lang="en-US" altLang="ko-KR" dirty="0">
+                <a:latin typeface="HY견고딕" panose="02030600000101010101" pitchFamily="18" charset="-127"/>
+                <a:ea typeface="HY견고딕" panose="02030600000101010101" pitchFamily="18" charset="-127"/>
+              </a:rPr>
+              <a:t>() </a:t>
+            </a:r>
             <a:r>
               <a:rPr lang="ko-KR" altLang="en-US" dirty="0">
                 <a:latin typeface="HY견고딕" panose="02030600000101010101" pitchFamily="18" charset="-127"/>
                 <a:ea typeface="HY견고딕" panose="02030600000101010101" pitchFamily="18" charset="-127"/>
               </a:rPr>
-              <a:t>로직을 수행하는 전용 쓰레드를 생성</a:t>
+              <a:t>사용</a:t>
             </a:r>
             <a:endParaRPr lang="en-US" altLang="ko-KR" dirty="0">
               <a:latin typeface="HY견고딕" panose="02030600000101010101" pitchFamily="18" charset="-127"/>
@@ -13105,6 +13878,34 @@
           </a:p>
           <a:p>
             <a:pPr algn="ctr"/>
+            <a:r>
+              <a:rPr lang="ko-KR" altLang="en-US" dirty="0">
+                <a:latin typeface="HY견고딕" panose="02030600000101010101" pitchFamily="18" charset="-127"/>
+                <a:ea typeface="HY견고딕" panose="02030600000101010101" pitchFamily="18" charset="-127"/>
+              </a:rPr>
+              <a:t>프레임을 고정 및 </a:t>
+            </a:r>
+            <a:r>
+              <a:rPr lang="en-US" altLang="ko-KR" dirty="0" err="1">
+                <a:latin typeface="HY견고딕" panose="02030600000101010101" pitchFamily="18" charset="-127"/>
+                <a:ea typeface="HY견고딕" panose="02030600000101010101" pitchFamily="18" charset="-127"/>
+              </a:rPr>
+              <a:t>DeltaTime</a:t>
+            </a:r>
+            <a:r>
+              <a:rPr lang="en-US" altLang="ko-KR" dirty="0">
+                <a:latin typeface="HY견고딕" panose="02030600000101010101" pitchFamily="18" charset="-127"/>
+                <a:ea typeface="HY견고딕" panose="02030600000101010101" pitchFamily="18" charset="-127"/>
+              </a:rPr>
+              <a:t> </a:t>
+            </a:r>
+            <a:r>
+              <a:rPr lang="ko-KR" altLang="en-US" dirty="0">
+                <a:latin typeface="HY견고딕" panose="02030600000101010101" pitchFamily="18" charset="-127"/>
+                <a:ea typeface="HY견고딕" panose="02030600000101010101" pitchFamily="18" charset="-127"/>
+              </a:rPr>
+              <a:t>사용</a:t>
+            </a:r>
             <a:endParaRPr lang="en-US" altLang="ko-KR" dirty="0">
               <a:latin typeface="HY견고딕" panose="02030600000101010101" pitchFamily="18" charset="-127"/>
               <a:ea typeface="HY견고딕" panose="02030600000101010101" pitchFamily="18" charset="-127"/>
@@ -13113,26 +13914,29 @@
           <a:p>
             <a:pPr algn="ctr"/>
             <a:r>
-              <a:rPr lang="en-US" altLang="ko-KR" dirty="0" err="1">
-                <a:latin typeface="HY견고딕" panose="02030600000101010101" pitchFamily="18" charset="-127"/>
-                <a:ea typeface="HY견고딕" panose="02030600000101010101" pitchFamily="18" charset="-127"/>
-              </a:rPr>
-              <a:t>GetTickCount</a:t>
-            </a:r>
-            <a:r>
               <a:rPr lang="en-US" altLang="ko-KR" dirty="0">
                 <a:latin typeface="HY견고딕" panose="02030600000101010101" pitchFamily="18" charset="-127"/>
                 <a:ea typeface="HY견고딕" panose="02030600000101010101" pitchFamily="18" charset="-127"/>
               </a:rPr>
-              <a:t>() </a:t>
+              <a:t>(Main.cpp</a:t>
             </a:r>
             <a:r>
               <a:rPr lang="ko-KR" altLang="en-US" dirty="0">
                 <a:latin typeface="HY견고딕" panose="02030600000101010101" pitchFamily="18" charset="-127"/>
                 <a:ea typeface="HY견고딕" panose="02030600000101010101" pitchFamily="18" charset="-127"/>
               </a:rPr>
-              <a:t>사용</a:t>
-            </a:r>
+              <a:t>의 </a:t>
+            </a:r>
+            <a:r>
+              <a:rPr lang="en-US" altLang="ko-KR" dirty="0">
+                <a:latin typeface="HY견고딕" panose="02030600000101010101" pitchFamily="18" charset="-127"/>
+                <a:ea typeface="HY견고딕" panose="02030600000101010101" pitchFamily="18" charset="-127"/>
+              </a:rPr>
+              <a:t>40~74 Line)</a:t>
+            </a:r>
+          </a:p>
+          <a:p>
+            <a:pPr algn="ctr"/>
             <a:endParaRPr lang="en-US" altLang="ko-KR" dirty="0">
               <a:latin typeface="HY견고딕" panose="02030600000101010101" pitchFamily="18" charset="-127"/>
               <a:ea typeface="HY견고딕" panose="02030600000101010101" pitchFamily="18" charset="-127"/>
@@ -13141,18 +13945,11 @@
           <a:p>
             <a:pPr algn="ctr"/>
             <a:r>
-              <a:rPr lang="en-US" altLang="ko-KR" dirty="0" err="1">
-                <a:latin typeface="HY견고딕" panose="02030600000101010101" pitchFamily="18" charset="-127"/>
-                <a:ea typeface="HY견고딕" panose="02030600000101010101" pitchFamily="18" charset="-127"/>
-              </a:rPr>
-              <a:t>DeltaTime</a:t>
-            </a:r>
-            <a:r>
               <a:rPr lang="ko-KR" altLang="en-US" dirty="0">
                 <a:latin typeface="HY견고딕" panose="02030600000101010101" pitchFamily="18" charset="-127"/>
                 <a:ea typeface="HY견고딕" panose="02030600000101010101" pitchFamily="18" charset="-127"/>
               </a:rPr>
-              <a:t>값을 각 클라이언트에 전송</a:t>
+              <a:t>각 게임 오브젝트에 멤버변수로</a:t>
             </a:r>
             <a:endParaRPr lang="en-US" altLang="ko-KR" dirty="0">
               <a:latin typeface="HY견고딕" panose="02030600000101010101" pitchFamily="18" charset="-127"/>
@@ -13161,6 +13958,13 @@
           </a:p>
           <a:p>
             <a:pPr algn="ctr"/>
+            <a:r>
+              <a:rPr lang="ko-KR" altLang="en-US" dirty="0">
+                <a:latin typeface="HY견고딕" panose="02030600000101010101" pitchFamily="18" charset="-127"/>
+                <a:ea typeface="HY견고딕" panose="02030600000101010101" pitchFamily="18" charset="-127"/>
+              </a:rPr>
+              <a:t>서버와 통신할 프로토콜 사용</a:t>
+            </a:r>
             <a:endParaRPr lang="en-US" altLang="ko-KR" dirty="0">
               <a:latin typeface="HY견고딕" panose="02030600000101010101" pitchFamily="18" charset="-127"/>
               <a:ea typeface="HY견고딕" panose="02030600000101010101" pitchFamily="18" charset="-127"/>
@@ -13169,115 +13973,21 @@
           <a:p>
             <a:pPr algn="ctr"/>
             <a:r>
-              <a:rPr lang="ko-KR" altLang="en-US" dirty="0">
-                <a:latin typeface="HY견고딕" panose="02030600000101010101" pitchFamily="18" charset="-127"/>
-                <a:ea typeface="HY견고딕" panose="02030600000101010101" pitchFamily="18" charset="-127"/>
-              </a:rPr>
-              <a:t>이 과정에서 클라이언트는 서버로 </a:t>
-            </a:r>
-            <a:r>
-              <a:rPr lang="ko-KR" altLang="en-US" dirty="0" err="1">
-                <a:latin typeface="HY견고딕" panose="02030600000101010101" pitchFamily="18" charset="-127"/>
-                <a:ea typeface="HY견고딕" panose="02030600000101010101" pitchFamily="18" charset="-127"/>
-              </a:rPr>
-              <a:t>부터</a:t>
-            </a:r>
-            <a:r>
-              <a:rPr lang="ko-KR" altLang="en-US" dirty="0">
-                <a:latin typeface="HY견고딕" panose="02030600000101010101" pitchFamily="18" charset="-127"/>
-                <a:ea typeface="HY견고딕" panose="02030600000101010101" pitchFamily="18" charset="-127"/>
-              </a:rPr>
-              <a:t> </a:t>
-            </a:r>
-            <a:r>
-              <a:rPr lang="ko-KR" altLang="en-US" dirty="0" err="1">
-                <a:latin typeface="HY견고딕" panose="02030600000101010101" pitchFamily="18" charset="-127"/>
-                <a:ea typeface="HY견고딕" panose="02030600000101010101" pitchFamily="18" charset="-127"/>
-              </a:rPr>
-              <a:t>좌표값</a:t>
-            </a:r>
-            <a:endParaRPr lang="en-US" altLang="ko-KR" dirty="0">
-              <a:latin typeface="HY견고딕" panose="02030600000101010101" pitchFamily="18" charset="-127"/>
-              <a:ea typeface="HY견고딕" panose="02030600000101010101" pitchFamily="18" charset="-127"/>
-            </a:endParaRPr>
-          </a:p>
-          <a:p>
-            <a:pPr algn="ctr"/>
-            <a:r>
-              <a:rPr lang="ko-KR" altLang="en-US" dirty="0">
-                <a:latin typeface="HY견고딕" panose="02030600000101010101" pitchFamily="18" charset="-127"/>
-                <a:ea typeface="HY견고딕" panose="02030600000101010101" pitchFamily="18" charset="-127"/>
-              </a:rPr>
-              <a:t>및 기타 변수만 받고 </a:t>
-            </a:r>
-            <a:r>
-              <a:rPr lang="ko-KR" altLang="en-US" dirty="0" err="1">
-                <a:latin typeface="HY견고딕" panose="02030600000101010101" pitchFamily="18" charset="-127"/>
-                <a:ea typeface="HY견고딕" panose="02030600000101010101" pitchFamily="18" charset="-127"/>
-              </a:rPr>
-              <a:t>랜더링</a:t>
-            </a:r>
-            <a:r>
-              <a:rPr lang="ko-KR" altLang="en-US" dirty="0">
-                <a:latin typeface="HY견고딕" panose="02030600000101010101" pitchFamily="18" charset="-127"/>
-                <a:ea typeface="HY견고딕" panose="02030600000101010101" pitchFamily="18" charset="-127"/>
-              </a:rPr>
-              <a:t> 과정만 수행하기</a:t>
-            </a:r>
-            <a:endParaRPr lang="en-US" altLang="ko-KR" dirty="0">
-              <a:latin typeface="HY견고딕" panose="02030600000101010101" pitchFamily="18" charset="-127"/>
-              <a:ea typeface="HY견고딕" panose="02030600000101010101" pitchFamily="18" charset="-127"/>
-            </a:endParaRPr>
-          </a:p>
-          <a:p>
-            <a:pPr algn="ctr"/>
-            <a:r>
-              <a:rPr lang="ko-KR" altLang="en-US" dirty="0">
-                <a:latin typeface="HY견고딕" panose="02030600000101010101" pitchFamily="18" charset="-127"/>
-                <a:ea typeface="HY견고딕" panose="02030600000101010101" pitchFamily="18" charset="-127"/>
-              </a:rPr>
-              <a:t>때문에 프로토콜 구조체의 변수 최소화</a:t>
-            </a:r>
-            <a:endParaRPr lang="en-US" altLang="ko-KR" dirty="0">
-              <a:latin typeface="HY견고딕" panose="02030600000101010101" pitchFamily="18" charset="-127"/>
-              <a:ea typeface="HY견고딕" panose="02030600000101010101" pitchFamily="18" charset="-127"/>
-            </a:endParaRPr>
-          </a:p>
-          <a:p>
-            <a:pPr algn="ctr"/>
-            <a:endParaRPr lang="en-US" altLang="ko-KR" dirty="0">
-              <a:latin typeface="HY견고딕" panose="02030600000101010101" pitchFamily="18" charset="-127"/>
-              <a:ea typeface="HY견고딕" panose="02030600000101010101" pitchFamily="18" charset="-127"/>
-            </a:endParaRPr>
-          </a:p>
-          <a:p>
-            <a:pPr algn="ctr"/>
-            <a:r>
               <a:rPr lang="en-US" altLang="ko-KR" dirty="0">
                 <a:latin typeface="HY견고딕" panose="02030600000101010101" pitchFamily="18" charset="-127"/>
                 <a:ea typeface="HY견고딕" panose="02030600000101010101" pitchFamily="18" charset="-127"/>
               </a:rPr>
-              <a:t>Server/Main.cpp</a:t>
-            </a:r>
-          </a:p>
-          <a:p>
-            <a:pPr algn="ctr"/>
-            <a:r>
-              <a:rPr lang="en-US" altLang="ko-KR" dirty="0">
-                <a:latin typeface="HY견고딕" panose="02030600000101010101" pitchFamily="18" charset="-127"/>
-                <a:ea typeface="HY견고딕" panose="02030600000101010101" pitchFamily="18" charset="-127"/>
-              </a:rPr>
-              <a:t>265 Line</a:t>
+              <a:t>(Player, Bullet, Tile, Item, Ball)</a:t>
             </a:r>
           </a:p>
         </p:txBody>
       </p:sp>
       <p:pic>
         <p:nvPicPr>
-          <p:cNvPr id="10" name="그림 9" descr="앉아있는, 검은색, 테이블, 전화이(가) 표시된 사진&#10;&#10;자동 생성된 설명">
-            <a:extLst>
-              <a:ext uri="{FF2B5EF4-FFF2-40B4-BE49-F238E27FC236}">
-                <a16:creationId xmlns:a16="http://schemas.microsoft.com/office/drawing/2014/main" id="{EC0EE62B-A4D8-4124-A43F-A4131A1FBF74}"/>
+          <p:cNvPr id="9" name="그림 8" descr="컴퓨터, 앉아있는, 노트북, 화면이(가) 표시된 사진&#10;&#10;자동 생성된 설명">
+            <a:extLst>
+              <a:ext uri="{FF2B5EF4-FFF2-40B4-BE49-F238E27FC236}">
+                <a16:creationId xmlns:a16="http://schemas.microsoft.com/office/drawing/2014/main" id="{1E089A05-3746-40EA-8C56-308555117AAF}"/>
               </a:ext>
             </a:extLst>
           </p:cNvPr>
@@ -13300,8 +14010,44 @@
         </p:blipFill>
         <p:spPr>
           <a:xfrm>
-            <a:off x="1632001" y="1740759"/>
-            <a:ext cx="3020682" cy="4153437"/>
+            <a:off x="1765080" y="1594305"/>
+            <a:ext cx="1490628" cy="4530723"/>
+          </a:xfrm>
+          <a:prstGeom prst="rect">
+            <a:avLst/>
+          </a:prstGeom>
+        </p:spPr>
+      </p:pic>
+      <p:pic>
+        <p:nvPicPr>
+          <p:cNvPr id="12" name="그림 11" descr="텍스트이(가) 표시된 사진&#10;&#10;자동 생성된 설명">
+            <a:extLst>
+              <a:ext uri="{FF2B5EF4-FFF2-40B4-BE49-F238E27FC236}">
+                <a16:creationId xmlns:a16="http://schemas.microsoft.com/office/drawing/2014/main" id="{FB90AA45-52D6-462A-80B2-F48527BED042}"/>
+              </a:ext>
+            </a:extLst>
+          </p:cNvPr>
+          <p:cNvPicPr>
+            <a:picLocks noChangeAspect="1"/>
+          </p:cNvPicPr>
+          <p:nvPr/>
+        </p:nvPicPr>
+        <p:blipFill>
+          <a:blip r:embed="rId3">
+            <a:extLst>
+              <a:ext uri="{28A0092B-C50C-407E-A947-70E740481C1C}">
+                <a14:useLocalDpi xmlns:a14="http://schemas.microsoft.com/office/drawing/2010/main" val="0"/>
+              </a:ext>
+            </a:extLst>
+          </a:blip>
+          <a:stretch>
+            <a:fillRect/>
+          </a:stretch>
+        </p:blipFill>
+        <p:spPr>
+          <a:xfrm>
+            <a:off x="3468320" y="1640094"/>
+            <a:ext cx="3204607" cy="4491431"/>
           </a:xfrm>
           <a:prstGeom prst="rect">
             <a:avLst/>
@@ -13311,7 +14057,7 @@
     </p:spTree>
     <p:extLst>
       <p:ext uri="{BB962C8B-B14F-4D97-AF65-F5344CB8AC3E}">
-        <p14:creationId xmlns:p14="http://schemas.microsoft.com/office/powerpoint/2010/main" val="3837703111"/>
+        <p14:creationId xmlns:p14="http://schemas.microsoft.com/office/powerpoint/2010/main" val="4162892589"/>
       </p:ext>
     </p:extLst>
   </p:cSld>
